--- a/docs/Mp4ToHLS.pptx
+++ b/docs/Mp4ToHLS.pptx
@@ -11,6 +11,11 @@
     <p:sldId id="262" r:id="rId5"/>
     <p:sldId id="259" r:id="rId6"/>
     <p:sldId id="260" r:id="rId7"/>
+    <p:sldId id="263" r:id="rId8"/>
+    <p:sldId id="264" r:id="rId9"/>
+    <p:sldId id="265" r:id="rId10"/>
+    <p:sldId id="266" r:id="rId11"/>
+    <p:sldId id="267" r:id="rId12"/>
   </p:sldIdLst>
   <p:sldSz cx="12192000" cy="6858000"/>
   <p:notesSz cx="6858000" cy="9144000"/>
@@ -109,6 +114,11 @@
       </a:defRPr>
     </a:lvl9pPr>
   </p:defaultTextStyle>
+  <p:extLst>
+    <p:ext uri="{EFAFB233-063F-42B5-8137-9DF3F51BA10A}">
+      <p15:sldGuideLst xmlns:p15="http://schemas.microsoft.com/office/powerpoint/2012/main"/>
+    </p:ext>
+  </p:extLst>
 </p:presentation>
 </file>
 
@@ -3441,6 +3451,945 @@
 </p:sld>
 </file>
 
+<file path=ppt/slides/slide10.xml><?xml version="1.0" encoding="utf-8"?>
+<p:sld xmlns:a="http://schemas.openxmlformats.org/drawingml/2006/main" xmlns:r="http://schemas.openxmlformats.org/officeDocument/2006/relationships" xmlns:p="http://schemas.openxmlformats.org/presentationml/2006/main">
+  <p:cSld>
+    <p:spTree>
+      <p:nvGrpSpPr>
+        <p:cNvPr id="1" name=""/>
+        <p:cNvGrpSpPr/>
+        <p:nvPr/>
+      </p:nvGrpSpPr>
+      <p:grpSpPr>
+        <a:xfrm>
+          <a:off x="0" y="0"/>
+          <a:ext cx="0" cy="0"/>
+          <a:chOff x="0" y="0"/>
+          <a:chExt cx="0" cy="0"/>
+        </a:xfrm>
+      </p:grpSpPr>
+      <p:sp>
+        <p:nvSpPr>
+          <p:cNvPr id="2" name="TextBox 1">
+            <a:extLst>
+              <a:ext uri="{FF2B5EF4-FFF2-40B4-BE49-F238E27FC236}">
+                <a16:creationId xmlns:a16="http://schemas.microsoft.com/office/drawing/2014/main" id="{2C265965-136C-12A1-055A-8C1D00DA0493}"/>
+              </a:ext>
+            </a:extLst>
+          </p:cNvPr>
+          <p:cNvSpPr txBox="1"/>
+          <p:nvPr/>
+        </p:nvSpPr>
+        <p:spPr>
+          <a:xfrm>
+            <a:off x="3945036" y="79866"/>
+            <a:ext cx="4613748" cy="646331"/>
+          </a:xfrm>
+          <a:prstGeom prst="rect">
+            <a:avLst/>
+          </a:prstGeom>
+          <a:noFill/>
+        </p:spPr>
+        <p:txBody>
+          <a:bodyPr wrap="square" rtlCol="0">
+            <a:spAutoFit/>
+          </a:bodyPr>
+          <a:lstStyle/>
+          <a:p>
+            <a:r>
+              <a:rPr lang="en-IN" dirty="0"/>
+              <a:t>Update the Cache of the CloudFront distribution </a:t>
+            </a:r>
+          </a:p>
+        </p:txBody>
+      </p:sp>
+      <p:sp>
+        <p:nvSpPr>
+          <p:cNvPr id="3" name="Rectangle 2">
+            <a:extLst>
+              <a:ext uri="{FF2B5EF4-FFF2-40B4-BE49-F238E27FC236}">
+                <a16:creationId xmlns:a16="http://schemas.microsoft.com/office/drawing/2014/main" id="{A6AE37A1-9329-E66A-748C-E67F9664C20D}"/>
+              </a:ext>
+            </a:extLst>
+          </p:cNvPr>
+          <p:cNvSpPr/>
+          <p:nvPr/>
+        </p:nvSpPr>
+        <p:spPr>
+          <a:xfrm>
+            <a:off x="3502165" y="94154"/>
+            <a:ext cx="4613747" cy="751564"/>
+          </a:xfrm>
+          <a:prstGeom prst="rect">
+            <a:avLst/>
+          </a:prstGeom>
+          <a:solidFill>
+            <a:schemeClr val="accent4">
+              <a:alpha val="50000"/>
+            </a:schemeClr>
+          </a:solidFill>
+          <a:ln>
+            <a:noFill/>
+          </a:ln>
+        </p:spPr>
+        <p:style>
+          <a:lnRef idx="0">
+            <a:scrgbClr r="0" g="0" b="0"/>
+          </a:lnRef>
+          <a:fillRef idx="0">
+            <a:scrgbClr r="0" g="0" b="0"/>
+          </a:fillRef>
+          <a:effectRef idx="0">
+            <a:scrgbClr r="0" g="0" b="0"/>
+          </a:effectRef>
+          <a:fontRef idx="minor">
+            <a:schemeClr val="lt1"/>
+          </a:fontRef>
+        </p:style>
+        <p:txBody>
+          <a:bodyPr rtlCol="0" anchor="ctr"/>
+          <a:lstStyle/>
+          <a:p>
+            <a:pPr algn="ctr"/>
+            <a:endParaRPr lang="en-IN" dirty="0"/>
+          </a:p>
+        </p:txBody>
+      </p:sp>
+      <p:sp>
+        <p:nvSpPr>
+          <p:cNvPr id="6" name="TextBox 5">
+            <a:extLst>
+              <a:ext uri="{FF2B5EF4-FFF2-40B4-BE49-F238E27FC236}">
+                <a16:creationId xmlns:a16="http://schemas.microsoft.com/office/drawing/2014/main" id="{BD8DF3EC-4603-A48E-2A10-F49FA9D92902}"/>
+              </a:ext>
+            </a:extLst>
+          </p:cNvPr>
+          <p:cNvSpPr txBox="1"/>
+          <p:nvPr/>
+        </p:nvSpPr>
+        <p:spPr>
+          <a:xfrm>
+            <a:off x="1207008" y="2399302"/>
+            <a:ext cx="10003536" cy="4378832"/>
+          </a:xfrm>
+          <a:prstGeom prst="rect">
+            <a:avLst/>
+          </a:prstGeom>
+          <a:noFill/>
+        </p:spPr>
+        <p:txBody>
+          <a:bodyPr wrap="square">
+            <a:spAutoFit/>
+          </a:bodyPr>
+          <a:lstStyle/>
+          <a:p>
+            <a:r>
+              <a:rPr lang="en-IN" sz="1600" dirty="0"/>
+              <a:t>import boto3</a:t>
+            </a:r>
+          </a:p>
+          <a:p>
+            <a:endParaRPr lang="en-IN" sz="1600" dirty="0"/>
+          </a:p>
+          <a:p>
+            <a:r>
+              <a:rPr lang="en-IN" sz="1600" dirty="0"/>
+              <a:t>def </a:t>
+            </a:r>
+            <a:r>
+              <a:rPr lang="en-IN" sz="1600" dirty="0" err="1"/>
+              <a:t>lambda_handler</a:t>
+            </a:r>
+            <a:r>
+              <a:rPr lang="en-IN" sz="1600" dirty="0"/>
+              <a:t>(event, context):</a:t>
+            </a:r>
+          </a:p>
+          <a:p>
+            <a:r>
+              <a:rPr lang="en-IN" sz="1600" dirty="0"/>
+              <a:t>    # Create CloudFront client</a:t>
+            </a:r>
+          </a:p>
+          <a:p>
+            <a:r>
+              <a:rPr lang="en-IN" sz="1600" dirty="0"/>
+              <a:t>    </a:t>
+            </a:r>
+            <a:r>
+              <a:rPr lang="en-IN" sz="1600" dirty="0" err="1"/>
+              <a:t>cf</a:t>
+            </a:r>
+            <a:r>
+              <a:rPr lang="en-IN" sz="1600" dirty="0"/>
+              <a:t> = boto3.client(‘CloudFront)</a:t>
+            </a:r>
+          </a:p>
+          <a:p>
+            <a:endParaRPr lang="en-IN" sz="1600" dirty="0"/>
+          </a:p>
+          <a:p>
+            <a:r>
+              <a:rPr lang="en-IN" sz="1600" dirty="0"/>
+              <a:t>    # Define the CloudFront distribution ID and the file paths to invalidate</a:t>
+            </a:r>
+          </a:p>
+          <a:p>
+            <a:r>
+              <a:rPr lang="en-IN" sz="1600" dirty="0"/>
+              <a:t>    </a:t>
+            </a:r>
+            <a:r>
+              <a:rPr lang="en-IN" sz="1600" dirty="0" err="1"/>
+              <a:t>distribution_id</a:t>
+            </a:r>
+            <a:r>
+              <a:rPr lang="en-IN" sz="1600" dirty="0"/>
+              <a:t> = 'YOUR_DISTRIBUTION_ID'</a:t>
+            </a:r>
+          </a:p>
+          <a:p>
+            <a:r>
+              <a:rPr lang="en-IN" sz="1600" dirty="0"/>
+              <a:t>    items = [{'Quantity': </a:t>
+            </a:r>
+            <a:r>
+              <a:rPr lang="en-IN" sz="1600" dirty="0" err="1"/>
+              <a:t>len</a:t>
+            </a:r>
+            <a:r>
+              <a:rPr lang="en-IN" sz="1600" dirty="0"/>
+              <a:t>(event['Records']), 'Items': [record['s3']['object']['key'] for record in event['Records']]}]</a:t>
+            </a:r>
+          </a:p>
+          <a:p>
+            <a:endParaRPr lang="en-IN" sz="1600" dirty="0"/>
+          </a:p>
+          <a:p>
+            <a:r>
+              <a:rPr lang="en-IN" sz="1600" dirty="0"/>
+              <a:t>    # Create invalidation</a:t>
+            </a:r>
+          </a:p>
+          <a:p>
+            <a:r>
+              <a:rPr lang="en-IN" sz="1600" dirty="0"/>
+              <a:t>    response = </a:t>
+            </a:r>
+            <a:r>
+              <a:rPr lang="en-IN" sz="1600" dirty="0" err="1"/>
+              <a:t>cf.create_invalidation</a:t>
+            </a:r>
+            <a:r>
+              <a:rPr lang="en-IN" sz="1600" dirty="0"/>
+              <a:t>(</a:t>
+            </a:r>
+            <a:r>
+              <a:rPr lang="en-IN" sz="1600" dirty="0" err="1"/>
+              <a:t>DistributionId</a:t>
+            </a:r>
+            <a:r>
+              <a:rPr lang="en-IN" sz="1600" dirty="0"/>
+              <a:t>=</a:t>
+            </a:r>
+            <a:r>
+              <a:rPr lang="en-IN" sz="1600" dirty="0" err="1"/>
+              <a:t>distribution_id</a:t>
+            </a:r>
+            <a:r>
+              <a:rPr lang="en-IN" sz="1600" dirty="0"/>
+              <a:t>,</a:t>
+            </a:r>
+          </a:p>
+          <a:p>
+            <a:r>
+              <a:rPr lang="en-IN" sz="1600" dirty="0"/>
+              <a:t>                                      </a:t>
+            </a:r>
+            <a:r>
+              <a:rPr lang="en-IN" sz="1600" dirty="0" err="1"/>
+              <a:t>InvalidationBatch</a:t>
+            </a:r>
+            <a:r>
+              <a:rPr lang="en-IN" sz="1600" dirty="0"/>
+              <a:t>={</a:t>
+            </a:r>
+          </a:p>
+          <a:p>
+            <a:r>
+              <a:rPr lang="en-IN" sz="1600" dirty="0"/>
+              <a:t>                                          'Paths': items,</a:t>
+            </a:r>
+          </a:p>
+          <a:p>
+            <a:r>
+              <a:rPr lang="en-IN" sz="1600" dirty="0"/>
+              <a:t>                                          '</a:t>
+            </a:r>
+            <a:r>
+              <a:rPr lang="en-IN" sz="1600" dirty="0" err="1"/>
+              <a:t>CallerReference</a:t>
+            </a:r>
+            <a:r>
+              <a:rPr lang="en-IN" sz="1600" dirty="0"/>
+              <a:t>': str(</a:t>
+            </a:r>
+            <a:r>
+              <a:rPr lang="en-IN" sz="1600" dirty="0" err="1"/>
+              <a:t>context.aws_request_id</a:t>
+            </a:r>
+            <a:r>
+              <a:rPr lang="en-IN" sz="1600" dirty="0"/>
+              <a:t>)</a:t>
+            </a:r>
+          </a:p>
+          <a:p>
+            <a:r>
+              <a:rPr lang="en-IN" sz="1600" dirty="0"/>
+              <a:t>                                      })</a:t>
+            </a:r>
+          </a:p>
+          <a:p>
+            <a:r>
+              <a:rPr lang="en-IN" sz="1600" dirty="0"/>
+              <a:t>    return response</a:t>
+            </a:r>
+          </a:p>
+        </p:txBody>
+      </p:sp>
+      <p:pic>
+        <p:nvPicPr>
+          <p:cNvPr id="11" name="Picture 10">
+            <a:extLst>
+              <a:ext uri="{FF2B5EF4-FFF2-40B4-BE49-F238E27FC236}">
+                <a16:creationId xmlns:a16="http://schemas.microsoft.com/office/drawing/2014/main" id="{B66D3FDB-56B9-BE33-E7A7-80BA514A2A3F}"/>
+              </a:ext>
+            </a:extLst>
+          </p:cNvPr>
+          <p:cNvPicPr>
+            <a:picLocks noChangeAspect="1"/>
+          </p:cNvPicPr>
+          <p:nvPr/>
+        </p:nvPicPr>
+        <p:blipFill>
+          <a:blip r:embed="rId2"/>
+          <a:stretch>
+            <a:fillRect/>
+          </a:stretch>
+        </p:blipFill>
+        <p:spPr>
+          <a:xfrm>
+            <a:off x="1112520" y="891284"/>
+            <a:ext cx="9659112" cy="1342931"/>
+          </a:xfrm>
+          <a:prstGeom prst="rect">
+            <a:avLst/>
+          </a:prstGeom>
+        </p:spPr>
+      </p:pic>
+      <p:sp>
+        <p:nvSpPr>
+          <p:cNvPr id="12" name="Rectangle 11">
+            <a:extLst>
+              <a:ext uri="{FF2B5EF4-FFF2-40B4-BE49-F238E27FC236}">
+                <a16:creationId xmlns:a16="http://schemas.microsoft.com/office/drawing/2014/main" id="{D1D24563-E6A4-71A5-9DF1-2976757B183D}"/>
+              </a:ext>
+            </a:extLst>
+          </p:cNvPr>
+          <p:cNvSpPr/>
+          <p:nvPr/>
+        </p:nvSpPr>
+        <p:spPr>
+          <a:xfrm>
+            <a:off x="621792" y="891284"/>
+            <a:ext cx="11009376" cy="5792980"/>
+          </a:xfrm>
+          <a:prstGeom prst="rect">
+            <a:avLst/>
+          </a:prstGeom>
+          <a:noFill/>
+          <a:ln w="9525" cap="flat" cmpd="sng" algn="ctr">
+            <a:solidFill>
+              <a:schemeClr val="accent3"/>
+            </a:solidFill>
+            <a:prstDash val="solid"/>
+            <a:round/>
+            <a:headEnd type="none" w="med" len="med"/>
+            <a:tailEnd type="none" w="med" len="med"/>
+          </a:ln>
+        </p:spPr>
+        <p:style>
+          <a:lnRef idx="0">
+            <a:scrgbClr r="0" g="0" b="0"/>
+          </a:lnRef>
+          <a:fillRef idx="0">
+            <a:scrgbClr r="0" g="0" b="0"/>
+          </a:fillRef>
+          <a:effectRef idx="0">
+            <a:scrgbClr r="0" g="0" b="0"/>
+          </a:effectRef>
+          <a:fontRef idx="minor">
+            <a:schemeClr val="accent3"/>
+          </a:fontRef>
+        </p:style>
+        <p:txBody>
+          <a:bodyPr rtlCol="0" anchor="ctr"/>
+          <a:lstStyle/>
+          <a:p>
+            <a:pPr algn="ctr"/>
+            <a:endParaRPr lang="en-IN" dirty="0"/>
+          </a:p>
+        </p:txBody>
+      </p:sp>
+      <p:pic>
+        <p:nvPicPr>
+          <p:cNvPr id="15" name="Picture 14">
+            <a:extLst>
+              <a:ext uri="{FF2B5EF4-FFF2-40B4-BE49-F238E27FC236}">
+                <a16:creationId xmlns:a16="http://schemas.microsoft.com/office/drawing/2014/main" id="{CFA52A9F-0E74-6DD0-9A78-74312A9F9BED}"/>
+              </a:ext>
+            </a:extLst>
+          </p:cNvPr>
+          <p:cNvPicPr>
+            <a:picLocks noChangeAspect="1"/>
+          </p:cNvPicPr>
+          <p:nvPr/>
+        </p:nvPicPr>
+        <p:blipFill>
+          <a:blip r:embed="rId3"/>
+          <a:stretch>
+            <a:fillRect/>
+          </a:stretch>
+        </p:blipFill>
+        <p:spPr>
+          <a:xfrm>
+            <a:off x="3836709" y="2102903"/>
+            <a:ext cx="7373835" cy="848318"/>
+          </a:xfrm>
+          <a:prstGeom prst="rect">
+            <a:avLst/>
+          </a:prstGeom>
+        </p:spPr>
+      </p:pic>
+    </p:spTree>
+    <p:extLst>
+      <p:ext uri="{BB962C8B-B14F-4D97-AF65-F5344CB8AC3E}">
+        <p14:creationId xmlns:p14="http://schemas.microsoft.com/office/powerpoint/2010/main" val="666085677"/>
+      </p:ext>
+    </p:extLst>
+  </p:cSld>
+  <p:clrMapOvr>
+    <a:masterClrMapping/>
+  </p:clrMapOvr>
+</p:sld>
+</file>
+
+<file path=ppt/slides/slide11.xml><?xml version="1.0" encoding="utf-8"?>
+<p:sld xmlns:a="http://schemas.openxmlformats.org/drawingml/2006/main" xmlns:r="http://schemas.openxmlformats.org/officeDocument/2006/relationships" xmlns:p="http://schemas.openxmlformats.org/presentationml/2006/main">
+  <p:cSld>
+    <p:spTree>
+      <p:nvGrpSpPr>
+        <p:cNvPr id="1" name=""/>
+        <p:cNvGrpSpPr/>
+        <p:nvPr/>
+      </p:nvGrpSpPr>
+      <p:grpSpPr>
+        <a:xfrm>
+          <a:off x="0" y="0"/>
+          <a:ext cx="0" cy="0"/>
+          <a:chOff x="0" y="0"/>
+          <a:chExt cx="0" cy="0"/>
+        </a:xfrm>
+      </p:grpSpPr>
+      <p:sp>
+        <p:nvSpPr>
+          <p:cNvPr id="2" name="TextBox 1">
+            <a:extLst>
+              <a:ext uri="{FF2B5EF4-FFF2-40B4-BE49-F238E27FC236}">
+                <a16:creationId xmlns:a16="http://schemas.microsoft.com/office/drawing/2014/main" id="{2C265965-136C-12A1-055A-8C1D00DA0493}"/>
+              </a:ext>
+            </a:extLst>
+          </p:cNvPr>
+          <p:cNvSpPr txBox="1"/>
+          <p:nvPr/>
+        </p:nvSpPr>
+        <p:spPr>
+          <a:xfrm>
+            <a:off x="3945036" y="79866"/>
+            <a:ext cx="4613748" cy="646331"/>
+          </a:xfrm>
+          <a:prstGeom prst="rect">
+            <a:avLst/>
+          </a:prstGeom>
+          <a:noFill/>
+        </p:spPr>
+        <p:txBody>
+          <a:bodyPr wrap="square" rtlCol="0">
+            <a:spAutoFit/>
+          </a:bodyPr>
+          <a:lstStyle/>
+          <a:p>
+            <a:r>
+              <a:rPr lang="en-IN" dirty="0"/>
+              <a:t>Update the Cache of the CloudFront distribution </a:t>
+            </a:r>
+          </a:p>
+        </p:txBody>
+      </p:sp>
+      <p:sp>
+        <p:nvSpPr>
+          <p:cNvPr id="3" name="Rectangle 2">
+            <a:extLst>
+              <a:ext uri="{FF2B5EF4-FFF2-40B4-BE49-F238E27FC236}">
+                <a16:creationId xmlns:a16="http://schemas.microsoft.com/office/drawing/2014/main" id="{A6AE37A1-9329-E66A-748C-E67F9664C20D}"/>
+              </a:ext>
+            </a:extLst>
+          </p:cNvPr>
+          <p:cNvSpPr/>
+          <p:nvPr/>
+        </p:nvSpPr>
+        <p:spPr>
+          <a:xfrm>
+            <a:off x="3502165" y="94154"/>
+            <a:ext cx="4613747" cy="751564"/>
+          </a:xfrm>
+          <a:prstGeom prst="rect">
+            <a:avLst/>
+          </a:prstGeom>
+          <a:solidFill>
+            <a:schemeClr val="accent4">
+              <a:alpha val="50000"/>
+            </a:schemeClr>
+          </a:solidFill>
+          <a:ln>
+            <a:noFill/>
+          </a:ln>
+        </p:spPr>
+        <p:style>
+          <a:lnRef idx="0">
+            <a:scrgbClr r="0" g="0" b="0"/>
+          </a:lnRef>
+          <a:fillRef idx="0">
+            <a:scrgbClr r="0" g="0" b="0"/>
+          </a:fillRef>
+          <a:effectRef idx="0">
+            <a:scrgbClr r="0" g="0" b="0"/>
+          </a:effectRef>
+          <a:fontRef idx="minor">
+            <a:schemeClr val="lt1"/>
+          </a:fontRef>
+        </p:style>
+        <p:txBody>
+          <a:bodyPr rtlCol="0" anchor="ctr"/>
+          <a:lstStyle/>
+          <a:p>
+            <a:pPr algn="ctr"/>
+            <a:endParaRPr lang="en-IN" dirty="0"/>
+          </a:p>
+        </p:txBody>
+      </p:sp>
+      <p:sp>
+        <p:nvSpPr>
+          <p:cNvPr id="5" name="TextBox 4">
+            <a:extLst>
+              <a:ext uri="{FF2B5EF4-FFF2-40B4-BE49-F238E27FC236}">
+                <a16:creationId xmlns:a16="http://schemas.microsoft.com/office/drawing/2014/main" id="{9B9BD926-67D0-13C2-0B17-058C1A4DD430}"/>
+              </a:ext>
+            </a:extLst>
+          </p:cNvPr>
+          <p:cNvSpPr txBox="1"/>
+          <p:nvPr/>
+        </p:nvSpPr>
+        <p:spPr>
+          <a:xfrm>
+            <a:off x="605254" y="1121787"/>
+            <a:ext cx="11045750" cy="4888198"/>
+          </a:xfrm>
+          <a:prstGeom prst="rect">
+            <a:avLst/>
+          </a:prstGeom>
+          <a:noFill/>
+        </p:spPr>
+        <p:txBody>
+          <a:bodyPr wrap="square">
+            <a:spAutoFit/>
+          </a:bodyPr>
+          <a:lstStyle/>
+          <a:p>
+            <a:pPr algn="l"/>
+            <a:r>
+              <a:rPr lang="en-US" b="1" i="0" dirty="0">
+                <a:solidFill>
+                  <a:srgbClr val="0D0D0D"/>
+                </a:solidFill>
+                <a:effectLst/>
+                <a:highlight>
+                  <a:srgbClr val="FFFFFF"/>
+                </a:highlight>
+                <a:latin typeface="Segoe UI" panose="020B0502040204020203" pitchFamily="34" charset="0"/>
+                <a:cs typeface="Segoe UI" panose="020B0502040204020203" pitchFamily="34" charset="0"/>
+              </a:rPr>
+              <a:t>Step 5: Configure IAM Roles and Permissions</a:t>
+            </a:r>
+          </a:p>
+          <a:p>
+            <a:pPr algn="l">
+              <a:lnSpc>
+                <a:spcPct val="150000"/>
+              </a:lnSpc>
+              <a:buFont typeface="+mj-lt"/>
+              <a:buAutoNum type="arabicPeriod"/>
+            </a:pPr>
+            <a:r>
+              <a:rPr lang="en-US" b="0" i="0" dirty="0">
+                <a:solidFill>
+                  <a:srgbClr val="0D0D0D"/>
+                </a:solidFill>
+                <a:effectLst/>
+                <a:highlight>
+                  <a:srgbClr val="FFFFFF"/>
+                </a:highlight>
+                <a:latin typeface="Segoe UI" panose="020B0502040204020203" pitchFamily="34" charset="0"/>
+                <a:cs typeface="Segoe UI" panose="020B0502040204020203" pitchFamily="34" charset="0"/>
+              </a:rPr>
+              <a:t>Ensure the IAM role used by your Lambda function has the following policies attached:</a:t>
+            </a:r>
+          </a:p>
+          <a:p>
+            <a:pPr marL="742950" lvl="1" indent="-285750" algn="l">
+              <a:lnSpc>
+                <a:spcPct val="150000"/>
+              </a:lnSpc>
+              <a:buFont typeface="Wingdings" panose="05000000000000000000" pitchFamily="2" charset="2"/>
+              <a:buChar char="ü"/>
+            </a:pPr>
+            <a:r>
+              <a:rPr lang="en-US" b="0" i="0" dirty="0">
+                <a:solidFill>
+                  <a:srgbClr val="0D0D0D"/>
+                </a:solidFill>
+                <a:effectLst/>
+                <a:highlight>
+                  <a:srgbClr val="FFFFFF"/>
+                </a:highlight>
+                <a:latin typeface="Segoe UI" panose="020B0502040204020203" pitchFamily="34" charset="0"/>
+                <a:cs typeface="Segoe UI" panose="020B0502040204020203" pitchFamily="34" charset="0"/>
+              </a:rPr>
+              <a:t>AmazonS3ReadOnlyAccess</a:t>
+            </a:r>
+          </a:p>
+          <a:p>
+            <a:pPr marL="742950" lvl="1" indent="-285750" algn="l">
+              <a:lnSpc>
+                <a:spcPct val="150000"/>
+              </a:lnSpc>
+              <a:buFont typeface="Wingdings" panose="05000000000000000000" pitchFamily="2" charset="2"/>
+              <a:buChar char="ü"/>
+            </a:pPr>
+            <a:r>
+              <a:rPr lang="en-US" b="0" i="0" dirty="0">
+                <a:solidFill>
+                  <a:srgbClr val="0D0D0D"/>
+                </a:solidFill>
+                <a:effectLst/>
+                <a:highlight>
+                  <a:srgbClr val="FFFFFF"/>
+                </a:highlight>
+                <a:latin typeface="Segoe UI" panose="020B0502040204020203" pitchFamily="34" charset="0"/>
+                <a:cs typeface="Segoe UI" panose="020B0502040204020203" pitchFamily="34" charset="0"/>
+              </a:rPr>
+              <a:t>CloudFrontFullAccess (or a custom policy with permissions to invalidate CloudFront distributions).</a:t>
+            </a:r>
+          </a:p>
+          <a:p>
+            <a:pPr algn="l">
+              <a:lnSpc>
+                <a:spcPct val="150000"/>
+              </a:lnSpc>
+              <a:buFont typeface="+mj-lt"/>
+              <a:buAutoNum type="arabicPeriod"/>
+            </a:pPr>
+            <a:r>
+              <a:rPr lang="en-US" b="0" i="0" dirty="0">
+                <a:solidFill>
+                  <a:srgbClr val="0D0D0D"/>
+                </a:solidFill>
+                <a:effectLst/>
+                <a:highlight>
+                  <a:srgbClr val="FFFFFF"/>
+                </a:highlight>
+                <a:latin typeface="Segoe UI" panose="020B0502040204020203" pitchFamily="34" charset="0"/>
+                <a:cs typeface="Segoe UI" panose="020B0502040204020203" pitchFamily="34" charset="0"/>
+              </a:rPr>
+              <a:t>To add permissions, go to the </a:t>
+            </a:r>
+            <a:r>
+              <a:rPr lang="en-US" b="1" i="0" dirty="0">
+                <a:solidFill>
+                  <a:srgbClr val="0D0D0D"/>
+                </a:solidFill>
+                <a:effectLst/>
+                <a:highlight>
+                  <a:srgbClr val="FFFFFF"/>
+                </a:highlight>
+                <a:latin typeface="Segoe UI" panose="020B0502040204020203" pitchFamily="34" charset="0"/>
+                <a:cs typeface="Segoe UI" panose="020B0502040204020203" pitchFamily="34" charset="0"/>
+              </a:rPr>
+              <a:t>IAM service</a:t>
+            </a:r>
+            <a:r>
+              <a:rPr lang="en-US" b="0" i="0" dirty="0">
+                <a:solidFill>
+                  <a:srgbClr val="0D0D0D"/>
+                </a:solidFill>
+                <a:effectLst/>
+                <a:highlight>
+                  <a:srgbClr val="FFFFFF"/>
+                </a:highlight>
+                <a:latin typeface="Segoe UI" panose="020B0502040204020203" pitchFamily="34" charset="0"/>
+                <a:cs typeface="Segoe UI" panose="020B0502040204020203" pitchFamily="34" charset="0"/>
+              </a:rPr>
+              <a:t>, find the role, and attach the policies.</a:t>
+            </a:r>
+          </a:p>
+          <a:p>
+            <a:pPr algn="l">
+              <a:lnSpc>
+                <a:spcPct val="150000"/>
+              </a:lnSpc>
+              <a:buFont typeface="+mj-lt"/>
+              <a:buAutoNum type="arabicPeriod"/>
+            </a:pPr>
+            <a:endParaRPr lang="en-US" dirty="0">
+              <a:solidFill>
+                <a:srgbClr val="0D0D0D"/>
+              </a:solidFill>
+              <a:highlight>
+                <a:srgbClr val="FFFFFF"/>
+              </a:highlight>
+              <a:latin typeface="Segoe UI" panose="020B0502040204020203" pitchFamily="34" charset="0"/>
+              <a:cs typeface="Segoe UI" panose="020B0502040204020203" pitchFamily="34" charset="0"/>
+            </a:endParaRPr>
+          </a:p>
+          <a:p>
+            <a:pPr algn="l">
+              <a:lnSpc>
+                <a:spcPct val="150000"/>
+              </a:lnSpc>
+            </a:pPr>
+            <a:r>
+              <a:rPr lang="en-US" b="1" i="0" dirty="0">
+                <a:solidFill>
+                  <a:srgbClr val="0D0D0D"/>
+                </a:solidFill>
+                <a:effectLst/>
+                <a:highlight>
+                  <a:srgbClr val="FFFFFF"/>
+                </a:highlight>
+                <a:latin typeface="Segoe UI" panose="020B0502040204020203" pitchFamily="34" charset="0"/>
+                <a:cs typeface="Segoe UI" panose="020B0502040204020203" pitchFamily="34" charset="0"/>
+              </a:rPr>
+              <a:t>Step 6: Test and Validate</a:t>
+            </a:r>
+          </a:p>
+          <a:p>
+            <a:pPr marL="342900" indent="-342900" algn="l">
+              <a:lnSpc>
+                <a:spcPct val="150000"/>
+              </a:lnSpc>
+              <a:buFont typeface="+mj-lt"/>
+              <a:buAutoNum type="arabicPeriod"/>
+            </a:pPr>
+            <a:r>
+              <a:rPr lang="en-US" b="1" i="0" dirty="0">
+                <a:solidFill>
+                  <a:srgbClr val="0D0D0D"/>
+                </a:solidFill>
+                <a:effectLst/>
+                <a:highlight>
+                  <a:srgbClr val="FFFFFF"/>
+                </a:highlight>
+                <a:latin typeface="Segoe UI" panose="020B0502040204020203" pitchFamily="34" charset="0"/>
+                <a:cs typeface="Segoe UI" panose="020B0502040204020203" pitchFamily="34" charset="0"/>
+              </a:rPr>
+              <a:t>Upload</a:t>
+            </a:r>
+            <a:r>
+              <a:rPr lang="en-US" b="0" i="0" dirty="0">
+                <a:solidFill>
+                  <a:srgbClr val="0D0D0D"/>
+                </a:solidFill>
+                <a:effectLst/>
+                <a:highlight>
+                  <a:srgbClr val="FFFFFF"/>
+                </a:highlight>
+                <a:latin typeface="Segoe UI" panose="020B0502040204020203" pitchFamily="34" charset="0"/>
+                <a:cs typeface="Segoe UI" panose="020B0502040204020203" pitchFamily="34" charset="0"/>
+              </a:rPr>
+              <a:t> a new file to your S3 bucket or update an existing file.</a:t>
+            </a:r>
+          </a:p>
+          <a:p>
+            <a:pPr marL="342900" indent="-342900" algn="l">
+              <a:lnSpc>
+                <a:spcPct val="150000"/>
+              </a:lnSpc>
+              <a:buFont typeface="+mj-lt"/>
+              <a:buAutoNum type="arabicPeriod"/>
+            </a:pPr>
+            <a:r>
+              <a:rPr lang="en-US" b="0" i="0" dirty="0">
+                <a:solidFill>
+                  <a:srgbClr val="0D0D0D"/>
+                </a:solidFill>
+                <a:effectLst/>
+                <a:highlight>
+                  <a:srgbClr val="FFFFFF"/>
+                </a:highlight>
+                <a:latin typeface="Segoe UI" panose="020B0502040204020203" pitchFamily="34" charset="0"/>
+                <a:cs typeface="Segoe UI" panose="020B0502040204020203" pitchFamily="34" charset="0"/>
+              </a:rPr>
+              <a:t>Check the </a:t>
+            </a:r>
+            <a:r>
+              <a:rPr lang="en-US" b="1" i="0" dirty="0">
+                <a:solidFill>
+                  <a:srgbClr val="0D0D0D"/>
+                </a:solidFill>
+                <a:effectLst/>
+                <a:highlight>
+                  <a:srgbClr val="FFFFFF"/>
+                </a:highlight>
+                <a:latin typeface="Segoe UI" panose="020B0502040204020203" pitchFamily="34" charset="0"/>
+                <a:cs typeface="Segoe UI" panose="020B0502040204020203" pitchFamily="34" charset="0"/>
+              </a:rPr>
+              <a:t>Lambda function logs</a:t>
+            </a:r>
+            <a:r>
+              <a:rPr lang="en-US" b="0" i="0" dirty="0">
+                <a:solidFill>
+                  <a:srgbClr val="0D0D0D"/>
+                </a:solidFill>
+                <a:effectLst/>
+                <a:highlight>
+                  <a:srgbClr val="FFFFFF"/>
+                </a:highlight>
+                <a:latin typeface="Segoe UI" panose="020B0502040204020203" pitchFamily="34" charset="0"/>
+                <a:cs typeface="Segoe UI" panose="020B0502040204020203" pitchFamily="34" charset="0"/>
+              </a:rPr>
+              <a:t> in CloudWatch to verify it triggered correctly and executed without errors.</a:t>
+            </a:r>
+          </a:p>
+          <a:p>
+            <a:pPr marL="342900" indent="-342900" algn="l">
+              <a:lnSpc>
+                <a:spcPct val="150000"/>
+              </a:lnSpc>
+              <a:buFont typeface="+mj-lt"/>
+              <a:buAutoNum type="arabicPeriod"/>
+            </a:pPr>
+            <a:r>
+              <a:rPr lang="en-US" b="0" i="0" dirty="0">
+                <a:solidFill>
+                  <a:srgbClr val="0D0D0D"/>
+                </a:solidFill>
+                <a:effectLst/>
+                <a:highlight>
+                  <a:srgbClr val="FFFFFF"/>
+                </a:highlight>
+                <a:latin typeface="Segoe UI" panose="020B0502040204020203" pitchFamily="34" charset="0"/>
+                <a:cs typeface="Segoe UI" panose="020B0502040204020203" pitchFamily="34" charset="0"/>
+              </a:rPr>
+              <a:t>Check your CloudFront distribution’s cache to ensure the specified paths were invalidated.</a:t>
+            </a:r>
+          </a:p>
+          <a:p>
+            <a:pPr algn="l">
+              <a:lnSpc>
+                <a:spcPct val="150000"/>
+              </a:lnSpc>
+            </a:pPr>
+            <a:endParaRPr lang="en-US" b="0" i="0" dirty="0">
+              <a:solidFill>
+                <a:srgbClr val="0D0D0D"/>
+              </a:solidFill>
+              <a:effectLst/>
+              <a:highlight>
+                <a:srgbClr val="FFFFFF"/>
+              </a:highlight>
+              <a:latin typeface="Segoe UI" panose="020B0502040204020203" pitchFamily="34" charset="0"/>
+              <a:cs typeface="Segoe UI" panose="020B0502040204020203" pitchFamily="34" charset="0"/>
+            </a:endParaRPr>
+          </a:p>
+        </p:txBody>
+      </p:sp>
+      <p:sp>
+        <p:nvSpPr>
+          <p:cNvPr id="9" name="Rectangle 8">
+            <a:extLst>
+              <a:ext uri="{FF2B5EF4-FFF2-40B4-BE49-F238E27FC236}">
+                <a16:creationId xmlns:a16="http://schemas.microsoft.com/office/drawing/2014/main" id="{CBF3F073-DB5A-53B0-8BCE-7E3F53349958}"/>
+              </a:ext>
+            </a:extLst>
+          </p:cNvPr>
+          <p:cNvSpPr/>
+          <p:nvPr/>
+        </p:nvSpPr>
+        <p:spPr>
+          <a:xfrm>
+            <a:off x="367645" y="970961"/>
+            <a:ext cx="11462995" cy="5495827"/>
+          </a:xfrm>
+          <a:prstGeom prst="rect">
+            <a:avLst/>
+          </a:prstGeom>
+          <a:noFill/>
+          <a:ln w="9525" cap="flat" cmpd="sng" algn="ctr">
+            <a:solidFill>
+              <a:schemeClr val="accent3"/>
+            </a:solidFill>
+            <a:prstDash val="solid"/>
+            <a:round/>
+            <a:headEnd type="none" w="med" len="med"/>
+            <a:tailEnd type="none" w="med" len="med"/>
+          </a:ln>
+        </p:spPr>
+        <p:style>
+          <a:lnRef idx="0">
+            <a:scrgbClr r="0" g="0" b="0"/>
+          </a:lnRef>
+          <a:fillRef idx="0">
+            <a:scrgbClr r="0" g="0" b="0"/>
+          </a:fillRef>
+          <a:effectRef idx="0">
+            <a:scrgbClr r="0" g="0" b="0"/>
+          </a:effectRef>
+          <a:fontRef idx="minor">
+            <a:schemeClr val="accent3"/>
+          </a:fontRef>
+        </p:style>
+        <p:txBody>
+          <a:bodyPr rtlCol="0" anchor="ctr"/>
+          <a:lstStyle/>
+          <a:p>
+            <a:pPr algn="ctr"/>
+            <a:endParaRPr lang="en-IN" dirty="0"/>
+          </a:p>
+        </p:txBody>
+      </p:sp>
+    </p:spTree>
+    <p:extLst>
+      <p:ext uri="{BB962C8B-B14F-4D97-AF65-F5344CB8AC3E}">
+        <p14:creationId xmlns:p14="http://schemas.microsoft.com/office/powerpoint/2010/main" val="1974248963"/>
+      </p:ext>
+    </p:extLst>
+  </p:cSld>
+  <p:clrMapOvr>
+    <a:masterClrMapping/>
+  </p:clrMapOvr>
+</p:sld>
+</file>
+
 <file path=ppt/slides/slide2.xml><?xml version="1.0" encoding="utf-8"?>
 <p:sld xmlns:a="http://schemas.openxmlformats.org/drawingml/2006/main" xmlns:r="http://schemas.openxmlformats.org/officeDocument/2006/relationships" xmlns:p="http://schemas.openxmlformats.org/presentationml/2006/main">
   <p:cSld>
@@ -4461,6 +5410,1301 @@
     <p:extLst>
       <p:ext uri="{BB962C8B-B14F-4D97-AF65-F5344CB8AC3E}">
         <p14:creationId xmlns:p14="http://schemas.microsoft.com/office/powerpoint/2010/main" val="3236504711"/>
+      </p:ext>
+    </p:extLst>
+  </p:cSld>
+  <p:clrMapOvr>
+    <a:masterClrMapping/>
+  </p:clrMapOvr>
+</p:sld>
+</file>
+
+<file path=ppt/slides/slide7.xml><?xml version="1.0" encoding="utf-8"?>
+<p:sld xmlns:a="http://schemas.openxmlformats.org/drawingml/2006/main" xmlns:r="http://schemas.openxmlformats.org/officeDocument/2006/relationships" xmlns:p="http://schemas.openxmlformats.org/presentationml/2006/main">
+  <p:cSld>
+    <p:spTree>
+      <p:nvGrpSpPr>
+        <p:cNvPr id="1" name=""/>
+        <p:cNvGrpSpPr/>
+        <p:nvPr/>
+      </p:nvGrpSpPr>
+      <p:grpSpPr>
+        <a:xfrm>
+          <a:off x="0" y="0"/>
+          <a:ext cx="0" cy="0"/>
+          <a:chOff x="0" y="0"/>
+          <a:chExt cx="0" cy="0"/>
+        </a:xfrm>
+      </p:grpSpPr>
+      <p:sp>
+        <p:nvSpPr>
+          <p:cNvPr id="2" name="TextBox 1">
+            <a:extLst>
+              <a:ext uri="{FF2B5EF4-FFF2-40B4-BE49-F238E27FC236}">
+                <a16:creationId xmlns:a16="http://schemas.microsoft.com/office/drawing/2014/main" id="{2C265965-136C-12A1-055A-8C1D00DA0493}"/>
+              </a:ext>
+            </a:extLst>
+          </p:cNvPr>
+          <p:cNvSpPr txBox="1"/>
+          <p:nvPr/>
+        </p:nvSpPr>
+        <p:spPr>
+          <a:xfrm>
+            <a:off x="4027332" y="303322"/>
+            <a:ext cx="4613748" cy="646331"/>
+          </a:xfrm>
+          <a:prstGeom prst="rect">
+            <a:avLst/>
+          </a:prstGeom>
+          <a:noFill/>
+        </p:spPr>
+        <p:txBody>
+          <a:bodyPr wrap="square" rtlCol="0">
+            <a:spAutoFit/>
+          </a:bodyPr>
+          <a:lstStyle/>
+          <a:p>
+            <a:r>
+              <a:rPr lang="en-IN" dirty="0"/>
+              <a:t>Update the Cache of the CloudFront distribution </a:t>
+            </a:r>
+          </a:p>
+        </p:txBody>
+      </p:sp>
+      <p:sp>
+        <p:nvSpPr>
+          <p:cNvPr id="3" name="Rectangle 2">
+            <a:extLst>
+              <a:ext uri="{FF2B5EF4-FFF2-40B4-BE49-F238E27FC236}">
+                <a16:creationId xmlns:a16="http://schemas.microsoft.com/office/drawing/2014/main" id="{A6AE37A1-9329-E66A-748C-E67F9664C20D}"/>
+              </a:ext>
+            </a:extLst>
+          </p:cNvPr>
+          <p:cNvSpPr/>
+          <p:nvPr/>
+        </p:nvSpPr>
+        <p:spPr>
+          <a:xfrm>
+            <a:off x="3453752" y="198089"/>
+            <a:ext cx="4613747" cy="751564"/>
+          </a:xfrm>
+          <a:prstGeom prst="rect">
+            <a:avLst/>
+          </a:prstGeom>
+          <a:solidFill>
+            <a:schemeClr val="accent4">
+              <a:alpha val="50000"/>
+            </a:schemeClr>
+          </a:solidFill>
+          <a:ln>
+            <a:noFill/>
+          </a:ln>
+        </p:spPr>
+        <p:style>
+          <a:lnRef idx="0">
+            <a:scrgbClr r="0" g="0" b="0"/>
+          </a:lnRef>
+          <a:fillRef idx="0">
+            <a:scrgbClr r="0" g="0" b="0"/>
+          </a:fillRef>
+          <a:effectRef idx="0">
+            <a:scrgbClr r="0" g="0" b="0"/>
+          </a:effectRef>
+          <a:fontRef idx="minor">
+            <a:schemeClr val="lt1"/>
+          </a:fontRef>
+        </p:style>
+        <p:txBody>
+          <a:bodyPr rtlCol="0" anchor="ctr"/>
+          <a:lstStyle/>
+          <a:p>
+            <a:pPr algn="ctr"/>
+            <a:endParaRPr lang="en-IN" dirty="0"/>
+          </a:p>
+        </p:txBody>
+      </p:sp>
+      <p:sp>
+        <p:nvSpPr>
+          <p:cNvPr id="7" name="Rectangle 6">
+            <a:extLst>
+              <a:ext uri="{FF2B5EF4-FFF2-40B4-BE49-F238E27FC236}">
+                <a16:creationId xmlns:a16="http://schemas.microsoft.com/office/drawing/2014/main" id="{C2B2A8F1-8D21-214D-E9FF-F7781E10252B}"/>
+              </a:ext>
+            </a:extLst>
+          </p:cNvPr>
+          <p:cNvSpPr/>
+          <p:nvPr/>
+        </p:nvSpPr>
+        <p:spPr>
+          <a:xfrm>
+            <a:off x="786384" y="1627632"/>
+            <a:ext cx="10113264" cy="4416552"/>
+          </a:xfrm>
+          <a:prstGeom prst="rect">
+            <a:avLst/>
+          </a:prstGeom>
+          <a:noFill/>
+          <a:ln w="9525" cap="flat" cmpd="sng" algn="ctr">
+            <a:solidFill>
+              <a:schemeClr val="accent3"/>
+            </a:solidFill>
+            <a:prstDash val="solid"/>
+            <a:round/>
+            <a:headEnd type="none" w="med" len="med"/>
+            <a:tailEnd type="none" w="med" len="med"/>
+          </a:ln>
+        </p:spPr>
+        <p:style>
+          <a:lnRef idx="0">
+            <a:scrgbClr r="0" g="0" b="0"/>
+          </a:lnRef>
+          <a:fillRef idx="0">
+            <a:scrgbClr r="0" g="0" b="0"/>
+          </a:fillRef>
+          <a:effectRef idx="0">
+            <a:scrgbClr r="0" g="0" b="0"/>
+          </a:effectRef>
+          <a:fontRef idx="minor">
+            <a:schemeClr val="accent3"/>
+          </a:fontRef>
+        </p:style>
+        <p:txBody>
+          <a:bodyPr rtlCol="0" anchor="ctr"/>
+          <a:lstStyle/>
+          <a:p>
+            <a:pPr algn="ctr"/>
+            <a:endParaRPr lang="en-IN" dirty="0"/>
+          </a:p>
+        </p:txBody>
+      </p:sp>
+      <p:sp>
+        <p:nvSpPr>
+          <p:cNvPr id="9" name="TextBox 8">
+            <a:extLst>
+              <a:ext uri="{FF2B5EF4-FFF2-40B4-BE49-F238E27FC236}">
+                <a16:creationId xmlns:a16="http://schemas.microsoft.com/office/drawing/2014/main" id="{FD2B7669-511A-9559-4DA0-7E67D1511731}"/>
+              </a:ext>
+            </a:extLst>
+          </p:cNvPr>
+          <p:cNvSpPr txBox="1"/>
+          <p:nvPr/>
+        </p:nvSpPr>
+        <p:spPr>
+          <a:xfrm>
+            <a:off x="1078992" y="2347589"/>
+            <a:ext cx="9528048" cy="3226204"/>
+          </a:xfrm>
+          <a:prstGeom prst="rect">
+            <a:avLst/>
+          </a:prstGeom>
+          <a:noFill/>
+        </p:spPr>
+        <p:txBody>
+          <a:bodyPr wrap="square">
+            <a:spAutoFit/>
+          </a:bodyPr>
+          <a:lstStyle/>
+          <a:p>
+            <a:pPr algn="l"/>
+            <a:r>
+              <a:rPr lang="en-US" b="1" i="0" dirty="0">
+                <a:solidFill>
+                  <a:srgbClr val="0D0D0D"/>
+                </a:solidFill>
+                <a:effectLst/>
+                <a:highlight>
+                  <a:srgbClr val="FFFFFF"/>
+                </a:highlight>
+                <a:latin typeface="Segoe UI" panose="020B0502040204020203" pitchFamily="34" charset="0"/>
+                <a:cs typeface="Segoe UI" panose="020B0502040204020203" pitchFamily="34" charset="0"/>
+              </a:rPr>
+              <a:t>Step 1: Set Up an S3 Bucket</a:t>
+            </a:r>
+          </a:p>
+          <a:p>
+            <a:pPr algn="l"/>
+            <a:r>
+              <a:rPr lang="en-US" b="0" i="0" dirty="0">
+                <a:solidFill>
+                  <a:srgbClr val="0D0D0D"/>
+                </a:solidFill>
+                <a:effectLst/>
+                <a:highlight>
+                  <a:srgbClr val="FFFFFF"/>
+                </a:highlight>
+                <a:latin typeface="Segoe UI" panose="020B0502040204020203" pitchFamily="34" charset="0"/>
+                <a:cs typeface="Segoe UI" panose="020B0502040204020203" pitchFamily="34" charset="0"/>
+              </a:rPr>
+              <a:t>Assuming you already have an S3 bucket where HLS files are stored, ensure it’s correctly configured to store your HLS files. If not, follow these steps to create one:</a:t>
+            </a:r>
+            <a:endParaRPr lang="en-US" dirty="0">
+              <a:solidFill>
+                <a:srgbClr val="0D0D0D"/>
+              </a:solidFill>
+              <a:highlight>
+                <a:srgbClr val="FFFFFF"/>
+              </a:highlight>
+              <a:latin typeface="Segoe UI" panose="020B0502040204020203" pitchFamily="34" charset="0"/>
+              <a:cs typeface="Segoe UI" panose="020B0502040204020203" pitchFamily="34" charset="0"/>
+            </a:endParaRPr>
+          </a:p>
+          <a:p>
+            <a:pPr algn="l"/>
+            <a:endParaRPr lang="en-US" b="0" i="0" dirty="0">
+              <a:solidFill>
+                <a:srgbClr val="0D0D0D"/>
+              </a:solidFill>
+              <a:effectLst/>
+              <a:highlight>
+                <a:srgbClr val="FFFFFF"/>
+              </a:highlight>
+              <a:latin typeface="Segoe UI" panose="020B0502040204020203" pitchFamily="34" charset="0"/>
+              <a:cs typeface="Segoe UI" panose="020B0502040204020203" pitchFamily="34" charset="0"/>
+            </a:endParaRPr>
+          </a:p>
+          <a:p>
+            <a:pPr marL="342900" indent="-342900" algn="l">
+              <a:lnSpc>
+                <a:spcPct val="150000"/>
+              </a:lnSpc>
+              <a:buFont typeface="+mj-lt"/>
+              <a:buAutoNum type="arabicPeriod"/>
+            </a:pPr>
+            <a:r>
+              <a:rPr lang="en-US" b="1" i="0" dirty="0">
+                <a:solidFill>
+                  <a:srgbClr val="0D0D0D"/>
+                </a:solidFill>
+                <a:effectLst/>
+                <a:highlight>
+                  <a:srgbClr val="FFFFFF"/>
+                </a:highlight>
+                <a:latin typeface="Segoe UI" panose="020B0502040204020203" pitchFamily="34" charset="0"/>
+                <a:cs typeface="Segoe UI" panose="020B0502040204020203" pitchFamily="34" charset="0"/>
+              </a:rPr>
+              <a:t>Log in</a:t>
+            </a:r>
+            <a:r>
+              <a:rPr lang="en-US" b="0" i="0" dirty="0">
+                <a:solidFill>
+                  <a:srgbClr val="0D0D0D"/>
+                </a:solidFill>
+                <a:effectLst/>
+                <a:highlight>
+                  <a:srgbClr val="FFFFFF"/>
+                </a:highlight>
+                <a:latin typeface="Segoe UI" panose="020B0502040204020203" pitchFamily="34" charset="0"/>
+                <a:cs typeface="Segoe UI" panose="020B0502040204020203" pitchFamily="34" charset="0"/>
+              </a:rPr>
+              <a:t> to the AWS Management Console.</a:t>
+            </a:r>
+          </a:p>
+          <a:p>
+            <a:pPr marL="342900" indent="-342900" algn="l">
+              <a:lnSpc>
+                <a:spcPct val="150000"/>
+              </a:lnSpc>
+              <a:buFont typeface="+mj-lt"/>
+              <a:buAutoNum type="arabicPeriod"/>
+            </a:pPr>
+            <a:r>
+              <a:rPr lang="en-US" b="0" i="0" dirty="0">
+                <a:solidFill>
+                  <a:srgbClr val="0D0D0D"/>
+                </a:solidFill>
+                <a:effectLst/>
+                <a:highlight>
+                  <a:srgbClr val="FFFFFF"/>
+                </a:highlight>
+                <a:latin typeface="Segoe UI" panose="020B0502040204020203" pitchFamily="34" charset="0"/>
+                <a:cs typeface="Segoe UI" panose="020B0502040204020203" pitchFamily="34" charset="0"/>
+              </a:rPr>
+              <a:t>Navigate to the </a:t>
+            </a:r>
+            <a:r>
+              <a:rPr lang="en-US" b="1" i="0" dirty="0">
+                <a:solidFill>
+                  <a:srgbClr val="0D0D0D"/>
+                </a:solidFill>
+                <a:effectLst/>
+                <a:highlight>
+                  <a:srgbClr val="FFFFFF"/>
+                </a:highlight>
+                <a:latin typeface="Segoe UI" panose="020B0502040204020203" pitchFamily="34" charset="0"/>
+                <a:cs typeface="Segoe UI" panose="020B0502040204020203" pitchFamily="34" charset="0"/>
+              </a:rPr>
+              <a:t>S3 service</a:t>
+            </a:r>
+            <a:r>
+              <a:rPr lang="en-US" b="0" i="0" dirty="0">
+                <a:solidFill>
+                  <a:srgbClr val="0D0D0D"/>
+                </a:solidFill>
+                <a:effectLst/>
+                <a:highlight>
+                  <a:srgbClr val="FFFFFF"/>
+                </a:highlight>
+                <a:latin typeface="Segoe UI" panose="020B0502040204020203" pitchFamily="34" charset="0"/>
+                <a:cs typeface="Segoe UI" panose="020B0502040204020203" pitchFamily="34" charset="0"/>
+              </a:rPr>
+              <a:t> and click </a:t>
+            </a:r>
+            <a:r>
+              <a:rPr lang="en-US" b="1" i="0" dirty="0">
+                <a:solidFill>
+                  <a:srgbClr val="0D0D0D"/>
+                </a:solidFill>
+                <a:effectLst/>
+                <a:highlight>
+                  <a:srgbClr val="FFFFFF"/>
+                </a:highlight>
+                <a:latin typeface="Segoe UI" panose="020B0502040204020203" pitchFamily="34" charset="0"/>
+                <a:cs typeface="Segoe UI" panose="020B0502040204020203" pitchFamily="34" charset="0"/>
+              </a:rPr>
+              <a:t>Create bucket</a:t>
+            </a:r>
+            <a:r>
+              <a:rPr lang="en-US" b="0" i="0" dirty="0">
+                <a:solidFill>
+                  <a:srgbClr val="0D0D0D"/>
+                </a:solidFill>
+                <a:effectLst/>
+                <a:highlight>
+                  <a:srgbClr val="FFFFFF"/>
+                </a:highlight>
+                <a:latin typeface="Segoe UI" panose="020B0502040204020203" pitchFamily="34" charset="0"/>
+                <a:cs typeface="Segoe UI" panose="020B0502040204020203" pitchFamily="34" charset="0"/>
+              </a:rPr>
+              <a:t>.</a:t>
+            </a:r>
+          </a:p>
+          <a:p>
+            <a:pPr marL="342900" indent="-342900" algn="l">
+              <a:lnSpc>
+                <a:spcPct val="150000"/>
+              </a:lnSpc>
+              <a:buFont typeface="+mj-lt"/>
+              <a:buAutoNum type="arabicPeriod"/>
+            </a:pPr>
+            <a:r>
+              <a:rPr lang="en-US" b="0" i="0" dirty="0">
+                <a:solidFill>
+                  <a:srgbClr val="0D0D0D"/>
+                </a:solidFill>
+                <a:effectLst/>
+                <a:highlight>
+                  <a:srgbClr val="FFFFFF"/>
+                </a:highlight>
+                <a:latin typeface="Segoe UI" panose="020B0502040204020203" pitchFamily="34" charset="0"/>
+                <a:cs typeface="Segoe UI" panose="020B0502040204020203" pitchFamily="34" charset="0"/>
+              </a:rPr>
+              <a:t>Enter a </a:t>
+            </a:r>
+            <a:r>
+              <a:rPr lang="en-US" b="1" i="0" dirty="0">
+                <a:solidFill>
+                  <a:srgbClr val="0D0D0D"/>
+                </a:solidFill>
+                <a:effectLst/>
+                <a:highlight>
+                  <a:srgbClr val="FFFFFF"/>
+                </a:highlight>
+                <a:latin typeface="Segoe UI" panose="020B0502040204020203" pitchFamily="34" charset="0"/>
+                <a:cs typeface="Segoe UI" panose="020B0502040204020203" pitchFamily="34" charset="0"/>
+              </a:rPr>
+              <a:t>bucket name</a:t>
+            </a:r>
+            <a:r>
+              <a:rPr lang="en-US" b="0" i="0" dirty="0">
+                <a:solidFill>
+                  <a:srgbClr val="0D0D0D"/>
+                </a:solidFill>
+                <a:effectLst/>
+                <a:highlight>
+                  <a:srgbClr val="FFFFFF"/>
+                </a:highlight>
+                <a:latin typeface="Segoe UI" panose="020B0502040204020203" pitchFamily="34" charset="0"/>
+                <a:cs typeface="Segoe UI" panose="020B0502040204020203" pitchFamily="34" charset="0"/>
+              </a:rPr>
+              <a:t> and select the </a:t>
+            </a:r>
+            <a:r>
+              <a:rPr lang="en-US" b="1" i="0" dirty="0">
+                <a:solidFill>
+                  <a:srgbClr val="0D0D0D"/>
+                </a:solidFill>
+                <a:effectLst/>
+                <a:highlight>
+                  <a:srgbClr val="FFFFFF"/>
+                </a:highlight>
+                <a:latin typeface="Segoe UI" panose="020B0502040204020203" pitchFamily="34" charset="0"/>
+                <a:cs typeface="Segoe UI" panose="020B0502040204020203" pitchFamily="34" charset="0"/>
+              </a:rPr>
+              <a:t>region</a:t>
+            </a:r>
+            <a:r>
+              <a:rPr lang="en-US" b="0" i="0" dirty="0">
+                <a:solidFill>
+                  <a:srgbClr val="0D0D0D"/>
+                </a:solidFill>
+                <a:effectLst/>
+                <a:highlight>
+                  <a:srgbClr val="FFFFFF"/>
+                </a:highlight>
+                <a:latin typeface="Segoe UI" panose="020B0502040204020203" pitchFamily="34" charset="0"/>
+                <a:cs typeface="Segoe UI" panose="020B0502040204020203" pitchFamily="34" charset="0"/>
+              </a:rPr>
+              <a:t>.</a:t>
+            </a:r>
+          </a:p>
+          <a:p>
+            <a:pPr marL="342900" indent="-342900" algn="l">
+              <a:lnSpc>
+                <a:spcPct val="150000"/>
+              </a:lnSpc>
+              <a:buFont typeface="+mj-lt"/>
+              <a:buAutoNum type="arabicPeriod"/>
+            </a:pPr>
+            <a:r>
+              <a:rPr lang="en-US" b="0" i="0" dirty="0">
+                <a:solidFill>
+                  <a:srgbClr val="0D0D0D"/>
+                </a:solidFill>
+                <a:effectLst/>
+                <a:highlight>
+                  <a:srgbClr val="FFFFFF"/>
+                </a:highlight>
+                <a:latin typeface="Segoe UI" panose="020B0502040204020203" pitchFamily="34" charset="0"/>
+                <a:cs typeface="Segoe UI" panose="020B0502040204020203" pitchFamily="34" charset="0"/>
+              </a:rPr>
+              <a:t>Leave all other settings as default or configure them according to your organizational policies and click </a:t>
+            </a:r>
+            <a:r>
+              <a:rPr lang="en-US" b="1" i="0" dirty="0">
+                <a:solidFill>
+                  <a:srgbClr val="0D0D0D"/>
+                </a:solidFill>
+                <a:effectLst/>
+                <a:highlight>
+                  <a:srgbClr val="FFFFFF"/>
+                </a:highlight>
+                <a:latin typeface="Segoe UI" panose="020B0502040204020203" pitchFamily="34" charset="0"/>
+                <a:cs typeface="Segoe UI" panose="020B0502040204020203" pitchFamily="34" charset="0"/>
+              </a:rPr>
+              <a:t>Create</a:t>
+            </a:r>
+            <a:r>
+              <a:rPr lang="en-US" b="0" i="0" dirty="0">
+                <a:solidFill>
+                  <a:srgbClr val="0D0D0D"/>
+                </a:solidFill>
+                <a:effectLst/>
+                <a:highlight>
+                  <a:srgbClr val="FFFFFF"/>
+                </a:highlight>
+                <a:latin typeface="Segoe UI" panose="020B0502040204020203" pitchFamily="34" charset="0"/>
+                <a:cs typeface="Segoe UI" panose="020B0502040204020203" pitchFamily="34" charset="0"/>
+              </a:rPr>
+              <a:t>.</a:t>
+            </a:r>
+          </a:p>
+        </p:txBody>
+      </p:sp>
+    </p:spTree>
+    <p:extLst>
+      <p:ext uri="{BB962C8B-B14F-4D97-AF65-F5344CB8AC3E}">
+        <p14:creationId xmlns:p14="http://schemas.microsoft.com/office/powerpoint/2010/main" val="214932322"/>
+      </p:ext>
+    </p:extLst>
+  </p:cSld>
+  <p:clrMapOvr>
+    <a:masterClrMapping/>
+  </p:clrMapOvr>
+</p:sld>
+</file>
+
+<file path=ppt/slides/slide8.xml><?xml version="1.0" encoding="utf-8"?>
+<p:sld xmlns:a="http://schemas.openxmlformats.org/drawingml/2006/main" xmlns:r="http://schemas.openxmlformats.org/officeDocument/2006/relationships" xmlns:p="http://schemas.openxmlformats.org/presentationml/2006/main">
+  <p:cSld>
+    <p:spTree>
+      <p:nvGrpSpPr>
+        <p:cNvPr id="1" name=""/>
+        <p:cNvGrpSpPr/>
+        <p:nvPr/>
+      </p:nvGrpSpPr>
+      <p:grpSpPr>
+        <a:xfrm>
+          <a:off x="0" y="0"/>
+          <a:ext cx="0" cy="0"/>
+          <a:chOff x="0" y="0"/>
+          <a:chExt cx="0" cy="0"/>
+        </a:xfrm>
+      </p:grpSpPr>
+      <p:sp>
+        <p:nvSpPr>
+          <p:cNvPr id="2" name="TextBox 1">
+            <a:extLst>
+              <a:ext uri="{FF2B5EF4-FFF2-40B4-BE49-F238E27FC236}">
+                <a16:creationId xmlns:a16="http://schemas.microsoft.com/office/drawing/2014/main" id="{2C265965-136C-12A1-055A-8C1D00DA0493}"/>
+              </a:ext>
+            </a:extLst>
+          </p:cNvPr>
+          <p:cNvSpPr txBox="1"/>
+          <p:nvPr/>
+        </p:nvSpPr>
+        <p:spPr>
+          <a:xfrm>
+            <a:off x="4027332" y="303322"/>
+            <a:ext cx="4613748" cy="646331"/>
+          </a:xfrm>
+          <a:prstGeom prst="rect">
+            <a:avLst/>
+          </a:prstGeom>
+          <a:noFill/>
+        </p:spPr>
+        <p:txBody>
+          <a:bodyPr wrap="square" rtlCol="0">
+            <a:spAutoFit/>
+          </a:bodyPr>
+          <a:lstStyle/>
+          <a:p>
+            <a:r>
+              <a:rPr lang="en-IN" dirty="0"/>
+              <a:t>Update the Cache of the CloudFront distribution </a:t>
+            </a:r>
+          </a:p>
+        </p:txBody>
+      </p:sp>
+      <p:sp>
+        <p:nvSpPr>
+          <p:cNvPr id="3" name="Rectangle 2">
+            <a:extLst>
+              <a:ext uri="{FF2B5EF4-FFF2-40B4-BE49-F238E27FC236}">
+                <a16:creationId xmlns:a16="http://schemas.microsoft.com/office/drawing/2014/main" id="{A6AE37A1-9329-E66A-748C-E67F9664C20D}"/>
+              </a:ext>
+            </a:extLst>
+          </p:cNvPr>
+          <p:cNvSpPr/>
+          <p:nvPr/>
+        </p:nvSpPr>
+        <p:spPr>
+          <a:xfrm>
+            <a:off x="3453752" y="198089"/>
+            <a:ext cx="4613747" cy="751564"/>
+          </a:xfrm>
+          <a:prstGeom prst="rect">
+            <a:avLst/>
+          </a:prstGeom>
+          <a:solidFill>
+            <a:schemeClr val="accent4">
+              <a:alpha val="50000"/>
+            </a:schemeClr>
+          </a:solidFill>
+          <a:ln>
+            <a:noFill/>
+          </a:ln>
+        </p:spPr>
+        <p:style>
+          <a:lnRef idx="0">
+            <a:scrgbClr r="0" g="0" b="0"/>
+          </a:lnRef>
+          <a:fillRef idx="0">
+            <a:scrgbClr r="0" g="0" b="0"/>
+          </a:fillRef>
+          <a:effectRef idx="0">
+            <a:scrgbClr r="0" g="0" b="0"/>
+          </a:effectRef>
+          <a:fontRef idx="minor">
+            <a:schemeClr val="lt1"/>
+          </a:fontRef>
+        </p:style>
+        <p:txBody>
+          <a:bodyPr rtlCol="0" anchor="ctr"/>
+          <a:lstStyle/>
+          <a:p>
+            <a:pPr algn="ctr"/>
+            <a:endParaRPr lang="en-IN" dirty="0"/>
+          </a:p>
+        </p:txBody>
+      </p:sp>
+      <p:sp>
+        <p:nvSpPr>
+          <p:cNvPr id="7" name="Rectangle 6">
+            <a:extLst>
+              <a:ext uri="{FF2B5EF4-FFF2-40B4-BE49-F238E27FC236}">
+                <a16:creationId xmlns:a16="http://schemas.microsoft.com/office/drawing/2014/main" id="{C2B2A8F1-8D21-214D-E9FF-F7781E10252B}"/>
+              </a:ext>
+            </a:extLst>
+          </p:cNvPr>
+          <p:cNvSpPr/>
+          <p:nvPr/>
+        </p:nvSpPr>
+        <p:spPr>
+          <a:xfrm>
+            <a:off x="786384" y="1527048"/>
+            <a:ext cx="10323576" cy="4517136"/>
+          </a:xfrm>
+          <a:prstGeom prst="rect">
+            <a:avLst/>
+          </a:prstGeom>
+          <a:noFill/>
+          <a:ln w="9525" cap="flat" cmpd="sng" algn="ctr">
+            <a:solidFill>
+              <a:schemeClr val="accent3"/>
+            </a:solidFill>
+            <a:prstDash val="solid"/>
+            <a:round/>
+            <a:headEnd type="none" w="med" len="med"/>
+            <a:tailEnd type="none" w="med" len="med"/>
+          </a:ln>
+        </p:spPr>
+        <p:style>
+          <a:lnRef idx="0">
+            <a:scrgbClr r="0" g="0" b="0"/>
+          </a:lnRef>
+          <a:fillRef idx="0">
+            <a:scrgbClr r="0" g="0" b="0"/>
+          </a:fillRef>
+          <a:effectRef idx="0">
+            <a:scrgbClr r="0" g="0" b="0"/>
+          </a:effectRef>
+          <a:fontRef idx="minor">
+            <a:schemeClr val="accent3"/>
+          </a:fontRef>
+        </p:style>
+        <p:txBody>
+          <a:bodyPr rtlCol="0" anchor="ctr"/>
+          <a:lstStyle/>
+          <a:p>
+            <a:pPr algn="ctr"/>
+            <a:endParaRPr lang="en-IN" dirty="0"/>
+          </a:p>
+        </p:txBody>
+      </p:sp>
+      <p:sp>
+        <p:nvSpPr>
+          <p:cNvPr id="9" name="TextBox 8">
+            <a:extLst>
+              <a:ext uri="{FF2B5EF4-FFF2-40B4-BE49-F238E27FC236}">
+                <a16:creationId xmlns:a16="http://schemas.microsoft.com/office/drawing/2014/main" id="{462B08DF-1487-EE23-6FE4-3E74FC75CC10}"/>
+              </a:ext>
+            </a:extLst>
+          </p:cNvPr>
+          <p:cNvSpPr txBox="1"/>
+          <p:nvPr/>
+        </p:nvSpPr>
+        <p:spPr>
+          <a:xfrm>
+            <a:off x="1082040" y="2185416"/>
+            <a:ext cx="9595104" cy="2949205"/>
+          </a:xfrm>
+          <a:prstGeom prst="rect">
+            <a:avLst/>
+          </a:prstGeom>
+          <a:noFill/>
+        </p:spPr>
+        <p:txBody>
+          <a:bodyPr wrap="square">
+            <a:spAutoFit/>
+          </a:bodyPr>
+          <a:lstStyle/>
+          <a:p>
+            <a:pPr algn="l">
+              <a:lnSpc>
+                <a:spcPct val="150000"/>
+              </a:lnSpc>
+            </a:pPr>
+            <a:r>
+              <a:rPr lang="en-US" b="1" i="0" dirty="0">
+                <a:solidFill>
+                  <a:srgbClr val="0D0D0D"/>
+                </a:solidFill>
+                <a:effectLst/>
+                <a:highlight>
+                  <a:srgbClr val="FFFFFF"/>
+                </a:highlight>
+                <a:latin typeface="Segoe UI" panose="020B0502040204020203" pitchFamily="34" charset="0"/>
+                <a:cs typeface="Segoe UI" panose="020B0502040204020203" pitchFamily="34" charset="0"/>
+              </a:rPr>
+              <a:t>Step 2: Create a Lambda Function</a:t>
+            </a:r>
+          </a:p>
+          <a:p>
+            <a:pPr marL="342900" indent="-342900" algn="l">
+              <a:lnSpc>
+                <a:spcPct val="150000"/>
+              </a:lnSpc>
+              <a:buFont typeface="+mj-lt"/>
+              <a:buAutoNum type="arabicPeriod"/>
+            </a:pPr>
+            <a:r>
+              <a:rPr lang="en-US" b="1" i="0" dirty="0">
+                <a:solidFill>
+                  <a:srgbClr val="0D0D0D"/>
+                </a:solidFill>
+                <a:effectLst/>
+                <a:highlight>
+                  <a:srgbClr val="FFFFFF"/>
+                </a:highlight>
+                <a:latin typeface="Segoe UI" panose="020B0502040204020203" pitchFamily="34" charset="0"/>
+                <a:cs typeface="Segoe UI" panose="020B0502040204020203" pitchFamily="34" charset="0"/>
+              </a:rPr>
+              <a:t>Navigate</a:t>
+            </a:r>
+            <a:r>
+              <a:rPr lang="en-US" b="0" i="0" dirty="0">
+                <a:solidFill>
+                  <a:srgbClr val="0D0D0D"/>
+                </a:solidFill>
+                <a:effectLst/>
+                <a:highlight>
+                  <a:srgbClr val="FFFFFF"/>
+                </a:highlight>
+                <a:latin typeface="Segoe UI" panose="020B0502040204020203" pitchFamily="34" charset="0"/>
+                <a:cs typeface="Segoe UI" panose="020B0502040204020203" pitchFamily="34" charset="0"/>
+              </a:rPr>
+              <a:t> to the AWS Lambda console and click the </a:t>
+            </a:r>
+            <a:r>
+              <a:rPr lang="en-US" b="1" i="0" dirty="0">
+                <a:solidFill>
+                  <a:srgbClr val="0D0D0D"/>
+                </a:solidFill>
+                <a:effectLst/>
+                <a:highlight>
+                  <a:srgbClr val="FFFFFF"/>
+                </a:highlight>
+                <a:latin typeface="Segoe UI" panose="020B0502040204020203" pitchFamily="34" charset="0"/>
+                <a:cs typeface="Segoe UI" panose="020B0502040204020203" pitchFamily="34" charset="0"/>
+              </a:rPr>
+              <a:t>Create function</a:t>
+            </a:r>
+            <a:r>
+              <a:rPr lang="en-US" b="0" i="0" dirty="0">
+                <a:solidFill>
+                  <a:srgbClr val="0D0D0D"/>
+                </a:solidFill>
+                <a:effectLst/>
+                <a:highlight>
+                  <a:srgbClr val="FFFFFF"/>
+                </a:highlight>
+                <a:latin typeface="Segoe UI" panose="020B0502040204020203" pitchFamily="34" charset="0"/>
+                <a:cs typeface="Segoe UI" panose="020B0502040204020203" pitchFamily="34" charset="0"/>
+              </a:rPr>
+              <a:t>.</a:t>
+            </a:r>
+          </a:p>
+          <a:p>
+            <a:pPr marL="342900" indent="-342900" algn="l">
+              <a:lnSpc>
+                <a:spcPct val="150000"/>
+              </a:lnSpc>
+              <a:buFont typeface="+mj-lt"/>
+              <a:buAutoNum type="arabicPeriod"/>
+            </a:pPr>
+            <a:r>
+              <a:rPr lang="en-US" b="0" i="0" dirty="0">
+                <a:solidFill>
+                  <a:srgbClr val="0D0D0D"/>
+                </a:solidFill>
+                <a:effectLst/>
+                <a:highlight>
+                  <a:srgbClr val="FFFFFF"/>
+                </a:highlight>
+                <a:latin typeface="Segoe UI" panose="020B0502040204020203" pitchFamily="34" charset="0"/>
+                <a:cs typeface="Segoe UI" panose="020B0502040204020203" pitchFamily="34" charset="0"/>
+              </a:rPr>
+              <a:t>Choose the </a:t>
+            </a:r>
+            <a:r>
+              <a:rPr lang="en-US" b="1" i="0" dirty="0">
+                <a:solidFill>
+                  <a:srgbClr val="0D0D0D"/>
+                </a:solidFill>
+                <a:effectLst/>
+                <a:highlight>
+                  <a:srgbClr val="FFFFFF"/>
+                </a:highlight>
+                <a:latin typeface="Segoe UI" panose="020B0502040204020203" pitchFamily="34" charset="0"/>
+                <a:cs typeface="Segoe UI" panose="020B0502040204020203" pitchFamily="34" charset="0"/>
+              </a:rPr>
+              <a:t>Author from scratch</a:t>
+            </a:r>
+            <a:r>
+              <a:rPr lang="en-US" b="0" i="0" dirty="0">
+                <a:solidFill>
+                  <a:srgbClr val="0D0D0D"/>
+                </a:solidFill>
+                <a:effectLst/>
+                <a:highlight>
+                  <a:srgbClr val="FFFFFF"/>
+                </a:highlight>
+                <a:latin typeface="Segoe UI" panose="020B0502040204020203" pitchFamily="34" charset="0"/>
+                <a:cs typeface="Segoe UI" panose="020B0502040204020203" pitchFamily="34" charset="0"/>
+              </a:rPr>
+              <a:t>. Enter a </a:t>
+            </a:r>
+            <a:r>
+              <a:rPr lang="en-US" b="1" i="0" dirty="0">
+                <a:solidFill>
+                  <a:srgbClr val="0D0D0D"/>
+                </a:solidFill>
+                <a:effectLst/>
+                <a:highlight>
+                  <a:srgbClr val="FFFFFF"/>
+                </a:highlight>
+                <a:latin typeface="Segoe UI" panose="020B0502040204020203" pitchFamily="34" charset="0"/>
+                <a:cs typeface="Segoe UI" panose="020B0502040204020203" pitchFamily="34" charset="0"/>
+              </a:rPr>
+              <a:t>function name</a:t>
+            </a:r>
+            <a:r>
+              <a:rPr lang="en-US" b="0" i="0" dirty="0">
+                <a:solidFill>
+                  <a:srgbClr val="0D0D0D"/>
+                </a:solidFill>
+                <a:effectLst/>
+                <a:highlight>
+                  <a:srgbClr val="FFFFFF"/>
+                </a:highlight>
+                <a:latin typeface="Segoe UI" panose="020B0502040204020203" pitchFamily="34" charset="0"/>
+                <a:cs typeface="Segoe UI" panose="020B0502040204020203" pitchFamily="34" charset="0"/>
+              </a:rPr>
+              <a:t>, and select </a:t>
+            </a:r>
+            <a:r>
+              <a:rPr lang="en-US" b="1" i="0" dirty="0">
+                <a:solidFill>
+                  <a:srgbClr val="0D0D0D"/>
+                </a:solidFill>
+                <a:effectLst/>
+                <a:highlight>
+                  <a:srgbClr val="FFFFFF"/>
+                </a:highlight>
+                <a:latin typeface="Segoe UI" panose="020B0502040204020203" pitchFamily="34" charset="0"/>
+                <a:cs typeface="Segoe UI" panose="020B0502040204020203" pitchFamily="34" charset="0"/>
+              </a:rPr>
+              <a:t>Python 3.8</a:t>
+            </a:r>
+            <a:r>
+              <a:rPr lang="en-US" b="0" i="0" dirty="0">
+                <a:solidFill>
+                  <a:srgbClr val="0D0D0D"/>
+                </a:solidFill>
+                <a:effectLst/>
+                <a:highlight>
+                  <a:srgbClr val="FFFFFF"/>
+                </a:highlight>
+                <a:latin typeface="Segoe UI" panose="020B0502040204020203" pitchFamily="34" charset="0"/>
+                <a:cs typeface="Segoe UI" panose="020B0502040204020203" pitchFamily="34" charset="0"/>
+              </a:rPr>
+              <a:t> as the runtime.</a:t>
+            </a:r>
+          </a:p>
+          <a:p>
+            <a:pPr marL="342900" indent="-342900" algn="l">
+              <a:lnSpc>
+                <a:spcPct val="150000"/>
+              </a:lnSpc>
+              <a:buFont typeface="+mj-lt"/>
+              <a:buAutoNum type="arabicPeriod"/>
+            </a:pPr>
+            <a:r>
+              <a:rPr lang="en-US" b="0" i="0" dirty="0">
+                <a:solidFill>
+                  <a:srgbClr val="0D0D0D"/>
+                </a:solidFill>
+                <a:effectLst/>
+                <a:highlight>
+                  <a:srgbClr val="FFFFFF"/>
+                </a:highlight>
+                <a:latin typeface="Segoe UI" panose="020B0502040204020203" pitchFamily="34" charset="0"/>
+                <a:cs typeface="Segoe UI" panose="020B0502040204020203" pitchFamily="34" charset="0"/>
+              </a:rPr>
+              <a:t>Under </a:t>
+            </a:r>
+            <a:r>
+              <a:rPr lang="en-US" b="1" i="0" dirty="0">
+                <a:solidFill>
+                  <a:srgbClr val="0D0D0D"/>
+                </a:solidFill>
+                <a:effectLst/>
+                <a:highlight>
+                  <a:srgbClr val="FFFFFF"/>
+                </a:highlight>
+                <a:latin typeface="Segoe UI" panose="020B0502040204020203" pitchFamily="34" charset="0"/>
+                <a:cs typeface="Segoe UI" panose="020B0502040204020203" pitchFamily="34" charset="0"/>
+              </a:rPr>
+              <a:t>Permissions</a:t>
+            </a:r>
+            <a:r>
+              <a:rPr lang="en-US" b="0" i="0" dirty="0">
+                <a:solidFill>
+                  <a:srgbClr val="0D0D0D"/>
+                </a:solidFill>
+                <a:effectLst/>
+                <a:highlight>
+                  <a:srgbClr val="FFFFFF"/>
+                </a:highlight>
+                <a:latin typeface="Segoe UI" panose="020B0502040204020203" pitchFamily="34" charset="0"/>
+                <a:cs typeface="Segoe UI" panose="020B0502040204020203" pitchFamily="34" charset="0"/>
+              </a:rPr>
+              <a:t>, choose or create an execution role that has at least the basic Lambda permissions plus permissions to read from S3 and invalidate CloudFront distributions.</a:t>
+            </a:r>
+          </a:p>
+          <a:p>
+            <a:pPr marL="342900" indent="-342900" algn="l">
+              <a:lnSpc>
+                <a:spcPct val="150000"/>
+              </a:lnSpc>
+              <a:buFont typeface="+mj-lt"/>
+              <a:buAutoNum type="arabicPeriod"/>
+            </a:pPr>
+            <a:r>
+              <a:rPr lang="en-US" b="0" i="0" dirty="0">
+                <a:solidFill>
+                  <a:srgbClr val="0D0D0D"/>
+                </a:solidFill>
+                <a:effectLst/>
+                <a:highlight>
+                  <a:srgbClr val="FFFFFF"/>
+                </a:highlight>
+                <a:latin typeface="Segoe UI" panose="020B0502040204020203" pitchFamily="34" charset="0"/>
+                <a:cs typeface="Segoe UI" panose="020B0502040204020203" pitchFamily="34" charset="0"/>
+              </a:rPr>
+              <a:t>Click the </a:t>
+            </a:r>
+            <a:r>
+              <a:rPr lang="en-US" b="1" i="0" dirty="0">
+                <a:solidFill>
+                  <a:srgbClr val="0D0D0D"/>
+                </a:solidFill>
+                <a:effectLst/>
+                <a:highlight>
+                  <a:srgbClr val="FFFFFF"/>
+                </a:highlight>
+                <a:latin typeface="Segoe UI" panose="020B0502040204020203" pitchFamily="34" charset="0"/>
+                <a:cs typeface="Segoe UI" panose="020B0502040204020203" pitchFamily="34" charset="0"/>
+              </a:rPr>
+              <a:t>Create function</a:t>
+            </a:r>
+            <a:r>
+              <a:rPr lang="en-US" b="0" i="0" dirty="0">
+                <a:solidFill>
+                  <a:srgbClr val="0D0D0D"/>
+                </a:solidFill>
+                <a:effectLst/>
+                <a:highlight>
+                  <a:srgbClr val="FFFFFF"/>
+                </a:highlight>
+                <a:latin typeface="Segoe UI" panose="020B0502040204020203" pitchFamily="34" charset="0"/>
+                <a:cs typeface="Segoe UI" panose="020B0502040204020203" pitchFamily="34" charset="0"/>
+              </a:rPr>
+              <a:t>.</a:t>
+            </a:r>
+          </a:p>
+        </p:txBody>
+      </p:sp>
+    </p:spTree>
+    <p:extLst>
+      <p:ext uri="{BB962C8B-B14F-4D97-AF65-F5344CB8AC3E}">
+        <p14:creationId xmlns:p14="http://schemas.microsoft.com/office/powerpoint/2010/main" val="841529581"/>
+      </p:ext>
+    </p:extLst>
+  </p:cSld>
+  <p:clrMapOvr>
+    <a:masterClrMapping/>
+  </p:clrMapOvr>
+</p:sld>
+</file>
+
+<file path=ppt/slides/slide9.xml><?xml version="1.0" encoding="utf-8"?>
+<p:sld xmlns:a="http://schemas.openxmlformats.org/drawingml/2006/main" xmlns:r="http://schemas.openxmlformats.org/officeDocument/2006/relationships" xmlns:p="http://schemas.openxmlformats.org/presentationml/2006/main">
+  <p:cSld>
+    <p:spTree>
+      <p:nvGrpSpPr>
+        <p:cNvPr id="1" name=""/>
+        <p:cNvGrpSpPr/>
+        <p:nvPr/>
+      </p:nvGrpSpPr>
+      <p:grpSpPr>
+        <a:xfrm>
+          <a:off x="0" y="0"/>
+          <a:ext cx="0" cy="0"/>
+          <a:chOff x="0" y="0"/>
+          <a:chExt cx="0" cy="0"/>
+        </a:xfrm>
+      </p:grpSpPr>
+      <p:sp>
+        <p:nvSpPr>
+          <p:cNvPr id="2" name="TextBox 1">
+            <a:extLst>
+              <a:ext uri="{FF2B5EF4-FFF2-40B4-BE49-F238E27FC236}">
+                <a16:creationId xmlns:a16="http://schemas.microsoft.com/office/drawing/2014/main" id="{2C265965-136C-12A1-055A-8C1D00DA0493}"/>
+              </a:ext>
+            </a:extLst>
+          </p:cNvPr>
+          <p:cNvSpPr txBox="1"/>
+          <p:nvPr/>
+        </p:nvSpPr>
+        <p:spPr>
+          <a:xfrm>
+            <a:off x="4027332" y="303322"/>
+            <a:ext cx="4613748" cy="646331"/>
+          </a:xfrm>
+          <a:prstGeom prst="rect">
+            <a:avLst/>
+          </a:prstGeom>
+          <a:noFill/>
+        </p:spPr>
+        <p:txBody>
+          <a:bodyPr wrap="square" rtlCol="0">
+            <a:spAutoFit/>
+          </a:bodyPr>
+          <a:lstStyle/>
+          <a:p>
+            <a:r>
+              <a:rPr lang="en-IN" dirty="0"/>
+              <a:t>Update the Cache of the CloudFront distribution </a:t>
+            </a:r>
+          </a:p>
+        </p:txBody>
+      </p:sp>
+      <p:sp>
+        <p:nvSpPr>
+          <p:cNvPr id="3" name="Rectangle 2">
+            <a:extLst>
+              <a:ext uri="{FF2B5EF4-FFF2-40B4-BE49-F238E27FC236}">
+                <a16:creationId xmlns:a16="http://schemas.microsoft.com/office/drawing/2014/main" id="{A6AE37A1-9329-E66A-748C-E67F9664C20D}"/>
+              </a:ext>
+            </a:extLst>
+          </p:cNvPr>
+          <p:cNvSpPr/>
+          <p:nvPr/>
+        </p:nvSpPr>
+        <p:spPr>
+          <a:xfrm>
+            <a:off x="3453752" y="198089"/>
+            <a:ext cx="4613747" cy="751564"/>
+          </a:xfrm>
+          <a:prstGeom prst="rect">
+            <a:avLst/>
+          </a:prstGeom>
+          <a:solidFill>
+            <a:schemeClr val="accent4">
+              <a:alpha val="50000"/>
+            </a:schemeClr>
+          </a:solidFill>
+          <a:ln>
+            <a:noFill/>
+          </a:ln>
+        </p:spPr>
+        <p:style>
+          <a:lnRef idx="0">
+            <a:scrgbClr r="0" g="0" b="0"/>
+          </a:lnRef>
+          <a:fillRef idx="0">
+            <a:scrgbClr r="0" g="0" b="0"/>
+          </a:fillRef>
+          <a:effectRef idx="0">
+            <a:scrgbClr r="0" g="0" b="0"/>
+          </a:effectRef>
+          <a:fontRef idx="minor">
+            <a:schemeClr val="lt1"/>
+          </a:fontRef>
+        </p:style>
+        <p:txBody>
+          <a:bodyPr rtlCol="0" anchor="ctr"/>
+          <a:lstStyle/>
+          <a:p>
+            <a:pPr algn="ctr"/>
+            <a:endParaRPr lang="en-IN" dirty="0"/>
+          </a:p>
+        </p:txBody>
+      </p:sp>
+      <p:sp>
+        <p:nvSpPr>
+          <p:cNvPr id="7" name="Rectangle 6">
+            <a:extLst>
+              <a:ext uri="{FF2B5EF4-FFF2-40B4-BE49-F238E27FC236}">
+                <a16:creationId xmlns:a16="http://schemas.microsoft.com/office/drawing/2014/main" id="{C2B2A8F1-8D21-214D-E9FF-F7781E10252B}"/>
+              </a:ext>
+            </a:extLst>
+          </p:cNvPr>
+          <p:cNvSpPr/>
+          <p:nvPr/>
+        </p:nvSpPr>
+        <p:spPr>
+          <a:xfrm>
+            <a:off x="786384" y="1527048"/>
+            <a:ext cx="10323576" cy="4517136"/>
+          </a:xfrm>
+          <a:prstGeom prst="rect">
+            <a:avLst/>
+          </a:prstGeom>
+          <a:noFill/>
+          <a:ln w="9525" cap="flat" cmpd="sng" algn="ctr">
+            <a:solidFill>
+              <a:schemeClr val="accent3"/>
+            </a:solidFill>
+            <a:prstDash val="solid"/>
+            <a:round/>
+            <a:headEnd type="none" w="med" len="med"/>
+            <a:tailEnd type="none" w="med" len="med"/>
+          </a:ln>
+        </p:spPr>
+        <p:style>
+          <a:lnRef idx="0">
+            <a:scrgbClr r="0" g="0" b="0"/>
+          </a:lnRef>
+          <a:fillRef idx="0">
+            <a:scrgbClr r="0" g="0" b="0"/>
+          </a:fillRef>
+          <a:effectRef idx="0">
+            <a:scrgbClr r="0" g="0" b="0"/>
+          </a:effectRef>
+          <a:fontRef idx="minor">
+            <a:schemeClr val="accent3"/>
+          </a:fontRef>
+        </p:style>
+        <p:txBody>
+          <a:bodyPr rtlCol="0" anchor="ctr"/>
+          <a:lstStyle/>
+          <a:p>
+            <a:pPr algn="ctr"/>
+            <a:endParaRPr lang="en-IN" dirty="0"/>
+          </a:p>
+        </p:txBody>
+      </p:sp>
+      <p:sp>
+        <p:nvSpPr>
+          <p:cNvPr id="5" name="TextBox 4">
+            <a:extLst>
+              <a:ext uri="{FF2B5EF4-FFF2-40B4-BE49-F238E27FC236}">
+                <a16:creationId xmlns:a16="http://schemas.microsoft.com/office/drawing/2014/main" id="{7E5E88B9-8C5A-928D-A8F5-6924CAA63974}"/>
+              </a:ext>
+            </a:extLst>
+          </p:cNvPr>
+          <p:cNvSpPr txBox="1"/>
+          <p:nvPr/>
+        </p:nvSpPr>
+        <p:spPr>
+          <a:xfrm>
+            <a:off x="1106424" y="1891187"/>
+            <a:ext cx="9683496" cy="3788858"/>
+          </a:xfrm>
+          <a:prstGeom prst="rect">
+            <a:avLst/>
+          </a:prstGeom>
+          <a:noFill/>
+        </p:spPr>
+        <p:txBody>
+          <a:bodyPr wrap="square">
+            <a:spAutoFit/>
+          </a:bodyPr>
+          <a:lstStyle>
+            <a:defPPr>
+              <a:defRPr lang="en-US"/>
+            </a:defPPr>
+            <a:lvl1pPr>
+              <a:lnSpc>
+                <a:spcPct val="150000"/>
+              </a:lnSpc>
+              <a:defRPr b="1" i="0">
+                <a:solidFill>
+                  <a:srgbClr val="0D0D0D"/>
+                </a:solidFill>
+                <a:effectLst/>
+                <a:highlight>
+                  <a:srgbClr val="FFFFFF"/>
+                </a:highlight>
+                <a:latin typeface="Segoe UI" panose="020B0502040204020203" pitchFamily="34" charset="0"/>
+                <a:cs typeface="Segoe UI" panose="020B0502040204020203" pitchFamily="34" charset="0"/>
+              </a:defRPr>
+            </a:lvl1pPr>
+          </a:lstStyle>
+          <a:p>
+            <a:r>
+              <a:rPr lang="en-US" dirty="0"/>
+              <a:t>Step 3: Set S3 Event Notifications</a:t>
+            </a:r>
+          </a:p>
+          <a:p>
+            <a:pPr marL="342900" indent="-342900">
+              <a:buFont typeface="+mj-lt"/>
+              <a:buAutoNum type="arabicPeriod"/>
+            </a:pPr>
+            <a:r>
+              <a:rPr lang="en-US" b="0" dirty="0"/>
+              <a:t>Go to your S3 bucket in the S3 console.</a:t>
+            </a:r>
+          </a:p>
+          <a:p>
+            <a:pPr marL="342900" indent="-342900">
+              <a:buFont typeface="+mj-lt"/>
+              <a:buAutoNum type="arabicPeriod"/>
+            </a:pPr>
+            <a:r>
+              <a:rPr lang="en-US" b="0" dirty="0"/>
+              <a:t>Click on Properties &gt; Event notifications.</a:t>
+            </a:r>
+          </a:p>
+          <a:p>
+            <a:pPr marL="342900" indent="-342900">
+              <a:buFont typeface="+mj-lt"/>
+              <a:buAutoNum type="arabicPeriod"/>
+            </a:pPr>
+            <a:r>
+              <a:rPr lang="en-US" b="0" dirty="0"/>
+              <a:t>Click Create event notification.</a:t>
+            </a:r>
+          </a:p>
+          <a:p>
+            <a:pPr marL="342900" indent="-342900">
+              <a:buFont typeface="+mj-lt"/>
+              <a:buAutoNum type="arabicPeriod"/>
+            </a:pPr>
+            <a:r>
+              <a:rPr lang="en-US" b="0" dirty="0"/>
+              <a:t>Name your event, and select All object create events and All object delete events under the “Events”.</a:t>
+            </a:r>
+          </a:p>
+          <a:p>
+            <a:pPr marL="342900" indent="-342900">
+              <a:buFont typeface="+mj-lt"/>
+              <a:buAutoNum type="arabicPeriod"/>
+            </a:pPr>
+            <a:r>
+              <a:rPr lang="en-US" b="0" dirty="0"/>
+              <a:t>Under “Destination”, select the Lambda function.</a:t>
+            </a:r>
+          </a:p>
+          <a:p>
+            <a:pPr marL="342900" indent="-342900">
+              <a:buFont typeface="+mj-lt"/>
+              <a:buAutoNum type="arabicPeriod"/>
+            </a:pPr>
+            <a:r>
+              <a:rPr lang="en-US" b="0" dirty="0"/>
+              <a:t>Choose the Lambda function you created in Step 2.</a:t>
+            </a:r>
+          </a:p>
+          <a:p>
+            <a:pPr marL="342900" indent="-342900">
+              <a:buFont typeface="+mj-lt"/>
+              <a:buAutoNum type="arabicPeriod"/>
+            </a:pPr>
+            <a:r>
+              <a:rPr lang="en-US" b="0" dirty="0"/>
+              <a:t>Click Save changes.</a:t>
+            </a:r>
+          </a:p>
+        </p:txBody>
+      </p:sp>
+    </p:spTree>
+    <p:extLst>
+      <p:ext uri="{BB962C8B-B14F-4D97-AF65-F5344CB8AC3E}">
+        <p14:creationId xmlns:p14="http://schemas.microsoft.com/office/powerpoint/2010/main" val="1795457676"/>
       </p:ext>
     </p:extLst>
   </p:cSld>

--- a/docs/Mp4ToHLS.pptx
+++ b/docs/Mp4ToHLS.pptx
@@ -6,16 +6,24 @@
   </p:sldMasterIdLst>
   <p:sldIdLst>
     <p:sldId id="256" r:id="rId2"/>
-    <p:sldId id="257" r:id="rId3"/>
-    <p:sldId id="258" r:id="rId4"/>
-    <p:sldId id="262" r:id="rId5"/>
-    <p:sldId id="259" r:id="rId6"/>
-    <p:sldId id="260" r:id="rId7"/>
-    <p:sldId id="263" r:id="rId8"/>
-    <p:sldId id="264" r:id="rId9"/>
-    <p:sldId id="265" r:id="rId10"/>
-    <p:sldId id="266" r:id="rId11"/>
-    <p:sldId id="267" r:id="rId12"/>
+    <p:sldId id="274" r:id="rId3"/>
+    <p:sldId id="257" r:id="rId4"/>
+    <p:sldId id="258" r:id="rId5"/>
+    <p:sldId id="262" r:id="rId6"/>
+    <p:sldId id="259" r:id="rId7"/>
+    <p:sldId id="260" r:id="rId8"/>
+    <p:sldId id="273" r:id="rId9"/>
+    <p:sldId id="263" r:id="rId10"/>
+    <p:sldId id="264" r:id="rId11"/>
+    <p:sldId id="265" r:id="rId12"/>
+    <p:sldId id="266" r:id="rId13"/>
+    <p:sldId id="267" r:id="rId14"/>
+    <p:sldId id="268" r:id="rId15"/>
+    <p:sldId id="269" r:id="rId16"/>
+    <p:sldId id="270" r:id="rId17"/>
+    <p:sldId id="271" r:id="rId18"/>
+    <p:sldId id="272" r:id="rId19"/>
+    <p:sldId id="278" r:id="rId20"/>
   </p:sldIdLst>
   <p:sldSz cx="12192000" cy="6858000"/>
   <p:notesSz cx="6858000" cy="9144000"/>
@@ -271,7 +279,7 @@
           <a:p>
             <a:fld id="{95B416D5-050F-4A06-8570-EEC99C0DB5E5}" type="datetimeFigureOut">
               <a:rPr lang="en-IN" smtClean="0"/>
-              <a:t>10-05-2024</a:t>
+              <a:t>11-05-2024</a:t>
             </a:fld>
             <a:endParaRPr lang="en-IN"/>
           </a:p>
@@ -471,7 +479,7 @@
           <a:p>
             <a:fld id="{95B416D5-050F-4A06-8570-EEC99C0DB5E5}" type="datetimeFigureOut">
               <a:rPr lang="en-IN" smtClean="0"/>
-              <a:t>10-05-2024</a:t>
+              <a:t>11-05-2024</a:t>
             </a:fld>
             <a:endParaRPr lang="en-IN"/>
           </a:p>
@@ -681,7 +689,7 @@
           <a:p>
             <a:fld id="{95B416D5-050F-4A06-8570-EEC99C0DB5E5}" type="datetimeFigureOut">
               <a:rPr lang="en-IN" smtClean="0"/>
-              <a:t>10-05-2024</a:t>
+              <a:t>11-05-2024</a:t>
             </a:fld>
             <a:endParaRPr lang="en-IN"/>
           </a:p>
@@ -881,7 +889,7 @@
           <a:p>
             <a:fld id="{95B416D5-050F-4A06-8570-EEC99C0DB5E5}" type="datetimeFigureOut">
               <a:rPr lang="en-IN" smtClean="0"/>
-              <a:t>10-05-2024</a:t>
+              <a:t>11-05-2024</a:t>
             </a:fld>
             <a:endParaRPr lang="en-IN"/>
           </a:p>
@@ -1157,7 +1165,7 @@
           <a:p>
             <a:fld id="{95B416D5-050F-4A06-8570-EEC99C0DB5E5}" type="datetimeFigureOut">
               <a:rPr lang="en-IN" smtClean="0"/>
-              <a:t>10-05-2024</a:t>
+              <a:t>11-05-2024</a:t>
             </a:fld>
             <a:endParaRPr lang="en-IN"/>
           </a:p>
@@ -1425,7 +1433,7 @@
           <a:p>
             <a:fld id="{95B416D5-050F-4A06-8570-EEC99C0DB5E5}" type="datetimeFigureOut">
               <a:rPr lang="en-IN" smtClean="0"/>
-              <a:t>10-05-2024</a:t>
+              <a:t>11-05-2024</a:t>
             </a:fld>
             <a:endParaRPr lang="en-IN"/>
           </a:p>
@@ -1840,7 +1848,7 @@
           <a:p>
             <a:fld id="{95B416D5-050F-4A06-8570-EEC99C0DB5E5}" type="datetimeFigureOut">
               <a:rPr lang="en-IN" smtClean="0"/>
-              <a:t>10-05-2024</a:t>
+              <a:t>11-05-2024</a:t>
             </a:fld>
             <a:endParaRPr lang="en-IN"/>
           </a:p>
@@ -1982,7 +1990,7 @@
           <a:p>
             <a:fld id="{95B416D5-050F-4A06-8570-EEC99C0DB5E5}" type="datetimeFigureOut">
               <a:rPr lang="en-IN" smtClean="0"/>
-              <a:t>10-05-2024</a:t>
+              <a:t>11-05-2024</a:t>
             </a:fld>
             <a:endParaRPr lang="en-IN"/>
           </a:p>
@@ -2095,7 +2103,7 @@
           <a:p>
             <a:fld id="{95B416D5-050F-4A06-8570-EEC99C0DB5E5}" type="datetimeFigureOut">
               <a:rPr lang="en-IN" smtClean="0"/>
-              <a:t>10-05-2024</a:t>
+              <a:t>11-05-2024</a:t>
             </a:fld>
             <a:endParaRPr lang="en-IN"/>
           </a:p>
@@ -2408,7 +2416,7 @@
           <a:p>
             <a:fld id="{95B416D5-050F-4A06-8570-EEC99C0DB5E5}" type="datetimeFigureOut">
               <a:rPr lang="en-IN" smtClean="0"/>
-              <a:t>10-05-2024</a:t>
+              <a:t>11-05-2024</a:t>
             </a:fld>
             <a:endParaRPr lang="en-IN"/>
           </a:p>
@@ -2697,7 +2705,7 @@
           <a:p>
             <a:fld id="{95B416D5-050F-4A06-8570-EEC99C0DB5E5}" type="datetimeFigureOut">
               <a:rPr lang="en-IN" smtClean="0"/>
-              <a:t>10-05-2024</a:t>
+              <a:t>11-05-2024</a:t>
             </a:fld>
             <a:endParaRPr lang="en-IN"/>
           </a:p>
@@ -2940,7 +2948,7 @@
           <a:p>
             <a:fld id="{95B416D5-050F-4A06-8570-EEC99C0DB5E5}" type="datetimeFigureOut">
               <a:rPr lang="en-IN" smtClean="0"/>
-              <a:t>10-05-2024</a:t>
+              <a:t>11-05-2024</a:t>
             </a:fld>
             <a:endParaRPr lang="en-IN"/>
           </a:p>
@@ -3482,6 +3490,797 @@
         </p:nvSpPr>
         <p:spPr>
           <a:xfrm>
+            <a:off x="4027332" y="303322"/>
+            <a:ext cx="4613748" cy="646331"/>
+          </a:xfrm>
+          <a:prstGeom prst="rect">
+            <a:avLst/>
+          </a:prstGeom>
+          <a:noFill/>
+        </p:spPr>
+        <p:txBody>
+          <a:bodyPr wrap="square" rtlCol="0">
+            <a:spAutoFit/>
+          </a:bodyPr>
+          <a:lstStyle/>
+          <a:p>
+            <a:r>
+              <a:rPr lang="en-IN" dirty="0"/>
+              <a:t>Update the Cache of the CloudFront distribution </a:t>
+            </a:r>
+          </a:p>
+        </p:txBody>
+      </p:sp>
+      <p:sp>
+        <p:nvSpPr>
+          <p:cNvPr id="3" name="Rectangle 2">
+            <a:extLst>
+              <a:ext uri="{FF2B5EF4-FFF2-40B4-BE49-F238E27FC236}">
+                <a16:creationId xmlns:a16="http://schemas.microsoft.com/office/drawing/2014/main" id="{A6AE37A1-9329-E66A-748C-E67F9664C20D}"/>
+              </a:ext>
+            </a:extLst>
+          </p:cNvPr>
+          <p:cNvSpPr/>
+          <p:nvPr/>
+        </p:nvSpPr>
+        <p:spPr>
+          <a:xfrm>
+            <a:off x="3453752" y="198089"/>
+            <a:ext cx="4613747" cy="751564"/>
+          </a:xfrm>
+          <a:prstGeom prst="rect">
+            <a:avLst/>
+          </a:prstGeom>
+          <a:solidFill>
+            <a:schemeClr val="accent4">
+              <a:alpha val="50000"/>
+            </a:schemeClr>
+          </a:solidFill>
+          <a:ln>
+            <a:noFill/>
+          </a:ln>
+        </p:spPr>
+        <p:style>
+          <a:lnRef idx="0">
+            <a:scrgbClr r="0" g="0" b="0"/>
+          </a:lnRef>
+          <a:fillRef idx="0">
+            <a:scrgbClr r="0" g="0" b="0"/>
+          </a:fillRef>
+          <a:effectRef idx="0">
+            <a:scrgbClr r="0" g="0" b="0"/>
+          </a:effectRef>
+          <a:fontRef idx="minor">
+            <a:schemeClr val="lt1"/>
+          </a:fontRef>
+        </p:style>
+        <p:txBody>
+          <a:bodyPr rtlCol="0" anchor="ctr"/>
+          <a:lstStyle/>
+          <a:p>
+            <a:pPr algn="ctr"/>
+            <a:endParaRPr lang="en-IN" dirty="0"/>
+          </a:p>
+        </p:txBody>
+      </p:sp>
+      <p:sp>
+        <p:nvSpPr>
+          <p:cNvPr id="7" name="Rectangle 6">
+            <a:extLst>
+              <a:ext uri="{FF2B5EF4-FFF2-40B4-BE49-F238E27FC236}">
+                <a16:creationId xmlns:a16="http://schemas.microsoft.com/office/drawing/2014/main" id="{C2B2A8F1-8D21-214D-E9FF-F7781E10252B}"/>
+              </a:ext>
+            </a:extLst>
+          </p:cNvPr>
+          <p:cNvSpPr/>
+          <p:nvPr/>
+        </p:nvSpPr>
+        <p:spPr>
+          <a:xfrm>
+            <a:off x="786384" y="1527048"/>
+            <a:ext cx="10323576" cy="4517136"/>
+          </a:xfrm>
+          <a:prstGeom prst="rect">
+            <a:avLst/>
+          </a:prstGeom>
+          <a:noFill/>
+          <a:ln w="9525" cap="flat" cmpd="sng" algn="ctr">
+            <a:solidFill>
+              <a:schemeClr val="accent3"/>
+            </a:solidFill>
+            <a:prstDash val="solid"/>
+            <a:round/>
+            <a:headEnd type="none" w="med" len="med"/>
+            <a:tailEnd type="none" w="med" len="med"/>
+          </a:ln>
+        </p:spPr>
+        <p:style>
+          <a:lnRef idx="0">
+            <a:scrgbClr r="0" g="0" b="0"/>
+          </a:lnRef>
+          <a:fillRef idx="0">
+            <a:scrgbClr r="0" g="0" b="0"/>
+          </a:fillRef>
+          <a:effectRef idx="0">
+            <a:scrgbClr r="0" g="0" b="0"/>
+          </a:effectRef>
+          <a:fontRef idx="minor">
+            <a:schemeClr val="accent3"/>
+          </a:fontRef>
+        </p:style>
+        <p:txBody>
+          <a:bodyPr rtlCol="0" anchor="ctr"/>
+          <a:lstStyle/>
+          <a:p>
+            <a:pPr algn="ctr"/>
+            <a:endParaRPr lang="en-IN" dirty="0"/>
+          </a:p>
+        </p:txBody>
+      </p:sp>
+      <p:sp>
+        <p:nvSpPr>
+          <p:cNvPr id="9" name="TextBox 8">
+            <a:extLst>
+              <a:ext uri="{FF2B5EF4-FFF2-40B4-BE49-F238E27FC236}">
+                <a16:creationId xmlns:a16="http://schemas.microsoft.com/office/drawing/2014/main" id="{462B08DF-1487-EE23-6FE4-3E74FC75CC10}"/>
+              </a:ext>
+            </a:extLst>
+          </p:cNvPr>
+          <p:cNvSpPr txBox="1"/>
+          <p:nvPr/>
+        </p:nvSpPr>
+        <p:spPr>
+          <a:xfrm>
+            <a:off x="1082040" y="2185416"/>
+            <a:ext cx="9595104" cy="2949205"/>
+          </a:xfrm>
+          <a:prstGeom prst="rect">
+            <a:avLst/>
+          </a:prstGeom>
+          <a:noFill/>
+        </p:spPr>
+        <p:txBody>
+          <a:bodyPr wrap="square">
+            <a:spAutoFit/>
+          </a:bodyPr>
+          <a:lstStyle/>
+          <a:p>
+            <a:pPr algn="l">
+              <a:lnSpc>
+                <a:spcPct val="150000"/>
+              </a:lnSpc>
+            </a:pPr>
+            <a:r>
+              <a:rPr lang="en-US" b="1" i="0" dirty="0">
+                <a:solidFill>
+                  <a:srgbClr val="0D0D0D"/>
+                </a:solidFill>
+                <a:effectLst/>
+                <a:highlight>
+                  <a:srgbClr val="FFFFFF"/>
+                </a:highlight>
+                <a:latin typeface="Segoe UI" panose="020B0502040204020203" pitchFamily="34" charset="0"/>
+                <a:cs typeface="Segoe UI" panose="020B0502040204020203" pitchFamily="34" charset="0"/>
+              </a:rPr>
+              <a:t>Step 2: Create a Lambda Function</a:t>
+            </a:r>
+          </a:p>
+          <a:p>
+            <a:pPr marL="342900" indent="-342900" algn="l">
+              <a:lnSpc>
+                <a:spcPct val="150000"/>
+              </a:lnSpc>
+              <a:buFont typeface="+mj-lt"/>
+              <a:buAutoNum type="arabicPeriod"/>
+            </a:pPr>
+            <a:r>
+              <a:rPr lang="en-US" b="1" i="0" dirty="0">
+                <a:solidFill>
+                  <a:srgbClr val="0D0D0D"/>
+                </a:solidFill>
+                <a:effectLst/>
+                <a:highlight>
+                  <a:srgbClr val="FFFFFF"/>
+                </a:highlight>
+                <a:latin typeface="Segoe UI" panose="020B0502040204020203" pitchFamily="34" charset="0"/>
+                <a:cs typeface="Segoe UI" panose="020B0502040204020203" pitchFamily="34" charset="0"/>
+              </a:rPr>
+              <a:t>Navigate</a:t>
+            </a:r>
+            <a:r>
+              <a:rPr lang="en-US" b="0" i="0" dirty="0">
+                <a:solidFill>
+                  <a:srgbClr val="0D0D0D"/>
+                </a:solidFill>
+                <a:effectLst/>
+                <a:highlight>
+                  <a:srgbClr val="FFFFFF"/>
+                </a:highlight>
+                <a:latin typeface="Segoe UI" panose="020B0502040204020203" pitchFamily="34" charset="0"/>
+                <a:cs typeface="Segoe UI" panose="020B0502040204020203" pitchFamily="34" charset="0"/>
+              </a:rPr>
+              <a:t> to the AWS Lambda console and click the </a:t>
+            </a:r>
+            <a:r>
+              <a:rPr lang="en-US" b="1" i="0" dirty="0">
+                <a:solidFill>
+                  <a:srgbClr val="0D0D0D"/>
+                </a:solidFill>
+                <a:effectLst/>
+                <a:highlight>
+                  <a:srgbClr val="FFFFFF"/>
+                </a:highlight>
+                <a:latin typeface="Segoe UI" panose="020B0502040204020203" pitchFamily="34" charset="0"/>
+                <a:cs typeface="Segoe UI" panose="020B0502040204020203" pitchFamily="34" charset="0"/>
+              </a:rPr>
+              <a:t>Create function</a:t>
+            </a:r>
+            <a:r>
+              <a:rPr lang="en-US" b="0" i="0" dirty="0">
+                <a:solidFill>
+                  <a:srgbClr val="0D0D0D"/>
+                </a:solidFill>
+                <a:effectLst/>
+                <a:highlight>
+                  <a:srgbClr val="FFFFFF"/>
+                </a:highlight>
+                <a:latin typeface="Segoe UI" panose="020B0502040204020203" pitchFamily="34" charset="0"/>
+                <a:cs typeface="Segoe UI" panose="020B0502040204020203" pitchFamily="34" charset="0"/>
+              </a:rPr>
+              <a:t>.</a:t>
+            </a:r>
+          </a:p>
+          <a:p>
+            <a:pPr marL="342900" indent="-342900" algn="l">
+              <a:lnSpc>
+                <a:spcPct val="150000"/>
+              </a:lnSpc>
+              <a:buFont typeface="+mj-lt"/>
+              <a:buAutoNum type="arabicPeriod"/>
+            </a:pPr>
+            <a:r>
+              <a:rPr lang="en-US" b="0" i="0" dirty="0">
+                <a:solidFill>
+                  <a:srgbClr val="0D0D0D"/>
+                </a:solidFill>
+                <a:effectLst/>
+                <a:highlight>
+                  <a:srgbClr val="FFFFFF"/>
+                </a:highlight>
+                <a:latin typeface="Segoe UI" panose="020B0502040204020203" pitchFamily="34" charset="0"/>
+                <a:cs typeface="Segoe UI" panose="020B0502040204020203" pitchFamily="34" charset="0"/>
+              </a:rPr>
+              <a:t>Choose the </a:t>
+            </a:r>
+            <a:r>
+              <a:rPr lang="en-US" b="1" i="0" dirty="0">
+                <a:solidFill>
+                  <a:srgbClr val="0D0D0D"/>
+                </a:solidFill>
+                <a:effectLst/>
+                <a:highlight>
+                  <a:srgbClr val="FFFFFF"/>
+                </a:highlight>
+                <a:latin typeface="Segoe UI" panose="020B0502040204020203" pitchFamily="34" charset="0"/>
+                <a:cs typeface="Segoe UI" panose="020B0502040204020203" pitchFamily="34" charset="0"/>
+              </a:rPr>
+              <a:t>Author from scratch</a:t>
+            </a:r>
+            <a:r>
+              <a:rPr lang="en-US" b="0" i="0" dirty="0">
+                <a:solidFill>
+                  <a:srgbClr val="0D0D0D"/>
+                </a:solidFill>
+                <a:effectLst/>
+                <a:highlight>
+                  <a:srgbClr val="FFFFFF"/>
+                </a:highlight>
+                <a:latin typeface="Segoe UI" panose="020B0502040204020203" pitchFamily="34" charset="0"/>
+                <a:cs typeface="Segoe UI" panose="020B0502040204020203" pitchFamily="34" charset="0"/>
+              </a:rPr>
+              <a:t>. Enter a </a:t>
+            </a:r>
+            <a:r>
+              <a:rPr lang="en-US" b="1" i="0" dirty="0">
+                <a:solidFill>
+                  <a:srgbClr val="0D0D0D"/>
+                </a:solidFill>
+                <a:effectLst/>
+                <a:highlight>
+                  <a:srgbClr val="FFFFFF"/>
+                </a:highlight>
+                <a:latin typeface="Segoe UI" panose="020B0502040204020203" pitchFamily="34" charset="0"/>
+                <a:cs typeface="Segoe UI" panose="020B0502040204020203" pitchFamily="34" charset="0"/>
+              </a:rPr>
+              <a:t>function name</a:t>
+            </a:r>
+            <a:r>
+              <a:rPr lang="en-US" b="0" i="0" dirty="0">
+                <a:solidFill>
+                  <a:srgbClr val="0D0D0D"/>
+                </a:solidFill>
+                <a:effectLst/>
+                <a:highlight>
+                  <a:srgbClr val="FFFFFF"/>
+                </a:highlight>
+                <a:latin typeface="Segoe UI" panose="020B0502040204020203" pitchFamily="34" charset="0"/>
+                <a:cs typeface="Segoe UI" panose="020B0502040204020203" pitchFamily="34" charset="0"/>
+              </a:rPr>
+              <a:t>, and select </a:t>
+            </a:r>
+            <a:r>
+              <a:rPr lang="en-US" b="1" i="0" dirty="0">
+                <a:solidFill>
+                  <a:srgbClr val="0D0D0D"/>
+                </a:solidFill>
+                <a:effectLst/>
+                <a:highlight>
+                  <a:srgbClr val="FFFFFF"/>
+                </a:highlight>
+                <a:latin typeface="Segoe UI" panose="020B0502040204020203" pitchFamily="34" charset="0"/>
+                <a:cs typeface="Segoe UI" panose="020B0502040204020203" pitchFamily="34" charset="0"/>
+              </a:rPr>
+              <a:t>Python 3.8</a:t>
+            </a:r>
+            <a:r>
+              <a:rPr lang="en-US" b="0" i="0" dirty="0">
+                <a:solidFill>
+                  <a:srgbClr val="0D0D0D"/>
+                </a:solidFill>
+                <a:effectLst/>
+                <a:highlight>
+                  <a:srgbClr val="FFFFFF"/>
+                </a:highlight>
+                <a:latin typeface="Segoe UI" panose="020B0502040204020203" pitchFamily="34" charset="0"/>
+                <a:cs typeface="Segoe UI" panose="020B0502040204020203" pitchFamily="34" charset="0"/>
+              </a:rPr>
+              <a:t> as the runtime.</a:t>
+            </a:r>
+          </a:p>
+          <a:p>
+            <a:pPr marL="342900" indent="-342900" algn="l">
+              <a:lnSpc>
+                <a:spcPct val="150000"/>
+              </a:lnSpc>
+              <a:buFont typeface="+mj-lt"/>
+              <a:buAutoNum type="arabicPeriod"/>
+            </a:pPr>
+            <a:r>
+              <a:rPr lang="en-US" b="0" i="0" dirty="0">
+                <a:solidFill>
+                  <a:srgbClr val="0D0D0D"/>
+                </a:solidFill>
+                <a:effectLst/>
+                <a:highlight>
+                  <a:srgbClr val="FFFFFF"/>
+                </a:highlight>
+                <a:latin typeface="Segoe UI" panose="020B0502040204020203" pitchFamily="34" charset="0"/>
+                <a:cs typeface="Segoe UI" panose="020B0502040204020203" pitchFamily="34" charset="0"/>
+              </a:rPr>
+              <a:t>Under </a:t>
+            </a:r>
+            <a:r>
+              <a:rPr lang="en-US" b="1" i="0" dirty="0">
+                <a:solidFill>
+                  <a:srgbClr val="0D0D0D"/>
+                </a:solidFill>
+                <a:effectLst/>
+                <a:highlight>
+                  <a:srgbClr val="FFFFFF"/>
+                </a:highlight>
+                <a:latin typeface="Segoe UI" panose="020B0502040204020203" pitchFamily="34" charset="0"/>
+                <a:cs typeface="Segoe UI" panose="020B0502040204020203" pitchFamily="34" charset="0"/>
+              </a:rPr>
+              <a:t>Permissions</a:t>
+            </a:r>
+            <a:r>
+              <a:rPr lang="en-US" b="0" i="0" dirty="0">
+                <a:solidFill>
+                  <a:srgbClr val="0D0D0D"/>
+                </a:solidFill>
+                <a:effectLst/>
+                <a:highlight>
+                  <a:srgbClr val="FFFFFF"/>
+                </a:highlight>
+                <a:latin typeface="Segoe UI" panose="020B0502040204020203" pitchFamily="34" charset="0"/>
+                <a:cs typeface="Segoe UI" panose="020B0502040204020203" pitchFamily="34" charset="0"/>
+              </a:rPr>
+              <a:t>, choose or create an execution role that has at least the basic Lambda permissions plus permissions to read from S3 and invalidate CloudFront distributions.</a:t>
+            </a:r>
+          </a:p>
+          <a:p>
+            <a:pPr marL="342900" indent="-342900" algn="l">
+              <a:lnSpc>
+                <a:spcPct val="150000"/>
+              </a:lnSpc>
+              <a:buFont typeface="+mj-lt"/>
+              <a:buAutoNum type="arabicPeriod"/>
+            </a:pPr>
+            <a:r>
+              <a:rPr lang="en-US" b="0" i="0" dirty="0">
+                <a:solidFill>
+                  <a:srgbClr val="0D0D0D"/>
+                </a:solidFill>
+                <a:effectLst/>
+                <a:highlight>
+                  <a:srgbClr val="FFFFFF"/>
+                </a:highlight>
+                <a:latin typeface="Segoe UI" panose="020B0502040204020203" pitchFamily="34" charset="0"/>
+                <a:cs typeface="Segoe UI" panose="020B0502040204020203" pitchFamily="34" charset="0"/>
+              </a:rPr>
+              <a:t>Click the </a:t>
+            </a:r>
+            <a:r>
+              <a:rPr lang="en-US" b="1" i="0" dirty="0">
+                <a:solidFill>
+                  <a:srgbClr val="0D0D0D"/>
+                </a:solidFill>
+                <a:effectLst/>
+                <a:highlight>
+                  <a:srgbClr val="FFFFFF"/>
+                </a:highlight>
+                <a:latin typeface="Segoe UI" panose="020B0502040204020203" pitchFamily="34" charset="0"/>
+                <a:cs typeface="Segoe UI" panose="020B0502040204020203" pitchFamily="34" charset="0"/>
+              </a:rPr>
+              <a:t>Create function</a:t>
+            </a:r>
+            <a:r>
+              <a:rPr lang="en-US" b="0" i="0" dirty="0">
+                <a:solidFill>
+                  <a:srgbClr val="0D0D0D"/>
+                </a:solidFill>
+                <a:effectLst/>
+                <a:highlight>
+                  <a:srgbClr val="FFFFFF"/>
+                </a:highlight>
+                <a:latin typeface="Segoe UI" panose="020B0502040204020203" pitchFamily="34" charset="0"/>
+                <a:cs typeface="Segoe UI" panose="020B0502040204020203" pitchFamily="34" charset="0"/>
+              </a:rPr>
+              <a:t>.</a:t>
+            </a:r>
+          </a:p>
+        </p:txBody>
+      </p:sp>
+    </p:spTree>
+    <p:extLst>
+      <p:ext uri="{BB962C8B-B14F-4D97-AF65-F5344CB8AC3E}">
+        <p14:creationId xmlns:p14="http://schemas.microsoft.com/office/powerpoint/2010/main" val="841529581"/>
+      </p:ext>
+    </p:extLst>
+  </p:cSld>
+  <p:clrMapOvr>
+    <a:masterClrMapping/>
+  </p:clrMapOvr>
+</p:sld>
+</file>
+
+<file path=ppt/slides/slide11.xml><?xml version="1.0" encoding="utf-8"?>
+<p:sld xmlns:a="http://schemas.openxmlformats.org/drawingml/2006/main" xmlns:r="http://schemas.openxmlformats.org/officeDocument/2006/relationships" xmlns:p="http://schemas.openxmlformats.org/presentationml/2006/main">
+  <p:cSld>
+    <p:spTree>
+      <p:nvGrpSpPr>
+        <p:cNvPr id="1" name=""/>
+        <p:cNvGrpSpPr/>
+        <p:nvPr/>
+      </p:nvGrpSpPr>
+      <p:grpSpPr>
+        <a:xfrm>
+          <a:off x="0" y="0"/>
+          <a:ext cx="0" cy="0"/>
+          <a:chOff x="0" y="0"/>
+          <a:chExt cx="0" cy="0"/>
+        </a:xfrm>
+      </p:grpSpPr>
+      <p:sp>
+        <p:nvSpPr>
+          <p:cNvPr id="2" name="TextBox 1">
+            <a:extLst>
+              <a:ext uri="{FF2B5EF4-FFF2-40B4-BE49-F238E27FC236}">
+                <a16:creationId xmlns:a16="http://schemas.microsoft.com/office/drawing/2014/main" id="{2C265965-136C-12A1-055A-8C1D00DA0493}"/>
+              </a:ext>
+            </a:extLst>
+          </p:cNvPr>
+          <p:cNvSpPr txBox="1"/>
+          <p:nvPr/>
+        </p:nvSpPr>
+        <p:spPr>
+          <a:xfrm>
+            <a:off x="4027332" y="303322"/>
+            <a:ext cx="4613748" cy="646331"/>
+          </a:xfrm>
+          <a:prstGeom prst="rect">
+            <a:avLst/>
+          </a:prstGeom>
+          <a:noFill/>
+        </p:spPr>
+        <p:txBody>
+          <a:bodyPr wrap="square" rtlCol="0">
+            <a:spAutoFit/>
+          </a:bodyPr>
+          <a:lstStyle/>
+          <a:p>
+            <a:r>
+              <a:rPr lang="en-IN" dirty="0"/>
+              <a:t>Update the Cache of the CloudFront distribution </a:t>
+            </a:r>
+          </a:p>
+        </p:txBody>
+      </p:sp>
+      <p:sp>
+        <p:nvSpPr>
+          <p:cNvPr id="3" name="Rectangle 2">
+            <a:extLst>
+              <a:ext uri="{FF2B5EF4-FFF2-40B4-BE49-F238E27FC236}">
+                <a16:creationId xmlns:a16="http://schemas.microsoft.com/office/drawing/2014/main" id="{A6AE37A1-9329-E66A-748C-E67F9664C20D}"/>
+              </a:ext>
+            </a:extLst>
+          </p:cNvPr>
+          <p:cNvSpPr/>
+          <p:nvPr/>
+        </p:nvSpPr>
+        <p:spPr>
+          <a:xfrm>
+            <a:off x="3453752" y="198089"/>
+            <a:ext cx="4613747" cy="751564"/>
+          </a:xfrm>
+          <a:prstGeom prst="rect">
+            <a:avLst/>
+          </a:prstGeom>
+          <a:solidFill>
+            <a:schemeClr val="accent4">
+              <a:alpha val="50000"/>
+            </a:schemeClr>
+          </a:solidFill>
+          <a:ln>
+            <a:noFill/>
+          </a:ln>
+        </p:spPr>
+        <p:style>
+          <a:lnRef idx="0">
+            <a:scrgbClr r="0" g="0" b="0"/>
+          </a:lnRef>
+          <a:fillRef idx="0">
+            <a:scrgbClr r="0" g="0" b="0"/>
+          </a:fillRef>
+          <a:effectRef idx="0">
+            <a:scrgbClr r="0" g="0" b="0"/>
+          </a:effectRef>
+          <a:fontRef idx="minor">
+            <a:schemeClr val="lt1"/>
+          </a:fontRef>
+        </p:style>
+        <p:txBody>
+          <a:bodyPr rtlCol="0" anchor="ctr"/>
+          <a:lstStyle/>
+          <a:p>
+            <a:pPr algn="ctr"/>
+            <a:endParaRPr lang="en-IN" dirty="0"/>
+          </a:p>
+        </p:txBody>
+      </p:sp>
+      <p:sp>
+        <p:nvSpPr>
+          <p:cNvPr id="7" name="Rectangle 6">
+            <a:extLst>
+              <a:ext uri="{FF2B5EF4-FFF2-40B4-BE49-F238E27FC236}">
+                <a16:creationId xmlns:a16="http://schemas.microsoft.com/office/drawing/2014/main" id="{C2B2A8F1-8D21-214D-E9FF-F7781E10252B}"/>
+              </a:ext>
+            </a:extLst>
+          </p:cNvPr>
+          <p:cNvSpPr/>
+          <p:nvPr/>
+        </p:nvSpPr>
+        <p:spPr>
+          <a:xfrm>
+            <a:off x="786384" y="1527048"/>
+            <a:ext cx="10323576" cy="4517136"/>
+          </a:xfrm>
+          <a:prstGeom prst="rect">
+            <a:avLst/>
+          </a:prstGeom>
+          <a:noFill/>
+          <a:ln w="9525" cap="flat" cmpd="sng" algn="ctr">
+            <a:solidFill>
+              <a:schemeClr val="accent3"/>
+            </a:solidFill>
+            <a:prstDash val="solid"/>
+            <a:round/>
+            <a:headEnd type="none" w="med" len="med"/>
+            <a:tailEnd type="none" w="med" len="med"/>
+          </a:ln>
+        </p:spPr>
+        <p:style>
+          <a:lnRef idx="0">
+            <a:scrgbClr r="0" g="0" b="0"/>
+          </a:lnRef>
+          <a:fillRef idx="0">
+            <a:scrgbClr r="0" g="0" b="0"/>
+          </a:fillRef>
+          <a:effectRef idx="0">
+            <a:scrgbClr r="0" g="0" b="0"/>
+          </a:effectRef>
+          <a:fontRef idx="minor">
+            <a:schemeClr val="accent3"/>
+          </a:fontRef>
+        </p:style>
+        <p:txBody>
+          <a:bodyPr rtlCol="0" anchor="ctr"/>
+          <a:lstStyle/>
+          <a:p>
+            <a:pPr algn="ctr"/>
+            <a:endParaRPr lang="en-IN" dirty="0"/>
+          </a:p>
+        </p:txBody>
+      </p:sp>
+      <p:sp>
+        <p:nvSpPr>
+          <p:cNvPr id="5" name="TextBox 4">
+            <a:extLst>
+              <a:ext uri="{FF2B5EF4-FFF2-40B4-BE49-F238E27FC236}">
+                <a16:creationId xmlns:a16="http://schemas.microsoft.com/office/drawing/2014/main" id="{7E5E88B9-8C5A-928D-A8F5-6924CAA63974}"/>
+              </a:ext>
+            </a:extLst>
+          </p:cNvPr>
+          <p:cNvSpPr txBox="1"/>
+          <p:nvPr/>
+        </p:nvSpPr>
+        <p:spPr>
+          <a:xfrm>
+            <a:off x="1106424" y="1891187"/>
+            <a:ext cx="9683496" cy="3788858"/>
+          </a:xfrm>
+          <a:prstGeom prst="rect">
+            <a:avLst/>
+          </a:prstGeom>
+          <a:noFill/>
+        </p:spPr>
+        <p:txBody>
+          <a:bodyPr wrap="square">
+            <a:spAutoFit/>
+          </a:bodyPr>
+          <a:lstStyle>
+            <a:defPPr>
+              <a:defRPr lang="en-US"/>
+            </a:defPPr>
+            <a:lvl1pPr>
+              <a:lnSpc>
+                <a:spcPct val="150000"/>
+              </a:lnSpc>
+              <a:defRPr b="1" i="0">
+                <a:solidFill>
+                  <a:srgbClr val="0D0D0D"/>
+                </a:solidFill>
+                <a:effectLst/>
+                <a:highlight>
+                  <a:srgbClr val="FFFFFF"/>
+                </a:highlight>
+                <a:latin typeface="Segoe UI" panose="020B0502040204020203" pitchFamily="34" charset="0"/>
+                <a:cs typeface="Segoe UI" panose="020B0502040204020203" pitchFamily="34" charset="0"/>
+              </a:defRPr>
+            </a:lvl1pPr>
+          </a:lstStyle>
+          <a:p>
+            <a:r>
+              <a:rPr lang="en-US" dirty="0"/>
+              <a:t>Step 3: Set S3 Event Notifications</a:t>
+            </a:r>
+          </a:p>
+          <a:p>
+            <a:pPr marL="342900" indent="-342900">
+              <a:buFont typeface="+mj-lt"/>
+              <a:buAutoNum type="arabicPeriod"/>
+            </a:pPr>
+            <a:r>
+              <a:rPr lang="en-US" b="0" dirty="0"/>
+              <a:t>Go to your S3 bucket in the S3 console.</a:t>
+            </a:r>
+          </a:p>
+          <a:p>
+            <a:pPr marL="342900" indent="-342900">
+              <a:buFont typeface="+mj-lt"/>
+              <a:buAutoNum type="arabicPeriod"/>
+            </a:pPr>
+            <a:r>
+              <a:rPr lang="en-US" b="0" dirty="0"/>
+              <a:t>Click on Properties &gt; Event notifications.</a:t>
+            </a:r>
+          </a:p>
+          <a:p>
+            <a:pPr marL="342900" indent="-342900">
+              <a:buFont typeface="+mj-lt"/>
+              <a:buAutoNum type="arabicPeriod"/>
+            </a:pPr>
+            <a:r>
+              <a:rPr lang="en-US" b="0" dirty="0"/>
+              <a:t>Click Create event notification.</a:t>
+            </a:r>
+          </a:p>
+          <a:p>
+            <a:pPr marL="342900" indent="-342900">
+              <a:buFont typeface="+mj-lt"/>
+              <a:buAutoNum type="arabicPeriod"/>
+            </a:pPr>
+            <a:r>
+              <a:rPr lang="en-US" b="0" dirty="0"/>
+              <a:t>Name your event, and select All object create events and All object delete events under the “Events”.</a:t>
+            </a:r>
+          </a:p>
+          <a:p>
+            <a:pPr marL="342900" indent="-342900">
+              <a:buFont typeface="+mj-lt"/>
+              <a:buAutoNum type="arabicPeriod"/>
+            </a:pPr>
+            <a:r>
+              <a:rPr lang="en-US" b="0" dirty="0"/>
+              <a:t>Under “Destination”, select the Lambda function.</a:t>
+            </a:r>
+          </a:p>
+          <a:p>
+            <a:pPr marL="342900" indent="-342900">
+              <a:buFont typeface="+mj-lt"/>
+              <a:buAutoNum type="arabicPeriod"/>
+            </a:pPr>
+            <a:r>
+              <a:rPr lang="en-US" b="0" dirty="0"/>
+              <a:t>Choose the Lambda function you created in Step 2.</a:t>
+            </a:r>
+          </a:p>
+          <a:p>
+            <a:pPr marL="342900" indent="-342900">
+              <a:buFont typeface="+mj-lt"/>
+              <a:buAutoNum type="arabicPeriod"/>
+            </a:pPr>
+            <a:r>
+              <a:rPr lang="en-US" b="0" dirty="0"/>
+              <a:t>Click Save changes.</a:t>
+            </a:r>
+          </a:p>
+        </p:txBody>
+      </p:sp>
+    </p:spTree>
+    <p:extLst>
+      <p:ext uri="{BB962C8B-B14F-4D97-AF65-F5344CB8AC3E}">
+        <p14:creationId xmlns:p14="http://schemas.microsoft.com/office/powerpoint/2010/main" val="1795457676"/>
+      </p:ext>
+    </p:extLst>
+  </p:cSld>
+  <p:clrMapOvr>
+    <a:masterClrMapping/>
+  </p:clrMapOvr>
+</p:sld>
+</file>
+
+<file path=ppt/slides/slide12.xml><?xml version="1.0" encoding="utf-8"?>
+<p:sld xmlns:a="http://schemas.openxmlformats.org/drawingml/2006/main" xmlns:r="http://schemas.openxmlformats.org/officeDocument/2006/relationships" xmlns:p="http://schemas.openxmlformats.org/presentationml/2006/main">
+  <p:cSld>
+    <p:spTree>
+      <p:nvGrpSpPr>
+        <p:cNvPr id="1" name=""/>
+        <p:cNvGrpSpPr/>
+        <p:nvPr/>
+      </p:nvGrpSpPr>
+      <p:grpSpPr>
+        <a:xfrm>
+          <a:off x="0" y="0"/>
+          <a:ext cx="0" cy="0"/>
+          <a:chOff x="0" y="0"/>
+          <a:chExt cx="0" cy="0"/>
+        </a:xfrm>
+      </p:grpSpPr>
+      <p:sp>
+        <p:nvSpPr>
+          <p:cNvPr id="2" name="TextBox 1">
+            <a:extLst>
+              <a:ext uri="{FF2B5EF4-FFF2-40B4-BE49-F238E27FC236}">
+                <a16:creationId xmlns:a16="http://schemas.microsoft.com/office/drawing/2014/main" id="{2C265965-136C-12A1-055A-8C1D00DA0493}"/>
+              </a:ext>
+            </a:extLst>
+          </p:cNvPr>
+          <p:cNvSpPr txBox="1"/>
+          <p:nvPr/>
+        </p:nvSpPr>
+        <p:spPr>
+          <a:xfrm>
             <a:off x="3945036" y="79866"/>
             <a:ext cx="4613748" cy="646331"/>
           </a:xfrm>
@@ -3884,7 +4683,7 @@
 </p:sld>
 </file>
 
-<file path=ppt/slides/slide11.xml><?xml version="1.0" encoding="utf-8"?>
+<file path=ppt/slides/slide13.xml><?xml version="1.0" encoding="utf-8"?>
 <p:sld xmlns:a="http://schemas.openxmlformats.org/drawingml/2006/main" xmlns:r="http://schemas.openxmlformats.org/officeDocument/2006/relationships" xmlns:p="http://schemas.openxmlformats.org/presentationml/2006/main">
   <p:cSld>
     <p:spTree>
@@ -4390,7 +5189,5796 @@
 </p:sld>
 </file>
 
+<file path=ppt/slides/slide14.xml><?xml version="1.0" encoding="utf-8"?>
+<p:sld xmlns:a="http://schemas.openxmlformats.org/drawingml/2006/main" xmlns:r="http://schemas.openxmlformats.org/officeDocument/2006/relationships" xmlns:p="http://schemas.openxmlformats.org/presentationml/2006/main">
+  <p:cSld>
+    <p:spTree>
+      <p:nvGrpSpPr>
+        <p:cNvPr id="1" name=""/>
+        <p:cNvGrpSpPr/>
+        <p:nvPr/>
+      </p:nvGrpSpPr>
+      <p:grpSpPr>
+        <a:xfrm>
+          <a:off x="0" y="0"/>
+          <a:ext cx="0" cy="0"/>
+          <a:chOff x="0" y="0"/>
+          <a:chExt cx="0" cy="0"/>
+        </a:xfrm>
+      </p:grpSpPr>
+      <p:sp>
+        <p:nvSpPr>
+          <p:cNvPr id="2" name="TextBox 1">
+            <a:extLst>
+              <a:ext uri="{FF2B5EF4-FFF2-40B4-BE49-F238E27FC236}">
+                <a16:creationId xmlns:a16="http://schemas.microsoft.com/office/drawing/2014/main" id="{2C265965-136C-12A1-055A-8C1D00DA0493}"/>
+              </a:ext>
+            </a:extLst>
+          </p:cNvPr>
+          <p:cNvSpPr txBox="1"/>
+          <p:nvPr/>
+        </p:nvSpPr>
+        <p:spPr>
+          <a:xfrm>
+            <a:off x="3945036" y="79866"/>
+            <a:ext cx="4613748" cy="646331"/>
+          </a:xfrm>
+          <a:prstGeom prst="rect">
+            <a:avLst/>
+          </a:prstGeom>
+          <a:noFill/>
+        </p:spPr>
+        <p:txBody>
+          <a:bodyPr wrap="square" rtlCol="0">
+            <a:spAutoFit/>
+          </a:bodyPr>
+          <a:lstStyle/>
+          <a:p>
+            <a:r>
+              <a:rPr lang="en-IN" dirty="0"/>
+              <a:t>Update the Cache of the CloudFront distribution </a:t>
+            </a:r>
+          </a:p>
+        </p:txBody>
+      </p:sp>
+      <p:sp>
+        <p:nvSpPr>
+          <p:cNvPr id="3" name="Rectangle 2">
+            <a:extLst>
+              <a:ext uri="{FF2B5EF4-FFF2-40B4-BE49-F238E27FC236}">
+                <a16:creationId xmlns:a16="http://schemas.microsoft.com/office/drawing/2014/main" id="{A6AE37A1-9329-E66A-748C-E67F9664C20D}"/>
+              </a:ext>
+            </a:extLst>
+          </p:cNvPr>
+          <p:cNvSpPr/>
+          <p:nvPr/>
+        </p:nvSpPr>
+        <p:spPr>
+          <a:xfrm>
+            <a:off x="3502165" y="94154"/>
+            <a:ext cx="4613747" cy="751564"/>
+          </a:xfrm>
+          <a:prstGeom prst="rect">
+            <a:avLst/>
+          </a:prstGeom>
+          <a:solidFill>
+            <a:schemeClr val="accent4">
+              <a:alpha val="50000"/>
+            </a:schemeClr>
+          </a:solidFill>
+          <a:ln>
+            <a:noFill/>
+          </a:ln>
+        </p:spPr>
+        <p:style>
+          <a:lnRef idx="0">
+            <a:scrgbClr r="0" g="0" b="0"/>
+          </a:lnRef>
+          <a:fillRef idx="0">
+            <a:scrgbClr r="0" g="0" b="0"/>
+          </a:fillRef>
+          <a:effectRef idx="0">
+            <a:scrgbClr r="0" g="0" b="0"/>
+          </a:effectRef>
+          <a:fontRef idx="minor">
+            <a:schemeClr val="lt1"/>
+          </a:fontRef>
+        </p:style>
+        <p:txBody>
+          <a:bodyPr rtlCol="0" anchor="ctr"/>
+          <a:lstStyle/>
+          <a:p>
+            <a:pPr algn="ctr"/>
+            <a:endParaRPr lang="en-IN" dirty="0"/>
+          </a:p>
+        </p:txBody>
+      </p:sp>
+      <p:sp>
+        <p:nvSpPr>
+          <p:cNvPr id="5" name="TextBox 4">
+            <a:extLst>
+              <a:ext uri="{FF2B5EF4-FFF2-40B4-BE49-F238E27FC236}">
+                <a16:creationId xmlns:a16="http://schemas.microsoft.com/office/drawing/2014/main" id="{9B9BD926-67D0-13C2-0B17-058C1A4DD430}"/>
+              </a:ext>
+            </a:extLst>
+          </p:cNvPr>
+          <p:cNvSpPr txBox="1"/>
+          <p:nvPr/>
+        </p:nvSpPr>
+        <p:spPr>
+          <a:xfrm>
+            <a:off x="605254" y="1121787"/>
+            <a:ext cx="11045750" cy="369332"/>
+          </a:xfrm>
+          <a:prstGeom prst="rect">
+            <a:avLst/>
+          </a:prstGeom>
+          <a:noFill/>
+        </p:spPr>
+        <p:txBody>
+          <a:bodyPr wrap="square">
+            <a:spAutoFit/>
+          </a:bodyPr>
+          <a:lstStyle/>
+          <a:p>
+            <a:pPr algn="l"/>
+            <a:r>
+              <a:rPr lang="en-US" b="1" dirty="0">
+                <a:solidFill>
+                  <a:srgbClr val="0D0D0D"/>
+                </a:solidFill>
+                <a:highlight>
+                  <a:srgbClr val="FFFFFF"/>
+                </a:highlight>
+                <a:latin typeface="Segoe UI" panose="020B0502040204020203" pitchFamily="34" charset="0"/>
+                <a:cs typeface="Segoe UI" panose="020B0502040204020203" pitchFamily="34" charset="0"/>
+              </a:rPr>
+              <a:t>Step - </a:t>
+            </a:r>
+            <a:r>
+              <a:rPr lang="en-US" b="1" i="0" dirty="0">
+                <a:solidFill>
+                  <a:srgbClr val="0D0D0D"/>
+                </a:solidFill>
+                <a:effectLst/>
+                <a:highlight>
+                  <a:srgbClr val="FFFFFF"/>
+                </a:highlight>
+                <a:latin typeface="Segoe UI" panose="020B0502040204020203" pitchFamily="34" charset="0"/>
+                <a:cs typeface="Segoe UI" panose="020B0502040204020203" pitchFamily="34" charset="0"/>
+              </a:rPr>
+              <a:t>Configure IAM Roles and Permissions – More detailing…</a:t>
+            </a:r>
+          </a:p>
+        </p:txBody>
+      </p:sp>
+      <p:sp>
+        <p:nvSpPr>
+          <p:cNvPr id="6" name="TextBox 5">
+            <a:extLst>
+              <a:ext uri="{FF2B5EF4-FFF2-40B4-BE49-F238E27FC236}">
+                <a16:creationId xmlns:a16="http://schemas.microsoft.com/office/drawing/2014/main" id="{14EF05AD-D727-73CC-566A-C0AD0321C4A1}"/>
+              </a:ext>
+            </a:extLst>
+          </p:cNvPr>
+          <p:cNvSpPr txBox="1"/>
+          <p:nvPr/>
+        </p:nvSpPr>
+        <p:spPr>
+          <a:xfrm>
+            <a:off x="605254" y="1533059"/>
+            <a:ext cx="10943618" cy="5078313"/>
+          </a:xfrm>
+          <a:prstGeom prst="rect">
+            <a:avLst/>
+          </a:prstGeom>
+          <a:noFill/>
+        </p:spPr>
+        <p:txBody>
+          <a:bodyPr wrap="square">
+            <a:spAutoFit/>
+          </a:bodyPr>
+          <a:lstStyle/>
+          <a:p>
+            <a:pPr algn="l"/>
+            <a:r>
+              <a:rPr lang="en-US" b="1" i="0" dirty="0">
+                <a:solidFill>
+                  <a:srgbClr val="0D0D0D"/>
+                </a:solidFill>
+                <a:effectLst/>
+                <a:highlight>
+                  <a:srgbClr val="FFFFFF"/>
+                </a:highlight>
+                <a:latin typeface="Söhne"/>
+              </a:rPr>
+              <a:t>A. Accessing the IAM Management Console</a:t>
+            </a:r>
+          </a:p>
+          <a:p>
+            <a:pPr algn="l">
+              <a:buFont typeface="+mj-lt"/>
+              <a:buAutoNum type="arabicPeriod"/>
+            </a:pPr>
+            <a:r>
+              <a:rPr lang="en-US" b="1" i="0" dirty="0">
+                <a:solidFill>
+                  <a:srgbClr val="0D0D0D"/>
+                </a:solidFill>
+                <a:effectLst/>
+                <a:highlight>
+                  <a:srgbClr val="FFFFFF"/>
+                </a:highlight>
+                <a:latin typeface="Söhne"/>
+              </a:rPr>
+              <a:t>Log in</a:t>
+            </a:r>
+            <a:r>
+              <a:rPr lang="en-US" b="0" i="0" dirty="0">
+                <a:solidFill>
+                  <a:srgbClr val="0D0D0D"/>
+                </a:solidFill>
+                <a:effectLst/>
+                <a:highlight>
+                  <a:srgbClr val="FFFFFF"/>
+                </a:highlight>
+                <a:latin typeface="Söhne"/>
+              </a:rPr>
+              <a:t> to your AWS Management Console.</a:t>
+            </a:r>
+          </a:p>
+          <a:p>
+            <a:pPr algn="l">
+              <a:buFont typeface="+mj-lt"/>
+              <a:buAutoNum type="arabicPeriod"/>
+            </a:pPr>
+            <a:r>
+              <a:rPr lang="en-US" b="0" i="0" dirty="0">
+                <a:solidFill>
+                  <a:srgbClr val="0D0D0D"/>
+                </a:solidFill>
+                <a:effectLst/>
+                <a:highlight>
+                  <a:srgbClr val="FFFFFF"/>
+                </a:highlight>
+                <a:latin typeface="Söhne"/>
+              </a:rPr>
+              <a:t>In the </a:t>
+            </a:r>
+            <a:r>
+              <a:rPr lang="en-US" b="1" i="0" dirty="0">
+                <a:solidFill>
+                  <a:srgbClr val="0D0D0D"/>
+                </a:solidFill>
+                <a:effectLst/>
+                <a:highlight>
+                  <a:srgbClr val="FFFFFF"/>
+                </a:highlight>
+                <a:latin typeface="Söhne"/>
+              </a:rPr>
+              <a:t>Find Services</a:t>
+            </a:r>
+            <a:r>
+              <a:rPr lang="en-US" b="0" i="0" dirty="0">
+                <a:solidFill>
+                  <a:srgbClr val="0D0D0D"/>
+                </a:solidFill>
+                <a:effectLst/>
+                <a:highlight>
+                  <a:srgbClr val="FFFFFF"/>
+                </a:highlight>
+                <a:latin typeface="Söhne"/>
+              </a:rPr>
+              <a:t> search bar, type "IAM" and select </a:t>
+            </a:r>
+            <a:r>
+              <a:rPr lang="en-US" b="1" i="0" dirty="0">
+                <a:solidFill>
+                  <a:srgbClr val="0D0D0D"/>
+                </a:solidFill>
+                <a:effectLst/>
+                <a:highlight>
+                  <a:srgbClr val="FFFFFF"/>
+                </a:highlight>
+                <a:latin typeface="Söhne"/>
+              </a:rPr>
+              <a:t>IAM</a:t>
+            </a:r>
+            <a:r>
+              <a:rPr lang="en-US" b="0" i="0" dirty="0">
+                <a:solidFill>
+                  <a:srgbClr val="0D0D0D"/>
+                </a:solidFill>
+                <a:effectLst/>
+                <a:highlight>
+                  <a:srgbClr val="FFFFFF"/>
+                </a:highlight>
+                <a:latin typeface="Söhne"/>
+              </a:rPr>
+              <a:t> to open the IAM dashboard.</a:t>
+            </a:r>
+          </a:p>
+          <a:p>
+            <a:pPr marL="0" marR="0" lvl="0" indent="0" defTabSz="914400" rtl="0" eaLnBrk="0" fontAlgn="base" latinLnBrk="0" hangingPunct="0">
+              <a:lnSpc>
+                <a:spcPct val="100000"/>
+              </a:lnSpc>
+              <a:spcBef>
+                <a:spcPct val="0"/>
+              </a:spcBef>
+              <a:spcAft>
+                <a:spcPct val="0"/>
+              </a:spcAft>
+              <a:buClrTx/>
+              <a:buSzTx/>
+              <a:buFontTx/>
+              <a:buNone/>
+              <a:tabLst/>
+            </a:pPr>
+            <a:endParaRPr kumimoji="0" lang="en-US" altLang="en-US" b="1" i="0" u="none" strike="noStrike" cap="none" normalizeH="0" baseline="0" dirty="0">
+              <a:ln>
+                <a:noFill/>
+              </a:ln>
+              <a:solidFill>
+                <a:srgbClr val="0D0D0D"/>
+              </a:solidFill>
+              <a:effectLst/>
+              <a:latin typeface="Söhne"/>
+            </a:endParaRPr>
+          </a:p>
+          <a:p>
+            <a:pPr marL="0" marR="0" lvl="0" indent="0" defTabSz="914400" rtl="0" eaLnBrk="0" fontAlgn="base" latinLnBrk="0" hangingPunct="0">
+              <a:lnSpc>
+                <a:spcPct val="100000"/>
+              </a:lnSpc>
+              <a:spcBef>
+                <a:spcPct val="0"/>
+              </a:spcBef>
+              <a:spcAft>
+                <a:spcPct val="0"/>
+              </a:spcAft>
+              <a:buClrTx/>
+              <a:buSzTx/>
+              <a:buFontTx/>
+              <a:buNone/>
+              <a:tabLst/>
+            </a:pPr>
+            <a:r>
+              <a:rPr kumimoji="0" lang="en-US" altLang="en-US" b="1" i="0" u="none" strike="noStrike" cap="none" normalizeH="0" baseline="0" dirty="0">
+                <a:ln>
+                  <a:noFill/>
+                </a:ln>
+                <a:solidFill>
+                  <a:srgbClr val="0D0D0D"/>
+                </a:solidFill>
+                <a:effectLst/>
+                <a:latin typeface="Söhne"/>
+              </a:rPr>
+              <a:t>B. Creating a New IAM Role</a:t>
+            </a:r>
+          </a:p>
+          <a:p>
+            <a:pPr marL="0" marR="0" lvl="0" indent="0" defTabSz="914400" rtl="0" eaLnBrk="0" fontAlgn="base" latinLnBrk="0" hangingPunct="0">
+              <a:lnSpc>
+                <a:spcPct val="100000"/>
+              </a:lnSpc>
+              <a:spcBef>
+                <a:spcPct val="0"/>
+              </a:spcBef>
+              <a:spcAft>
+                <a:spcPct val="0"/>
+              </a:spcAft>
+              <a:buClrTx/>
+              <a:buSzTx/>
+              <a:buFontTx/>
+              <a:buNone/>
+              <a:tabLst/>
+            </a:pPr>
+            <a:r>
+              <a:rPr kumimoji="0" lang="en-US" altLang="en-US" b="0" i="0" u="none" strike="noStrike" cap="none" normalizeH="0" baseline="0" dirty="0">
+                <a:ln>
+                  <a:noFill/>
+                </a:ln>
+                <a:solidFill>
+                  <a:srgbClr val="0D0D0D"/>
+                </a:solidFill>
+                <a:effectLst/>
+                <a:latin typeface="Söhne"/>
+              </a:rPr>
+              <a:t>If you have already created a role for your Lambda function during its setup, you can skip to part C. Otherwise, follow these steps to create a new role:</a:t>
+            </a:r>
+            <a:endParaRPr kumimoji="0" lang="en-US" altLang="en-US" b="0" i="0" u="none" strike="noStrike" cap="none" normalizeH="0" baseline="0" dirty="0">
+              <a:ln>
+                <a:noFill/>
+              </a:ln>
+              <a:solidFill>
+                <a:schemeClr val="tx1"/>
+              </a:solidFill>
+              <a:effectLst/>
+              <a:latin typeface="Söhne"/>
+            </a:endParaRPr>
+          </a:p>
+          <a:p>
+            <a:pPr marL="342900" marR="0" lvl="0" indent="-342900" defTabSz="914400" rtl="0" eaLnBrk="0" fontAlgn="base" latinLnBrk="0" hangingPunct="0">
+              <a:lnSpc>
+                <a:spcPct val="100000"/>
+              </a:lnSpc>
+              <a:spcBef>
+                <a:spcPct val="0"/>
+              </a:spcBef>
+              <a:spcAft>
+                <a:spcPct val="0"/>
+              </a:spcAft>
+              <a:buClrTx/>
+              <a:buSzTx/>
+              <a:buFont typeface="+mj-lt"/>
+              <a:buAutoNum type="arabicPeriod"/>
+              <a:tabLst/>
+            </a:pPr>
+            <a:r>
+              <a:rPr kumimoji="0" lang="en-US" altLang="en-US" b="0" i="0" u="none" strike="noStrike" cap="none" normalizeH="0" baseline="0" dirty="0">
+                <a:ln>
+                  <a:noFill/>
+                </a:ln>
+                <a:solidFill>
+                  <a:srgbClr val="0D0D0D"/>
+                </a:solidFill>
+                <a:effectLst/>
+                <a:latin typeface="Söhne"/>
+              </a:rPr>
+              <a:t>In the IAM dashboard, click on </a:t>
+            </a:r>
+            <a:r>
+              <a:rPr kumimoji="0" lang="en-US" altLang="en-US" b="1" i="0" u="none" strike="noStrike" cap="none" normalizeH="0" baseline="0" dirty="0">
+                <a:ln>
+                  <a:noFill/>
+                </a:ln>
+                <a:solidFill>
+                  <a:srgbClr val="0D0D0D"/>
+                </a:solidFill>
+                <a:effectLst/>
+                <a:latin typeface="Söhne"/>
+              </a:rPr>
+              <a:t>Roles</a:t>
+            </a:r>
+            <a:r>
+              <a:rPr kumimoji="0" lang="en-US" altLang="en-US" b="0" i="0" u="none" strike="noStrike" cap="none" normalizeH="0" baseline="0" dirty="0">
+                <a:ln>
+                  <a:noFill/>
+                </a:ln>
+                <a:solidFill>
+                  <a:srgbClr val="0D0D0D"/>
+                </a:solidFill>
+                <a:effectLst/>
+                <a:latin typeface="Söhne"/>
+              </a:rPr>
+              <a:t> on the left sidebar, then click the </a:t>
+            </a:r>
+            <a:r>
+              <a:rPr kumimoji="0" lang="en-US" altLang="en-US" b="1" i="0" u="none" strike="noStrike" cap="none" normalizeH="0" baseline="0" dirty="0">
+                <a:ln>
+                  <a:noFill/>
+                </a:ln>
+                <a:solidFill>
+                  <a:srgbClr val="0D0D0D"/>
+                </a:solidFill>
+                <a:effectLst/>
+                <a:latin typeface="Söhne"/>
+              </a:rPr>
+              <a:t>Create role</a:t>
+            </a:r>
+            <a:r>
+              <a:rPr kumimoji="0" lang="en-US" altLang="en-US" b="0" i="0" u="none" strike="noStrike" cap="none" normalizeH="0" baseline="0" dirty="0">
+                <a:ln>
+                  <a:noFill/>
+                </a:ln>
+                <a:solidFill>
+                  <a:srgbClr val="0D0D0D"/>
+                </a:solidFill>
+                <a:effectLst/>
+                <a:latin typeface="Söhne"/>
+              </a:rPr>
+              <a:t> button.</a:t>
+            </a:r>
+          </a:p>
+          <a:p>
+            <a:pPr marL="342900" marR="0" lvl="0" indent="-342900" defTabSz="914400" rtl="0" eaLnBrk="0" fontAlgn="base" latinLnBrk="0" hangingPunct="0">
+              <a:lnSpc>
+                <a:spcPct val="100000"/>
+              </a:lnSpc>
+              <a:spcBef>
+                <a:spcPct val="0"/>
+              </a:spcBef>
+              <a:spcAft>
+                <a:spcPct val="0"/>
+              </a:spcAft>
+              <a:buClrTx/>
+              <a:buSzTx/>
+              <a:buFont typeface="+mj-lt"/>
+              <a:buAutoNum type="arabicPeriod"/>
+              <a:tabLst/>
+            </a:pPr>
+            <a:r>
+              <a:rPr kumimoji="0" lang="en-US" altLang="en-US" b="0" i="0" u="none" strike="noStrike" cap="none" normalizeH="0" baseline="0" dirty="0">
+                <a:ln>
+                  <a:noFill/>
+                </a:ln>
+                <a:solidFill>
+                  <a:srgbClr val="0D0D0D"/>
+                </a:solidFill>
+                <a:effectLst/>
+                <a:latin typeface="Söhne"/>
+              </a:rPr>
+              <a:t>Choose </a:t>
+            </a:r>
+            <a:r>
+              <a:rPr kumimoji="0" lang="en-US" altLang="en-US" b="1" i="0" u="none" strike="noStrike" cap="none" normalizeH="0" baseline="0" dirty="0">
+                <a:ln>
+                  <a:noFill/>
+                </a:ln>
+                <a:solidFill>
+                  <a:srgbClr val="0D0D0D"/>
+                </a:solidFill>
+                <a:effectLst/>
+                <a:latin typeface="Söhne"/>
+              </a:rPr>
+              <a:t>Lambda</a:t>
+            </a:r>
+            <a:r>
+              <a:rPr kumimoji="0" lang="en-US" altLang="en-US" b="0" i="0" u="none" strike="noStrike" cap="none" normalizeH="0" baseline="0" dirty="0">
+                <a:ln>
+                  <a:noFill/>
+                </a:ln>
+                <a:solidFill>
+                  <a:srgbClr val="0D0D0D"/>
+                </a:solidFill>
+                <a:effectLst/>
+                <a:latin typeface="Söhne"/>
+              </a:rPr>
+              <a:t> as the service that will use this role, then click </a:t>
+            </a:r>
+            <a:r>
+              <a:rPr kumimoji="0" lang="en-US" altLang="en-US" b="1" i="0" u="none" strike="noStrike" cap="none" normalizeH="0" baseline="0" dirty="0">
+                <a:ln>
+                  <a:noFill/>
+                </a:ln>
+                <a:solidFill>
+                  <a:srgbClr val="0D0D0D"/>
+                </a:solidFill>
+                <a:effectLst/>
+                <a:latin typeface="Söhne"/>
+              </a:rPr>
+              <a:t>Next: Permissions</a:t>
+            </a:r>
+            <a:r>
+              <a:rPr kumimoji="0" lang="en-US" altLang="en-US" b="0" i="0" u="none" strike="noStrike" cap="none" normalizeH="0" baseline="0" dirty="0">
+                <a:ln>
+                  <a:noFill/>
+                </a:ln>
+                <a:solidFill>
+                  <a:srgbClr val="0D0D0D"/>
+                </a:solidFill>
+                <a:effectLst/>
+                <a:latin typeface="Söhne"/>
+              </a:rPr>
+              <a:t>.</a:t>
+            </a:r>
+          </a:p>
+          <a:p>
+            <a:pPr marL="342900" marR="0" lvl="0" indent="-342900" defTabSz="914400" rtl="0" eaLnBrk="0" fontAlgn="base" latinLnBrk="0" hangingPunct="0">
+              <a:lnSpc>
+                <a:spcPct val="100000"/>
+              </a:lnSpc>
+              <a:spcBef>
+                <a:spcPct val="0"/>
+              </a:spcBef>
+              <a:spcAft>
+                <a:spcPct val="0"/>
+              </a:spcAft>
+              <a:buClrTx/>
+              <a:buSzTx/>
+              <a:buFont typeface="+mj-lt"/>
+              <a:buAutoNum type="arabicPeriod"/>
+              <a:tabLst/>
+            </a:pPr>
+            <a:r>
+              <a:rPr kumimoji="0" lang="en-US" altLang="en-US" b="0" i="0" u="none" strike="noStrike" cap="none" normalizeH="0" baseline="0" dirty="0">
+                <a:ln>
+                  <a:noFill/>
+                </a:ln>
+                <a:solidFill>
+                  <a:srgbClr val="0D0D0D"/>
+                </a:solidFill>
+                <a:effectLst/>
+                <a:latin typeface="Söhne"/>
+              </a:rPr>
+              <a:t>In the permissions policy search box, type </a:t>
+            </a:r>
+            <a:r>
+              <a:rPr kumimoji="0" lang="en-US" altLang="en-US" b="1" i="0" u="none" strike="noStrike" cap="none" normalizeH="0" baseline="0" dirty="0">
+                <a:ln>
+                  <a:noFill/>
+                </a:ln>
+                <a:solidFill>
+                  <a:srgbClr val="0D0D0D"/>
+                </a:solidFill>
+                <a:effectLst/>
+                <a:latin typeface="Söhne"/>
+              </a:rPr>
+              <a:t>AmazonS3ReadOnlyAccess</a:t>
+            </a:r>
+            <a:r>
+              <a:rPr kumimoji="0" lang="en-US" altLang="en-US" b="0" i="0" u="none" strike="noStrike" cap="none" normalizeH="0" baseline="0" dirty="0">
+                <a:ln>
+                  <a:noFill/>
+                </a:ln>
+                <a:solidFill>
+                  <a:srgbClr val="0D0D0D"/>
+                </a:solidFill>
+                <a:effectLst/>
+                <a:latin typeface="Söhne"/>
+              </a:rPr>
+              <a:t> and check the box next to the policy. This policy allows the role to read data from any S3 bucket in your account.</a:t>
+            </a:r>
+          </a:p>
+          <a:p>
+            <a:pPr marL="342900" marR="0" lvl="0" indent="-342900" defTabSz="914400" rtl="0" eaLnBrk="0" fontAlgn="base" latinLnBrk="0" hangingPunct="0">
+              <a:lnSpc>
+                <a:spcPct val="100000"/>
+              </a:lnSpc>
+              <a:spcBef>
+                <a:spcPct val="0"/>
+              </a:spcBef>
+              <a:spcAft>
+                <a:spcPct val="0"/>
+              </a:spcAft>
+              <a:buClrTx/>
+              <a:buSzTx/>
+              <a:buFont typeface="+mj-lt"/>
+              <a:buAutoNum type="arabicPeriod"/>
+              <a:tabLst/>
+            </a:pPr>
+            <a:r>
+              <a:rPr kumimoji="0" lang="en-US" altLang="en-US" b="0" i="0" u="none" strike="noStrike" cap="none" normalizeH="0" baseline="0" dirty="0">
+                <a:ln>
+                  <a:noFill/>
+                </a:ln>
+                <a:solidFill>
+                  <a:srgbClr val="0D0D0D"/>
+                </a:solidFill>
+                <a:effectLst/>
+                <a:latin typeface="Söhne"/>
+              </a:rPr>
+              <a:t>Search for </a:t>
+            </a:r>
+            <a:r>
+              <a:rPr kumimoji="0" lang="en-US" altLang="en-US" b="1" i="0" u="none" strike="noStrike" cap="none" normalizeH="0" baseline="0" dirty="0">
+                <a:ln>
+                  <a:noFill/>
+                </a:ln>
+                <a:solidFill>
+                  <a:srgbClr val="0D0D0D"/>
+                </a:solidFill>
+                <a:effectLst/>
+                <a:latin typeface="Söhne"/>
+              </a:rPr>
+              <a:t>CloudFrontFullAccess</a:t>
+            </a:r>
+            <a:r>
+              <a:rPr kumimoji="0" lang="en-US" altLang="en-US" b="0" i="0" u="none" strike="noStrike" cap="none" normalizeH="0" baseline="0" dirty="0">
+                <a:ln>
+                  <a:noFill/>
+                </a:ln>
+                <a:solidFill>
+                  <a:srgbClr val="0D0D0D"/>
+                </a:solidFill>
+                <a:effectLst/>
+                <a:latin typeface="Söhne"/>
+              </a:rPr>
+              <a:t> and check the box next to this policy as well. This policy allows the role full access to CloudFront, which includes creating invalidations.</a:t>
+            </a:r>
+          </a:p>
+          <a:p>
+            <a:pPr marL="342900" marR="0" lvl="0" indent="-342900" defTabSz="914400" rtl="0" eaLnBrk="0" fontAlgn="base" latinLnBrk="0" hangingPunct="0">
+              <a:lnSpc>
+                <a:spcPct val="100000"/>
+              </a:lnSpc>
+              <a:spcBef>
+                <a:spcPct val="0"/>
+              </a:spcBef>
+              <a:spcAft>
+                <a:spcPct val="0"/>
+              </a:spcAft>
+              <a:buClrTx/>
+              <a:buSzTx/>
+              <a:buFont typeface="+mj-lt"/>
+              <a:buAutoNum type="arabicPeriod"/>
+              <a:tabLst/>
+            </a:pPr>
+            <a:r>
+              <a:rPr kumimoji="0" lang="en-US" altLang="en-US" b="0" i="0" u="none" strike="noStrike" cap="none" normalizeH="0" baseline="0" dirty="0">
+                <a:ln>
+                  <a:noFill/>
+                </a:ln>
+                <a:solidFill>
+                  <a:srgbClr val="0D0D0D"/>
+                </a:solidFill>
+                <a:effectLst/>
+                <a:latin typeface="Söhne"/>
+              </a:rPr>
+              <a:t>After selecting the necessary policies, click </a:t>
+            </a:r>
+            <a:r>
+              <a:rPr kumimoji="0" lang="en-US" altLang="en-US" b="1" i="0" u="none" strike="noStrike" cap="none" normalizeH="0" baseline="0" dirty="0">
+                <a:ln>
+                  <a:noFill/>
+                </a:ln>
+                <a:solidFill>
+                  <a:srgbClr val="0D0D0D"/>
+                </a:solidFill>
+                <a:effectLst/>
+                <a:latin typeface="Söhne"/>
+              </a:rPr>
+              <a:t>Next: Tags</a:t>
+            </a:r>
+            <a:r>
+              <a:rPr kumimoji="0" lang="en-US" altLang="en-US" b="0" i="0" u="none" strike="noStrike" cap="none" normalizeH="0" baseline="0" dirty="0">
+                <a:ln>
+                  <a:noFill/>
+                </a:ln>
+                <a:solidFill>
+                  <a:srgbClr val="0D0D0D"/>
+                </a:solidFill>
+                <a:effectLst/>
+                <a:latin typeface="Söhne"/>
+              </a:rPr>
+              <a:t> (optional step - tags are key-value pairs used for resource identification and management).</a:t>
+            </a:r>
+          </a:p>
+          <a:p>
+            <a:pPr marL="342900" marR="0" lvl="0" indent="-342900" defTabSz="914400" rtl="0" eaLnBrk="0" fontAlgn="base" latinLnBrk="0" hangingPunct="0">
+              <a:lnSpc>
+                <a:spcPct val="100000"/>
+              </a:lnSpc>
+              <a:spcBef>
+                <a:spcPct val="0"/>
+              </a:spcBef>
+              <a:spcAft>
+                <a:spcPct val="0"/>
+              </a:spcAft>
+              <a:buClrTx/>
+              <a:buSzTx/>
+              <a:buFont typeface="+mj-lt"/>
+              <a:buAutoNum type="arabicPeriod"/>
+              <a:tabLst/>
+            </a:pPr>
+            <a:r>
+              <a:rPr kumimoji="0" lang="en-US" altLang="en-US" b="0" i="0" u="none" strike="noStrike" cap="none" normalizeH="0" baseline="0" dirty="0">
+                <a:ln>
+                  <a:noFill/>
+                </a:ln>
+                <a:solidFill>
+                  <a:srgbClr val="0D0D0D"/>
+                </a:solidFill>
+                <a:effectLst/>
+                <a:latin typeface="Söhne"/>
+              </a:rPr>
+              <a:t>Click </a:t>
+            </a:r>
+            <a:r>
+              <a:rPr kumimoji="0" lang="en-US" altLang="en-US" b="1" i="0" u="none" strike="noStrike" cap="none" normalizeH="0" baseline="0" dirty="0">
+                <a:ln>
+                  <a:noFill/>
+                </a:ln>
+                <a:solidFill>
+                  <a:srgbClr val="0D0D0D"/>
+                </a:solidFill>
+                <a:effectLst/>
+                <a:latin typeface="Söhne"/>
+              </a:rPr>
+              <a:t>Next: Review</a:t>
+            </a:r>
+            <a:r>
+              <a:rPr kumimoji="0" lang="en-US" altLang="en-US" b="0" i="0" u="none" strike="noStrike" cap="none" normalizeH="0" baseline="0" dirty="0">
+                <a:ln>
+                  <a:noFill/>
+                </a:ln>
+                <a:solidFill>
+                  <a:srgbClr val="0D0D0D"/>
+                </a:solidFill>
+                <a:effectLst/>
+                <a:latin typeface="Söhne"/>
+              </a:rPr>
+              <a:t>.</a:t>
+            </a:r>
+          </a:p>
+          <a:p>
+            <a:pPr marL="342900" marR="0" lvl="0" indent="-342900" defTabSz="914400" rtl="0" eaLnBrk="0" fontAlgn="base" latinLnBrk="0" hangingPunct="0">
+              <a:lnSpc>
+                <a:spcPct val="100000"/>
+              </a:lnSpc>
+              <a:spcBef>
+                <a:spcPct val="0"/>
+              </a:spcBef>
+              <a:spcAft>
+                <a:spcPct val="0"/>
+              </a:spcAft>
+              <a:buClrTx/>
+              <a:buSzTx/>
+              <a:buFont typeface="+mj-lt"/>
+              <a:buAutoNum type="arabicPeriod"/>
+              <a:tabLst/>
+            </a:pPr>
+            <a:r>
+              <a:rPr kumimoji="0" lang="en-US" altLang="en-US" b="0" i="0" u="none" strike="noStrike" cap="none" normalizeH="0" baseline="0" dirty="0">
+                <a:ln>
+                  <a:noFill/>
+                </a:ln>
+                <a:solidFill>
+                  <a:srgbClr val="0D0D0D"/>
+                </a:solidFill>
+                <a:effectLst/>
+                <a:latin typeface="Söhne"/>
+              </a:rPr>
+              <a:t>Enter a </a:t>
+            </a:r>
+            <a:r>
+              <a:rPr kumimoji="0" lang="en-US" altLang="en-US" b="1" i="0" u="none" strike="noStrike" cap="none" normalizeH="0" baseline="0" dirty="0">
+                <a:ln>
+                  <a:noFill/>
+                </a:ln>
+                <a:solidFill>
+                  <a:srgbClr val="0D0D0D"/>
+                </a:solidFill>
+                <a:effectLst/>
+                <a:latin typeface="Söhne"/>
+              </a:rPr>
+              <a:t>Role name</a:t>
+            </a:r>
+            <a:r>
+              <a:rPr kumimoji="0" lang="en-US" altLang="en-US" b="0" i="0" u="none" strike="noStrike" cap="none" normalizeH="0" baseline="0" dirty="0">
+                <a:ln>
+                  <a:noFill/>
+                </a:ln>
+                <a:solidFill>
+                  <a:srgbClr val="0D0D0D"/>
+                </a:solidFill>
+                <a:effectLst/>
+                <a:latin typeface="Söhne"/>
+              </a:rPr>
+              <a:t>, e.g., </a:t>
+            </a:r>
+            <a:r>
+              <a:rPr kumimoji="0" lang="en-US" altLang="en-US" b="1" i="0" u="none" strike="noStrike" cap="none" normalizeH="0" baseline="0" dirty="0">
+                <a:ln>
+                  <a:noFill/>
+                </a:ln>
+                <a:solidFill>
+                  <a:srgbClr val="0D0D0D"/>
+                </a:solidFill>
+                <a:effectLst/>
+                <a:latin typeface="Söhne"/>
+              </a:rPr>
+              <a:t>LambdaS3CloudFrontRole</a:t>
+            </a:r>
+            <a:r>
+              <a:rPr kumimoji="0" lang="en-US" altLang="en-US" b="0" i="0" u="none" strike="noStrike" cap="none" normalizeH="0" baseline="0" dirty="0">
+                <a:ln>
+                  <a:noFill/>
+                </a:ln>
+                <a:solidFill>
+                  <a:srgbClr val="0D0D0D"/>
+                </a:solidFill>
+                <a:effectLst/>
+                <a:latin typeface="Söhne"/>
+              </a:rPr>
+              <a:t>, and an optional description.</a:t>
+            </a:r>
+          </a:p>
+          <a:p>
+            <a:pPr marL="342900" marR="0" lvl="0" indent="-342900" defTabSz="914400" rtl="0" eaLnBrk="0" fontAlgn="base" latinLnBrk="0" hangingPunct="0">
+              <a:lnSpc>
+                <a:spcPct val="100000"/>
+              </a:lnSpc>
+              <a:spcBef>
+                <a:spcPct val="0"/>
+              </a:spcBef>
+              <a:spcAft>
+                <a:spcPct val="0"/>
+              </a:spcAft>
+              <a:buClrTx/>
+              <a:buSzTx/>
+              <a:buFont typeface="+mj-lt"/>
+              <a:buAutoNum type="arabicPeriod"/>
+              <a:tabLst/>
+            </a:pPr>
+            <a:r>
+              <a:rPr kumimoji="0" lang="en-US" altLang="en-US" b="0" i="0" u="none" strike="noStrike" cap="none" normalizeH="0" baseline="0" dirty="0">
+                <a:ln>
+                  <a:noFill/>
+                </a:ln>
+                <a:solidFill>
+                  <a:srgbClr val="0D0D0D"/>
+                </a:solidFill>
+                <a:effectLst/>
+                <a:latin typeface="Söhne"/>
+              </a:rPr>
+              <a:t>Click </a:t>
+            </a:r>
+            <a:r>
+              <a:rPr kumimoji="0" lang="en-US" altLang="en-US" b="1" i="0" u="none" strike="noStrike" cap="none" normalizeH="0" baseline="0" dirty="0">
+                <a:ln>
+                  <a:noFill/>
+                </a:ln>
+                <a:solidFill>
+                  <a:srgbClr val="0D0D0D"/>
+                </a:solidFill>
+                <a:effectLst/>
+                <a:latin typeface="Söhne"/>
+              </a:rPr>
+              <a:t>Create role</a:t>
+            </a:r>
+            <a:r>
+              <a:rPr kumimoji="0" lang="en-US" altLang="en-US" b="0" i="0" u="none" strike="noStrike" cap="none" normalizeH="0" baseline="0" dirty="0">
+                <a:ln>
+                  <a:noFill/>
+                </a:ln>
+                <a:solidFill>
+                  <a:srgbClr val="0D0D0D"/>
+                </a:solidFill>
+                <a:effectLst/>
+                <a:latin typeface="Söhne"/>
+              </a:rPr>
+              <a:t>.</a:t>
+            </a:r>
+            <a:endParaRPr lang="en-US" b="0" i="0" dirty="0">
+              <a:solidFill>
+                <a:srgbClr val="0D0D0D"/>
+              </a:solidFill>
+              <a:effectLst/>
+              <a:highlight>
+                <a:srgbClr val="FFFFFF"/>
+              </a:highlight>
+              <a:latin typeface="Söhne"/>
+            </a:endParaRPr>
+          </a:p>
+        </p:txBody>
+      </p:sp>
+      <p:sp>
+        <p:nvSpPr>
+          <p:cNvPr id="14" name="Rectangle 13">
+            <a:extLst>
+              <a:ext uri="{FF2B5EF4-FFF2-40B4-BE49-F238E27FC236}">
+                <a16:creationId xmlns:a16="http://schemas.microsoft.com/office/drawing/2014/main" id="{FD44E5A0-C29D-DBF5-B911-1E5670ED6F69}"/>
+              </a:ext>
+            </a:extLst>
+          </p:cNvPr>
+          <p:cNvSpPr/>
+          <p:nvPr/>
+        </p:nvSpPr>
+        <p:spPr>
+          <a:xfrm>
+            <a:off x="420624" y="1005840"/>
+            <a:ext cx="11338560" cy="5605532"/>
+          </a:xfrm>
+          <a:prstGeom prst="rect">
+            <a:avLst/>
+          </a:prstGeom>
+          <a:noFill/>
+          <a:ln w="9525" cap="flat" cmpd="sng" algn="ctr">
+            <a:solidFill>
+              <a:schemeClr val="accent3"/>
+            </a:solidFill>
+            <a:prstDash val="solid"/>
+            <a:round/>
+            <a:headEnd type="none" w="med" len="med"/>
+            <a:tailEnd type="none" w="med" len="med"/>
+          </a:ln>
+        </p:spPr>
+        <p:style>
+          <a:lnRef idx="0">
+            <a:scrgbClr r="0" g="0" b="0"/>
+          </a:lnRef>
+          <a:fillRef idx="0">
+            <a:scrgbClr r="0" g="0" b="0"/>
+          </a:fillRef>
+          <a:effectRef idx="0">
+            <a:scrgbClr r="0" g="0" b="0"/>
+          </a:effectRef>
+          <a:fontRef idx="minor">
+            <a:schemeClr val="accent3"/>
+          </a:fontRef>
+        </p:style>
+        <p:txBody>
+          <a:bodyPr rtlCol="0" anchor="ctr"/>
+          <a:lstStyle/>
+          <a:p>
+            <a:pPr algn="ctr"/>
+            <a:endParaRPr lang="en-IN"/>
+          </a:p>
+        </p:txBody>
+      </p:sp>
+    </p:spTree>
+    <p:extLst>
+      <p:ext uri="{BB962C8B-B14F-4D97-AF65-F5344CB8AC3E}">
+        <p14:creationId xmlns:p14="http://schemas.microsoft.com/office/powerpoint/2010/main" val="545663416"/>
+      </p:ext>
+    </p:extLst>
+  </p:cSld>
+  <p:clrMapOvr>
+    <a:masterClrMapping/>
+  </p:clrMapOvr>
+</p:sld>
+</file>
+
+<file path=ppt/slides/slide15.xml><?xml version="1.0" encoding="utf-8"?>
+<p:sld xmlns:a="http://schemas.openxmlformats.org/drawingml/2006/main" xmlns:r="http://schemas.openxmlformats.org/officeDocument/2006/relationships" xmlns:p="http://schemas.openxmlformats.org/presentationml/2006/main">
+  <p:cSld>
+    <p:spTree>
+      <p:nvGrpSpPr>
+        <p:cNvPr id="1" name=""/>
+        <p:cNvGrpSpPr/>
+        <p:nvPr/>
+      </p:nvGrpSpPr>
+      <p:grpSpPr>
+        <a:xfrm>
+          <a:off x="0" y="0"/>
+          <a:ext cx="0" cy="0"/>
+          <a:chOff x="0" y="0"/>
+          <a:chExt cx="0" cy="0"/>
+        </a:xfrm>
+      </p:grpSpPr>
+      <p:sp>
+        <p:nvSpPr>
+          <p:cNvPr id="2" name="TextBox 1">
+            <a:extLst>
+              <a:ext uri="{FF2B5EF4-FFF2-40B4-BE49-F238E27FC236}">
+                <a16:creationId xmlns:a16="http://schemas.microsoft.com/office/drawing/2014/main" id="{2C265965-136C-12A1-055A-8C1D00DA0493}"/>
+              </a:ext>
+            </a:extLst>
+          </p:cNvPr>
+          <p:cNvSpPr txBox="1"/>
+          <p:nvPr/>
+        </p:nvSpPr>
+        <p:spPr>
+          <a:xfrm>
+            <a:off x="3945036" y="79866"/>
+            <a:ext cx="4613748" cy="646331"/>
+          </a:xfrm>
+          <a:prstGeom prst="rect">
+            <a:avLst/>
+          </a:prstGeom>
+          <a:noFill/>
+        </p:spPr>
+        <p:txBody>
+          <a:bodyPr wrap="square" rtlCol="0">
+            <a:spAutoFit/>
+          </a:bodyPr>
+          <a:lstStyle/>
+          <a:p>
+            <a:r>
+              <a:rPr lang="en-IN" dirty="0"/>
+              <a:t>Update the Cache of the CloudFront distribution </a:t>
+            </a:r>
+          </a:p>
+        </p:txBody>
+      </p:sp>
+      <p:sp>
+        <p:nvSpPr>
+          <p:cNvPr id="3" name="Rectangle 2">
+            <a:extLst>
+              <a:ext uri="{FF2B5EF4-FFF2-40B4-BE49-F238E27FC236}">
+                <a16:creationId xmlns:a16="http://schemas.microsoft.com/office/drawing/2014/main" id="{A6AE37A1-9329-E66A-748C-E67F9664C20D}"/>
+              </a:ext>
+            </a:extLst>
+          </p:cNvPr>
+          <p:cNvSpPr/>
+          <p:nvPr/>
+        </p:nvSpPr>
+        <p:spPr>
+          <a:xfrm>
+            <a:off x="3502165" y="94154"/>
+            <a:ext cx="4613747" cy="751564"/>
+          </a:xfrm>
+          <a:prstGeom prst="rect">
+            <a:avLst/>
+          </a:prstGeom>
+          <a:solidFill>
+            <a:schemeClr val="accent4">
+              <a:alpha val="50000"/>
+            </a:schemeClr>
+          </a:solidFill>
+          <a:ln>
+            <a:noFill/>
+          </a:ln>
+        </p:spPr>
+        <p:style>
+          <a:lnRef idx="0">
+            <a:scrgbClr r="0" g="0" b="0"/>
+          </a:lnRef>
+          <a:fillRef idx="0">
+            <a:scrgbClr r="0" g="0" b="0"/>
+          </a:fillRef>
+          <a:effectRef idx="0">
+            <a:scrgbClr r="0" g="0" b="0"/>
+          </a:effectRef>
+          <a:fontRef idx="minor">
+            <a:schemeClr val="lt1"/>
+          </a:fontRef>
+        </p:style>
+        <p:txBody>
+          <a:bodyPr rtlCol="0" anchor="ctr"/>
+          <a:lstStyle/>
+          <a:p>
+            <a:pPr algn="ctr"/>
+            <a:endParaRPr lang="en-IN" dirty="0"/>
+          </a:p>
+        </p:txBody>
+      </p:sp>
+      <p:sp>
+        <p:nvSpPr>
+          <p:cNvPr id="5" name="TextBox 4">
+            <a:extLst>
+              <a:ext uri="{FF2B5EF4-FFF2-40B4-BE49-F238E27FC236}">
+                <a16:creationId xmlns:a16="http://schemas.microsoft.com/office/drawing/2014/main" id="{9B9BD926-67D0-13C2-0B17-058C1A4DD430}"/>
+              </a:ext>
+            </a:extLst>
+          </p:cNvPr>
+          <p:cNvSpPr txBox="1"/>
+          <p:nvPr/>
+        </p:nvSpPr>
+        <p:spPr>
+          <a:xfrm>
+            <a:off x="605254" y="1121787"/>
+            <a:ext cx="11045750" cy="369332"/>
+          </a:xfrm>
+          <a:prstGeom prst="rect">
+            <a:avLst/>
+          </a:prstGeom>
+          <a:noFill/>
+        </p:spPr>
+        <p:txBody>
+          <a:bodyPr wrap="square">
+            <a:spAutoFit/>
+          </a:bodyPr>
+          <a:lstStyle/>
+          <a:p>
+            <a:pPr algn="l"/>
+            <a:r>
+              <a:rPr lang="en-US" b="1" dirty="0">
+                <a:solidFill>
+                  <a:srgbClr val="0D0D0D"/>
+                </a:solidFill>
+                <a:highlight>
+                  <a:srgbClr val="FFFFFF"/>
+                </a:highlight>
+                <a:latin typeface="Segoe UI" panose="020B0502040204020203" pitchFamily="34" charset="0"/>
+                <a:cs typeface="Segoe UI" panose="020B0502040204020203" pitchFamily="34" charset="0"/>
+              </a:rPr>
+              <a:t>Step - </a:t>
+            </a:r>
+            <a:r>
+              <a:rPr lang="en-US" b="1" i="0" dirty="0">
+                <a:solidFill>
+                  <a:srgbClr val="0D0D0D"/>
+                </a:solidFill>
+                <a:effectLst/>
+                <a:highlight>
+                  <a:srgbClr val="FFFFFF"/>
+                </a:highlight>
+                <a:latin typeface="Segoe UI" panose="020B0502040204020203" pitchFamily="34" charset="0"/>
+                <a:cs typeface="Segoe UI" panose="020B0502040204020203" pitchFamily="34" charset="0"/>
+              </a:rPr>
+              <a:t>Configure IAM Roles and Permissions – More detailing…</a:t>
+            </a:r>
+          </a:p>
+        </p:txBody>
+      </p:sp>
+      <p:sp>
+        <p:nvSpPr>
+          <p:cNvPr id="6" name="TextBox 5">
+            <a:extLst>
+              <a:ext uri="{FF2B5EF4-FFF2-40B4-BE49-F238E27FC236}">
+                <a16:creationId xmlns:a16="http://schemas.microsoft.com/office/drawing/2014/main" id="{14EF05AD-D727-73CC-566A-C0AD0321C4A1}"/>
+              </a:ext>
+            </a:extLst>
+          </p:cNvPr>
+          <p:cNvSpPr txBox="1"/>
+          <p:nvPr/>
+        </p:nvSpPr>
+        <p:spPr>
+          <a:xfrm>
+            <a:off x="605254" y="1533059"/>
+            <a:ext cx="10943618" cy="4247317"/>
+          </a:xfrm>
+          <a:prstGeom prst="rect">
+            <a:avLst/>
+          </a:prstGeom>
+          <a:noFill/>
+        </p:spPr>
+        <p:txBody>
+          <a:bodyPr wrap="square">
+            <a:spAutoFit/>
+          </a:bodyPr>
+          <a:lstStyle/>
+          <a:p>
+            <a:pPr marL="0" marR="0" lvl="0" indent="0" algn="l" defTabSz="914400" rtl="0" eaLnBrk="0" fontAlgn="base" latinLnBrk="0" hangingPunct="0">
+              <a:lnSpc>
+                <a:spcPct val="100000"/>
+              </a:lnSpc>
+              <a:spcBef>
+                <a:spcPct val="0"/>
+              </a:spcBef>
+              <a:spcAft>
+                <a:spcPct val="0"/>
+              </a:spcAft>
+              <a:buClrTx/>
+              <a:buSzTx/>
+              <a:buFontTx/>
+              <a:buNone/>
+              <a:tabLst/>
+            </a:pPr>
+            <a:r>
+              <a:rPr kumimoji="0" lang="en-US" altLang="en-US" sz="1800" b="1" i="0" u="none" strike="noStrike" cap="none" normalizeH="0" baseline="0" dirty="0">
+                <a:ln>
+                  <a:noFill/>
+                </a:ln>
+                <a:solidFill>
+                  <a:srgbClr val="0D0D0D"/>
+                </a:solidFill>
+                <a:effectLst/>
+                <a:latin typeface="Söhne"/>
+              </a:rPr>
+              <a:t>C. Attaching Policies to an Existing IAM Role</a:t>
+            </a:r>
+          </a:p>
+          <a:p>
+            <a:pPr marL="0" marR="0" lvl="0" indent="0" algn="l" defTabSz="914400" rtl="0" eaLnBrk="0" fontAlgn="base" latinLnBrk="0" hangingPunct="0">
+              <a:lnSpc>
+                <a:spcPct val="100000"/>
+              </a:lnSpc>
+              <a:spcBef>
+                <a:spcPct val="0"/>
+              </a:spcBef>
+              <a:spcAft>
+                <a:spcPct val="0"/>
+              </a:spcAft>
+              <a:buClrTx/>
+              <a:buSzTx/>
+              <a:buFontTx/>
+              <a:buNone/>
+              <a:tabLst/>
+            </a:pPr>
+            <a:r>
+              <a:rPr kumimoji="0" lang="en-US" altLang="en-US" sz="1800" b="0" i="0" u="none" strike="noStrike" cap="none" normalizeH="0" baseline="0" dirty="0">
+                <a:ln>
+                  <a:noFill/>
+                </a:ln>
+                <a:solidFill>
+                  <a:srgbClr val="0D0D0D"/>
+                </a:solidFill>
+                <a:effectLst/>
+                <a:latin typeface="Söhne"/>
+              </a:rPr>
+              <a:t>If you're updating an existing role with new permissions:</a:t>
+            </a:r>
+            <a:endParaRPr kumimoji="0" lang="en-US" altLang="en-US" sz="1050" b="0" i="0" u="none" strike="noStrike" cap="none" normalizeH="0" baseline="0" dirty="0">
+              <a:ln>
+                <a:noFill/>
+              </a:ln>
+              <a:solidFill>
+                <a:schemeClr val="tx1"/>
+              </a:solidFill>
+              <a:effectLst/>
+            </a:endParaRPr>
+          </a:p>
+          <a:p>
+            <a:pPr marL="342900" marR="0" lvl="0" indent="-342900" algn="l" defTabSz="914400" rtl="0" eaLnBrk="0" fontAlgn="base" latinLnBrk="0" hangingPunct="0">
+              <a:lnSpc>
+                <a:spcPct val="100000"/>
+              </a:lnSpc>
+              <a:spcBef>
+                <a:spcPct val="0"/>
+              </a:spcBef>
+              <a:spcAft>
+                <a:spcPct val="0"/>
+              </a:spcAft>
+              <a:buClrTx/>
+              <a:buSzTx/>
+              <a:buFont typeface="+mj-lt"/>
+              <a:buAutoNum type="arabicPeriod"/>
+              <a:tabLst/>
+            </a:pPr>
+            <a:r>
+              <a:rPr kumimoji="0" lang="en-US" altLang="en-US" sz="1800" b="0" i="0" u="none" strike="noStrike" cap="none" normalizeH="0" baseline="0" dirty="0">
+                <a:ln>
+                  <a:noFill/>
+                </a:ln>
+                <a:solidFill>
+                  <a:srgbClr val="0D0D0D"/>
+                </a:solidFill>
+                <a:effectLst/>
+                <a:latin typeface="Söhne"/>
+              </a:rPr>
+              <a:t>In the IAM dashboard, click on </a:t>
+            </a:r>
+            <a:r>
+              <a:rPr kumimoji="0" lang="en-US" altLang="en-US" sz="1800" b="1" i="0" u="none" strike="noStrike" cap="none" normalizeH="0" baseline="0" dirty="0">
+                <a:ln>
+                  <a:noFill/>
+                </a:ln>
+                <a:solidFill>
+                  <a:srgbClr val="0D0D0D"/>
+                </a:solidFill>
+                <a:effectLst/>
+                <a:latin typeface="Söhne"/>
+              </a:rPr>
+              <a:t>Roles</a:t>
+            </a:r>
+            <a:r>
+              <a:rPr kumimoji="0" lang="en-US" altLang="en-US" sz="1800" b="0" i="0" u="none" strike="noStrike" cap="none" normalizeH="0" baseline="0" dirty="0">
+                <a:ln>
+                  <a:noFill/>
+                </a:ln>
+                <a:solidFill>
+                  <a:srgbClr val="0D0D0D"/>
+                </a:solidFill>
+                <a:effectLst/>
+                <a:latin typeface="Söhne"/>
+              </a:rPr>
+              <a:t> on the left sidebar.</a:t>
+            </a:r>
+          </a:p>
+          <a:p>
+            <a:pPr marL="342900" marR="0" lvl="0" indent="-342900" algn="l" defTabSz="914400" rtl="0" eaLnBrk="0" fontAlgn="base" latinLnBrk="0" hangingPunct="0">
+              <a:lnSpc>
+                <a:spcPct val="100000"/>
+              </a:lnSpc>
+              <a:spcBef>
+                <a:spcPct val="0"/>
+              </a:spcBef>
+              <a:spcAft>
+                <a:spcPct val="0"/>
+              </a:spcAft>
+              <a:buClrTx/>
+              <a:buSzTx/>
+              <a:buFont typeface="+mj-lt"/>
+              <a:buAutoNum type="arabicPeriod"/>
+              <a:tabLst/>
+            </a:pPr>
+            <a:r>
+              <a:rPr kumimoji="0" lang="en-US" altLang="en-US" sz="1800" b="0" i="0" u="none" strike="noStrike" cap="none" normalizeH="0" baseline="0" dirty="0">
+                <a:ln>
+                  <a:noFill/>
+                </a:ln>
+                <a:solidFill>
+                  <a:srgbClr val="0D0D0D"/>
+                </a:solidFill>
+                <a:effectLst/>
+                <a:latin typeface="Söhne"/>
+              </a:rPr>
+              <a:t>Enter the name of the role you created for your Lambda function in the search box, then click on the role.</a:t>
+            </a:r>
+          </a:p>
+          <a:p>
+            <a:pPr marL="342900" marR="0" lvl="0" indent="-342900" algn="l" defTabSz="914400" rtl="0" eaLnBrk="0" fontAlgn="base" latinLnBrk="0" hangingPunct="0">
+              <a:lnSpc>
+                <a:spcPct val="100000"/>
+              </a:lnSpc>
+              <a:spcBef>
+                <a:spcPct val="0"/>
+              </a:spcBef>
+              <a:spcAft>
+                <a:spcPct val="0"/>
+              </a:spcAft>
+              <a:buClrTx/>
+              <a:buSzTx/>
+              <a:buFont typeface="+mj-lt"/>
+              <a:buAutoNum type="arabicPeriod"/>
+              <a:tabLst/>
+            </a:pPr>
+            <a:r>
+              <a:rPr kumimoji="0" lang="en-US" altLang="en-US" sz="1800" b="0" i="0" u="none" strike="noStrike" cap="none" normalizeH="0" baseline="0" dirty="0">
+                <a:ln>
+                  <a:noFill/>
+                </a:ln>
+                <a:solidFill>
+                  <a:srgbClr val="0D0D0D"/>
+                </a:solidFill>
+                <a:effectLst/>
+                <a:latin typeface="Söhne"/>
+              </a:rPr>
+              <a:t>On the role summary page, click on the </a:t>
+            </a:r>
+            <a:r>
+              <a:rPr kumimoji="0" lang="en-US" altLang="en-US" sz="1800" b="1" i="0" u="none" strike="noStrike" cap="none" normalizeH="0" baseline="0" dirty="0">
+                <a:ln>
+                  <a:noFill/>
+                </a:ln>
+                <a:solidFill>
+                  <a:srgbClr val="0D0D0D"/>
+                </a:solidFill>
+                <a:effectLst/>
+                <a:latin typeface="Söhne"/>
+              </a:rPr>
+              <a:t>Permissions</a:t>
+            </a:r>
+            <a:r>
+              <a:rPr kumimoji="0" lang="en-US" altLang="en-US" sz="1800" b="0" i="0" u="none" strike="noStrike" cap="none" normalizeH="0" baseline="0" dirty="0">
+                <a:ln>
+                  <a:noFill/>
+                </a:ln>
+                <a:solidFill>
+                  <a:srgbClr val="0D0D0D"/>
+                </a:solidFill>
+                <a:effectLst/>
+                <a:latin typeface="Söhne"/>
+              </a:rPr>
+              <a:t> tab.</a:t>
+            </a:r>
+          </a:p>
+          <a:p>
+            <a:pPr marL="342900" marR="0" lvl="0" indent="-342900" algn="l" defTabSz="914400" rtl="0" eaLnBrk="0" fontAlgn="base" latinLnBrk="0" hangingPunct="0">
+              <a:lnSpc>
+                <a:spcPct val="100000"/>
+              </a:lnSpc>
+              <a:spcBef>
+                <a:spcPct val="0"/>
+              </a:spcBef>
+              <a:spcAft>
+                <a:spcPct val="0"/>
+              </a:spcAft>
+              <a:buClrTx/>
+              <a:buSzTx/>
+              <a:buFont typeface="+mj-lt"/>
+              <a:buAutoNum type="arabicPeriod"/>
+              <a:tabLst/>
+            </a:pPr>
+            <a:r>
+              <a:rPr kumimoji="0" lang="en-US" altLang="en-US" sz="1800" b="0" i="0" u="none" strike="noStrike" cap="none" normalizeH="0" baseline="0" dirty="0">
+                <a:ln>
+                  <a:noFill/>
+                </a:ln>
+                <a:solidFill>
+                  <a:srgbClr val="0D0D0D"/>
+                </a:solidFill>
+                <a:effectLst/>
+                <a:latin typeface="Söhne"/>
+              </a:rPr>
+              <a:t>Click </a:t>
+            </a:r>
+            <a:r>
+              <a:rPr kumimoji="0" lang="en-US" altLang="en-US" sz="1800" b="1" i="0" u="none" strike="noStrike" cap="none" normalizeH="0" baseline="0" dirty="0">
+                <a:ln>
+                  <a:noFill/>
+                </a:ln>
+                <a:solidFill>
+                  <a:srgbClr val="0D0D0D"/>
+                </a:solidFill>
+                <a:effectLst/>
+                <a:latin typeface="Söhne"/>
+              </a:rPr>
+              <a:t>Attach policies</a:t>
+            </a:r>
+            <a:r>
+              <a:rPr kumimoji="0" lang="en-US" altLang="en-US" sz="1800" b="0" i="0" u="none" strike="noStrike" cap="none" normalizeH="0" baseline="0" dirty="0">
+                <a:ln>
+                  <a:noFill/>
+                </a:ln>
+                <a:solidFill>
+                  <a:srgbClr val="0D0D0D"/>
+                </a:solidFill>
+                <a:effectLst/>
+                <a:latin typeface="Söhne"/>
+              </a:rPr>
+              <a:t>.</a:t>
+            </a:r>
+          </a:p>
+          <a:p>
+            <a:pPr marL="342900" marR="0" lvl="0" indent="-342900" algn="l" defTabSz="914400" rtl="0" eaLnBrk="0" fontAlgn="base" latinLnBrk="0" hangingPunct="0">
+              <a:lnSpc>
+                <a:spcPct val="100000"/>
+              </a:lnSpc>
+              <a:spcBef>
+                <a:spcPct val="0"/>
+              </a:spcBef>
+              <a:spcAft>
+                <a:spcPct val="0"/>
+              </a:spcAft>
+              <a:buClrTx/>
+              <a:buSzTx/>
+              <a:buFont typeface="+mj-lt"/>
+              <a:buAutoNum type="arabicPeriod"/>
+              <a:tabLst/>
+            </a:pPr>
+            <a:r>
+              <a:rPr kumimoji="0" lang="en-US" altLang="en-US" sz="1800" b="0" i="0" u="none" strike="noStrike" cap="none" normalizeH="0" baseline="0" dirty="0">
+                <a:ln>
+                  <a:noFill/>
+                </a:ln>
+                <a:solidFill>
+                  <a:srgbClr val="0D0D0D"/>
+                </a:solidFill>
+                <a:effectLst/>
+                <a:latin typeface="Söhne"/>
+              </a:rPr>
+              <a:t>In the search box, type </a:t>
+            </a:r>
+            <a:r>
+              <a:rPr kumimoji="0" lang="en-US" altLang="en-US" b="1" i="0" u="none" strike="noStrike" cap="none" normalizeH="0" baseline="0" dirty="0">
+                <a:ln>
+                  <a:noFill/>
+                </a:ln>
+                <a:solidFill>
+                  <a:srgbClr val="0D0D0D"/>
+                </a:solidFill>
+                <a:effectLst/>
+                <a:latin typeface="Söhne Mono"/>
+              </a:rPr>
+              <a:t>AmazonS3ReadOnlyAccess</a:t>
+            </a:r>
+            <a:r>
+              <a:rPr kumimoji="0" lang="en-US" altLang="en-US" sz="1800" b="0" i="0" u="none" strike="noStrike" cap="none" normalizeH="0" baseline="0" dirty="0">
+                <a:ln>
+                  <a:noFill/>
+                </a:ln>
+                <a:solidFill>
+                  <a:srgbClr val="0D0D0D"/>
+                </a:solidFill>
+                <a:effectLst/>
+                <a:latin typeface="Söhne"/>
+              </a:rPr>
+              <a:t> and check the box next to it. Then, search for </a:t>
+            </a:r>
+            <a:r>
+              <a:rPr kumimoji="0" lang="en-US" altLang="en-US" b="1" i="0" u="none" strike="noStrike" cap="none" normalizeH="0" baseline="0" dirty="0">
+                <a:ln>
+                  <a:noFill/>
+                </a:ln>
+                <a:solidFill>
+                  <a:srgbClr val="0D0D0D"/>
+                </a:solidFill>
+                <a:effectLst/>
+                <a:latin typeface="Söhne Mono"/>
+              </a:rPr>
+              <a:t>CloudFrontFullAccess</a:t>
+            </a:r>
+            <a:r>
+              <a:rPr kumimoji="0" lang="en-US" altLang="en-US" sz="1800" b="0" i="0" u="none" strike="noStrike" cap="none" normalizeH="0" baseline="0" dirty="0">
+                <a:ln>
+                  <a:noFill/>
+                </a:ln>
+                <a:solidFill>
+                  <a:srgbClr val="0D0D0D"/>
+                </a:solidFill>
+                <a:effectLst/>
+                <a:latin typeface="Söhne"/>
+              </a:rPr>
+              <a:t> and select it too.</a:t>
+            </a:r>
+          </a:p>
+          <a:p>
+            <a:pPr marL="342900" marR="0" lvl="0" indent="-342900" algn="l" defTabSz="914400" rtl="0" eaLnBrk="0" fontAlgn="base" latinLnBrk="0" hangingPunct="0">
+              <a:lnSpc>
+                <a:spcPct val="100000"/>
+              </a:lnSpc>
+              <a:spcBef>
+                <a:spcPct val="0"/>
+              </a:spcBef>
+              <a:spcAft>
+                <a:spcPct val="0"/>
+              </a:spcAft>
+              <a:buClrTx/>
+              <a:buSzTx/>
+              <a:buFont typeface="+mj-lt"/>
+              <a:buAutoNum type="arabicPeriod"/>
+              <a:tabLst/>
+            </a:pPr>
+            <a:r>
+              <a:rPr kumimoji="0" lang="en-US" altLang="en-US" sz="1800" b="0" i="0" u="none" strike="noStrike" cap="none" normalizeH="0" baseline="0" dirty="0">
+                <a:ln>
+                  <a:noFill/>
+                </a:ln>
+                <a:solidFill>
+                  <a:srgbClr val="0D0D0D"/>
+                </a:solidFill>
+                <a:effectLst/>
+                <a:latin typeface="Söhne"/>
+              </a:rPr>
+              <a:t>Click </a:t>
+            </a:r>
+            <a:r>
+              <a:rPr kumimoji="0" lang="en-US" altLang="en-US" sz="1800" b="1" i="0" u="none" strike="noStrike" cap="none" normalizeH="0" baseline="0" dirty="0">
+                <a:ln>
+                  <a:noFill/>
+                </a:ln>
+                <a:solidFill>
+                  <a:srgbClr val="0D0D0D"/>
+                </a:solidFill>
+                <a:effectLst/>
+                <a:latin typeface="Söhne"/>
+              </a:rPr>
+              <a:t>Attach policy</a:t>
+            </a:r>
+            <a:r>
+              <a:rPr kumimoji="0" lang="en-US" altLang="en-US" sz="1800" b="0" i="0" u="none" strike="noStrike" cap="none" normalizeH="0" baseline="0" dirty="0">
+                <a:ln>
+                  <a:noFill/>
+                </a:ln>
+                <a:solidFill>
+                  <a:srgbClr val="0D0D0D"/>
+                </a:solidFill>
+                <a:effectLst/>
+                <a:latin typeface="Söhne"/>
+              </a:rPr>
+              <a:t>.</a:t>
+            </a:r>
+          </a:p>
+          <a:p>
+            <a:pPr marR="0" lvl="0" algn="l" defTabSz="914400" rtl="0" eaLnBrk="0" fontAlgn="base" latinLnBrk="0" hangingPunct="0">
+              <a:lnSpc>
+                <a:spcPct val="100000"/>
+              </a:lnSpc>
+              <a:spcBef>
+                <a:spcPct val="0"/>
+              </a:spcBef>
+              <a:spcAft>
+                <a:spcPct val="0"/>
+              </a:spcAft>
+              <a:buClrTx/>
+              <a:buSzTx/>
+              <a:tabLst/>
+            </a:pPr>
+            <a:endParaRPr kumimoji="0" lang="en-US" altLang="en-US" sz="1800" b="0" i="0" u="none" strike="noStrike" cap="none" normalizeH="0" baseline="0" dirty="0">
+              <a:ln>
+                <a:noFill/>
+              </a:ln>
+              <a:solidFill>
+                <a:srgbClr val="0D0D0D"/>
+              </a:solidFill>
+              <a:effectLst/>
+              <a:latin typeface="Söhne"/>
+            </a:endParaRPr>
+          </a:p>
+          <a:p>
+            <a:pPr marL="0" marR="0" lvl="0" indent="0" algn="l" defTabSz="914400" rtl="0" eaLnBrk="0" fontAlgn="base" latinLnBrk="0" hangingPunct="0">
+              <a:lnSpc>
+                <a:spcPct val="100000"/>
+              </a:lnSpc>
+              <a:spcBef>
+                <a:spcPct val="0"/>
+              </a:spcBef>
+              <a:spcAft>
+                <a:spcPct val="0"/>
+              </a:spcAft>
+              <a:buClrTx/>
+              <a:buSzTx/>
+              <a:buFontTx/>
+              <a:buNone/>
+              <a:tabLst/>
+            </a:pPr>
+            <a:r>
+              <a:rPr kumimoji="0" lang="en-US" altLang="en-US" b="1" i="0" u="none" strike="noStrike" cap="none" normalizeH="0" baseline="0" dirty="0">
+                <a:ln>
+                  <a:noFill/>
+                </a:ln>
+                <a:solidFill>
+                  <a:srgbClr val="0D0D0D"/>
+                </a:solidFill>
+                <a:effectLst/>
+                <a:latin typeface="Söhne"/>
+              </a:rPr>
+              <a:t>D. Verify the Role and Policy Attachment</a:t>
+            </a:r>
+          </a:p>
+          <a:p>
+            <a:pPr marL="342900" marR="0" lvl="0" indent="-342900" algn="l" defTabSz="914400" rtl="0" eaLnBrk="0" fontAlgn="base" latinLnBrk="0" hangingPunct="0">
+              <a:lnSpc>
+                <a:spcPct val="100000"/>
+              </a:lnSpc>
+              <a:spcBef>
+                <a:spcPct val="0"/>
+              </a:spcBef>
+              <a:spcAft>
+                <a:spcPct val="0"/>
+              </a:spcAft>
+              <a:buClrTx/>
+              <a:buSzTx/>
+              <a:buFont typeface="+mj-lt"/>
+              <a:buAutoNum type="arabicPeriod"/>
+              <a:tabLst/>
+            </a:pPr>
+            <a:r>
+              <a:rPr kumimoji="0" lang="en-US" altLang="en-US" b="0" i="0" u="none" strike="noStrike" cap="none" normalizeH="0" baseline="0" dirty="0">
+                <a:ln>
+                  <a:noFill/>
+                </a:ln>
+                <a:solidFill>
+                  <a:srgbClr val="0D0D0D"/>
+                </a:solidFill>
+                <a:effectLst/>
+                <a:latin typeface="Söhne"/>
+              </a:rPr>
+              <a:t>After attaching the policies, you should see them listed under the </a:t>
+            </a:r>
+            <a:r>
+              <a:rPr kumimoji="0" lang="en-US" altLang="en-US" b="1" i="0" u="none" strike="noStrike" cap="none" normalizeH="0" baseline="0" dirty="0">
+                <a:ln>
+                  <a:noFill/>
+                </a:ln>
+                <a:solidFill>
+                  <a:srgbClr val="0D0D0D"/>
+                </a:solidFill>
+                <a:effectLst/>
+                <a:latin typeface="Söhne"/>
+              </a:rPr>
+              <a:t>Permissions</a:t>
+            </a:r>
+            <a:r>
+              <a:rPr kumimoji="0" lang="en-US" altLang="en-US" b="0" i="0" u="none" strike="noStrike" cap="none" normalizeH="0" baseline="0" dirty="0">
+                <a:ln>
+                  <a:noFill/>
+                </a:ln>
+                <a:solidFill>
+                  <a:srgbClr val="0D0D0D"/>
+                </a:solidFill>
+                <a:effectLst/>
+                <a:latin typeface="Söhne"/>
+              </a:rPr>
+              <a:t> tab when you view your role.</a:t>
+            </a:r>
+          </a:p>
+          <a:p>
+            <a:pPr marL="342900" marR="0" lvl="0" indent="-342900" algn="l" defTabSz="914400" rtl="0" eaLnBrk="0" fontAlgn="base" latinLnBrk="0" hangingPunct="0">
+              <a:lnSpc>
+                <a:spcPct val="100000"/>
+              </a:lnSpc>
+              <a:spcBef>
+                <a:spcPct val="0"/>
+              </a:spcBef>
+              <a:spcAft>
+                <a:spcPct val="0"/>
+              </a:spcAft>
+              <a:buClrTx/>
+              <a:buSzTx/>
+              <a:buFont typeface="+mj-lt"/>
+              <a:buAutoNum type="arabicPeriod"/>
+              <a:tabLst/>
+            </a:pPr>
+            <a:r>
+              <a:rPr kumimoji="0" lang="en-US" altLang="en-US" b="0" i="0" u="none" strike="noStrike" cap="none" normalizeH="0" baseline="0" dirty="0">
+                <a:ln>
+                  <a:noFill/>
+                </a:ln>
+                <a:solidFill>
+                  <a:srgbClr val="0D0D0D"/>
+                </a:solidFill>
+                <a:effectLst/>
+                <a:latin typeface="Söhne"/>
+              </a:rPr>
+              <a:t>Ensure that </a:t>
+            </a:r>
+            <a:r>
+              <a:rPr kumimoji="0" lang="en-US" altLang="en-US" b="1" i="0" u="none" strike="noStrike" cap="none" normalizeH="0" baseline="0" dirty="0">
+                <a:ln>
+                  <a:noFill/>
+                </a:ln>
+                <a:solidFill>
+                  <a:srgbClr val="0D0D0D"/>
+                </a:solidFill>
+                <a:effectLst/>
+                <a:latin typeface="Söhne"/>
+              </a:rPr>
+              <a:t>AmazonS3ReadOnlyAccess</a:t>
+            </a:r>
+            <a:r>
+              <a:rPr kumimoji="0" lang="en-US" altLang="en-US" b="0" i="0" u="none" strike="noStrike" cap="none" normalizeH="0" baseline="0" dirty="0">
+                <a:ln>
+                  <a:noFill/>
+                </a:ln>
+                <a:solidFill>
+                  <a:srgbClr val="0D0D0D"/>
+                </a:solidFill>
+                <a:effectLst/>
+                <a:latin typeface="Söhne"/>
+              </a:rPr>
+              <a:t> and </a:t>
+            </a:r>
+            <a:r>
+              <a:rPr kumimoji="0" lang="en-US" altLang="en-US" b="1" i="0" u="none" strike="noStrike" cap="none" normalizeH="0" baseline="0" dirty="0">
+                <a:ln>
+                  <a:noFill/>
+                </a:ln>
+                <a:solidFill>
+                  <a:srgbClr val="0D0D0D"/>
+                </a:solidFill>
+                <a:effectLst/>
+                <a:latin typeface="Söhne"/>
+              </a:rPr>
+              <a:t>CloudFrontFullAccess</a:t>
+            </a:r>
+            <a:r>
+              <a:rPr kumimoji="0" lang="en-US" altLang="en-US" b="0" i="0" u="none" strike="noStrike" cap="none" normalizeH="0" baseline="0" dirty="0">
+                <a:ln>
+                  <a:noFill/>
+                </a:ln>
+                <a:solidFill>
+                  <a:srgbClr val="0D0D0D"/>
+                </a:solidFill>
+                <a:effectLst/>
+                <a:latin typeface="Söhne"/>
+              </a:rPr>
+              <a:t> are listed under the policies attached to the role.</a:t>
+            </a:r>
+          </a:p>
+          <a:p>
+            <a:pPr marL="0" marR="0" lvl="0" indent="0" defTabSz="914400" rtl="0" eaLnBrk="0" fontAlgn="base" latinLnBrk="0" hangingPunct="0">
+              <a:lnSpc>
+                <a:spcPct val="100000"/>
+              </a:lnSpc>
+              <a:spcBef>
+                <a:spcPct val="0"/>
+              </a:spcBef>
+              <a:spcAft>
+                <a:spcPct val="0"/>
+              </a:spcAft>
+              <a:buClrTx/>
+              <a:buSzTx/>
+              <a:buFontTx/>
+              <a:buNone/>
+              <a:tabLst/>
+            </a:pPr>
+            <a:endParaRPr kumimoji="0" lang="en-US" altLang="en-US" b="1" i="0" u="none" strike="noStrike" cap="none" normalizeH="0" baseline="0" dirty="0">
+              <a:ln>
+                <a:noFill/>
+              </a:ln>
+              <a:solidFill>
+                <a:srgbClr val="0D0D0D"/>
+              </a:solidFill>
+              <a:effectLst/>
+              <a:latin typeface="Söhne"/>
+            </a:endParaRPr>
+          </a:p>
+        </p:txBody>
+      </p:sp>
+      <p:sp>
+        <p:nvSpPr>
+          <p:cNvPr id="14" name="Rectangle 13">
+            <a:extLst>
+              <a:ext uri="{FF2B5EF4-FFF2-40B4-BE49-F238E27FC236}">
+                <a16:creationId xmlns:a16="http://schemas.microsoft.com/office/drawing/2014/main" id="{FD44E5A0-C29D-DBF5-B911-1E5670ED6F69}"/>
+              </a:ext>
+            </a:extLst>
+          </p:cNvPr>
+          <p:cNvSpPr/>
+          <p:nvPr/>
+        </p:nvSpPr>
+        <p:spPr>
+          <a:xfrm>
+            <a:off x="420624" y="1005840"/>
+            <a:ext cx="11338560" cy="5605532"/>
+          </a:xfrm>
+          <a:prstGeom prst="rect">
+            <a:avLst/>
+          </a:prstGeom>
+          <a:noFill/>
+          <a:ln w="9525" cap="flat" cmpd="sng" algn="ctr">
+            <a:solidFill>
+              <a:schemeClr val="accent3"/>
+            </a:solidFill>
+            <a:prstDash val="solid"/>
+            <a:round/>
+            <a:headEnd type="none" w="med" len="med"/>
+            <a:tailEnd type="none" w="med" len="med"/>
+          </a:ln>
+        </p:spPr>
+        <p:style>
+          <a:lnRef idx="0">
+            <a:scrgbClr r="0" g="0" b="0"/>
+          </a:lnRef>
+          <a:fillRef idx="0">
+            <a:scrgbClr r="0" g="0" b="0"/>
+          </a:fillRef>
+          <a:effectRef idx="0">
+            <a:scrgbClr r="0" g="0" b="0"/>
+          </a:effectRef>
+          <a:fontRef idx="minor">
+            <a:schemeClr val="accent3"/>
+          </a:fontRef>
+        </p:style>
+        <p:txBody>
+          <a:bodyPr rtlCol="0" anchor="ctr"/>
+          <a:lstStyle/>
+          <a:p>
+            <a:pPr algn="ctr"/>
+            <a:endParaRPr lang="en-IN"/>
+          </a:p>
+        </p:txBody>
+      </p:sp>
+      <p:sp>
+        <p:nvSpPr>
+          <p:cNvPr id="4" name="Rectangle 1">
+            <a:extLst>
+              <a:ext uri="{FF2B5EF4-FFF2-40B4-BE49-F238E27FC236}">
+                <a16:creationId xmlns:a16="http://schemas.microsoft.com/office/drawing/2014/main" id="{19E276DD-B16E-781E-E3D4-A0DA68978433}"/>
+              </a:ext>
+            </a:extLst>
+          </p:cNvPr>
+          <p:cNvSpPr>
+            <a:spLocks noChangeArrowheads="1"/>
+          </p:cNvSpPr>
+          <p:nvPr/>
+        </p:nvSpPr>
+        <p:spPr bwMode="auto">
+          <a:xfrm>
+            <a:off x="1709928" y="4014402"/>
+            <a:ext cx="65" cy="677623"/>
+          </a:xfrm>
+          <a:prstGeom prst="rect">
+            <a:avLst/>
+          </a:prstGeom>
+          <a:solidFill>
+            <a:srgbClr val="FFFFFF"/>
+          </a:solidFill>
+          <a:ln>
+            <a:noFill/>
+          </a:ln>
+          <a:effectLst/>
+          <a:extLst>
+            <a:ext uri="{91240B29-F687-4F45-9708-019B960494DF}">
+              <a14:hiddenLine xmlns:a14="http://schemas.microsoft.com/office/drawing/2010/main" w="9525">
+                <a:solidFill>
+                  <a:schemeClr val="tx1"/>
+                </a:solidFill>
+                <a:miter lim="800000"/>
+                <a:headEnd/>
+                <a:tailEnd/>
+              </a14:hiddenLine>
+            </a:ext>
+            <a:ext uri="{AF507438-7753-43E0-B8FC-AC1667EBCBE1}">
+              <a14:hiddenEffects xmlns:a14="http://schemas.microsoft.com/office/drawing/2010/main">
+                <a:effectLst>
+                  <a:outerShdw dist="35921" dir="2700000" algn="ctr" rotWithShape="0">
+                    <a:schemeClr val="bg2"/>
+                  </a:outerShdw>
+                </a:effectLst>
+              </a14:hiddenEffects>
+            </a:ext>
+          </a:extLst>
+        </p:spPr>
+        <p:txBody>
+          <a:bodyPr vert="horz" wrap="none" lIns="0" tIns="198375" rIns="0" bIns="198375" numCol="1" anchor="ctr" anchorCtr="0" compatLnSpc="1">
+            <a:prstTxWarp prst="textNoShape">
+              <a:avLst/>
+            </a:prstTxWarp>
+            <a:spAutoFit/>
+          </a:bodyPr>
+          <a:lstStyle>
+            <a:lvl1pPr eaLnBrk="0" fontAlgn="base" hangingPunct="0">
+              <a:spcBef>
+                <a:spcPct val="0"/>
+              </a:spcBef>
+              <a:spcAft>
+                <a:spcPct val="0"/>
+              </a:spcAft>
+              <a:defRPr>
+                <a:solidFill>
+                  <a:schemeClr val="tx1"/>
+                </a:solidFill>
+                <a:latin typeface="Arial" panose="020B0604020202020204" pitchFamily="34" charset="0"/>
+              </a:defRPr>
+            </a:lvl1pPr>
+            <a:lvl2pPr eaLnBrk="0" fontAlgn="base" hangingPunct="0">
+              <a:spcBef>
+                <a:spcPct val="0"/>
+              </a:spcBef>
+              <a:spcAft>
+                <a:spcPct val="0"/>
+              </a:spcAft>
+              <a:defRPr>
+                <a:solidFill>
+                  <a:schemeClr val="tx1"/>
+                </a:solidFill>
+                <a:latin typeface="Arial" panose="020B0604020202020204" pitchFamily="34" charset="0"/>
+              </a:defRPr>
+            </a:lvl2pPr>
+            <a:lvl3pPr eaLnBrk="0" fontAlgn="base" hangingPunct="0">
+              <a:spcBef>
+                <a:spcPct val="0"/>
+              </a:spcBef>
+              <a:spcAft>
+                <a:spcPct val="0"/>
+              </a:spcAft>
+              <a:defRPr>
+                <a:solidFill>
+                  <a:schemeClr val="tx1"/>
+                </a:solidFill>
+                <a:latin typeface="Arial" panose="020B0604020202020204" pitchFamily="34" charset="0"/>
+              </a:defRPr>
+            </a:lvl3pPr>
+            <a:lvl4pPr eaLnBrk="0" fontAlgn="base" hangingPunct="0">
+              <a:spcBef>
+                <a:spcPct val="0"/>
+              </a:spcBef>
+              <a:spcAft>
+                <a:spcPct val="0"/>
+              </a:spcAft>
+              <a:defRPr>
+                <a:solidFill>
+                  <a:schemeClr val="tx1"/>
+                </a:solidFill>
+                <a:latin typeface="Arial" panose="020B0604020202020204" pitchFamily="34" charset="0"/>
+              </a:defRPr>
+            </a:lvl4pPr>
+            <a:lvl5pPr eaLnBrk="0" fontAlgn="base" hangingPunct="0">
+              <a:spcBef>
+                <a:spcPct val="0"/>
+              </a:spcBef>
+              <a:spcAft>
+                <a:spcPct val="0"/>
+              </a:spcAft>
+              <a:defRPr>
+                <a:solidFill>
+                  <a:schemeClr val="tx1"/>
+                </a:solidFill>
+                <a:latin typeface="Arial" panose="020B0604020202020204" pitchFamily="34" charset="0"/>
+              </a:defRPr>
+            </a:lvl5pPr>
+            <a:lvl6pPr eaLnBrk="0" fontAlgn="base" hangingPunct="0">
+              <a:spcBef>
+                <a:spcPct val="0"/>
+              </a:spcBef>
+              <a:spcAft>
+                <a:spcPct val="0"/>
+              </a:spcAft>
+              <a:defRPr>
+                <a:solidFill>
+                  <a:schemeClr val="tx1"/>
+                </a:solidFill>
+                <a:latin typeface="Arial" panose="020B0604020202020204" pitchFamily="34" charset="0"/>
+              </a:defRPr>
+            </a:lvl6pPr>
+            <a:lvl7pPr eaLnBrk="0" fontAlgn="base" hangingPunct="0">
+              <a:spcBef>
+                <a:spcPct val="0"/>
+              </a:spcBef>
+              <a:spcAft>
+                <a:spcPct val="0"/>
+              </a:spcAft>
+              <a:defRPr>
+                <a:solidFill>
+                  <a:schemeClr val="tx1"/>
+                </a:solidFill>
+                <a:latin typeface="Arial" panose="020B0604020202020204" pitchFamily="34" charset="0"/>
+              </a:defRPr>
+            </a:lvl7pPr>
+            <a:lvl8pPr eaLnBrk="0" fontAlgn="base" hangingPunct="0">
+              <a:spcBef>
+                <a:spcPct val="0"/>
+              </a:spcBef>
+              <a:spcAft>
+                <a:spcPct val="0"/>
+              </a:spcAft>
+              <a:defRPr>
+                <a:solidFill>
+                  <a:schemeClr val="tx1"/>
+                </a:solidFill>
+                <a:latin typeface="Arial" panose="020B0604020202020204" pitchFamily="34" charset="0"/>
+              </a:defRPr>
+            </a:lvl8pPr>
+            <a:lvl9pPr eaLnBrk="0" fontAlgn="base" hangingPunct="0">
+              <a:spcBef>
+                <a:spcPct val="0"/>
+              </a:spcBef>
+              <a:spcAft>
+                <a:spcPct val="0"/>
+              </a:spcAft>
+              <a:defRPr>
+                <a:solidFill>
+                  <a:schemeClr val="tx1"/>
+                </a:solidFill>
+                <a:latin typeface="Arial" panose="020B0604020202020204" pitchFamily="34" charset="0"/>
+              </a:defRPr>
+            </a:lvl9pPr>
+          </a:lstStyle>
+          <a:p>
+            <a:pPr marL="0" marR="0" lvl="0" indent="0" algn="l" defTabSz="914400" rtl="0" eaLnBrk="0" fontAlgn="base" latinLnBrk="0" hangingPunct="0">
+              <a:lnSpc>
+                <a:spcPct val="100000"/>
+              </a:lnSpc>
+              <a:spcBef>
+                <a:spcPct val="0"/>
+              </a:spcBef>
+              <a:spcAft>
+                <a:spcPct val="0"/>
+              </a:spcAft>
+              <a:buClrTx/>
+              <a:buSzTx/>
+              <a:buFontTx/>
+              <a:buNone/>
+              <a:tabLst/>
+            </a:pPr>
+            <a:endParaRPr kumimoji="0" lang="en-US" altLang="en-US" sz="1800" b="0" i="0" u="none" strike="noStrike" cap="none" normalizeH="0" baseline="0" dirty="0">
+              <a:ln>
+                <a:noFill/>
+              </a:ln>
+              <a:solidFill>
+                <a:schemeClr val="tx1"/>
+              </a:solidFill>
+              <a:effectLst/>
+              <a:latin typeface="Arial" panose="020B0604020202020204" pitchFamily="34" charset="0"/>
+            </a:endParaRPr>
+          </a:p>
+        </p:txBody>
+      </p:sp>
+      <p:sp>
+        <p:nvSpPr>
+          <p:cNvPr id="7" name="Rectangle 2">
+            <a:extLst>
+              <a:ext uri="{FF2B5EF4-FFF2-40B4-BE49-F238E27FC236}">
+                <a16:creationId xmlns:a16="http://schemas.microsoft.com/office/drawing/2014/main" id="{4212D838-640C-75D2-A8A7-BAD21E5F432F}"/>
+              </a:ext>
+            </a:extLst>
+          </p:cNvPr>
+          <p:cNvSpPr>
+            <a:spLocks noChangeArrowheads="1"/>
+          </p:cNvSpPr>
+          <p:nvPr/>
+        </p:nvSpPr>
+        <p:spPr bwMode="auto">
+          <a:xfrm>
+            <a:off x="1161288" y="4993294"/>
+            <a:ext cx="65" cy="677623"/>
+          </a:xfrm>
+          <a:prstGeom prst="rect">
+            <a:avLst/>
+          </a:prstGeom>
+          <a:solidFill>
+            <a:srgbClr val="FFFFFF"/>
+          </a:solidFill>
+          <a:ln>
+            <a:noFill/>
+          </a:ln>
+          <a:effectLst/>
+          <a:extLst>
+            <a:ext uri="{91240B29-F687-4F45-9708-019B960494DF}">
+              <a14:hiddenLine xmlns:a14="http://schemas.microsoft.com/office/drawing/2010/main" w="9525">
+                <a:solidFill>
+                  <a:schemeClr val="tx1"/>
+                </a:solidFill>
+                <a:miter lim="800000"/>
+                <a:headEnd/>
+                <a:tailEnd/>
+              </a14:hiddenLine>
+            </a:ext>
+            <a:ext uri="{AF507438-7753-43E0-B8FC-AC1667EBCBE1}">
+              <a14:hiddenEffects xmlns:a14="http://schemas.microsoft.com/office/drawing/2010/main">
+                <a:effectLst>
+                  <a:outerShdw dist="35921" dir="2700000" algn="ctr" rotWithShape="0">
+                    <a:schemeClr val="bg2"/>
+                  </a:outerShdw>
+                </a:effectLst>
+              </a14:hiddenEffects>
+            </a:ext>
+          </a:extLst>
+        </p:spPr>
+        <p:txBody>
+          <a:bodyPr vert="horz" wrap="none" lIns="0" tIns="198375" rIns="0" bIns="198375" numCol="1" anchor="ctr" anchorCtr="0" compatLnSpc="1">
+            <a:prstTxWarp prst="textNoShape">
+              <a:avLst/>
+            </a:prstTxWarp>
+            <a:spAutoFit/>
+          </a:bodyPr>
+          <a:lstStyle/>
+          <a:p>
+            <a:pPr marL="0" marR="0" lvl="0" indent="0" algn="l" defTabSz="914400" rtl="0" eaLnBrk="0" fontAlgn="base" latinLnBrk="0" hangingPunct="0">
+              <a:lnSpc>
+                <a:spcPct val="100000"/>
+              </a:lnSpc>
+              <a:spcBef>
+                <a:spcPct val="0"/>
+              </a:spcBef>
+              <a:spcAft>
+                <a:spcPct val="0"/>
+              </a:spcAft>
+              <a:buClrTx/>
+              <a:buSzTx/>
+              <a:buFontTx/>
+              <a:buNone/>
+              <a:tabLst/>
+            </a:pPr>
+            <a:endParaRPr kumimoji="0" lang="en-US" altLang="en-US" sz="1800" b="0" i="0" u="none" strike="noStrike" cap="none" normalizeH="0" baseline="0" dirty="0">
+              <a:ln>
+                <a:noFill/>
+              </a:ln>
+              <a:solidFill>
+                <a:schemeClr val="tx1"/>
+              </a:solidFill>
+              <a:effectLst/>
+              <a:latin typeface="Arial" panose="020B0604020202020204" pitchFamily="34" charset="0"/>
+            </a:endParaRPr>
+          </a:p>
+        </p:txBody>
+      </p:sp>
+    </p:spTree>
+    <p:extLst>
+      <p:ext uri="{BB962C8B-B14F-4D97-AF65-F5344CB8AC3E}">
+        <p14:creationId xmlns:p14="http://schemas.microsoft.com/office/powerpoint/2010/main" val="2879033924"/>
+      </p:ext>
+    </p:extLst>
+  </p:cSld>
+  <p:clrMapOvr>
+    <a:masterClrMapping/>
+  </p:clrMapOvr>
+</p:sld>
+</file>
+
+<file path=ppt/slides/slide16.xml><?xml version="1.0" encoding="utf-8"?>
+<p:sld xmlns:a="http://schemas.openxmlformats.org/drawingml/2006/main" xmlns:r="http://schemas.openxmlformats.org/officeDocument/2006/relationships" xmlns:p="http://schemas.openxmlformats.org/presentationml/2006/main">
+  <p:cSld>
+    <p:spTree>
+      <p:nvGrpSpPr>
+        <p:cNvPr id="1" name=""/>
+        <p:cNvGrpSpPr/>
+        <p:nvPr/>
+      </p:nvGrpSpPr>
+      <p:grpSpPr>
+        <a:xfrm>
+          <a:off x="0" y="0"/>
+          <a:ext cx="0" cy="0"/>
+          <a:chOff x="0" y="0"/>
+          <a:chExt cx="0" cy="0"/>
+        </a:xfrm>
+      </p:grpSpPr>
+      <p:sp>
+        <p:nvSpPr>
+          <p:cNvPr id="2" name="TextBox 1">
+            <a:extLst>
+              <a:ext uri="{FF2B5EF4-FFF2-40B4-BE49-F238E27FC236}">
+                <a16:creationId xmlns:a16="http://schemas.microsoft.com/office/drawing/2014/main" id="{2C265965-136C-12A1-055A-8C1D00DA0493}"/>
+              </a:ext>
+            </a:extLst>
+          </p:cNvPr>
+          <p:cNvSpPr txBox="1"/>
+          <p:nvPr/>
+        </p:nvSpPr>
+        <p:spPr>
+          <a:xfrm>
+            <a:off x="3945036" y="79866"/>
+            <a:ext cx="4613748" cy="646331"/>
+          </a:xfrm>
+          <a:prstGeom prst="rect">
+            <a:avLst/>
+          </a:prstGeom>
+          <a:noFill/>
+        </p:spPr>
+        <p:txBody>
+          <a:bodyPr wrap="square" rtlCol="0">
+            <a:spAutoFit/>
+          </a:bodyPr>
+          <a:lstStyle/>
+          <a:p>
+            <a:r>
+              <a:rPr lang="en-IN" dirty="0"/>
+              <a:t>Update the Cache of the CloudFront distribution </a:t>
+            </a:r>
+          </a:p>
+        </p:txBody>
+      </p:sp>
+      <p:sp>
+        <p:nvSpPr>
+          <p:cNvPr id="3" name="Rectangle 2">
+            <a:extLst>
+              <a:ext uri="{FF2B5EF4-FFF2-40B4-BE49-F238E27FC236}">
+                <a16:creationId xmlns:a16="http://schemas.microsoft.com/office/drawing/2014/main" id="{A6AE37A1-9329-E66A-748C-E67F9664C20D}"/>
+              </a:ext>
+            </a:extLst>
+          </p:cNvPr>
+          <p:cNvSpPr/>
+          <p:nvPr/>
+        </p:nvSpPr>
+        <p:spPr>
+          <a:xfrm>
+            <a:off x="3502165" y="94154"/>
+            <a:ext cx="4613747" cy="751564"/>
+          </a:xfrm>
+          <a:prstGeom prst="rect">
+            <a:avLst/>
+          </a:prstGeom>
+          <a:solidFill>
+            <a:schemeClr val="accent4">
+              <a:alpha val="50000"/>
+            </a:schemeClr>
+          </a:solidFill>
+          <a:ln>
+            <a:noFill/>
+          </a:ln>
+        </p:spPr>
+        <p:style>
+          <a:lnRef idx="0">
+            <a:scrgbClr r="0" g="0" b="0"/>
+          </a:lnRef>
+          <a:fillRef idx="0">
+            <a:scrgbClr r="0" g="0" b="0"/>
+          </a:fillRef>
+          <a:effectRef idx="0">
+            <a:scrgbClr r="0" g="0" b="0"/>
+          </a:effectRef>
+          <a:fontRef idx="minor">
+            <a:schemeClr val="lt1"/>
+          </a:fontRef>
+        </p:style>
+        <p:txBody>
+          <a:bodyPr rtlCol="0" anchor="ctr"/>
+          <a:lstStyle/>
+          <a:p>
+            <a:pPr algn="ctr"/>
+            <a:endParaRPr lang="en-IN" dirty="0"/>
+          </a:p>
+        </p:txBody>
+      </p:sp>
+      <p:sp>
+        <p:nvSpPr>
+          <p:cNvPr id="5" name="TextBox 4">
+            <a:extLst>
+              <a:ext uri="{FF2B5EF4-FFF2-40B4-BE49-F238E27FC236}">
+                <a16:creationId xmlns:a16="http://schemas.microsoft.com/office/drawing/2014/main" id="{9B9BD926-67D0-13C2-0B17-058C1A4DD430}"/>
+              </a:ext>
+            </a:extLst>
+          </p:cNvPr>
+          <p:cNvSpPr txBox="1"/>
+          <p:nvPr/>
+        </p:nvSpPr>
+        <p:spPr>
+          <a:xfrm>
+            <a:off x="605254" y="1121787"/>
+            <a:ext cx="11045750" cy="369332"/>
+          </a:xfrm>
+          <a:prstGeom prst="rect">
+            <a:avLst/>
+          </a:prstGeom>
+          <a:noFill/>
+        </p:spPr>
+        <p:txBody>
+          <a:bodyPr wrap="square">
+            <a:spAutoFit/>
+          </a:bodyPr>
+          <a:lstStyle/>
+          <a:p>
+            <a:pPr algn="l"/>
+            <a:r>
+              <a:rPr lang="en-US" b="1" dirty="0">
+                <a:solidFill>
+                  <a:srgbClr val="0D0D0D"/>
+                </a:solidFill>
+                <a:highlight>
+                  <a:srgbClr val="FFFFFF"/>
+                </a:highlight>
+                <a:latin typeface="Segoe UI" panose="020B0502040204020203" pitchFamily="34" charset="0"/>
+                <a:cs typeface="Segoe UI" panose="020B0502040204020203" pitchFamily="34" charset="0"/>
+              </a:rPr>
+              <a:t>Step - </a:t>
+            </a:r>
+            <a:r>
+              <a:rPr lang="en-US" b="1" i="0" dirty="0">
+                <a:solidFill>
+                  <a:srgbClr val="0D0D0D"/>
+                </a:solidFill>
+                <a:effectLst/>
+                <a:highlight>
+                  <a:srgbClr val="FFFFFF"/>
+                </a:highlight>
+                <a:latin typeface="Segoe UI" panose="020B0502040204020203" pitchFamily="34" charset="0"/>
+                <a:cs typeface="Segoe UI" panose="020B0502040204020203" pitchFamily="34" charset="0"/>
+              </a:rPr>
+              <a:t>Configure IAM Roles and Permissions – More detailing…</a:t>
+            </a:r>
+          </a:p>
+        </p:txBody>
+      </p:sp>
+      <p:sp>
+        <p:nvSpPr>
+          <p:cNvPr id="6" name="TextBox 5">
+            <a:extLst>
+              <a:ext uri="{FF2B5EF4-FFF2-40B4-BE49-F238E27FC236}">
+                <a16:creationId xmlns:a16="http://schemas.microsoft.com/office/drawing/2014/main" id="{14EF05AD-D727-73CC-566A-C0AD0321C4A1}"/>
+              </a:ext>
+            </a:extLst>
+          </p:cNvPr>
+          <p:cNvSpPr txBox="1"/>
+          <p:nvPr/>
+        </p:nvSpPr>
+        <p:spPr>
+          <a:xfrm>
+            <a:off x="605254" y="1533059"/>
+            <a:ext cx="10943618" cy="2542363"/>
+          </a:xfrm>
+          <a:prstGeom prst="rect">
+            <a:avLst/>
+          </a:prstGeom>
+          <a:noFill/>
+        </p:spPr>
+        <p:txBody>
+          <a:bodyPr wrap="square">
+            <a:spAutoFit/>
+          </a:bodyPr>
+          <a:lstStyle/>
+          <a:p>
+            <a:pPr marL="0" marR="0" lvl="0" indent="0" algn="l" defTabSz="914400" rtl="0" eaLnBrk="0" fontAlgn="base" latinLnBrk="0" hangingPunct="0">
+              <a:lnSpc>
+                <a:spcPct val="100000"/>
+              </a:lnSpc>
+              <a:spcBef>
+                <a:spcPct val="0"/>
+              </a:spcBef>
+              <a:spcAft>
+                <a:spcPct val="0"/>
+              </a:spcAft>
+              <a:buClrTx/>
+              <a:buSzTx/>
+              <a:buFontTx/>
+              <a:buNone/>
+              <a:tabLst/>
+            </a:pPr>
+            <a:r>
+              <a:rPr kumimoji="0" lang="en-US" altLang="en-US" sz="1800" b="1" i="0" u="none" strike="noStrike" cap="none" normalizeH="0" baseline="0" dirty="0">
+                <a:ln>
+                  <a:noFill/>
+                </a:ln>
+                <a:solidFill>
+                  <a:srgbClr val="0D0D0D"/>
+                </a:solidFill>
+                <a:effectLst/>
+                <a:latin typeface="Söhne"/>
+              </a:rPr>
+              <a:t>E. Example of a Custom Policy (Optional)</a:t>
+            </a:r>
+          </a:p>
+          <a:p>
+            <a:pPr marL="0" marR="0" lvl="0" indent="0" algn="l" defTabSz="914400" rtl="0" eaLnBrk="0" fontAlgn="base" latinLnBrk="0" hangingPunct="0">
+              <a:lnSpc>
+                <a:spcPct val="100000"/>
+              </a:lnSpc>
+              <a:spcBef>
+                <a:spcPct val="0"/>
+              </a:spcBef>
+              <a:spcAft>
+                <a:spcPct val="0"/>
+              </a:spcAft>
+              <a:buClrTx/>
+              <a:buSzTx/>
+              <a:buFontTx/>
+              <a:buNone/>
+              <a:tabLst/>
+            </a:pPr>
+            <a:r>
+              <a:rPr kumimoji="0" lang="en-US" altLang="en-US" sz="1800" b="0" i="0" u="none" strike="noStrike" cap="none" normalizeH="0" baseline="0" dirty="0">
+                <a:ln>
+                  <a:noFill/>
+                </a:ln>
+                <a:solidFill>
+                  <a:srgbClr val="0D0D0D"/>
+                </a:solidFill>
+                <a:effectLst/>
+                <a:latin typeface="Söhne"/>
+              </a:rPr>
+              <a:t>If you prefer to create a custom policy for more granular permissions, especially limiting the role to only invalidate CloudFront distributions rather than full access, you can create a custom policy:</a:t>
+            </a:r>
+            <a:endParaRPr kumimoji="0" lang="en-US" altLang="en-US" sz="1050" b="0" i="0" u="none" strike="noStrike" cap="none" normalizeH="0" baseline="0" dirty="0">
+              <a:ln>
+                <a:noFill/>
+              </a:ln>
+              <a:solidFill>
+                <a:schemeClr val="tx1"/>
+              </a:solidFill>
+              <a:effectLst/>
+            </a:endParaRPr>
+          </a:p>
+          <a:p>
+            <a:pPr marL="342900" marR="0" lvl="0" indent="-342900" algn="l" defTabSz="914400" rtl="0" eaLnBrk="0" fontAlgn="base" latinLnBrk="0" hangingPunct="0">
+              <a:lnSpc>
+                <a:spcPct val="150000"/>
+              </a:lnSpc>
+              <a:spcBef>
+                <a:spcPct val="0"/>
+              </a:spcBef>
+              <a:spcAft>
+                <a:spcPct val="0"/>
+              </a:spcAft>
+              <a:buClrTx/>
+              <a:buSzTx/>
+              <a:buFont typeface="+mj-lt"/>
+              <a:buAutoNum type="arabicPeriod"/>
+              <a:tabLst/>
+            </a:pPr>
+            <a:r>
+              <a:rPr kumimoji="0" lang="en-US" altLang="en-US" sz="1800" b="0" i="0" u="none" strike="noStrike" cap="none" normalizeH="0" baseline="0" dirty="0">
+                <a:ln>
+                  <a:noFill/>
+                </a:ln>
+                <a:solidFill>
+                  <a:srgbClr val="0D0D0D"/>
+                </a:solidFill>
+                <a:effectLst/>
+                <a:latin typeface="Söhne"/>
+              </a:rPr>
+              <a:t>Go back to the main IAM dashboard and select </a:t>
+            </a:r>
+            <a:r>
+              <a:rPr kumimoji="0" lang="en-US" altLang="en-US" sz="1800" b="1" i="0" u="none" strike="noStrike" cap="none" normalizeH="0" baseline="0" dirty="0">
+                <a:ln>
+                  <a:noFill/>
+                </a:ln>
+                <a:solidFill>
+                  <a:srgbClr val="0D0D0D"/>
+                </a:solidFill>
+                <a:effectLst/>
+                <a:latin typeface="Söhne"/>
+              </a:rPr>
+              <a:t>Policies</a:t>
+            </a:r>
+            <a:r>
+              <a:rPr kumimoji="0" lang="en-US" altLang="en-US" sz="1800" b="0" i="0" u="none" strike="noStrike" cap="none" normalizeH="0" baseline="0" dirty="0">
+                <a:ln>
+                  <a:noFill/>
+                </a:ln>
+                <a:solidFill>
+                  <a:srgbClr val="0D0D0D"/>
+                </a:solidFill>
+                <a:effectLst/>
+                <a:latin typeface="Söhne"/>
+              </a:rPr>
+              <a:t>.</a:t>
+            </a:r>
+          </a:p>
+          <a:p>
+            <a:pPr marL="342900" marR="0" lvl="0" indent="-342900" algn="l" defTabSz="914400" rtl="0" eaLnBrk="0" fontAlgn="base" latinLnBrk="0" hangingPunct="0">
+              <a:lnSpc>
+                <a:spcPct val="150000"/>
+              </a:lnSpc>
+              <a:spcBef>
+                <a:spcPct val="0"/>
+              </a:spcBef>
+              <a:spcAft>
+                <a:spcPct val="0"/>
+              </a:spcAft>
+              <a:buClrTx/>
+              <a:buSzTx/>
+              <a:buFont typeface="+mj-lt"/>
+              <a:buAutoNum type="arabicPeriod"/>
+              <a:tabLst/>
+            </a:pPr>
+            <a:r>
+              <a:rPr kumimoji="0" lang="en-US" altLang="en-US" sz="1800" b="0" i="0" u="none" strike="noStrike" cap="none" normalizeH="0" baseline="0" dirty="0">
+                <a:ln>
+                  <a:noFill/>
+                </a:ln>
+                <a:solidFill>
+                  <a:srgbClr val="0D0D0D"/>
+                </a:solidFill>
+                <a:effectLst/>
+                <a:latin typeface="Söhne"/>
+              </a:rPr>
+              <a:t>Click </a:t>
+            </a:r>
+            <a:r>
+              <a:rPr kumimoji="0" lang="en-US" altLang="en-US" sz="1800" b="1" i="0" u="none" strike="noStrike" cap="none" normalizeH="0" baseline="0" dirty="0">
+                <a:ln>
+                  <a:noFill/>
+                </a:ln>
+                <a:solidFill>
+                  <a:srgbClr val="0D0D0D"/>
+                </a:solidFill>
+                <a:effectLst/>
+                <a:latin typeface="Söhne"/>
+              </a:rPr>
+              <a:t>Create policy</a:t>
+            </a:r>
+            <a:r>
+              <a:rPr kumimoji="0" lang="en-US" altLang="en-US" sz="1800" b="0" i="0" u="none" strike="noStrike" cap="none" normalizeH="0" baseline="0" dirty="0">
+                <a:ln>
+                  <a:noFill/>
+                </a:ln>
+                <a:solidFill>
+                  <a:srgbClr val="0D0D0D"/>
+                </a:solidFill>
+                <a:effectLst/>
+                <a:latin typeface="Söhne"/>
+              </a:rPr>
+              <a:t>.</a:t>
+            </a:r>
+          </a:p>
+          <a:p>
+            <a:pPr marL="342900" marR="0" lvl="0" indent="-342900" algn="l" defTabSz="914400" rtl="0" eaLnBrk="0" fontAlgn="base" latinLnBrk="0" hangingPunct="0">
+              <a:lnSpc>
+                <a:spcPct val="150000"/>
+              </a:lnSpc>
+              <a:spcBef>
+                <a:spcPct val="0"/>
+              </a:spcBef>
+              <a:spcAft>
+                <a:spcPct val="0"/>
+              </a:spcAft>
+              <a:buClrTx/>
+              <a:buSzTx/>
+              <a:buFont typeface="+mj-lt"/>
+              <a:buAutoNum type="arabicPeriod"/>
+              <a:tabLst/>
+            </a:pPr>
+            <a:r>
+              <a:rPr kumimoji="0" lang="en-US" altLang="en-US" sz="1800" b="0" i="0" u="none" strike="noStrike" cap="none" normalizeH="0" baseline="0" dirty="0">
+                <a:ln>
+                  <a:noFill/>
+                </a:ln>
+                <a:solidFill>
+                  <a:srgbClr val="0D0D0D"/>
+                </a:solidFill>
+                <a:effectLst/>
+                <a:latin typeface="Söhne"/>
+              </a:rPr>
+              <a:t>Go to the </a:t>
+            </a:r>
+            <a:r>
+              <a:rPr kumimoji="0" lang="en-US" altLang="en-US" sz="1800" b="1" i="0" u="none" strike="noStrike" cap="none" normalizeH="0" baseline="0" dirty="0">
+                <a:ln>
+                  <a:noFill/>
+                </a:ln>
+                <a:solidFill>
+                  <a:srgbClr val="0D0D0D"/>
+                </a:solidFill>
+                <a:effectLst/>
+                <a:latin typeface="Söhne"/>
+              </a:rPr>
+              <a:t>JSON</a:t>
+            </a:r>
+            <a:r>
+              <a:rPr kumimoji="0" lang="en-US" altLang="en-US" sz="1800" b="0" i="0" u="none" strike="noStrike" cap="none" normalizeH="0" baseline="0" dirty="0">
+                <a:ln>
+                  <a:noFill/>
+                </a:ln>
+                <a:solidFill>
+                  <a:srgbClr val="0D0D0D"/>
+                </a:solidFill>
+                <a:effectLst/>
+                <a:latin typeface="Söhne"/>
+              </a:rPr>
+              <a:t> tab and enter the following policy, replacing </a:t>
+            </a:r>
+            <a:r>
+              <a:rPr kumimoji="0" lang="en-US" altLang="en-US" b="1" i="0" u="none" strike="noStrike" cap="none" normalizeH="0" baseline="0" dirty="0">
+                <a:ln>
+                  <a:noFill/>
+                </a:ln>
+                <a:solidFill>
+                  <a:srgbClr val="0D0D0D"/>
+                </a:solidFill>
+                <a:effectLst/>
+                <a:latin typeface="Söhne Mono"/>
+              </a:rPr>
+              <a:t>YOUR_DISTRIBUTION_ID</a:t>
+            </a:r>
+            <a:r>
+              <a:rPr kumimoji="0" lang="en-US" altLang="en-US" sz="1800" b="0" i="0" u="none" strike="noStrike" cap="none" normalizeH="0" baseline="0" dirty="0">
+                <a:ln>
+                  <a:noFill/>
+                </a:ln>
+                <a:solidFill>
+                  <a:srgbClr val="0D0D0D"/>
+                </a:solidFill>
+                <a:effectLst/>
+                <a:latin typeface="Söhne"/>
+              </a:rPr>
+              <a:t> with your actual CloudFront distribution ID:</a:t>
+            </a:r>
+            <a:endParaRPr kumimoji="0" lang="en-US" altLang="en-US" b="1" i="0" u="none" strike="noStrike" cap="none" normalizeH="0" baseline="0" dirty="0">
+              <a:ln>
+                <a:noFill/>
+              </a:ln>
+              <a:solidFill>
+                <a:srgbClr val="0D0D0D"/>
+              </a:solidFill>
+              <a:effectLst/>
+              <a:latin typeface="Söhne"/>
+            </a:endParaRPr>
+          </a:p>
+        </p:txBody>
+      </p:sp>
+      <p:sp>
+        <p:nvSpPr>
+          <p:cNvPr id="14" name="Rectangle 13">
+            <a:extLst>
+              <a:ext uri="{FF2B5EF4-FFF2-40B4-BE49-F238E27FC236}">
+                <a16:creationId xmlns:a16="http://schemas.microsoft.com/office/drawing/2014/main" id="{FD44E5A0-C29D-DBF5-B911-1E5670ED6F69}"/>
+              </a:ext>
+            </a:extLst>
+          </p:cNvPr>
+          <p:cNvSpPr/>
+          <p:nvPr/>
+        </p:nvSpPr>
+        <p:spPr>
+          <a:xfrm>
+            <a:off x="420624" y="1005840"/>
+            <a:ext cx="11338560" cy="5605532"/>
+          </a:xfrm>
+          <a:prstGeom prst="rect">
+            <a:avLst/>
+          </a:prstGeom>
+          <a:noFill/>
+          <a:ln w="9525" cap="flat" cmpd="sng" algn="ctr">
+            <a:solidFill>
+              <a:schemeClr val="accent3"/>
+            </a:solidFill>
+            <a:prstDash val="solid"/>
+            <a:round/>
+            <a:headEnd type="none" w="med" len="med"/>
+            <a:tailEnd type="none" w="med" len="med"/>
+          </a:ln>
+        </p:spPr>
+        <p:style>
+          <a:lnRef idx="0">
+            <a:scrgbClr r="0" g="0" b="0"/>
+          </a:lnRef>
+          <a:fillRef idx="0">
+            <a:scrgbClr r="0" g="0" b="0"/>
+          </a:fillRef>
+          <a:effectRef idx="0">
+            <a:scrgbClr r="0" g="0" b="0"/>
+          </a:effectRef>
+          <a:fontRef idx="minor">
+            <a:schemeClr val="accent3"/>
+          </a:fontRef>
+        </p:style>
+        <p:txBody>
+          <a:bodyPr rtlCol="0" anchor="ctr"/>
+          <a:lstStyle/>
+          <a:p>
+            <a:pPr algn="ctr"/>
+            <a:endParaRPr lang="en-IN"/>
+          </a:p>
+        </p:txBody>
+      </p:sp>
+      <p:sp>
+        <p:nvSpPr>
+          <p:cNvPr id="4" name="Rectangle 1">
+            <a:extLst>
+              <a:ext uri="{FF2B5EF4-FFF2-40B4-BE49-F238E27FC236}">
+                <a16:creationId xmlns:a16="http://schemas.microsoft.com/office/drawing/2014/main" id="{19E276DD-B16E-781E-E3D4-A0DA68978433}"/>
+              </a:ext>
+            </a:extLst>
+          </p:cNvPr>
+          <p:cNvSpPr>
+            <a:spLocks noChangeArrowheads="1"/>
+          </p:cNvSpPr>
+          <p:nvPr/>
+        </p:nvSpPr>
+        <p:spPr bwMode="auto">
+          <a:xfrm>
+            <a:off x="1709928" y="4014402"/>
+            <a:ext cx="65" cy="677623"/>
+          </a:xfrm>
+          <a:prstGeom prst="rect">
+            <a:avLst/>
+          </a:prstGeom>
+          <a:solidFill>
+            <a:srgbClr val="FFFFFF"/>
+          </a:solidFill>
+          <a:ln>
+            <a:noFill/>
+          </a:ln>
+          <a:effectLst/>
+          <a:extLst>
+            <a:ext uri="{91240B29-F687-4F45-9708-019B960494DF}">
+              <a14:hiddenLine xmlns:a14="http://schemas.microsoft.com/office/drawing/2010/main" w="9525">
+                <a:solidFill>
+                  <a:schemeClr val="tx1"/>
+                </a:solidFill>
+                <a:miter lim="800000"/>
+                <a:headEnd/>
+                <a:tailEnd/>
+              </a14:hiddenLine>
+            </a:ext>
+            <a:ext uri="{AF507438-7753-43E0-B8FC-AC1667EBCBE1}">
+              <a14:hiddenEffects xmlns:a14="http://schemas.microsoft.com/office/drawing/2010/main">
+                <a:effectLst>
+                  <a:outerShdw dist="35921" dir="2700000" algn="ctr" rotWithShape="0">
+                    <a:schemeClr val="bg2"/>
+                  </a:outerShdw>
+                </a:effectLst>
+              </a14:hiddenEffects>
+            </a:ext>
+          </a:extLst>
+        </p:spPr>
+        <p:txBody>
+          <a:bodyPr vert="horz" wrap="none" lIns="0" tIns="198375" rIns="0" bIns="198375" numCol="1" anchor="ctr" anchorCtr="0" compatLnSpc="1">
+            <a:prstTxWarp prst="textNoShape">
+              <a:avLst/>
+            </a:prstTxWarp>
+            <a:spAutoFit/>
+          </a:bodyPr>
+          <a:lstStyle>
+            <a:lvl1pPr eaLnBrk="0" fontAlgn="base" hangingPunct="0">
+              <a:spcBef>
+                <a:spcPct val="0"/>
+              </a:spcBef>
+              <a:spcAft>
+                <a:spcPct val="0"/>
+              </a:spcAft>
+              <a:defRPr>
+                <a:solidFill>
+                  <a:schemeClr val="tx1"/>
+                </a:solidFill>
+                <a:latin typeface="Arial" panose="020B0604020202020204" pitchFamily="34" charset="0"/>
+              </a:defRPr>
+            </a:lvl1pPr>
+            <a:lvl2pPr eaLnBrk="0" fontAlgn="base" hangingPunct="0">
+              <a:spcBef>
+                <a:spcPct val="0"/>
+              </a:spcBef>
+              <a:spcAft>
+                <a:spcPct val="0"/>
+              </a:spcAft>
+              <a:defRPr>
+                <a:solidFill>
+                  <a:schemeClr val="tx1"/>
+                </a:solidFill>
+                <a:latin typeface="Arial" panose="020B0604020202020204" pitchFamily="34" charset="0"/>
+              </a:defRPr>
+            </a:lvl2pPr>
+            <a:lvl3pPr eaLnBrk="0" fontAlgn="base" hangingPunct="0">
+              <a:spcBef>
+                <a:spcPct val="0"/>
+              </a:spcBef>
+              <a:spcAft>
+                <a:spcPct val="0"/>
+              </a:spcAft>
+              <a:defRPr>
+                <a:solidFill>
+                  <a:schemeClr val="tx1"/>
+                </a:solidFill>
+                <a:latin typeface="Arial" panose="020B0604020202020204" pitchFamily="34" charset="0"/>
+              </a:defRPr>
+            </a:lvl3pPr>
+            <a:lvl4pPr eaLnBrk="0" fontAlgn="base" hangingPunct="0">
+              <a:spcBef>
+                <a:spcPct val="0"/>
+              </a:spcBef>
+              <a:spcAft>
+                <a:spcPct val="0"/>
+              </a:spcAft>
+              <a:defRPr>
+                <a:solidFill>
+                  <a:schemeClr val="tx1"/>
+                </a:solidFill>
+                <a:latin typeface="Arial" panose="020B0604020202020204" pitchFamily="34" charset="0"/>
+              </a:defRPr>
+            </a:lvl4pPr>
+            <a:lvl5pPr eaLnBrk="0" fontAlgn="base" hangingPunct="0">
+              <a:spcBef>
+                <a:spcPct val="0"/>
+              </a:spcBef>
+              <a:spcAft>
+                <a:spcPct val="0"/>
+              </a:spcAft>
+              <a:defRPr>
+                <a:solidFill>
+                  <a:schemeClr val="tx1"/>
+                </a:solidFill>
+                <a:latin typeface="Arial" panose="020B0604020202020204" pitchFamily="34" charset="0"/>
+              </a:defRPr>
+            </a:lvl5pPr>
+            <a:lvl6pPr eaLnBrk="0" fontAlgn="base" hangingPunct="0">
+              <a:spcBef>
+                <a:spcPct val="0"/>
+              </a:spcBef>
+              <a:spcAft>
+                <a:spcPct val="0"/>
+              </a:spcAft>
+              <a:defRPr>
+                <a:solidFill>
+                  <a:schemeClr val="tx1"/>
+                </a:solidFill>
+                <a:latin typeface="Arial" panose="020B0604020202020204" pitchFamily="34" charset="0"/>
+              </a:defRPr>
+            </a:lvl6pPr>
+            <a:lvl7pPr eaLnBrk="0" fontAlgn="base" hangingPunct="0">
+              <a:spcBef>
+                <a:spcPct val="0"/>
+              </a:spcBef>
+              <a:spcAft>
+                <a:spcPct val="0"/>
+              </a:spcAft>
+              <a:defRPr>
+                <a:solidFill>
+                  <a:schemeClr val="tx1"/>
+                </a:solidFill>
+                <a:latin typeface="Arial" panose="020B0604020202020204" pitchFamily="34" charset="0"/>
+              </a:defRPr>
+            </a:lvl7pPr>
+            <a:lvl8pPr eaLnBrk="0" fontAlgn="base" hangingPunct="0">
+              <a:spcBef>
+                <a:spcPct val="0"/>
+              </a:spcBef>
+              <a:spcAft>
+                <a:spcPct val="0"/>
+              </a:spcAft>
+              <a:defRPr>
+                <a:solidFill>
+                  <a:schemeClr val="tx1"/>
+                </a:solidFill>
+                <a:latin typeface="Arial" panose="020B0604020202020204" pitchFamily="34" charset="0"/>
+              </a:defRPr>
+            </a:lvl8pPr>
+            <a:lvl9pPr eaLnBrk="0" fontAlgn="base" hangingPunct="0">
+              <a:spcBef>
+                <a:spcPct val="0"/>
+              </a:spcBef>
+              <a:spcAft>
+                <a:spcPct val="0"/>
+              </a:spcAft>
+              <a:defRPr>
+                <a:solidFill>
+                  <a:schemeClr val="tx1"/>
+                </a:solidFill>
+                <a:latin typeface="Arial" panose="020B0604020202020204" pitchFamily="34" charset="0"/>
+              </a:defRPr>
+            </a:lvl9pPr>
+          </a:lstStyle>
+          <a:p>
+            <a:pPr marL="0" marR="0" lvl="0" indent="0" algn="l" defTabSz="914400" rtl="0" eaLnBrk="0" fontAlgn="base" latinLnBrk="0" hangingPunct="0">
+              <a:lnSpc>
+                <a:spcPct val="100000"/>
+              </a:lnSpc>
+              <a:spcBef>
+                <a:spcPct val="0"/>
+              </a:spcBef>
+              <a:spcAft>
+                <a:spcPct val="0"/>
+              </a:spcAft>
+              <a:buClrTx/>
+              <a:buSzTx/>
+              <a:buFontTx/>
+              <a:buNone/>
+              <a:tabLst/>
+            </a:pPr>
+            <a:endParaRPr kumimoji="0" lang="en-US" altLang="en-US" sz="1800" b="0" i="0" u="none" strike="noStrike" cap="none" normalizeH="0" baseline="0" dirty="0">
+              <a:ln>
+                <a:noFill/>
+              </a:ln>
+              <a:solidFill>
+                <a:schemeClr val="tx1"/>
+              </a:solidFill>
+              <a:effectLst/>
+              <a:latin typeface="Arial" panose="020B0604020202020204" pitchFamily="34" charset="0"/>
+            </a:endParaRPr>
+          </a:p>
+        </p:txBody>
+      </p:sp>
+      <p:sp>
+        <p:nvSpPr>
+          <p:cNvPr id="7" name="Rectangle 2">
+            <a:extLst>
+              <a:ext uri="{FF2B5EF4-FFF2-40B4-BE49-F238E27FC236}">
+                <a16:creationId xmlns:a16="http://schemas.microsoft.com/office/drawing/2014/main" id="{4212D838-640C-75D2-A8A7-BAD21E5F432F}"/>
+              </a:ext>
+            </a:extLst>
+          </p:cNvPr>
+          <p:cNvSpPr>
+            <a:spLocks noChangeArrowheads="1"/>
+          </p:cNvSpPr>
+          <p:nvPr/>
+        </p:nvSpPr>
+        <p:spPr bwMode="auto">
+          <a:xfrm>
+            <a:off x="1161288" y="4993294"/>
+            <a:ext cx="65" cy="677623"/>
+          </a:xfrm>
+          <a:prstGeom prst="rect">
+            <a:avLst/>
+          </a:prstGeom>
+          <a:solidFill>
+            <a:srgbClr val="FFFFFF"/>
+          </a:solidFill>
+          <a:ln>
+            <a:noFill/>
+          </a:ln>
+          <a:effectLst/>
+          <a:extLst>
+            <a:ext uri="{91240B29-F687-4F45-9708-019B960494DF}">
+              <a14:hiddenLine xmlns:a14="http://schemas.microsoft.com/office/drawing/2010/main" w="9525">
+                <a:solidFill>
+                  <a:schemeClr val="tx1"/>
+                </a:solidFill>
+                <a:miter lim="800000"/>
+                <a:headEnd/>
+                <a:tailEnd/>
+              </a14:hiddenLine>
+            </a:ext>
+            <a:ext uri="{AF507438-7753-43E0-B8FC-AC1667EBCBE1}">
+              <a14:hiddenEffects xmlns:a14="http://schemas.microsoft.com/office/drawing/2010/main">
+                <a:effectLst>
+                  <a:outerShdw dist="35921" dir="2700000" algn="ctr" rotWithShape="0">
+                    <a:schemeClr val="bg2"/>
+                  </a:outerShdw>
+                </a:effectLst>
+              </a14:hiddenEffects>
+            </a:ext>
+          </a:extLst>
+        </p:spPr>
+        <p:txBody>
+          <a:bodyPr vert="horz" wrap="none" lIns="0" tIns="198375" rIns="0" bIns="198375" numCol="1" anchor="ctr" anchorCtr="0" compatLnSpc="1">
+            <a:prstTxWarp prst="textNoShape">
+              <a:avLst/>
+            </a:prstTxWarp>
+            <a:spAutoFit/>
+          </a:bodyPr>
+          <a:lstStyle/>
+          <a:p>
+            <a:pPr marL="0" marR="0" lvl="0" indent="0" algn="l" defTabSz="914400" rtl="0" eaLnBrk="0" fontAlgn="base" latinLnBrk="0" hangingPunct="0">
+              <a:lnSpc>
+                <a:spcPct val="100000"/>
+              </a:lnSpc>
+              <a:spcBef>
+                <a:spcPct val="0"/>
+              </a:spcBef>
+              <a:spcAft>
+                <a:spcPct val="0"/>
+              </a:spcAft>
+              <a:buClrTx/>
+              <a:buSzTx/>
+              <a:buFontTx/>
+              <a:buNone/>
+              <a:tabLst/>
+            </a:pPr>
+            <a:endParaRPr kumimoji="0" lang="en-US" altLang="en-US" sz="1800" b="0" i="0" u="none" strike="noStrike" cap="none" normalizeH="0" baseline="0" dirty="0">
+              <a:ln>
+                <a:noFill/>
+              </a:ln>
+              <a:solidFill>
+                <a:schemeClr val="tx1"/>
+              </a:solidFill>
+              <a:effectLst/>
+              <a:latin typeface="Arial" panose="020B0604020202020204" pitchFamily="34" charset="0"/>
+            </a:endParaRPr>
+          </a:p>
+        </p:txBody>
+      </p:sp>
+      <p:sp>
+        <p:nvSpPr>
+          <p:cNvPr id="8" name="Rectangle 1">
+            <a:extLst>
+              <a:ext uri="{FF2B5EF4-FFF2-40B4-BE49-F238E27FC236}">
+                <a16:creationId xmlns:a16="http://schemas.microsoft.com/office/drawing/2014/main" id="{35198FCE-29F4-61F9-0E43-02B3637622A9}"/>
+              </a:ext>
+            </a:extLst>
+          </p:cNvPr>
+          <p:cNvSpPr>
+            <a:spLocks noChangeArrowheads="1"/>
+          </p:cNvSpPr>
+          <p:nvPr/>
+        </p:nvSpPr>
+        <p:spPr bwMode="auto">
+          <a:xfrm>
+            <a:off x="1709928" y="2550953"/>
+            <a:ext cx="65" cy="585290"/>
+          </a:xfrm>
+          <a:prstGeom prst="rect">
+            <a:avLst/>
+          </a:prstGeom>
+          <a:solidFill>
+            <a:srgbClr val="FFFFFF"/>
+          </a:solidFill>
+          <a:ln>
+            <a:noFill/>
+          </a:ln>
+          <a:effectLst/>
+          <a:extLst>
+            <a:ext uri="{91240B29-F687-4F45-9708-019B960494DF}">
+              <a14:hiddenLine xmlns:a14="http://schemas.microsoft.com/office/drawing/2010/main" w="9525">
+                <a:solidFill>
+                  <a:schemeClr val="tx1"/>
+                </a:solidFill>
+                <a:miter lim="800000"/>
+                <a:headEnd/>
+                <a:tailEnd/>
+              </a14:hiddenLine>
+            </a:ext>
+            <a:ext uri="{AF507438-7753-43E0-B8FC-AC1667EBCBE1}">
+              <a14:hiddenEffects xmlns:a14="http://schemas.microsoft.com/office/drawing/2010/main">
+                <a:effectLst>
+                  <a:outerShdw dist="35921" dir="2700000" algn="ctr" rotWithShape="0">
+                    <a:schemeClr val="bg2"/>
+                  </a:outerShdw>
+                </a:effectLst>
+              </a14:hiddenEffects>
+            </a:ext>
+          </a:extLst>
+        </p:spPr>
+        <p:txBody>
+          <a:bodyPr vert="horz" wrap="none" lIns="0" tIns="198375" rIns="0" bIns="198375" numCol="1" anchor="ctr" anchorCtr="0" compatLnSpc="1">
+            <a:prstTxWarp prst="textNoShape">
+              <a:avLst/>
+            </a:prstTxWarp>
+            <a:spAutoFit/>
+          </a:bodyPr>
+          <a:lstStyle>
+            <a:lvl1pPr eaLnBrk="0" fontAlgn="base" hangingPunct="0">
+              <a:spcBef>
+                <a:spcPct val="0"/>
+              </a:spcBef>
+              <a:spcAft>
+                <a:spcPct val="0"/>
+              </a:spcAft>
+              <a:defRPr>
+                <a:solidFill>
+                  <a:schemeClr val="tx1"/>
+                </a:solidFill>
+                <a:latin typeface="Arial" panose="020B0604020202020204" pitchFamily="34" charset="0"/>
+              </a:defRPr>
+            </a:lvl1pPr>
+            <a:lvl2pPr eaLnBrk="0" fontAlgn="base" hangingPunct="0">
+              <a:spcBef>
+                <a:spcPct val="0"/>
+              </a:spcBef>
+              <a:spcAft>
+                <a:spcPct val="0"/>
+              </a:spcAft>
+              <a:defRPr>
+                <a:solidFill>
+                  <a:schemeClr val="tx1"/>
+                </a:solidFill>
+                <a:latin typeface="Arial" panose="020B0604020202020204" pitchFamily="34" charset="0"/>
+              </a:defRPr>
+            </a:lvl2pPr>
+            <a:lvl3pPr eaLnBrk="0" fontAlgn="base" hangingPunct="0">
+              <a:spcBef>
+                <a:spcPct val="0"/>
+              </a:spcBef>
+              <a:spcAft>
+                <a:spcPct val="0"/>
+              </a:spcAft>
+              <a:defRPr>
+                <a:solidFill>
+                  <a:schemeClr val="tx1"/>
+                </a:solidFill>
+                <a:latin typeface="Arial" panose="020B0604020202020204" pitchFamily="34" charset="0"/>
+              </a:defRPr>
+            </a:lvl3pPr>
+            <a:lvl4pPr eaLnBrk="0" fontAlgn="base" hangingPunct="0">
+              <a:spcBef>
+                <a:spcPct val="0"/>
+              </a:spcBef>
+              <a:spcAft>
+                <a:spcPct val="0"/>
+              </a:spcAft>
+              <a:defRPr>
+                <a:solidFill>
+                  <a:schemeClr val="tx1"/>
+                </a:solidFill>
+                <a:latin typeface="Arial" panose="020B0604020202020204" pitchFamily="34" charset="0"/>
+              </a:defRPr>
+            </a:lvl4pPr>
+            <a:lvl5pPr eaLnBrk="0" fontAlgn="base" hangingPunct="0">
+              <a:spcBef>
+                <a:spcPct val="0"/>
+              </a:spcBef>
+              <a:spcAft>
+                <a:spcPct val="0"/>
+              </a:spcAft>
+              <a:defRPr>
+                <a:solidFill>
+                  <a:schemeClr val="tx1"/>
+                </a:solidFill>
+                <a:latin typeface="Arial" panose="020B0604020202020204" pitchFamily="34" charset="0"/>
+              </a:defRPr>
+            </a:lvl5pPr>
+            <a:lvl6pPr eaLnBrk="0" fontAlgn="base" hangingPunct="0">
+              <a:spcBef>
+                <a:spcPct val="0"/>
+              </a:spcBef>
+              <a:spcAft>
+                <a:spcPct val="0"/>
+              </a:spcAft>
+              <a:defRPr>
+                <a:solidFill>
+                  <a:schemeClr val="tx1"/>
+                </a:solidFill>
+                <a:latin typeface="Arial" panose="020B0604020202020204" pitchFamily="34" charset="0"/>
+              </a:defRPr>
+            </a:lvl6pPr>
+            <a:lvl7pPr eaLnBrk="0" fontAlgn="base" hangingPunct="0">
+              <a:spcBef>
+                <a:spcPct val="0"/>
+              </a:spcBef>
+              <a:spcAft>
+                <a:spcPct val="0"/>
+              </a:spcAft>
+              <a:defRPr>
+                <a:solidFill>
+                  <a:schemeClr val="tx1"/>
+                </a:solidFill>
+                <a:latin typeface="Arial" panose="020B0604020202020204" pitchFamily="34" charset="0"/>
+              </a:defRPr>
+            </a:lvl7pPr>
+            <a:lvl8pPr eaLnBrk="0" fontAlgn="base" hangingPunct="0">
+              <a:spcBef>
+                <a:spcPct val="0"/>
+              </a:spcBef>
+              <a:spcAft>
+                <a:spcPct val="0"/>
+              </a:spcAft>
+              <a:defRPr>
+                <a:solidFill>
+                  <a:schemeClr val="tx1"/>
+                </a:solidFill>
+                <a:latin typeface="Arial" panose="020B0604020202020204" pitchFamily="34" charset="0"/>
+              </a:defRPr>
+            </a:lvl8pPr>
+            <a:lvl9pPr eaLnBrk="0" fontAlgn="base" hangingPunct="0">
+              <a:spcBef>
+                <a:spcPct val="0"/>
+              </a:spcBef>
+              <a:spcAft>
+                <a:spcPct val="0"/>
+              </a:spcAft>
+              <a:defRPr>
+                <a:solidFill>
+                  <a:schemeClr val="tx1"/>
+                </a:solidFill>
+                <a:latin typeface="Arial" panose="020B0604020202020204" pitchFamily="34" charset="0"/>
+              </a:defRPr>
+            </a:lvl9pPr>
+          </a:lstStyle>
+          <a:p>
+            <a:pPr marL="0" marR="0" lvl="0" indent="0" algn="l" defTabSz="914400" rtl="0" eaLnBrk="0" fontAlgn="base" latinLnBrk="0" hangingPunct="0">
+              <a:lnSpc>
+                <a:spcPct val="100000"/>
+              </a:lnSpc>
+              <a:spcBef>
+                <a:spcPct val="0"/>
+              </a:spcBef>
+              <a:spcAft>
+                <a:spcPct val="0"/>
+              </a:spcAft>
+              <a:buClrTx/>
+              <a:buSzTx/>
+              <a:buFontTx/>
+              <a:buNone/>
+              <a:tabLst/>
+            </a:pPr>
+            <a:endParaRPr kumimoji="0" lang="en-US" altLang="en-US" sz="1200" b="0" i="0" u="none" strike="noStrike" cap="none" normalizeH="0" baseline="0" dirty="0">
+              <a:ln>
+                <a:noFill/>
+              </a:ln>
+              <a:solidFill>
+                <a:srgbClr val="0D0D0D"/>
+              </a:solidFill>
+              <a:effectLst/>
+              <a:latin typeface="Söhne"/>
+            </a:endParaRPr>
+          </a:p>
+        </p:txBody>
+      </p:sp>
+    </p:spTree>
+    <p:extLst>
+      <p:ext uri="{BB962C8B-B14F-4D97-AF65-F5344CB8AC3E}">
+        <p14:creationId xmlns:p14="http://schemas.microsoft.com/office/powerpoint/2010/main" val="2929592007"/>
+      </p:ext>
+    </p:extLst>
+  </p:cSld>
+  <p:clrMapOvr>
+    <a:masterClrMapping/>
+  </p:clrMapOvr>
+</p:sld>
+</file>
+
+<file path=ppt/slides/slide17.xml><?xml version="1.0" encoding="utf-8"?>
+<p:sld xmlns:a="http://schemas.openxmlformats.org/drawingml/2006/main" xmlns:r="http://schemas.openxmlformats.org/officeDocument/2006/relationships" xmlns:p="http://schemas.openxmlformats.org/presentationml/2006/main">
+  <p:cSld>
+    <p:spTree>
+      <p:nvGrpSpPr>
+        <p:cNvPr id="1" name=""/>
+        <p:cNvGrpSpPr/>
+        <p:nvPr/>
+      </p:nvGrpSpPr>
+      <p:grpSpPr>
+        <a:xfrm>
+          <a:off x="0" y="0"/>
+          <a:ext cx="0" cy="0"/>
+          <a:chOff x="0" y="0"/>
+          <a:chExt cx="0" cy="0"/>
+        </a:xfrm>
+      </p:grpSpPr>
+      <p:sp>
+        <p:nvSpPr>
+          <p:cNvPr id="2" name="TextBox 1">
+            <a:extLst>
+              <a:ext uri="{FF2B5EF4-FFF2-40B4-BE49-F238E27FC236}">
+                <a16:creationId xmlns:a16="http://schemas.microsoft.com/office/drawing/2014/main" id="{2C265965-136C-12A1-055A-8C1D00DA0493}"/>
+              </a:ext>
+            </a:extLst>
+          </p:cNvPr>
+          <p:cNvSpPr txBox="1"/>
+          <p:nvPr/>
+        </p:nvSpPr>
+        <p:spPr>
+          <a:xfrm>
+            <a:off x="3945036" y="79866"/>
+            <a:ext cx="4613748" cy="646331"/>
+          </a:xfrm>
+          <a:prstGeom prst="rect">
+            <a:avLst/>
+          </a:prstGeom>
+          <a:noFill/>
+        </p:spPr>
+        <p:txBody>
+          <a:bodyPr wrap="square" rtlCol="0">
+            <a:spAutoFit/>
+          </a:bodyPr>
+          <a:lstStyle/>
+          <a:p>
+            <a:r>
+              <a:rPr lang="en-IN" dirty="0"/>
+              <a:t>Update the Cache of the CloudFront distribution </a:t>
+            </a:r>
+          </a:p>
+        </p:txBody>
+      </p:sp>
+      <p:sp>
+        <p:nvSpPr>
+          <p:cNvPr id="3" name="Rectangle 2">
+            <a:extLst>
+              <a:ext uri="{FF2B5EF4-FFF2-40B4-BE49-F238E27FC236}">
+                <a16:creationId xmlns:a16="http://schemas.microsoft.com/office/drawing/2014/main" id="{A6AE37A1-9329-E66A-748C-E67F9664C20D}"/>
+              </a:ext>
+            </a:extLst>
+          </p:cNvPr>
+          <p:cNvSpPr/>
+          <p:nvPr/>
+        </p:nvSpPr>
+        <p:spPr>
+          <a:xfrm>
+            <a:off x="3502165" y="94154"/>
+            <a:ext cx="4613747" cy="751564"/>
+          </a:xfrm>
+          <a:prstGeom prst="rect">
+            <a:avLst/>
+          </a:prstGeom>
+          <a:solidFill>
+            <a:schemeClr val="accent4">
+              <a:alpha val="50000"/>
+            </a:schemeClr>
+          </a:solidFill>
+          <a:ln>
+            <a:noFill/>
+          </a:ln>
+        </p:spPr>
+        <p:style>
+          <a:lnRef idx="0">
+            <a:scrgbClr r="0" g="0" b="0"/>
+          </a:lnRef>
+          <a:fillRef idx="0">
+            <a:scrgbClr r="0" g="0" b="0"/>
+          </a:fillRef>
+          <a:effectRef idx="0">
+            <a:scrgbClr r="0" g="0" b="0"/>
+          </a:effectRef>
+          <a:fontRef idx="minor">
+            <a:schemeClr val="lt1"/>
+          </a:fontRef>
+        </p:style>
+        <p:txBody>
+          <a:bodyPr rtlCol="0" anchor="ctr"/>
+          <a:lstStyle/>
+          <a:p>
+            <a:pPr algn="ctr"/>
+            <a:endParaRPr lang="en-IN" dirty="0"/>
+          </a:p>
+        </p:txBody>
+      </p:sp>
+      <p:sp>
+        <p:nvSpPr>
+          <p:cNvPr id="5" name="TextBox 4">
+            <a:extLst>
+              <a:ext uri="{FF2B5EF4-FFF2-40B4-BE49-F238E27FC236}">
+                <a16:creationId xmlns:a16="http://schemas.microsoft.com/office/drawing/2014/main" id="{9B9BD926-67D0-13C2-0B17-058C1A4DD430}"/>
+              </a:ext>
+            </a:extLst>
+          </p:cNvPr>
+          <p:cNvSpPr txBox="1"/>
+          <p:nvPr/>
+        </p:nvSpPr>
+        <p:spPr>
+          <a:xfrm>
+            <a:off x="605254" y="1121787"/>
+            <a:ext cx="11045750" cy="369332"/>
+          </a:xfrm>
+          <a:prstGeom prst="rect">
+            <a:avLst/>
+          </a:prstGeom>
+          <a:noFill/>
+        </p:spPr>
+        <p:txBody>
+          <a:bodyPr wrap="square">
+            <a:spAutoFit/>
+          </a:bodyPr>
+          <a:lstStyle/>
+          <a:p>
+            <a:pPr algn="l"/>
+            <a:r>
+              <a:rPr lang="en-US" b="1" dirty="0">
+                <a:solidFill>
+                  <a:srgbClr val="0D0D0D"/>
+                </a:solidFill>
+                <a:highlight>
+                  <a:srgbClr val="FFFFFF"/>
+                </a:highlight>
+                <a:latin typeface="Segoe UI" panose="020B0502040204020203" pitchFamily="34" charset="0"/>
+                <a:cs typeface="Segoe UI" panose="020B0502040204020203" pitchFamily="34" charset="0"/>
+              </a:rPr>
+              <a:t>Step - </a:t>
+            </a:r>
+            <a:r>
+              <a:rPr lang="en-US" b="1" i="0" dirty="0">
+                <a:solidFill>
+                  <a:srgbClr val="0D0D0D"/>
+                </a:solidFill>
+                <a:effectLst/>
+                <a:highlight>
+                  <a:srgbClr val="FFFFFF"/>
+                </a:highlight>
+                <a:latin typeface="Segoe UI" panose="020B0502040204020203" pitchFamily="34" charset="0"/>
+                <a:cs typeface="Segoe UI" panose="020B0502040204020203" pitchFamily="34" charset="0"/>
+              </a:rPr>
+              <a:t>Configure IAM Roles and Permissions – More detailing…</a:t>
+            </a:r>
+          </a:p>
+        </p:txBody>
+      </p:sp>
+      <p:sp>
+        <p:nvSpPr>
+          <p:cNvPr id="6" name="TextBox 5">
+            <a:extLst>
+              <a:ext uri="{FF2B5EF4-FFF2-40B4-BE49-F238E27FC236}">
+                <a16:creationId xmlns:a16="http://schemas.microsoft.com/office/drawing/2014/main" id="{14EF05AD-D727-73CC-566A-C0AD0321C4A1}"/>
+              </a:ext>
+            </a:extLst>
+          </p:cNvPr>
+          <p:cNvSpPr txBox="1"/>
+          <p:nvPr/>
+        </p:nvSpPr>
+        <p:spPr>
+          <a:xfrm>
+            <a:off x="605254" y="1533059"/>
+            <a:ext cx="10943618" cy="4247317"/>
+          </a:xfrm>
+          <a:prstGeom prst="rect">
+            <a:avLst/>
+          </a:prstGeom>
+          <a:noFill/>
+        </p:spPr>
+        <p:txBody>
+          <a:bodyPr wrap="square">
+            <a:spAutoFit/>
+          </a:bodyPr>
+          <a:lstStyle/>
+          <a:p>
+            <a:pPr marL="0" marR="0" lvl="0" indent="0" algn="l" defTabSz="914400" rtl="0" eaLnBrk="0" fontAlgn="base" latinLnBrk="0" hangingPunct="0">
+              <a:lnSpc>
+                <a:spcPct val="100000"/>
+              </a:lnSpc>
+              <a:spcBef>
+                <a:spcPct val="0"/>
+              </a:spcBef>
+              <a:spcAft>
+                <a:spcPct val="0"/>
+              </a:spcAft>
+              <a:buClrTx/>
+              <a:buSzTx/>
+              <a:buFontTx/>
+              <a:buNone/>
+              <a:tabLst/>
+            </a:pPr>
+            <a:r>
+              <a:rPr kumimoji="0" lang="en-US" altLang="en-US" b="1" i="0" u="none" strike="noStrike" cap="none" normalizeH="0" baseline="0" dirty="0">
+                <a:ln>
+                  <a:noFill/>
+                </a:ln>
+                <a:solidFill>
+                  <a:srgbClr val="0D0D0D"/>
+                </a:solidFill>
+                <a:effectLst/>
+                <a:latin typeface="Söhne"/>
+              </a:rPr>
+              <a:t>{</a:t>
+            </a:r>
+          </a:p>
+          <a:p>
+            <a:pPr marL="0" marR="0" lvl="0" indent="0" algn="l" defTabSz="914400" rtl="0" eaLnBrk="0" fontAlgn="base" latinLnBrk="0" hangingPunct="0">
+              <a:lnSpc>
+                <a:spcPct val="100000"/>
+              </a:lnSpc>
+              <a:spcBef>
+                <a:spcPct val="0"/>
+              </a:spcBef>
+              <a:spcAft>
+                <a:spcPct val="0"/>
+              </a:spcAft>
+              <a:buClrTx/>
+              <a:buSzTx/>
+              <a:buFontTx/>
+              <a:buNone/>
+              <a:tabLst/>
+            </a:pPr>
+            <a:r>
+              <a:rPr kumimoji="0" lang="en-US" altLang="en-US" b="1" i="0" u="none" strike="noStrike" cap="none" normalizeH="0" baseline="0" dirty="0">
+                <a:ln>
+                  <a:noFill/>
+                </a:ln>
+                <a:solidFill>
+                  <a:srgbClr val="0D0D0D"/>
+                </a:solidFill>
+                <a:effectLst/>
+                <a:latin typeface="Söhne"/>
+              </a:rPr>
+              <a:t>    "Version": "2012-10-17",</a:t>
+            </a:r>
+          </a:p>
+          <a:p>
+            <a:pPr marL="0" marR="0" lvl="0" indent="0" algn="l" defTabSz="914400" rtl="0" eaLnBrk="0" fontAlgn="base" latinLnBrk="0" hangingPunct="0">
+              <a:lnSpc>
+                <a:spcPct val="100000"/>
+              </a:lnSpc>
+              <a:spcBef>
+                <a:spcPct val="0"/>
+              </a:spcBef>
+              <a:spcAft>
+                <a:spcPct val="0"/>
+              </a:spcAft>
+              <a:buClrTx/>
+              <a:buSzTx/>
+              <a:buFontTx/>
+              <a:buNone/>
+              <a:tabLst/>
+            </a:pPr>
+            <a:r>
+              <a:rPr kumimoji="0" lang="en-US" altLang="en-US" b="1" i="0" u="none" strike="noStrike" cap="none" normalizeH="0" baseline="0" dirty="0">
+                <a:ln>
+                  <a:noFill/>
+                </a:ln>
+                <a:solidFill>
+                  <a:srgbClr val="0D0D0D"/>
+                </a:solidFill>
+                <a:effectLst/>
+                <a:latin typeface="Söhne"/>
+              </a:rPr>
+              <a:t>    "Statement": [</a:t>
+            </a:r>
+          </a:p>
+          <a:p>
+            <a:pPr marL="0" marR="0" lvl="0" indent="0" algn="l" defTabSz="914400" rtl="0" eaLnBrk="0" fontAlgn="base" latinLnBrk="0" hangingPunct="0">
+              <a:lnSpc>
+                <a:spcPct val="100000"/>
+              </a:lnSpc>
+              <a:spcBef>
+                <a:spcPct val="0"/>
+              </a:spcBef>
+              <a:spcAft>
+                <a:spcPct val="0"/>
+              </a:spcAft>
+              <a:buClrTx/>
+              <a:buSzTx/>
+              <a:buFontTx/>
+              <a:buNone/>
+              <a:tabLst/>
+            </a:pPr>
+            <a:r>
+              <a:rPr kumimoji="0" lang="en-US" altLang="en-US" b="1" i="0" u="none" strike="noStrike" cap="none" normalizeH="0" baseline="0" dirty="0">
+                <a:ln>
+                  <a:noFill/>
+                </a:ln>
+                <a:solidFill>
+                  <a:srgbClr val="0D0D0D"/>
+                </a:solidFill>
+                <a:effectLst/>
+                <a:latin typeface="Söhne"/>
+              </a:rPr>
+              <a:t>        {</a:t>
+            </a:r>
+          </a:p>
+          <a:p>
+            <a:pPr marL="0" marR="0" lvl="0" indent="0" algn="l" defTabSz="914400" rtl="0" eaLnBrk="0" fontAlgn="base" latinLnBrk="0" hangingPunct="0">
+              <a:lnSpc>
+                <a:spcPct val="100000"/>
+              </a:lnSpc>
+              <a:spcBef>
+                <a:spcPct val="0"/>
+              </a:spcBef>
+              <a:spcAft>
+                <a:spcPct val="0"/>
+              </a:spcAft>
+              <a:buClrTx/>
+              <a:buSzTx/>
+              <a:buFontTx/>
+              <a:buNone/>
+              <a:tabLst/>
+            </a:pPr>
+            <a:r>
+              <a:rPr kumimoji="0" lang="en-US" altLang="en-US" b="1" i="0" u="none" strike="noStrike" cap="none" normalizeH="0" baseline="0" dirty="0">
+                <a:ln>
+                  <a:noFill/>
+                </a:ln>
+                <a:solidFill>
+                  <a:srgbClr val="0D0D0D"/>
+                </a:solidFill>
+                <a:effectLst/>
+                <a:latin typeface="Söhne"/>
+              </a:rPr>
+              <a:t>            "Effect": "Allow",</a:t>
+            </a:r>
+          </a:p>
+          <a:p>
+            <a:pPr marL="0" marR="0" lvl="0" indent="0" algn="l" defTabSz="914400" rtl="0" eaLnBrk="0" fontAlgn="base" latinLnBrk="0" hangingPunct="0">
+              <a:lnSpc>
+                <a:spcPct val="100000"/>
+              </a:lnSpc>
+              <a:spcBef>
+                <a:spcPct val="0"/>
+              </a:spcBef>
+              <a:spcAft>
+                <a:spcPct val="0"/>
+              </a:spcAft>
+              <a:buClrTx/>
+              <a:buSzTx/>
+              <a:buFontTx/>
+              <a:buNone/>
+              <a:tabLst/>
+            </a:pPr>
+            <a:r>
+              <a:rPr kumimoji="0" lang="en-US" altLang="en-US" b="1" i="0" u="none" strike="noStrike" cap="none" normalizeH="0" baseline="0" dirty="0">
+                <a:ln>
+                  <a:noFill/>
+                </a:ln>
+                <a:solidFill>
+                  <a:srgbClr val="0D0D0D"/>
+                </a:solidFill>
+                <a:effectLst/>
+                <a:latin typeface="Söhne"/>
+              </a:rPr>
+              <a:t>            "Action": "</a:t>
+            </a:r>
+            <a:r>
+              <a:rPr kumimoji="0" lang="en-US" altLang="en-US" b="1" i="0" u="none" strike="noStrike" cap="none" normalizeH="0" baseline="0" dirty="0" err="1">
+                <a:ln>
+                  <a:noFill/>
+                </a:ln>
+                <a:solidFill>
+                  <a:srgbClr val="0D0D0D"/>
+                </a:solidFill>
+                <a:effectLst/>
+                <a:latin typeface="Söhne"/>
+              </a:rPr>
+              <a:t>cloudfront:CreateInvalidation</a:t>
+            </a:r>
+            <a:r>
+              <a:rPr kumimoji="0" lang="en-US" altLang="en-US" b="1" i="0" u="none" strike="noStrike" cap="none" normalizeH="0" baseline="0" dirty="0">
+                <a:ln>
+                  <a:noFill/>
+                </a:ln>
+                <a:solidFill>
+                  <a:srgbClr val="0D0D0D"/>
+                </a:solidFill>
+                <a:effectLst/>
+                <a:latin typeface="Söhne"/>
+              </a:rPr>
+              <a:t>",</a:t>
+            </a:r>
+          </a:p>
+          <a:p>
+            <a:pPr marL="0" marR="0" lvl="0" indent="0" algn="l" defTabSz="914400" rtl="0" eaLnBrk="0" fontAlgn="base" latinLnBrk="0" hangingPunct="0">
+              <a:lnSpc>
+                <a:spcPct val="100000"/>
+              </a:lnSpc>
+              <a:spcBef>
+                <a:spcPct val="0"/>
+              </a:spcBef>
+              <a:spcAft>
+                <a:spcPct val="0"/>
+              </a:spcAft>
+              <a:buClrTx/>
+              <a:buSzTx/>
+              <a:buFontTx/>
+              <a:buNone/>
+              <a:tabLst/>
+            </a:pPr>
+            <a:r>
+              <a:rPr kumimoji="0" lang="en-US" altLang="en-US" b="1" i="0" u="none" strike="noStrike" cap="none" normalizeH="0" baseline="0" dirty="0">
+                <a:ln>
+                  <a:noFill/>
+                </a:ln>
+                <a:solidFill>
+                  <a:srgbClr val="0D0D0D"/>
+                </a:solidFill>
+                <a:effectLst/>
+                <a:latin typeface="Söhne"/>
+              </a:rPr>
+              <a:t>            "Resource": "*",</a:t>
+            </a:r>
+          </a:p>
+          <a:p>
+            <a:pPr marL="0" marR="0" lvl="0" indent="0" algn="l" defTabSz="914400" rtl="0" eaLnBrk="0" fontAlgn="base" latinLnBrk="0" hangingPunct="0">
+              <a:lnSpc>
+                <a:spcPct val="100000"/>
+              </a:lnSpc>
+              <a:spcBef>
+                <a:spcPct val="0"/>
+              </a:spcBef>
+              <a:spcAft>
+                <a:spcPct val="0"/>
+              </a:spcAft>
+              <a:buClrTx/>
+              <a:buSzTx/>
+              <a:buFontTx/>
+              <a:buNone/>
+              <a:tabLst/>
+            </a:pPr>
+            <a:r>
+              <a:rPr kumimoji="0" lang="en-US" altLang="en-US" b="1" i="0" u="none" strike="noStrike" cap="none" normalizeH="0" baseline="0" dirty="0">
+                <a:ln>
+                  <a:noFill/>
+                </a:ln>
+                <a:solidFill>
+                  <a:srgbClr val="0D0D0D"/>
+                </a:solidFill>
+                <a:effectLst/>
+                <a:latin typeface="Söhne"/>
+              </a:rPr>
+              <a:t>            "Condition": {</a:t>
+            </a:r>
+          </a:p>
+          <a:p>
+            <a:pPr marL="0" marR="0" lvl="0" indent="0" algn="l" defTabSz="914400" rtl="0" eaLnBrk="0" fontAlgn="base" latinLnBrk="0" hangingPunct="0">
+              <a:lnSpc>
+                <a:spcPct val="100000"/>
+              </a:lnSpc>
+              <a:spcBef>
+                <a:spcPct val="0"/>
+              </a:spcBef>
+              <a:spcAft>
+                <a:spcPct val="0"/>
+              </a:spcAft>
+              <a:buClrTx/>
+              <a:buSzTx/>
+              <a:buFontTx/>
+              <a:buNone/>
+              <a:tabLst/>
+            </a:pPr>
+            <a:r>
+              <a:rPr kumimoji="0" lang="en-US" altLang="en-US" b="1" i="0" u="none" strike="noStrike" cap="none" normalizeH="0" baseline="0" dirty="0">
+                <a:ln>
+                  <a:noFill/>
+                </a:ln>
+                <a:solidFill>
+                  <a:srgbClr val="0D0D0D"/>
+                </a:solidFill>
+                <a:effectLst/>
+                <a:latin typeface="Söhne"/>
+              </a:rPr>
+              <a:t>                "</a:t>
+            </a:r>
+            <a:r>
+              <a:rPr kumimoji="0" lang="en-US" altLang="en-US" b="1" i="0" u="none" strike="noStrike" cap="none" normalizeH="0" baseline="0" dirty="0" err="1">
+                <a:ln>
+                  <a:noFill/>
+                </a:ln>
+                <a:solidFill>
+                  <a:srgbClr val="0D0D0D"/>
+                </a:solidFill>
+                <a:effectLst/>
+                <a:latin typeface="Söhne"/>
+              </a:rPr>
+              <a:t>StringEquals</a:t>
+            </a:r>
+            <a:r>
+              <a:rPr kumimoji="0" lang="en-US" altLang="en-US" b="1" i="0" u="none" strike="noStrike" cap="none" normalizeH="0" baseline="0" dirty="0">
+                <a:ln>
+                  <a:noFill/>
+                </a:ln>
+                <a:solidFill>
+                  <a:srgbClr val="0D0D0D"/>
+                </a:solidFill>
+                <a:effectLst/>
+                <a:latin typeface="Söhne"/>
+              </a:rPr>
+              <a:t>": {</a:t>
+            </a:r>
+          </a:p>
+          <a:p>
+            <a:pPr marL="0" marR="0" lvl="0" indent="0" algn="l" defTabSz="914400" rtl="0" eaLnBrk="0" fontAlgn="base" latinLnBrk="0" hangingPunct="0">
+              <a:lnSpc>
+                <a:spcPct val="100000"/>
+              </a:lnSpc>
+              <a:spcBef>
+                <a:spcPct val="0"/>
+              </a:spcBef>
+              <a:spcAft>
+                <a:spcPct val="0"/>
+              </a:spcAft>
+              <a:buClrTx/>
+              <a:buSzTx/>
+              <a:buFontTx/>
+              <a:buNone/>
+              <a:tabLst/>
+            </a:pPr>
+            <a:r>
+              <a:rPr kumimoji="0" lang="en-US" altLang="en-US" b="1" i="0" u="none" strike="noStrike" cap="none" normalizeH="0" baseline="0" dirty="0">
+                <a:ln>
+                  <a:noFill/>
+                </a:ln>
+                <a:solidFill>
+                  <a:srgbClr val="0D0D0D"/>
+                </a:solidFill>
+                <a:effectLst/>
+                <a:latin typeface="Söhne"/>
+              </a:rPr>
+              <a:t>                    "</a:t>
+            </a:r>
+            <a:r>
+              <a:rPr kumimoji="0" lang="en-US" altLang="en-US" b="1" i="0" u="none" strike="noStrike" cap="none" normalizeH="0" baseline="0" dirty="0" err="1">
+                <a:ln>
+                  <a:noFill/>
+                </a:ln>
+                <a:solidFill>
+                  <a:srgbClr val="0D0D0D"/>
+                </a:solidFill>
+                <a:effectLst/>
+                <a:latin typeface="Söhne"/>
+              </a:rPr>
+              <a:t>cloudfront:DistributionId</a:t>
+            </a:r>
+            <a:r>
+              <a:rPr kumimoji="0" lang="en-US" altLang="en-US" b="1" i="0" u="none" strike="noStrike" cap="none" normalizeH="0" baseline="0" dirty="0">
+                <a:ln>
+                  <a:noFill/>
+                </a:ln>
+                <a:solidFill>
+                  <a:srgbClr val="0D0D0D"/>
+                </a:solidFill>
+                <a:effectLst/>
+                <a:latin typeface="Söhne"/>
+              </a:rPr>
+              <a:t>": "YOUR_DISTRIBUTION_ID"</a:t>
+            </a:r>
+          </a:p>
+          <a:p>
+            <a:pPr marL="0" marR="0" lvl="0" indent="0" algn="l" defTabSz="914400" rtl="0" eaLnBrk="0" fontAlgn="base" latinLnBrk="0" hangingPunct="0">
+              <a:lnSpc>
+                <a:spcPct val="100000"/>
+              </a:lnSpc>
+              <a:spcBef>
+                <a:spcPct val="0"/>
+              </a:spcBef>
+              <a:spcAft>
+                <a:spcPct val="0"/>
+              </a:spcAft>
+              <a:buClrTx/>
+              <a:buSzTx/>
+              <a:buFontTx/>
+              <a:buNone/>
+              <a:tabLst/>
+            </a:pPr>
+            <a:r>
+              <a:rPr kumimoji="0" lang="en-US" altLang="en-US" b="1" i="0" u="none" strike="noStrike" cap="none" normalizeH="0" baseline="0" dirty="0">
+                <a:ln>
+                  <a:noFill/>
+                </a:ln>
+                <a:solidFill>
+                  <a:srgbClr val="0D0D0D"/>
+                </a:solidFill>
+                <a:effectLst/>
+                <a:latin typeface="Söhne"/>
+              </a:rPr>
+              <a:t>                }</a:t>
+            </a:r>
+          </a:p>
+          <a:p>
+            <a:pPr marL="0" marR="0" lvl="0" indent="0" algn="l" defTabSz="914400" rtl="0" eaLnBrk="0" fontAlgn="base" latinLnBrk="0" hangingPunct="0">
+              <a:lnSpc>
+                <a:spcPct val="100000"/>
+              </a:lnSpc>
+              <a:spcBef>
+                <a:spcPct val="0"/>
+              </a:spcBef>
+              <a:spcAft>
+                <a:spcPct val="0"/>
+              </a:spcAft>
+              <a:buClrTx/>
+              <a:buSzTx/>
+              <a:buFontTx/>
+              <a:buNone/>
+              <a:tabLst/>
+            </a:pPr>
+            <a:r>
+              <a:rPr kumimoji="0" lang="en-US" altLang="en-US" b="1" i="0" u="none" strike="noStrike" cap="none" normalizeH="0" baseline="0" dirty="0">
+                <a:ln>
+                  <a:noFill/>
+                </a:ln>
+                <a:solidFill>
+                  <a:srgbClr val="0D0D0D"/>
+                </a:solidFill>
+                <a:effectLst/>
+                <a:latin typeface="Söhne"/>
+              </a:rPr>
+              <a:t>            }</a:t>
+            </a:r>
+          </a:p>
+          <a:p>
+            <a:pPr marL="0" marR="0" lvl="0" indent="0" algn="l" defTabSz="914400" rtl="0" eaLnBrk="0" fontAlgn="base" latinLnBrk="0" hangingPunct="0">
+              <a:lnSpc>
+                <a:spcPct val="100000"/>
+              </a:lnSpc>
+              <a:spcBef>
+                <a:spcPct val="0"/>
+              </a:spcBef>
+              <a:spcAft>
+                <a:spcPct val="0"/>
+              </a:spcAft>
+              <a:buClrTx/>
+              <a:buSzTx/>
+              <a:buFontTx/>
+              <a:buNone/>
+              <a:tabLst/>
+            </a:pPr>
+            <a:r>
+              <a:rPr kumimoji="0" lang="en-US" altLang="en-US" b="1" i="0" u="none" strike="noStrike" cap="none" normalizeH="0" baseline="0" dirty="0">
+                <a:ln>
+                  <a:noFill/>
+                </a:ln>
+                <a:solidFill>
+                  <a:srgbClr val="0D0D0D"/>
+                </a:solidFill>
+                <a:effectLst/>
+                <a:latin typeface="Söhne"/>
+              </a:rPr>
+              <a:t>        }</a:t>
+            </a:r>
+          </a:p>
+          <a:p>
+            <a:pPr marL="0" marR="0" lvl="0" indent="0" algn="l" defTabSz="914400" rtl="0" eaLnBrk="0" fontAlgn="base" latinLnBrk="0" hangingPunct="0">
+              <a:lnSpc>
+                <a:spcPct val="100000"/>
+              </a:lnSpc>
+              <a:spcBef>
+                <a:spcPct val="0"/>
+              </a:spcBef>
+              <a:spcAft>
+                <a:spcPct val="0"/>
+              </a:spcAft>
+              <a:buClrTx/>
+              <a:buSzTx/>
+              <a:buFontTx/>
+              <a:buNone/>
+              <a:tabLst/>
+            </a:pPr>
+            <a:r>
+              <a:rPr kumimoji="0" lang="en-US" altLang="en-US" b="1" i="0" u="none" strike="noStrike" cap="none" normalizeH="0" baseline="0" dirty="0">
+                <a:ln>
+                  <a:noFill/>
+                </a:ln>
+                <a:solidFill>
+                  <a:srgbClr val="0D0D0D"/>
+                </a:solidFill>
+                <a:effectLst/>
+                <a:latin typeface="Söhne"/>
+              </a:rPr>
+              <a:t>    ]</a:t>
+            </a:r>
+          </a:p>
+          <a:p>
+            <a:pPr marL="0" marR="0" lvl="0" indent="0" algn="l" defTabSz="914400" rtl="0" eaLnBrk="0" fontAlgn="base" latinLnBrk="0" hangingPunct="0">
+              <a:lnSpc>
+                <a:spcPct val="100000"/>
+              </a:lnSpc>
+              <a:spcBef>
+                <a:spcPct val="0"/>
+              </a:spcBef>
+              <a:spcAft>
+                <a:spcPct val="0"/>
+              </a:spcAft>
+              <a:buClrTx/>
+              <a:buSzTx/>
+              <a:buFontTx/>
+              <a:buNone/>
+              <a:tabLst/>
+            </a:pPr>
+            <a:r>
+              <a:rPr kumimoji="0" lang="en-US" altLang="en-US" b="1" i="0" u="none" strike="noStrike" cap="none" normalizeH="0" baseline="0" dirty="0">
+                <a:ln>
+                  <a:noFill/>
+                </a:ln>
+                <a:solidFill>
+                  <a:srgbClr val="0D0D0D"/>
+                </a:solidFill>
+                <a:effectLst/>
+                <a:latin typeface="Söhne"/>
+              </a:rPr>
+              <a:t>}</a:t>
+            </a:r>
+          </a:p>
+        </p:txBody>
+      </p:sp>
+      <p:sp>
+        <p:nvSpPr>
+          <p:cNvPr id="14" name="Rectangle 13">
+            <a:extLst>
+              <a:ext uri="{FF2B5EF4-FFF2-40B4-BE49-F238E27FC236}">
+                <a16:creationId xmlns:a16="http://schemas.microsoft.com/office/drawing/2014/main" id="{FD44E5A0-C29D-DBF5-B911-1E5670ED6F69}"/>
+              </a:ext>
+            </a:extLst>
+          </p:cNvPr>
+          <p:cNvSpPr/>
+          <p:nvPr/>
+        </p:nvSpPr>
+        <p:spPr>
+          <a:xfrm>
+            <a:off x="420624" y="1005840"/>
+            <a:ext cx="11338560" cy="5605532"/>
+          </a:xfrm>
+          <a:prstGeom prst="rect">
+            <a:avLst/>
+          </a:prstGeom>
+          <a:noFill/>
+          <a:ln w="9525" cap="flat" cmpd="sng" algn="ctr">
+            <a:solidFill>
+              <a:schemeClr val="accent3"/>
+            </a:solidFill>
+            <a:prstDash val="solid"/>
+            <a:round/>
+            <a:headEnd type="none" w="med" len="med"/>
+            <a:tailEnd type="none" w="med" len="med"/>
+          </a:ln>
+        </p:spPr>
+        <p:style>
+          <a:lnRef idx="0">
+            <a:scrgbClr r="0" g="0" b="0"/>
+          </a:lnRef>
+          <a:fillRef idx="0">
+            <a:scrgbClr r="0" g="0" b="0"/>
+          </a:fillRef>
+          <a:effectRef idx="0">
+            <a:scrgbClr r="0" g="0" b="0"/>
+          </a:effectRef>
+          <a:fontRef idx="minor">
+            <a:schemeClr val="accent3"/>
+          </a:fontRef>
+        </p:style>
+        <p:txBody>
+          <a:bodyPr rtlCol="0" anchor="ctr"/>
+          <a:lstStyle/>
+          <a:p>
+            <a:pPr algn="ctr"/>
+            <a:endParaRPr lang="en-IN"/>
+          </a:p>
+        </p:txBody>
+      </p:sp>
+      <p:sp>
+        <p:nvSpPr>
+          <p:cNvPr id="4" name="Rectangle 1">
+            <a:extLst>
+              <a:ext uri="{FF2B5EF4-FFF2-40B4-BE49-F238E27FC236}">
+                <a16:creationId xmlns:a16="http://schemas.microsoft.com/office/drawing/2014/main" id="{19E276DD-B16E-781E-E3D4-A0DA68978433}"/>
+              </a:ext>
+            </a:extLst>
+          </p:cNvPr>
+          <p:cNvSpPr>
+            <a:spLocks noChangeArrowheads="1"/>
+          </p:cNvSpPr>
+          <p:nvPr/>
+        </p:nvSpPr>
+        <p:spPr bwMode="auto">
+          <a:xfrm>
+            <a:off x="1709928" y="4014402"/>
+            <a:ext cx="65" cy="677623"/>
+          </a:xfrm>
+          <a:prstGeom prst="rect">
+            <a:avLst/>
+          </a:prstGeom>
+          <a:solidFill>
+            <a:srgbClr val="FFFFFF"/>
+          </a:solidFill>
+          <a:ln>
+            <a:noFill/>
+          </a:ln>
+          <a:effectLst/>
+          <a:extLst>
+            <a:ext uri="{91240B29-F687-4F45-9708-019B960494DF}">
+              <a14:hiddenLine xmlns:a14="http://schemas.microsoft.com/office/drawing/2010/main" w="9525">
+                <a:solidFill>
+                  <a:schemeClr val="tx1"/>
+                </a:solidFill>
+                <a:miter lim="800000"/>
+                <a:headEnd/>
+                <a:tailEnd/>
+              </a14:hiddenLine>
+            </a:ext>
+            <a:ext uri="{AF507438-7753-43E0-B8FC-AC1667EBCBE1}">
+              <a14:hiddenEffects xmlns:a14="http://schemas.microsoft.com/office/drawing/2010/main">
+                <a:effectLst>
+                  <a:outerShdw dist="35921" dir="2700000" algn="ctr" rotWithShape="0">
+                    <a:schemeClr val="bg2"/>
+                  </a:outerShdw>
+                </a:effectLst>
+              </a14:hiddenEffects>
+            </a:ext>
+          </a:extLst>
+        </p:spPr>
+        <p:txBody>
+          <a:bodyPr vert="horz" wrap="none" lIns="0" tIns="198375" rIns="0" bIns="198375" numCol="1" anchor="ctr" anchorCtr="0" compatLnSpc="1">
+            <a:prstTxWarp prst="textNoShape">
+              <a:avLst/>
+            </a:prstTxWarp>
+            <a:spAutoFit/>
+          </a:bodyPr>
+          <a:lstStyle>
+            <a:lvl1pPr eaLnBrk="0" fontAlgn="base" hangingPunct="0">
+              <a:spcBef>
+                <a:spcPct val="0"/>
+              </a:spcBef>
+              <a:spcAft>
+                <a:spcPct val="0"/>
+              </a:spcAft>
+              <a:defRPr>
+                <a:solidFill>
+                  <a:schemeClr val="tx1"/>
+                </a:solidFill>
+                <a:latin typeface="Arial" panose="020B0604020202020204" pitchFamily="34" charset="0"/>
+              </a:defRPr>
+            </a:lvl1pPr>
+            <a:lvl2pPr eaLnBrk="0" fontAlgn="base" hangingPunct="0">
+              <a:spcBef>
+                <a:spcPct val="0"/>
+              </a:spcBef>
+              <a:spcAft>
+                <a:spcPct val="0"/>
+              </a:spcAft>
+              <a:defRPr>
+                <a:solidFill>
+                  <a:schemeClr val="tx1"/>
+                </a:solidFill>
+                <a:latin typeface="Arial" panose="020B0604020202020204" pitchFamily="34" charset="0"/>
+              </a:defRPr>
+            </a:lvl2pPr>
+            <a:lvl3pPr eaLnBrk="0" fontAlgn="base" hangingPunct="0">
+              <a:spcBef>
+                <a:spcPct val="0"/>
+              </a:spcBef>
+              <a:spcAft>
+                <a:spcPct val="0"/>
+              </a:spcAft>
+              <a:defRPr>
+                <a:solidFill>
+                  <a:schemeClr val="tx1"/>
+                </a:solidFill>
+                <a:latin typeface="Arial" panose="020B0604020202020204" pitchFamily="34" charset="0"/>
+              </a:defRPr>
+            </a:lvl3pPr>
+            <a:lvl4pPr eaLnBrk="0" fontAlgn="base" hangingPunct="0">
+              <a:spcBef>
+                <a:spcPct val="0"/>
+              </a:spcBef>
+              <a:spcAft>
+                <a:spcPct val="0"/>
+              </a:spcAft>
+              <a:defRPr>
+                <a:solidFill>
+                  <a:schemeClr val="tx1"/>
+                </a:solidFill>
+                <a:latin typeface="Arial" panose="020B0604020202020204" pitchFamily="34" charset="0"/>
+              </a:defRPr>
+            </a:lvl4pPr>
+            <a:lvl5pPr eaLnBrk="0" fontAlgn="base" hangingPunct="0">
+              <a:spcBef>
+                <a:spcPct val="0"/>
+              </a:spcBef>
+              <a:spcAft>
+                <a:spcPct val="0"/>
+              </a:spcAft>
+              <a:defRPr>
+                <a:solidFill>
+                  <a:schemeClr val="tx1"/>
+                </a:solidFill>
+                <a:latin typeface="Arial" panose="020B0604020202020204" pitchFamily="34" charset="0"/>
+              </a:defRPr>
+            </a:lvl5pPr>
+            <a:lvl6pPr eaLnBrk="0" fontAlgn="base" hangingPunct="0">
+              <a:spcBef>
+                <a:spcPct val="0"/>
+              </a:spcBef>
+              <a:spcAft>
+                <a:spcPct val="0"/>
+              </a:spcAft>
+              <a:defRPr>
+                <a:solidFill>
+                  <a:schemeClr val="tx1"/>
+                </a:solidFill>
+                <a:latin typeface="Arial" panose="020B0604020202020204" pitchFamily="34" charset="0"/>
+              </a:defRPr>
+            </a:lvl6pPr>
+            <a:lvl7pPr eaLnBrk="0" fontAlgn="base" hangingPunct="0">
+              <a:spcBef>
+                <a:spcPct val="0"/>
+              </a:spcBef>
+              <a:spcAft>
+                <a:spcPct val="0"/>
+              </a:spcAft>
+              <a:defRPr>
+                <a:solidFill>
+                  <a:schemeClr val="tx1"/>
+                </a:solidFill>
+                <a:latin typeface="Arial" panose="020B0604020202020204" pitchFamily="34" charset="0"/>
+              </a:defRPr>
+            </a:lvl7pPr>
+            <a:lvl8pPr eaLnBrk="0" fontAlgn="base" hangingPunct="0">
+              <a:spcBef>
+                <a:spcPct val="0"/>
+              </a:spcBef>
+              <a:spcAft>
+                <a:spcPct val="0"/>
+              </a:spcAft>
+              <a:defRPr>
+                <a:solidFill>
+                  <a:schemeClr val="tx1"/>
+                </a:solidFill>
+                <a:latin typeface="Arial" panose="020B0604020202020204" pitchFamily="34" charset="0"/>
+              </a:defRPr>
+            </a:lvl8pPr>
+            <a:lvl9pPr eaLnBrk="0" fontAlgn="base" hangingPunct="0">
+              <a:spcBef>
+                <a:spcPct val="0"/>
+              </a:spcBef>
+              <a:spcAft>
+                <a:spcPct val="0"/>
+              </a:spcAft>
+              <a:defRPr>
+                <a:solidFill>
+                  <a:schemeClr val="tx1"/>
+                </a:solidFill>
+                <a:latin typeface="Arial" panose="020B0604020202020204" pitchFamily="34" charset="0"/>
+              </a:defRPr>
+            </a:lvl9pPr>
+          </a:lstStyle>
+          <a:p>
+            <a:pPr marL="0" marR="0" lvl="0" indent="0" algn="l" defTabSz="914400" rtl="0" eaLnBrk="0" fontAlgn="base" latinLnBrk="0" hangingPunct="0">
+              <a:lnSpc>
+                <a:spcPct val="100000"/>
+              </a:lnSpc>
+              <a:spcBef>
+                <a:spcPct val="0"/>
+              </a:spcBef>
+              <a:spcAft>
+                <a:spcPct val="0"/>
+              </a:spcAft>
+              <a:buClrTx/>
+              <a:buSzTx/>
+              <a:buFontTx/>
+              <a:buNone/>
+              <a:tabLst/>
+            </a:pPr>
+            <a:endParaRPr kumimoji="0" lang="en-US" altLang="en-US" sz="1800" b="0" i="0" u="none" strike="noStrike" cap="none" normalizeH="0" baseline="0" dirty="0">
+              <a:ln>
+                <a:noFill/>
+              </a:ln>
+              <a:solidFill>
+                <a:schemeClr val="tx1"/>
+              </a:solidFill>
+              <a:effectLst/>
+              <a:latin typeface="Arial" panose="020B0604020202020204" pitchFamily="34" charset="0"/>
+            </a:endParaRPr>
+          </a:p>
+        </p:txBody>
+      </p:sp>
+      <p:sp>
+        <p:nvSpPr>
+          <p:cNvPr id="7" name="Rectangle 2">
+            <a:extLst>
+              <a:ext uri="{FF2B5EF4-FFF2-40B4-BE49-F238E27FC236}">
+                <a16:creationId xmlns:a16="http://schemas.microsoft.com/office/drawing/2014/main" id="{4212D838-640C-75D2-A8A7-BAD21E5F432F}"/>
+              </a:ext>
+            </a:extLst>
+          </p:cNvPr>
+          <p:cNvSpPr>
+            <a:spLocks noChangeArrowheads="1"/>
+          </p:cNvSpPr>
+          <p:nvPr/>
+        </p:nvSpPr>
+        <p:spPr bwMode="auto">
+          <a:xfrm>
+            <a:off x="1161288" y="4993294"/>
+            <a:ext cx="65" cy="677623"/>
+          </a:xfrm>
+          <a:prstGeom prst="rect">
+            <a:avLst/>
+          </a:prstGeom>
+          <a:solidFill>
+            <a:srgbClr val="FFFFFF"/>
+          </a:solidFill>
+          <a:ln>
+            <a:noFill/>
+          </a:ln>
+          <a:effectLst/>
+          <a:extLst>
+            <a:ext uri="{91240B29-F687-4F45-9708-019B960494DF}">
+              <a14:hiddenLine xmlns:a14="http://schemas.microsoft.com/office/drawing/2010/main" w="9525">
+                <a:solidFill>
+                  <a:schemeClr val="tx1"/>
+                </a:solidFill>
+                <a:miter lim="800000"/>
+                <a:headEnd/>
+                <a:tailEnd/>
+              </a14:hiddenLine>
+            </a:ext>
+            <a:ext uri="{AF507438-7753-43E0-B8FC-AC1667EBCBE1}">
+              <a14:hiddenEffects xmlns:a14="http://schemas.microsoft.com/office/drawing/2010/main">
+                <a:effectLst>
+                  <a:outerShdw dist="35921" dir="2700000" algn="ctr" rotWithShape="0">
+                    <a:schemeClr val="bg2"/>
+                  </a:outerShdw>
+                </a:effectLst>
+              </a14:hiddenEffects>
+            </a:ext>
+          </a:extLst>
+        </p:spPr>
+        <p:txBody>
+          <a:bodyPr vert="horz" wrap="none" lIns="0" tIns="198375" rIns="0" bIns="198375" numCol="1" anchor="ctr" anchorCtr="0" compatLnSpc="1">
+            <a:prstTxWarp prst="textNoShape">
+              <a:avLst/>
+            </a:prstTxWarp>
+            <a:spAutoFit/>
+          </a:bodyPr>
+          <a:lstStyle/>
+          <a:p>
+            <a:pPr marL="0" marR="0" lvl="0" indent="0" algn="l" defTabSz="914400" rtl="0" eaLnBrk="0" fontAlgn="base" latinLnBrk="0" hangingPunct="0">
+              <a:lnSpc>
+                <a:spcPct val="100000"/>
+              </a:lnSpc>
+              <a:spcBef>
+                <a:spcPct val="0"/>
+              </a:spcBef>
+              <a:spcAft>
+                <a:spcPct val="0"/>
+              </a:spcAft>
+              <a:buClrTx/>
+              <a:buSzTx/>
+              <a:buFontTx/>
+              <a:buNone/>
+              <a:tabLst/>
+            </a:pPr>
+            <a:endParaRPr kumimoji="0" lang="en-US" altLang="en-US" sz="1800" b="0" i="0" u="none" strike="noStrike" cap="none" normalizeH="0" baseline="0" dirty="0">
+              <a:ln>
+                <a:noFill/>
+              </a:ln>
+              <a:solidFill>
+                <a:schemeClr val="tx1"/>
+              </a:solidFill>
+              <a:effectLst/>
+              <a:latin typeface="Arial" panose="020B0604020202020204" pitchFamily="34" charset="0"/>
+            </a:endParaRPr>
+          </a:p>
+        </p:txBody>
+      </p:sp>
+      <p:sp>
+        <p:nvSpPr>
+          <p:cNvPr id="8" name="Rectangle 1">
+            <a:extLst>
+              <a:ext uri="{FF2B5EF4-FFF2-40B4-BE49-F238E27FC236}">
+                <a16:creationId xmlns:a16="http://schemas.microsoft.com/office/drawing/2014/main" id="{35198FCE-29F4-61F9-0E43-02B3637622A9}"/>
+              </a:ext>
+            </a:extLst>
+          </p:cNvPr>
+          <p:cNvSpPr>
+            <a:spLocks noChangeArrowheads="1"/>
+          </p:cNvSpPr>
+          <p:nvPr/>
+        </p:nvSpPr>
+        <p:spPr bwMode="auto">
+          <a:xfrm>
+            <a:off x="1709928" y="2550953"/>
+            <a:ext cx="65" cy="585290"/>
+          </a:xfrm>
+          <a:prstGeom prst="rect">
+            <a:avLst/>
+          </a:prstGeom>
+          <a:solidFill>
+            <a:srgbClr val="FFFFFF"/>
+          </a:solidFill>
+          <a:ln>
+            <a:noFill/>
+          </a:ln>
+          <a:effectLst/>
+          <a:extLst>
+            <a:ext uri="{91240B29-F687-4F45-9708-019B960494DF}">
+              <a14:hiddenLine xmlns:a14="http://schemas.microsoft.com/office/drawing/2010/main" w="9525">
+                <a:solidFill>
+                  <a:schemeClr val="tx1"/>
+                </a:solidFill>
+                <a:miter lim="800000"/>
+                <a:headEnd/>
+                <a:tailEnd/>
+              </a14:hiddenLine>
+            </a:ext>
+            <a:ext uri="{AF507438-7753-43E0-B8FC-AC1667EBCBE1}">
+              <a14:hiddenEffects xmlns:a14="http://schemas.microsoft.com/office/drawing/2010/main">
+                <a:effectLst>
+                  <a:outerShdw dist="35921" dir="2700000" algn="ctr" rotWithShape="0">
+                    <a:schemeClr val="bg2"/>
+                  </a:outerShdw>
+                </a:effectLst>
+              </a14:hiddenEffects>
+            </a:ext>
+          </a:extLst>
+        </p:spPr>
+        <p:txBody>
+          <a:bodyPr vert="horz" wrap="none" lIns="0" tIns="198375" rIns="0" bIns="198375" numCol="1" anchor="ctr" anchorCtr="0" compatLnSpc="1">
+            <a:prstTxWarp prst="textNoShape">
+              <a:avLst/>
+            </a:prstTxWarp>
+            <a:spAutoFit/>
+          </a:bodyPr>
+          <a:lstStyle>
+            <a:lvl1pPr eaLnBrk="0" fontAlgn="base" hangingPunct="0">
+              <a:spcBef>
+                <a:spcPct val="0"/>
+              </a:spcBef>
+              <a:spcAft>
+                <a:spcPct val="0"/>
+              </a:spcAft>
+              <a:defRPr>
+                <a:solidFill>
+                  <a:schemeClr val="tx1"/>
+                </a:solidFill>
+                <a:latin typeface="Arial" panose="020B0604020202020204" pitchFamily="34" charset="0"/>
+              </a:defRPr>
+            </a:lvl1pPr>
+            <a:lvl2pPr eaLnBrk="0" fontAlgn="base" hangingPunct="0">
+              <a:spcBef>
+                <a:spcPct val="0"/>
+              </a:spcBef>
+              <a:spcAft>
+                <a:spcPct val="0"/>
+              </a:spcAft>
+              <a:defRPr>
+                <a:solidFill>
+                  <a:schemeClr val="tx1"/>
+                </a:solidFill>
+                <a:latin typeface="Arial" panose="020B0604020202020204" pitchFamily="34" charset="0"/>
+              </a:defRPr>
+            </a:lvl2pPr>
+            <a:lvl3pPr eaLnBrk="0" fontAlgn="base" hangingPunct="0">
+              <a:spcBef>
+                <a:spcPct val="0"/>
+              </a:spcBef>
+              <a:spcAft>
+                <a:spcPct val="0"/>
+              </a:spcAft>
+              <a:defRPr>
+                <a:solidFill>
+                  <a:schemeClr val="tx1"/>
+                </a:solidFill>
+                <a:latin typeface="Arial" panose="020B0604020202020204" pitchFamily="34" charset="0"/>
+              </a:defRPr>
+            </a:lvl3pPr>
+            <a:lvl4pPr eaLnBrk="0" fontAlgn="base" hangingPunct="0">
+              <a:spcBef>
+                <a:spcPct val="0"/>
+              </a:spcBef>
+              <a:spcAft>
+                <a:spcPct val="0"/>
+              </a:spcAft>
+              <a:defRPr>
+                <a:solidFill>
+                  <a:schemeClr val="tx1"/>
+                </a:solidFill>
+                <a:latin typeface="Arial" panose="020B0604020202020204" pitchFamily="34" charset="0"/>
+              </a:defRPr>
+            </a:lvl4pPr>
+            <a:lvl5pPr eaLnBrk="0" fontAlgn="base" hangingPunct="0">
+              <a:spcBef>
+                <a:spcPct val="0"/>
+              </a:spcBef>
+              <a:spcAft>
+                <a:spcPct val="0"/>
+              </a:spcAft>
+              <a:defRPr>
+                <a:solidFill>
+                  <a:schemeClr val="tx1"/>
+                </a:solidFill>
+                <a:latin typeface="Arial" panose="020B0604020202020204" pitchFamily="34" charset="0"/>
+              </a:defRPr>
+            </a:lvl5pPr>
+            <a:lvl6pPr eaLnBrk="0" fontAlgn="base" hangingPunct="0">
+              <a:spcBef>
+                <a:spcPct val="0"/>
+              </a:spcBef>
+              <a:spcAft>
+                <a:spcPct val="0"/>
+              </a:spcAft>
+              <a:defRPr>
+                <a:solidFill>
+                  <a:schemeClr val="tx1"/>
+                </a:solidFill>
+                <a:latin typeface="Arial" panose="020B0604020202020204" pitchFamily="34" charset="0"/>
+              </a:defRPr>
+            </a:lvl6pPr>
+            <a:lvl7pPr eaLnBrk="0" fontAlgn="base" hangingPunct="0">
+              <a:spcBef>
+                <a:spcPct val="0"/>
+              </a:spcBef>
+              <a:spcAft>
+                <a:spcPct val="0"/>
+              </a:spcAft>
+              <a:defRPr>
+                <a:solidFill>
+                  <a:schemeClr val="tx1"/>
+                </a:solidFill>
+                <a:latin typeface="Arial" panose="020B0604020202020204" pitchFamily="34" charset="0"/>
+              </a:defRPr>
+            </a:lvl7pPr>
+            <a:lvl8pPr eaLnBrk="0" fontAlgn="base" hangingPunct="0">
+              <a:spcBef>
+                <a:spcPct val="0"/>
+              </a:spcBef>
+              <a:spcAft>
+                <a:spcPct val="0"/>
+              </a:spcAft>
+              <a:defRPr>
+                <a:solidFill>
+                  <a:schemeClr val="tx1"/>
+                </a:solidFill>
+                <a:latin typeface="Arial" panose="020B0604020202020204" pitchFamily="34" charset="0"/>
+              </a:defRPr>
+            </a:lvl8pPr>
+            <a:lvl9pPr eaLnBrk="0" fontAlgn="base" hangingPunct="0">
+              <a:spcBef>
+                <a:spcPct val="0"/>
+              </a:spcBef>
+              <a:spcAft>
+                <a:spcPct val="0"/>
+              </a:spcAft>
+              <a:defRPr>
+                <a:solidFill>
+                  <a:schemeClr val="tx1"/>
+                </a:solidFill>
+                <a:latin typeface="Arial" panose="020B0604020202020204" pitchFamily="34" charset="0"/>
+              </a:defRPr>
+            </a:lvl9pPr>
+          </a:lstStyle>
+          <a:p>
+            <a:pPr marL="0" marR="0" lvl="0" indent="0" algn="l" defTabSz="914400" rtl="0" eaLnBrk="0" fontAlgn="base" latinLnBrk="0" hangingPunct="0">
+              <a:lnSpc>
+                <a:spcPct val="100000"/>
+              </a:lnSpc>
+              <a:spcBef>
+                <a:spcPct val="0"/>
+              </a:spcBef>
+              <a:spcAft>
+                <a:spcPct val="0"/>
+              </a:spcAft>
+              <a:buClrTx/>
+              <a:buSzTx/>
+              <a:buFontTx/>
+              <a:buNone/>
+              <a:tabLst/>
+            </a:pPr>
+            <a:endParaRPr kumimoji="0" lang="en-US" altLang="en-US" sz="1200" b="0" i="0" u="none" strike="noStrike" cap="none" normalizeH="0" baseline="0" dirty="0">
+              <a:ln>
+                <a:noFill/>
+              </a:ln>
+              <a:solidFill>
+                <a:srgbClr val="0D0D0D"/>
+              </a:solidFill>
+              <a:effectLst/>
+              <a:latin typeface="Söhne"/>
+            </a:endParaRPr>
+          </a:p>
+        </p:txBody>
+      </p:sp>
+    </p:spTree>
+    <p:extLst>
+      <p:ext uri="{BB962C8B-B14F-4D97-AF65-F5344CB8AC3E}">
+        <p14:creationId xmlns:p14="http://schemas.microsoft.com/office/powerpoint/2010/main" val="2347916344"/>
+      </p:ext>
+    </p:extLst>
+  </p:cSld>
+  <p:clrMapOvr>
+    <a:masterClrMapping/>
+  </p:clrMapOvr>
+</p:sld>
+</file>
+
+<file path=ppt/slides/slide18.xml><?xml version="1.0" encoding="utf-8"?>
+<p:sld xmlns:a="http://schemas.openxmlformats.org/drawingml/2006/main" xmlns:r="http://schemas.openxmlformats.org/officeDocument/2006/relationships" xmlns:p="http://schemas.openxmlformats.org/presentationml/2006/main">
+  <p:cSld>
+    <p:spTree>
+      <p:nvGrpSpPr>
+        <p:cNvPr id="1" name=""/>
+        <p:cNvGrpSpPr/>
+        <p:nvPr/>
+      </p:nvGrpSpPr>
+      <p:grpSpPr>
+        <a:xfrm>
+          <a:off x="0" y="0"/>
+          <a:ext cx="0" cy="0"/>
+          <a:chOff x="0" y="0"/>
+          <a:chExt cx="0" cy="0"/>
+        </a:xfrm>
+      </p:grpSpPr>
+      <p:sp>
+        <p:nvSpPr>
+          <p:cNvPr id="2" name="TextBox 1">
+            <a:extLst>
+              <a:ext uri="{FF2B5EF4-FFF2-40B4-BE49-F238E27FC236}">
+                <a16:creationId xmlns:a16="http://schemas.microsoft.com/office/drawing/2014/main" id="{2C265965-136C-12A1-055A-8C1D00DA0493}"/>
+              </a:ext>
+            </a:extLst>
+          </p:cNvPr>
+          <p:cNvSpPr txBox="1"/>
+          <p:nvPr/>
+        </p:nvSpPr>
+        <p:spPr>
+          <a:xfrm>
+            <a:off x="3945036" y="79866"/>
+            <a:ext cx="4613748" cy="646331"/>
+          </a:xfrm>
+          <a:prstGeom prst="rect">
+            <a:avLst/>
+          </a:prstGeom>
+          <a:noFill/>
+        </p:spPr>
+        <p:txBody>
+          <a:bodyPr wrap="square" rtlCol="0">
+            <a:spAutoFit/>
+          </a:bodyPr>
+          <a:lstStyle/>
+          <a:p>
+            <a:r>
+              <a:rPr lang="en-IN" dirty="0"/>
+              <a:t>Update the Cache of the CloudFront distribution </a:t>
+            </a:r>
+          </a:p>
+        </p:txBody>
+      </p:sp>
+      <p:sp>
+        <p:nvSpPr>
+          <p:cNvPr id="3" name="Rectangle 2">
+            <a:extLst>
+              <a:ext uri="{FF2B5EF4-FFF2-40B4-BE49-F238E27FC236}">
+                <a16:creationId xmlns:a16="http://schemas.microsoft.com/office/drawing/2014/main" id="{A6AE37A1-9329-E66A-748C-E67F9664C20D}"/>
+              </a:ext>
+            </a:extLst>
+          </p:cNvPr>
+          <p:cNvSpPr/>
+          <p:nvPr/>
+        </p:nvSpPr>
+        <p:spPr>
+          <a:xfrm>
+            <a:off x="3502165" y="94154"/>
+            <a:ext cx="4613747" cy="751564"/>
+          </a:xfrm>
+          <a:prstGeom prst="rect">
+            <a:avLst/>
+          </a:prstGeom>
+          <a:solidFill>
+            <a:schemeClr val="accent4">
+              <a:alpha val="50000"/>
+            </a:schemeClr>
+          </a:solidFill>
+          <a:ln>
+            <a:noFill/>
+          </a:ln>
+        </p:spPr>
+        <p:style>
+          <a:lnRef idx="0">
+            <a:scrgbClr r="0" g="0" b="0"/>
+          </a:lnRef>
+          <a:fillRef idx="0">
+            <a:scrgbClr r="0" g="0" b="0"/>
+          </a:fillRef>
+          <a:effectRef idx="0">
+            <a:scrgbClr r="0" g="0" b="0"/>
+          </a:effectRef>
+          <a:fontRef idx="minor">
+            <a:schemeClr val="lt1"/>
+          </a:fontRef>
+        </p:style>
+        <p:txBody>
+          <a:bodyPr rtlCol="0" anchor="ctr"/>
+          <a:lstStyle/>
+          <a:p>
+            <a:pPr algn="ctr"/>
+            <a:endParaRPr lang="en-IN" dirty="0"/>
+          </a:p>
+        </p:txBody>
+      </p:sp>
+      <p:sp>
+        <p:nvSpPr>
+          <p:cNvPr id="5" name="TextBox 4">
+            <a:extLst>
+              <a:ext uri="{FF2B5EF4-FFF2-40B4-BE49-F238E27FC236}">
+                <a16:creationId xmlns:a16="http://schemas.microsoft.com/office/drawing/2014/main" id="{9B9BD926-67D0-13C2-0B17-058C1A4DD430}"/>
+              </a:ext>
+            </a:extLst>
+          </p:cNvPr>
+          <p:cNvSpPr txBox="1"/>
+          <p:nvPr/>
+        </p:nvSpPr>
+        <p:spPr>
+          <a:xfrm>
+            <a:off x="605254" y="1121787"/>
+            <a:ext cx="11045750" cy="369332"/>
+          </a:xfrm>
+          <a:prstGeom prst="rect">
+            <a:avLst/>
+          </a:prstGeom>
+          <a:noFill/>
+        </p:spPr>
+        <p:txBody>
+          <a:bodyPr wrap="square">
+            <a:spAutoFit/>
+          </a:bodyPr>
+          <a:lstStyle/>
+          <a:p>
+            <a:pPr algn="l"/>
+            <a:r>
+              <a:rPr lang="en-US" b="1" dirty="0">
+                <a:solidFill>
+                  <a:srgbClr val="0D0D0D"/>
+                </a:solidFill>
+                <a:highlight>
+                  <a:srgbClr val="FFFFFF"/>
+                </a:highlight>
+                <a:latin typeface="Segoe UI" panose="020B0502040204020203" pitchFamily="34" charset="0"/>
+                <a:cs typeface="Segoe UI" panose="020B0502040204020203" pitchFamily="34" charset="0"/>
+              </a:rPr>
+              <a:t>Step - </a:t>
+            </a:r>
+            <a:r>
+              <a:rPr lang="en-US" b="1" i="0" dirty="0">
+                <a:solidFill>
+                  <a:srgbClr val="0D0D0D"/>
+                </a:solidFill>
+                <a:effectLst/>
+                <a:highlight>
+                  <a:srgbClr val="FFFFFF"/>
+                </a:highlight>
+                <a:latin typeface="Segoe UI" panose="020B0502040204020203" pitchFamily="34" charset="0"/>
+                <a:cs typeface="Segoe UI" panose="020B0502040204020203" pitchFamily="34" charset="0"/>
+              </a:rPr>
+              <a:t>Configure IAM Roles and Permissions – More detailing…</a:t>
+            </a:r>
+          </a:p>
+        </p:txBody>
+      </p:sp>
+      <p:sp>
+        <p:nvSpPr>
+          <p:cNvPr id="14" name="Rectangle 13">
+            <a:extLst>
+              <a:ext uri="{FF2B5EF4-FFF2-40B4-BE49-F238E27FC236}">
+                <a16:creationId xmlns:a16="http://schemas.microsoft.com/office/drawing/2014/main" id="{FD44E5A0-C29D-DBF5-B911-1E5670ED6F69}"/>
+              </a:ext>
+            </a:extLst>
+          </p:cNvPr>
+          <p:cNvSpPr/>
+          <p:nvPr/>
+        </p:nvSpPr>
+        <p:spPr>
+          <a:xfrm>
+            <a:off x="420624" y="1005840"/>
+            <a:ext cx="11338560" cy="5605532"/>
+          </a:xfrm>
+          <a:prstGeom prst="rect">
+            <a:avLst/>
+          </a:prstGeom>
+          <a:noFill/>
+          <a:ln w="9525" cap="flat" cmpd="sng" algn="ctr">
+            <a:solidFill>
+              <a:schemeClr val="accent3"/>
+            </a:solidFill>
+            <a:prstDash val="solid"/>
+            <a:round/>
+            <a:headEnd type="none" w="med" len="med"/>
+            <a:tailEnd type="none" w="med" len="med"/>
+          </a:ln>
+        </p:spPr>
+        <p:style>
+          <a:lnRef idx="0">
+            <a:scrgbClr r="0" g="0" b="0"/>
+          </a:lnRef>
+          <a:fillRef idx="0">
+            <a:scrgbClr r="0" g="0" b="0"/>
+          </a:fillRef>
+          <a:effectRef idx="0">
+            <a:scrgbClr r="0" g="0" b="0"/>
+          </a:effectRef>
+          <a:fontRef idx="minor">
+            <a:schemeClr val="accent3"/>
+          </a:fontRef>
+        </p:style>
+        <p:txBody>
+          <a:bodyPr rtlCol="0" anchor="ctr"/>
+          <a:lstStyle/>
+          <a:p>
+            <a:pPr algn="ctr"/>
+            <a:endParaRPr lang="en-IN"/>
+          </a:p>
+        </p:txBody>
+      </p:sp>
+      <p:sp>
+        <p:nvSpPr>
+          <p:cNvPr id="4" name="Rectangle 1">
+            <a:extLst>
+              <a:ext uri="{FF2B5EF4-FFF2-40B4-BE49-F238E27FC236}">
+                <a16:creationId xmlns:a16="http://schemas.microsoft.com/office/drawing/2014/main" id="{19E276DD-B16E-781E-E3D4-A0DA68978433}"/>
+              </a:ext>
+            </a:extLst>
+          </p:cNvPr>
+          <p:cNvSpPr>
+            <a:spLocks noChangeArrowheads="1"/>
+          </p:cNvSpPr>
+          <p:nvPr/>
+        </p:nvSpPr>
+        <p:spPr bwMode="auto">
+          <a:xfrm>
+            <a:off x="1709928" y="4014402"/>
+            <a:ext cx="65" cy="677623"/>
+          </a:xfrm>
+          <a:prstGeom prst="rect">
+            <a:avLst/>
+          </a:prstGeom>
+          <a:solidFill>
+            <a:srgbClr val="FFFFFF"/>
+          </a:solidFill>
+          <a:ln>
+            <a:noFill/>
+          </a:ln>
+          <a:effectLst/>
+          <a:extLst>
+            <a:ext uri="{91240B29-F687-4F45-9708-019B960494DF}">
+              <a14:hiddenLine xmlns:a14="http://schemas.microsoft.com/office/drawing/2010/main" w="9525">
+                <a:solidFill>
+                  <a:schemeClr val="tx1"/>
+                </a:solidFill>
+                <a:miter lim="800000"/>
+                <a:headEnd/>
+                <a:tailEnd/>
+              </a14:hiddenLine>
+            </a:ext>
+            <a:ext uri="{AF507438-7753-43E0-B8FC-AC1667EBCBE1}">
+              <a14:hiddenEffects xmlns:a14="http://schemas.microsoft.com/office/drawing/2010/main">
+                <a:effectLst>
+                  <a:outerShdw dist="35921" dir="2700000" algn="ctr" rotWithShape="0">
+                    <a:schemeClr val="bg2"/>
+                  </a:outerShdw>
+                </a:effectLst>
+              </a14:hiddenEffects>
+            </a:ext>
+          </a:extLst>
+        </p:spPr>
+        <p:txBody>
+          <a:bodyPr vert="horz" wrap="none" lIns="0" tIns="198375" rIns="0" bIns="198375" numCol="1" anchor="ctr" anchorCtr="0" compatLnSpc="1">
+            <a:prstTxWarp prst="textNoShape">
+              <a:avLst/>
+            </a:prstTxWarp>
+            <a:spAutoFit/>
+          </a:bodyPr>
+          <a:lstStyle>
+            <a:lvl1pPr eaLnBrk="0" fontAlgn="base" hangingPunct="0">
+              <a:spcBef>
+                <a:spcPct val="0"/>
+              </a:spcBef>
+              <a:spcAft>
+                <a:spcPct val="0"/>
+              </a:spcAft>
+              <a:defRPr>
+                <a:solidFill>
+                  <a:schemeClr val="tx1"/>
+                </a:solidFill>
+                <a:latin typeface="Arial" panose="020B0604020202020204" pitchFamily="34" charset="0"/>
+              </a:defRPr>
+            </a:lvl1pPr>
+            <a:lvl2pPr eaLnBrk="0" fontAlgn="base" hangingPunct="0">
+              <a:spcBef>
+                <a:spcPct val="0"/>
+              </a:spcBef>
+              <a:spcAft>
+                <a:spcPct val="0"/>
+              </a:spcAft>
+              <a:defRPr>
+                <a:solidFill>
+                  <a:schemeClr val="tx1"/>
+                </a:solidFill>
+                <a:latin typeface="Arial" panose="020B0604020202020204" pitchFamily="34" charset="0"/>
+              </a:defRPr>
+            </a:lvl2pPr>
+            <a:lvl3pPr eaLnBrk="0" fontAlgn="base" hangingPunct="0">
+              <a:spcBef>
+                <a:spcPct val="0"/>
+              </a:spcBef>
+              <a:spcAft>
+                <a:spcPct val="0"/>
+              </a:spcAft>
+              <a:defRPr>
+                <a:solidFill>
+                  <a:schemeClr val="tx1"/>
+                </a:solidFill>
+                <a:latin typeface="Arial" panose="020B0604020202020204" pitchFamily="34" charset="0"/>
+              </a:defRPr>
+            </a:lvl3pPr>
+            <a:lvl4pPr eaLnBrk="0" fontAlgn="base" hangingPunct="0">
+              <a:spcBef>
+                <a:spcPct val="0"/>
+              </a:spcBef>
+              <a:spcAft>
+                <a:spcPct val="0"/>
+              </a:spcAft>
+              <a:defRPr>
+                <a:solidFill>
+                  <a:schemeClr val="tx1"/>
+                </a:solidFill>
+                <a:latin typeface="Arial" panose="020B0604020202020204" pitchFamily="34" charset="0"/>
+              </a:defRPr>
+            </a:lvl4pPr>
+            <a:lvl5pPr eaLnBrk="0" fontAlgn="base" hangingPunct="0">
+              <a:spcBef>
+                <a:spcPct val="0"/>
+              </a:spcBef>
+              <a:spcAft>
+                <a:spcPct val="0"/>
+              </a:spcAft>
+              <a:defRPr>
+                <a:solidFill>
+                  <a:schemeClr val="tx1"/>
+                </a:solidFill>
+                <a:latin typeface="Arial" panose="020B0604020202020204" pitchFamily="34" charset="0"/>
+              </a:defRPr>
+            </a:lvl5pPr>
+            <a:lvl6pPr eaLnBrk="0" fontAlgn="base" hangingPunct="0">
+              <a:spcBef>
+                <a:spcPct val="0"/>
+              </a:spcBef>
+              <a:spcAft>
+                <a:spcPct val="0"/>
+              </a:spcAft>
+              <a:defRPr>
+                <a:solidFill>
+                  <a:schemeClr val="tx1"/>
+                </a:solidFill>
+                <a:latin typeface="Arial" panose="020B0604020202020204" pitchFamily="34" charset="0"/>
+              </a:defRPr>
+            </a:lvl6pPr>
+            <a:lvl7pPr eaLnBrk="0" fontAlgn="base" hangingPunct="0">
+              <a:spcBef>
+                <a:spcPct val="0"/>
+              </a:spcBef>
+              <a:spcAft>
+                <a:spcPct val="0"/>
+              </a:spcAft>
+              <a:defRPr>
+                <a:solidFill>
+                  <a:schemeClr val="tx1"/>
+                </a:solidFill>
+                <a:latin typeface="Arial" panose="020B0604020202020204" pitchFamily="34" charset="0"/>
+              </a:defRPr>
+            </a:lvl7pPr>
+            <a:lvl8pPr eaLnBrk="0" fontAlgn="base" hangingPunct="0">
+              <a:spcBef>
+                <a:spcPct val="0"/>
+              </a:spcBef>
+              <a:spcAft>
+                <a:spcPct val="0"/>
+              </a:spcAft>
+              <a:defRPr>
+                <a:solidFill>
+                  <a:schemeClr val="tx1"/>
+                </a:solidFill>
+                <a:latin typeface="Arial" panose="020B0604020202020204" pitchFamily="34" charset="0"/>
+              </a:defRPr>
+            </a:lvl8pPr>
+            <a:lvl9pPr eaLnBrk="0" fontAlgn="base" hangingPunct="0">
+              <a:spcBef>
+                <a:spcPct val="0"/>
+              </a:spcBef>
+              <a:spcAft>
+                <a:spcPct val="0"/>
+              </a:spcAft>
+              <a:defRPr>
+                <a:solidFill>
+                  <a:schemeClr val="tx1"/>
+                </a:solidFill>
+                <a:latin typeface="Arial" panose="020B0604020202020204" pitchFamily="34" charset="0"/>
+              </a:defRPr>
+            </a:lvl9pPr>
+          </a:lstStyle>
+          <a:p>
+            <a:pPr marL="0" marR="0" lvl="0" indent="0" algn="l" defTabSz="914400" rtl="0" eaLnBrk="0" fontAlgn="base" latinLnBrk="0" hangingPunct="0">
+              <a:lnSpc>
+                <a:spcPct val="100000"/>
+              </a:lnSpc>
+              <a:spcBef>
+                <a:spcPct val="0"/>
+              </a:spcBef>
+              <a:spcAft>
+                <a:spcPct val="0"/>
+              </a:spcAft>
+              <a:buClrTx/>
+              <a:buSzTx/>
+              <a:buFontTx/>
+              <a:buNone/>
+              <a:tabLst/>
+            </a:pPr>
+            <a:endParaRPr kumimoji="0" lang="en-US" altLang="en-US" sz="1800" b="0" i="0" u="none" strike="noStrike" cap="none" normalizeH="0" baseline="0" dirty="0">
+              <a:ln>
+                <a:noFill/>
+              </a:ln>
+              <a:solidFill>
+                <a:schemeClr val="tx1"/>
+              </a:solidFill>
+              <a:effectLst/>
+              <a:latin typeface="Arial" panose="020B0604020202020204" pitchFamily="34" charset="0"/>
+            </a:endParaRPr>
+          </a:p>
+        </p:txBody>
+      </p:sp>
+      <p:sp>
+        <p:nvSpPr>
+          <p:cNvPr id="7" name="Rectangle 2">
+            <a:extLst>
+              <a:ext uri="{FF2B5EF4-FFF2-40B4-BE49-F238E27FC236}">
+                <a16:creationId xmlns:a16="http://schemas.microsoft.com/office/drawing/2014/main" id="{4212D838-640C-75D2-A8A7-BAD21E5F432F}"/>
+              </a:ext>
+            </a:extLst>
+          </p:cNvPr>
+          <p:cNvSpPr>
+            <a:spLocks noChangeArrowheads="1"/>
+          </p:cNvSpPr>
+          <p:nvPr/>
+        </p:nvSpPr>
+        <p:spPr bwMode="auto">
+          <a:xfrm>
+            <a:off x="1161288" y="4993294"/>
+            <a:ext cx="65" cy="677623"/>
+          </a:xfrm>
+          <a:prstGeom prst="rect">
+            <a:avLst/>
+          </a:prstGeom>
+          <a:solidFill>
+            <a:srgbClr val="FFFFFF"/>
+          </a:solidFill>
+          <a:ln>
+            <a:noFill/>
+          </a:ln>
+          <a:effectLst/>
+          <a:extLst>
+            <a:ext uri="{91240B29-F687-4F45-9708-019B960494DF}">
+              <a14:hiddenLine xmlns:a14="http://schemas.microsoft.com/office/drawing/2010/main" w="9525">
+                <a:solidFill>
+                  <a:schemeClr val="tx1"/>
+                </a:solidFill>
+                <a:miter lim="800000"/>
+                <a:headEnd/>
+                <a:tailEnd/>
+              </a14:hiddenLine>
+            </a:ext>
+            <a:ext uri="{AF507438-7753-43E0-B8FC-AC1667EBCBE1}">
+              <a14:hiddenEffects xmlns:a14="http://schemas.microsoft.com/office/drawing/2010/main">
+                <a:effectLst>
+                  <a:outerShdw dist="35921" dir="2700000" algn="ctr" rotWithShape="0">
+                    <a:schemeClr val="bg2"/>
+                  </a:outerShdw>
+                </a:effectLst>
+              </a14:hiddenEffects>
+            </a:ext>
+          </a:extLst>
+        </p:spPr>
+        <p:txBody>
+          <a:bodyPr vert="horz" wrap="none" lIns="0" tIns="198375" rIns="0" bIns="198375" numCol="1" anchor="ctr" anchorCtr="0" compatLnSpc="1">
+            <a:prstTxWarp prst="textNoShape">
+              <a:avLst/>
+            </a:prstTxWarp>
+            <a:spAutoFit/>
+          </a:bodyPr>
+          <a:lstStyle/>
+          <a:p>
+            <a:pPr marL="0" marR="0" lvl="0" indent="0" algn="l" defTabSz="914400" rtl="0" eaLnBrk="0" fontAlgn="base" latinLnBrk="0" hangingPunct="0">
+              <a:lnSpc>
+                <a:spcPct val="100000"/>
+              </a:lnSpc>
+              <a:spcBef>
+                <a:spcPct val="0"/>
+              </a:spcBef>
+              <a:spcAft>
+                <a:spcPct val="0"/>
+              </a:spcAft>
+              <a:buClrTx/>
+              <a:buSzTx/>
+              <a:buFontTx/>
+              <a:buNone/>
+              <a:tabLst/>
+            </a:pPr>
+            <a:endParaRPr kumimoji="0" lang="en-US" altLang="en-US" sz="1800" b="0" i="0" u="none" strike="noStrike" cap="none" normalizeH="0" baseline="0" dirty="0">
+              <a:ln>
+                <a:noFill/>
+              </a:ln>
+              <a:solidFill>
+                <a:schemeClr val="tx1"/>
+              </a:solidFill>
+              <a:effectLst/>
+              <a:latin typeface="Arial" panose="020B0604020202020204" pitchFamily="34" charset="0"/>
+            </a:endParaRPr>
+          </a:p>
+        </p:txBody>
+      </p:sp>
+      <p:sp>
+        <p:nvSpPr>
+          <p:cNvPr id="8" name="Rectangle 1">
+            <a:extLst>
+              <a:ext uri="{FF2B5EF4-FFF2-40B4-BE49-F238E27FC236}">
+                <a16:creationId xmlns:a16="http://schemas.microsoft.com/office/drawing/2014/main" id="{35198FCE-29F4-61F9-0E43-02B3637622A9}"/>
+              </a:ext>
+            </a:extLst>
+          </p:cNvPr>
+          <p:cNvSpPr>
+            <a:spLocks noChangeArrowheads="1"/>
+          </p:cNvSpPr>
+          <p:nvPr/>
+        </p:nvSpPr>
+        <p:spPr bwMode="auto">
+          <a:xfrm>
+            <a:off x="1709928" y="2550953"/>
+            <a:ext cx="65" cy="585290"/>
+          </a:xfrm>
+          <a:prstGeom prst="rect">
+            <a:avLst/>
+          </a:prstGeom>
+          <a:solidFill>
+            <a:srgbClr val="FFFFFF"/>
+          </a:solidFill>
+          <a:ln>
+            <a:noFill/>
+          </a:ln>
+          <a:effectLst/>
+          <a:extLst>
+            <a:ext uri="{91240B29-F687-4F45-9708-019B960494DF}">
+              <a14:hiddenLine xmlns:a14="http://schemas.microsoft.com/office/drawing/2010/main" w="9525">
+                <a:solidFill>
+                  <a:schemeClr val="tx1"/>
+                </a:solidFill>
+                <a:miter lim="800000"/>
+                <a:headEnd/>
+                <a:tailEnd/>
+              </a14:hiddenLine>
+            </a:ext>
+            <a:ext uri="{AF507438-7753-43E0-B8FC-AC1667EBCBE1}">
+              <a14:hiddenEffects xmlns:a14="http://schemas.microsoft.com/office/drawing/2010/main">
+                <a:effectLst>
+                  <a:outerShdw dist="35921" dir="2700000" algn="ctr" rotWithShape="0">
+                    <a:schemeClr val="bg2"/>
+                  </a:outerShdw>
+                </a:effectLst>
+              </a14:hiddenEffects>
+            </a:ext>
+          </a:extLst>
+        </p:spPr>
+        <p:txBody>
+          <a:bodyPr vert="horz" wrap="none" lIns="0" tIns="198375" rIns="0" bIns="198375" numCol="1" anchor="ctr" anchorCtr="0" compatLnSpc="1">
+            <a:prstTxWarp prst="textNoShape">
+              <a:avLst/>
+            </a:prstTxWarp>
+            <a:spAutoFit/>
+          </a:bodyPr>
+          <a:lstStyle>
+            <a:lvl1pPr eaLnBrk="0" fontAlgn="base" hangingPunct="0">
+              <a:spcBef>
+                <a:spcPct val="0"/>
+              </a:spcBef>
+              <a:spcAft>
+                <a:spcPct val="0"/>
+              </a:spcAft>
+              <a:defRPr>
+                <a:solidFill>
+                  <a:schemeClr val="tx1"/>
+                </a:solidFill>
+                <a:latin typeface="Arial" panose="020B0604020202020204" pitchFamily="34" charset="0"/>
+              </a:defRPr>
+            </a:lvl1pPr>
+            <a:lvl2pPr eaLnBrk="0" fontAlgn="base" hangingPunct="0">
+              <a:spcBef>
+                <a:spcPct val="0"/>
+              </a:spcBef>
+              <a:spcAft>
+                <a:spcPct val="0"/>
+              </a:spcAft>
+              <a:defRPr>
+                <a:solidFill>
+                  <a:schemeClr val="tx1"/>
+                </a:solidFill>
+                <a:latin typeface="Arial" panose="020B0604020202020204" pitchFamily="34" charset="0"/>
+              </a:defRPr>
+            </a:lvl2pPr>
+            <a:lvl3pPr eaLnBrk="0" fontAlgn="base" hangingPunct="0">
+              <a:spcBef>
+                <a:spcPct val="0"/>
+              </a:spcBef>
+              <a:spcAft>
+                <a:spcPct val="0"/>
+              </a:spcAft>
+              <a:defRPr>
+                <a:solidFill>
+                  <a:schemeClr val="tx1"/>
+                </a:solidFill>
+                <a:latin typeface="Arial" panose="020B0604020202020204" pitchFamily="34" charset="0"/>
+              </a:defRPr>
+            </a:lvl3pPr>
+            <a:lvl4pPr eaLnBrk="0" fontAlgn="base" hangingPunct="0">
+              <a:spcBef>
+                <a:spcPct val="0"/>
+              </a:spcBef>
+              <a:spcAft>
+                <a:spcPct val="0"/>
+              </a:spcAft>
+              <a:defRPr>
+                <a:solidFill>
+                  <a:schemeClr val="tx1"/>
+                </a:solidFill>
+                <a:latin typeface="Arial" panose="020B0604020202020204" pitchFamily="34" charset="0"/>
+              </a:defRPr>
+            </a:lvl4pPr>
+            <a:lvl5pPr eaLnBrk="0" fontAlgn="base" hangingPunct="0">
+              <a:spcBef>
+                <a:spcPct val="0"/>
+              </a:spcBef>
+              <a:spcAft>
+                <a:spcPct val="0"/>
+              </a:spcAft>
+              <a:defRPr>
+                <a:solidFill>
+                  <a:schemeClr val="tx1"/>
+                </a:solidFill>
+                <a:latin typeface="Arial" panose="020B0604020202020204" pitchFamily="34" charset="0"/>
+              </a:defRPr>
+            </a:lvl5pPr>
+            <a:lvl6pPr eaLnBrk="0" fontAlgn="base" hangingPunct="0">
+              <a:spcBef>
+                <a:spcPct val="0"/>
+              </a:spcBef>
+              <a:spcAft>
+                <a:spcPct val="0"/>
+              </a:spcAft>
+              <a:defRPr>
+                <a:solidFill>
+                  <a:schemeClr val="tx1"/>
+                </a:solidFill>
+                <a:latin typeface="Arial" panose="020B0604020202020204" pitchFamily="34" charset="0"/>
+              </a:defRPr>
+            </a:lvl6pPr>
+            <a:lvl7pPr eaLnBrk="0" fontAlgn="base" hangingPunct="0">
+              <a:spcBef>
+                <a:spcPct val="0"/>
+              </a:spcBef>
+              <a:spcAft>
+                <a:spcPct val="0"/>
+              </a:spcAft>
+              <a:defRPr>
+                <a:solidFill>
+                  <a:schemeClr val="tx1"/>
+                </a:solidFill>
+                <a:latin typeface="Arial" panose="020B0604020202020204" pitchFamily="34" charset="0"/>
+              </a:defRPr>
+            </a:lvl7pPr>
+            <a:lvl8pPr eaLnBrk="0" fontAlgn="base" hangingPunct="0">
+              <a:spcBef>
+                <a:spcPct val="0"/>
+              </a:spcBef>
+              <a:spcAft>
+                <a:spcPct val="0"/>
+              </a:spcAft>
+              <a:defRPr>
+                <a:solidFill>
+                  <a:schemeClr val="tx1"/>
+                </a:solidFill>
+                <a:latin typeface="Arial" panose="020B0604020202020204" pitchFamily="34" charset="0"/>
+              </a:defRPr>
+            </a:lvl8pPr>
+            <a:lvl9pPr eaLnBrk="0" fontAlgn="base" hangingPunct="0">
+              <a:spcBef>
+                <a:spcPct val="0"/>
+              </a:spcBef>
+              <a:spcAft>
+                <a:spcPct val="0"/>
+              </a:spcAft>
+              <a:defRPr>
+                <a:solidFill>
+                  <a:schemeClr val="tx1"/>
+                </a:solidFill>
+                <a:latin typeface="Arial" panose="020B0604020202020204" pitchFamily="34" charset="0"/>
+              </a:defRPr>
+            </a:lvl9pPr>
+          </a:lstStyle>
+          <a:p>
+            <a:pPr marL="0" marR="0" lvl="0" indent="0" algn="l" defTabSz="914400" rtl="0" eaLnBrk="0" fontAlgn="base" latinLnBrk="0" hangingPunct="0">
+              <a:lnSpc>
+                <a:spcPct val="100000"/>
+              </a:lnSpc>
+              <a:spcBef>
+                <a:spcPct val="0"/>
+              </a:spcBef>
+              <a:spcAft>
+                <a:spcPct val="0"/>
+              </a:spcAft>
+              <a:buClrTx/>
+              <a:buSzTx/>
+              <a:buFontTx/>
+              <a:buNone/>
+              <a:tabLst/>
+            </a:pPr>
+            <a:endParaRPr kumimoji="0" lang="en-US" altLang="en-US" sz="1200" b="0" i="0" u="none" strike="noStrike" cap="none" normalizeH="0" baseline="0" dirty="0">
+              <a:ln>
+                <a:noFill/>
+              </a:ln>
+              <a:solidFill>
+                <a:srgbClr val="0D0D0D"/>
+              </a:solidFill>
+              <a:effectLst/>
+              <a:latin typeface="Söhne"/>
+            </a:endParaRPr>
+          </a:p>
+        </p:txBody>
+      </p:sp>
+      <p:sp>
+        <p:nvSpPr>
+          <p:cNvPr id="10" name="Rectangle 1">
+            <a:extLst>
+              <a:ext uri="{FF2B5EF4-FFF2-40B4-BE49-F238E27FC236}">
+                <a16:creationId xmlns:a16="http://schemas.microsoft.com/office/drawing/2014/main" id="{51A5D961-6226-DAFD-5DEF-151625C6643E}"/>
+              </a:ext>
+            </a:extLst>
+          </p:cNvPr>
+          <p:cNvSpPr>
+            <a:spLocks noChangeArrowheads="1"/>
+          </p:cNvSpPr>
+          <p:nvPr/>
+        </p:nvSpPr>
+        <p:spPr bwMode="auto">
+          <a:xfrm>
+            <a:off x="2019912" y="2632989"/>
+            <a:ext cx="65" cy="677623"/>
+          </a:xfrm>
+          <a:prstGeom prst="rect">
+            <a:avLst/>
+          </a:prstGeom>
+          <a:solidFill>
+            <a:srgbClr val="FFFFFF"/>
+          </a:solidFill>
+          <a:ln>
+            <a:noFill/>
+          </a:ln>
+          <a:effectLst/>
+          <a:extLst>
+            <a:ext uri="{91240B29-F687-4F45-9708-019B960494DF}">
+              <a14:hiddenLine xmlns:a14="http://schemas.microsoft.com/office/drawing/2010/main" w="9525">
+                <a:solidFill>
+                  <a:schemeClr val="tx1"/>
+                </a:solidFill>
+                <a:miter lim="800000"/>
+                <a:headEnd/>
+                <a:tailEnd/>
+              </a14:hiddenLine>
+            </a:ext>
+            <a:ext uri="{AF507438-7753-43E0-B8FC-AC1667EBCBE1}">
+              <a14:hiddenEffects xmlns:a14="http://schemas.microsoft.com/office/drawing/2010/main">
+                <a:effectLst>
+                  <a:outerShdw dist="35921" dir="2700000" algn="ctr" rotWithShape="0">
+                    <a:schemeClr val="bg2"/>
+                  </a:outerShdw>
+                </a:effectLst>
+              </a14:hiddenEffects>
+            </a:ext>
+          </a:extLst>
+        </p:spPr>
+        <p:txBody>
+          <a:bodyPr vert="horz" wrap="none" lIns="0" tIns="198375" rIns="0" bIns="198375" numCol="1" anchor="ctr" anchorCtr="0" compatLnSpc="1">
+            <a:prstTxWarp prst="textNoShape">
+              <a:avLst/>
+            </a:prstTxWarp>
+            <a:spAutoFit/>
+          </a:bodyPr>
+          <a:lstStyle/>
+          <a:p>
+            <a:pPr marL="0" marR="0" lvl="0" indent="0" algn="l" defTabSz="914400" rtl="0" eaLnBrk="0" fontAlgn="base" latinLnBrk="0" hangingPunct="0">
+              <a:lnSpc>
+                <a:spcPct val="100000"/>
+              </a:lnSpc>
+              <a:spcBef>
+                <a:spcPct val="0"/>
+              </a:spcBef>
+              <a:spcAft>
+                <a:spcPct val="0"/>
+              </a:spcAft>
+              <a:buClrTx/>
+              <a:buSzTx/>
+              <a:buFontTx/>
+              <a:buNone/>
+              <a:tabLst/>
+            </a:pPr>
+            <a:endParaRPr kumimoji="0" lang="en-US" altLang="en-US" sz="1800" b="0" i="0" u="none" strike="noStrike" cap="none" normalizeH="0" baseline="0" dirty="0">
+              <a:ln>
+                <a:noFill/>
+              </a:ln>
+              <a:solidFill>
+                <a:schemeClr val="tx1"/>
+              </a:solidFill>
+              <a:effectLst/>
+              <a:latin typeface="Arial" panose="020B0604020202020204" pitchFamily="34" charset="0"/>
+            </a:endParaRPr>
+          </a:p>
+        </p:txBody>
+      </p:sp>
+      <p:sp>
+        <p:nvSpPr>
+          <p:cNvPr id="12" name="TextBox 11">
+            <a:extLst>
+              <a:ext uri="{FF2B5EF4-FFF2-40B4-BE49-F238E27FC236}">
+                <a16:creationId xmlns:a16="http://schemas.microsoft.com/office/drawing/2014/main" id="{15038F10-995B-F28A-2DF8-3BFF47D48954}"/>
+              </a:ext>
+            </a:extLst>
+          </p:cNvPr>
+          <p:cNvSpPr txBox="1"/>
+          <p:nvPr/>
+        </p:nvSpPr>
+        <p:spPr>
+          <a:xfrm>
+            <a:off x="688085" y="1865587"/>
+            <a:ext cx="10787371" cy="1769715"/>
+          </a:xfrm>
+          <a:prstGeom prst="rect">
+            <a:avLst/>
+          </a:prstGeom>
+          <a:noFill/>
+        </p:spPr>
+        <p:txBody>
+          <a:bodyPr wrap="square">
+            <a:spAutoFit/>
+          </a:bodyPr>
+          <a:lstStyle/>
+          <a:p>
+            <a:pPr marL="0" marR="0" lvl="0" indent="0" algn="l" defTabSz="914400" rtl="0" eaLnBrk="0" fontAlgn="base" latinLnBrk="0" hangingPunct="0">
+              <a:lnSpc>
+                <a:spcPct val="150000"/>
+              </a:lnSpc>
+              <a:spcBef>
+                <a:spcPct val="0"/>
+              </a:spcBef>
+              <a:spcAft>
+                <a:spcPct val="0"/>
+              </a:spcAft>
+              <a:buClrTx/>
+              <a:buSzTx/>
+              <a:buFontTx/>
+              <a:buAutoNum type="arabicPeriod" startAt="4"/>
+              <a:tabLst/>
+            </a:pPr>
+            <a:r>
+              <a:rPr kumimoji="0" lang="en-US" altLang="en-US" sz="1800" b="0" i="0" u="none" strike="noStrike" cap="none" normalizeH="0" baseline="0" dirty="0">
+                <a:ln>
+                  <a:noFill/>
+                </a:ln>
+                <a:solidFill>
+                  <a:srgbClr val="0D0D0D"/>
+                </a:solidFill>
+                <a:effectLst/>
+                <a:latin typeface="Söhne"/>
+              </a:rPr>
+              <a:t>Click </a:t>
+            </a:r>
+            <a:r>
+              <a:rPr kumimoji="0" lang="en-US" altLang="en-US" sz="1800" b="1" i="0" u="none" strike="noStrike" cap="none" normalizeH="0" baseline="0" dirty="0">
+                <a:ln>
+                  <a:noFill/>
+                </a:ln>
+                <a:solidFill>
+                  <a:srgbClr val="0D0D0D"/>
+                </a:solidFill>
+                <a:effectLst/>
+                <a:latin typeface="Söhne"/>
+              </a:rPr>
+              <a:t>Review policy</a:t>
+            </a:r>
+            <a:r>
+              <a:rPr kumimoji="0" lang="en-US" altLang="en-US" sz="1800" b="0" i="0" u="none" strike="noStrike" cap="none" normalizeH="0" baseline="0" dirty="0">
+                <a:ln>
+                  <a:noFill/>
+                </a:ln>
+                <a:solidFill>
+                  <a:srgbClr val="0D0D0D"/>
+                </a:solidFill>
+                <a:effectLst/>
+                <a:latin typeface="Söhne"/>
+              </a:rPr>
+              <a:t>, give your policy a name, e.g., </a:t>
+            </a:r>
+            <a:r>
+              <a:rPr kumimoji="0" lang="en-US" altLang="en-US" b="1" i="0" u="none" strike="noStrike" cap="none" normalizeH="0" baseline="0" dirty="0" err="1">
+                <a:ln>
+                  <a:noFill/>
+                </a:ln>
+                <a:solidFill>
+                  <a:srgbClr val="0D0D0D"/>
+                </a:solidFill>
+                <a:effectLst/>
+                <a:latin typeface="Söhne Mono"/>
+              </a:rPr>
+              <a:t>CloudFrontInvalidationOnly</a:t>
+            </a:r>
+            <a:r>
+              <a:rPr kumimoji="0" lang="en-US" altLang="en-US" sz="1800" b="0" i="0" u="none" strike="noStrike" cap="none" normalizeH="0" baseline="0" dirty="0">
+                <a:ln>
+                  <a:noFill/>
+                </a:ln>
+                <a:solidFill>
+                  <a:srgbClr val="0D0D0D"/>
+                </a:solidFill>
+                <a:effectLst/>
+                <a:latin typeface="Söhne"/>
+              </a:rPr>
+              <a:t>, and description, then click </a:t>
+            </a:r>
+            <a:r>
+              <a:rPr kumimoji="0" lang="en-US" altLang="en-US" sz="1800" b="1" i="0" u="none" strike="noStrike" cap="none" normalizeH="0" baseline="0" dirty="0">
+                <a:ln>
+                  <a:noFill/>
+                </a:ln>
+                <a:solidFill>
+                  <a:srgbClr val="0D0D0D"/>
+                </a:solidFill>
+                <a:effectLst/>
+                <a:latin typeface="Söhne"/>
+              </a:rPr>
+              <a:t>Create policy</a:t>
+            </a:r>
+            <a:r>
+              <a:rPr kumimoji="0" lang="en-US" altLang="en-US" sz="1800" b="0" i="0" u="none" strike="noStrike" cap="none" normalizeH="0" baseline="0" dirty="0">
+                <a:ln>
+                  <a:noFill/>
+                </a:ln>
+                <a:solidFill>
+                  <a:srgbClr val="0D0D0D"/>
+                </a:solidFill>
+                <a:effectLst/>
+                <a:latin typeface="Söhne"/>
+              </a:rPr>
+              <a:t>.</a:t>
+            </a:r>
+          </a:p>
+          <a:p>
+            <a:pPr marL="0" marR="0" lvl="0" indent="0" algn="l" defTabSz="914400" rtl="0" eaLnBrk="0" fontAlgn="base" latinLnBrk="0" hangingPunct="0">
+              <a:lnSpc>
+                <a:spcPct val="150000"/>
+              </a:lnSpc>
+              <a:spcBef>
+                <a:spcPct val="0"/>
+              </a:spcBef>
+              <a:spcAft>
+                <a:spcPct val="0"/>
+              </a:spcAft>
+              <a:buClrTx/>
+              <a:buSzTx/>
+              <a:buFontTx/>
+              <a:buAutoNum type="arabicPeriod" startAt="5"/>
+              <a:tabLst/>
+            </a:pPr>
+            <a:r>
+              <a:rPr kumimoji="0" lang="en-US" altLang="en-US" sz="1800" b="0" i="0" u="none" strike="noStrike" cap="none" normalizeH="0" baseline="0" dirty="0">
+                <a:ln>
+                  <a:noFill/>
+                </a:ln>
+                <a:solidFill>
+                  <a:srgbClr val="0D0D0D"/>
+                </a:solidFill>
+                <a:effectLst/>
+                <a:latin typeface="Söhne"/>
+              </a:rPr>
+              <a:t>Attach this new policy to your Lambda role following the steps in part C.</a:t>
+            </a:r>
+          </a:p>
+          <a:p>
+            <a:pPr marL="0" marR="0" lvl="0" indent="0" algn="l" defTabSz="914400" rtl="0" eaLnBrk="0" fontAlgn="base" latinLnBrk="0" hangingPunct="0">
+              <a:lnSpc>
+                <a:spcPct val="100000"/>
+              </a:lnSpc>
+              <a:spcBef>
+                <a:spcPct val="0"/>
+              </a:spcBef>
+              <a:spcAft>
+                <a:spcPct val="0"/>
+              </a:spcAft>
+              <a:buClrTx/>
+              <a:buSzTx/>
+              <a:buFontTx/>
+              <a:buNone/>
+              <a:tabLst/>
+            </a:pPr>
+            <a:endParaRPr kumimoji="0" lang="en-US" altLang="en-US" sz="2800" b="0" i="0" u="none" strike="noStrike" cap="none" normalizeH="0" baseline="0" dirty="0">
+              <a:ln>
+                <a:noFill/>
+              </a:ln>
+              <a:solidFill>
+                <a:schemeClr val="tx1"/>
+              </a:solidFill>
+              <a:effectLst/>
+              <a:latin typeface="Arial" panose="020B0604020202020204" pitchFamily="34" charset="0"/>
+            </a:endParaRPr>
+          </a:p>
+        </p:txBody>
+      </p:sp>
+    </p:spTree>
+    <p:extLst>
+      <p:ext uri="{BB962C8B-B14F-4D97-AF65-F5344CB8AC3E}">
+        <p14:creationId xmlns:p14="http://schemas.microsoft.com/office/powerpoint/2010/main" val="2586992224"/>
+      </p:ext>
+    </p:extLst>
+  </p:cSld>
+  <p:clrMapOvr>
+    <a:masterClrMapping/>
+  </p:clrMapOvr>
+</p:sld>
+</file>
+
+<file path=ppt/slides/slide19.xml><?xml version="1.0" encoding="utf-8"?>
+<p:sld xmlns:a="http://schemas.openxmlformats.org/drawingml/2006/main" xmlns:r="http://schemas.openxmlformats.org/officeDocument/2006/relationships" xmlns:p="http://schemas.openxmlformats.org/presentationml/2006/main">
+  <p:cSld>
+    <p:spTree>
+      <p:nvGrpSpPr>
+        <p:cNvPr id="1" name=""/>
+        <p:cNvGrpSpPr/>
+        <p:nvPr/>
+      </p:nvGrpSpPr>
+      <p:grpSpPr>
+        <a:xfrm>
+          <a:off x="0" y="0"/>
+          <a:ext cx="0" cy="0"/>
+          <a:chOff x="0" y="0"/>
+          <a:chExt cx="0" cy="0"/>
+        </a:xfrm>
+      </p:grpSpPr>
+    </p:spTree>
+    <p:extLst>
+      <p:ext uri="{BB962C8B-B14F-4D97-AF65-F5344CB8AC3E}">
+        <p14:creationId xmlns:p14="http://schemas.microsoft.com/office/powerpoint/2010/main" val="1216237827"/>
+      </p:ext>
+    </p:extLst>
+  </p:cSld>
+  <p:clrMapOvr>
+    <a:masterClrMapping/>
+  </p:clrMapOvr>
+</p:sld>
+</file>
+
 <file path=ppt/slides/slide2.xml><?xml version="1.0" encoding="utf-8"?>
+<p:sld xmlns:a="http://schemas.openxmlformats.org/drawingml/2006/main" xmlns:r="http://schemas.openxmlformats.org/officeDocument/2006/relationships" xmlns:p="http://schemas.openxmlformats.org/presentationml/2006/main">
+  <p:cSld>
+    <p:spTree>
+      <p:nvGrpSpPr>
+        <p:cNvPr id="1" name=""/>
+        <p:cNvGrpSpPr/>
+        <p:nvPr/>
+      </p:nvGrpSpPr>
+      <p:grpSpPr>
+        <a:xfrm>
+          <a:off x="0" y="0"/>
+          <a:ext cx="0" cy="0"/>
+          <a:chOff x="0" y="0"/>
+          <a:chExt cx="0" cy="0"/>
+        </a:xfrm>
+      </p:grpSpPr>
+      <p:sp>
+        <p:nvSpPr>
+          <p:cNvPr id="2" name="TextBox 1">
+            <a:extLst>
+              <a:ext uri="{FF2B5EF4-FFF2-40B4-BE49-F238E27FC236}">
+                <a16:creationId xmlns:a16="http://schemas.microsoft.com/office/drawing/2014/main" id="{2C265965-136C-12A1-055A-8C1D00DA0493}"/>
+              </a:ext>
+            </a:extLst>
+          </p:cNvPr>
+          <p:cNvSpPr txBox="1"/>
+          <p:nvPr/>
+        </p:nvSpPr>
+        <p:spPr>
+          <a:xfrm>
+            <a:off x="2790444" y="3262622"/>
+            <a:ext cx="6611112" cy="369332"/>
+          </a:xfrm>
+          <a:prstGeom prst="rect">
+            <a:avLst/>
+          </a:prstGeom>
+          <a:noFill/>
+        </p:spPr>
+        <p:txBody>
+          <a:bodyPr wrap="square" rtlCol="0">
+            <a:spAutoFit/>
+          </a:bodyPr>
+          <a:lstStyle/>
+          <a:p>
+            <a:r>
+              <a:rPr lang="en-IN" dirty="0"/>
+              <a:t>Build Mp4 to HLS Stream CloudFront Distribution</a:t>
+            </a:r>
+          </a:p>
+        </p:txBody>
+      </p:sp>
+      <p:sp>
+        <p:nvSpPr>
+          <p:cNvPr id="5" name="Rectangle 4">
+            <a:extLst>
+              <a:ext uri="{FF2B5EF4-FFF2-40B4-BE49-F238E27FC236}">
+                <a16:creationId xmlns:a16="http://schemas.microsoft.com/office/drawing/2014/main" id="{90A2BB5E-5F62-3F95-1353-5AA51A4FD941}"/>
+              </a:ext>
+            </a:extLst>
+          </p:cNvPr>
+          <p:cNvSpPr/>
+          <p:nvPr/>
+        </p:nvSpPr>
+        <p:spPr>
+          <a:xfrm>
+            <a:off x="2077212" y="2985516"/>
+            <a:ext cx="6839712" cy="886968"/>
+          </a:xfrm>
+          <a:prstGeom prst="rect">
+            <a:avLst/>
+          </a:prstGeom>
+          <a:solidFill>
+            <a:schemeClr val="accent4">
+              <a:alpha val="50000"/>
+            </a:schemeClr>
+          </a:solidFill>
+          <a:ln>
+            <a:noFill/>
+          </a:ln>
+        </p:spPr>
+        <p:style>
+          <a:lnRef idx="0">
+            <a:scrgbClr r="0" g="0" b="0"/>
+          </a:lnRef>
+          <a:fillRef idx="0">
+            <a:scrgbClr r="0" g="0" b="0"/>
+          </a:fillRef>
+          <a:effectRef idx="0">
+            <a:scrgbClr r="0" g="0" b="0"/>
+          </a:effectRef>
+          <a:fontRef idx="minor">
+            <a:schemeClr val="lt1"/>
+          </a:fontRef>
+        </p:style>
+        <p:txBody>
+          <a:bodyPr rtlCol="0" anchor="ctr"/>
+          <a:lstStyle/>
+          <a:p>
+            <a:pPr algn="ctr"/>
+            <a:endParaRPr lang="en-IN" dirty="0"/>
+          </a:p>
+        </p:txBody>
+      </p:sp>
+    </p:spTree>
+    <p:extLst>
+      <p:ext uri="{BB962C8B-B14F-4D97-AF65-F5344CB8AC3E}">
+        <p14:creationId xmlns:p14="http://schemas.microsoft.com/office/powerpoint/2010/main" val="3722312242"/>
+      </p:ext>
+    </p:extLst>
+  </p:cSld>
+  <p:clrMapOvr>
+    <a:masterClrMapping/>
+  </p:clrMapOvr>
+</p:sld>
+</file>
+
+<file path=ppt/slides/slide3.xml><?xml version="1.0" encoding="utf-8"?>
 <p:sld xmlns:a="http://schemas.openxmlformats.org/drawingml/2006/main" xmlns:r="http://schemas.openxmlformats.org/officeDocument/2006/relationships" xmlns:p="http://schemas.openxmlformats.org/presentationml/2006/main">
   <p:cSld>
     <p:spTree>
@@ -4609,7 +11197,7 @@
 </p:sld>
 </file>
 
-<file path=ppt/slides/slide3.xml><?xml version="1.0" encoding="utf-8"?>
+<file path=ppt/slides/slide4.xml><?xml version="1.0" encoding="utf-8"?>
 <p:sld xmlns:a="http://schemas.openxmlformats.org/drawingml/2006/main" xmlns:r="http://schemas.openxmlformats.org/officeDocument/2006/relationships" xmlns:p="http://schemas.openxmlformats.org/presentationml/2006/main">
   <p:cSld>
     <p:spTree>
@@ -4922,7 +11510,7 @@
 </p:sld>
 </file>
 
-<file path=ppt/slides/slide4.xml><?xml version="1.0" encoding="utf-8"?>
+<file path=ppt/slides/slide5.xml><?xml version="1.0" encoding="utf-8"?>
 <p:sld xmlns:a="http://schemas.openxmlformats.org/drawingml/2006/main" xmlns:r="http://schemas.openxmlformats.org/officeDocument/2006/relationships" xmlns:p="http://schemas.openxmlformats.org/presentationml/2006/main">
   <p:cSld>
     <p:spTree>
@@ -5141,7 +11729,7 @@
 </p:sld>
 </file>
 
-<file path=ppt/slides/slide5.xml><?xml version="1.0" encoding="utf-8"?>
+<file path=ppt/slides/slide6.xml><?xml version="1.0" encoding="utf-8"?>
 <p:sld xmlns:a="http://schemas.openxmlformats.org/drawingml/2006/main" xmlns:r="http://schemas.openxmlformats.org/officeDocument/2006/relationships" xmlns:p="http://schemas.openxmlformats.org/presentationml/2006/main">
   <p:cSld>
     <p:spTree>
@@ -5201,7 +11789,7 @@
 </p:sld>
 </file>
 
-<file path=ppt/slides/slide6.xml><?xml version="1.0" encoding="utf-8"?>
+<file path=ppt/slides/slide7.xml><?xml version="1.0" encoding="utf-8"?>
 <p:sld xmlns:a="http://schemas.openxmlformats.org/drawingml/2006/main" xmlns:r="http://schemas.openxmlformats.org/officeDocument/2006/relationships" xmlns:p="http://schemas.openxmlformats.org/presentationml/2006/main">
   <p:cSld>
     <p:spTree>
@@ -5419,7 +12007,7 @@
 </p:sld>
 </file>
 
-<file path=ppt/slides/slide7.xml><?xml version="1.0" encoding="utf-8"?>
+<file path=ppt/slides/slide8.xml><?xml version="1.0" encoding="utf-8"?>
 <p:sld xmlns:a="http://schemas.openxmlformats.org/drawingml/2006/main" xmlns:r="http://schemas.openxmlformats.org/officeDocument/2006/relationships" xmlns:p="http://schemas.openxmlformats.org/presentationml/2006/main">
   <p:cSld>
     <p:spTree>
@@ -5450,8 +12038,8 @@
         </p:nvSpPr>
         <p:spPr>
           <a:xfrm>
-            <a:off x="4027332" y="303322"/>
-            <a:ext cx="4613748" cy="646331"/>
+            <a:off x="2790444" y="3262622"/>
+            <a:ext cx="6611112" cy="646331"/>
           </a:xfrm>
           <a:prstGeom prst="rect">
             <a:avLst/>
@@ -5466,17 +12054,17 @@
           <a:p>
             <a:r>
               <a:rPr lang="en-IN" dirty="0"/>
-              <a:t>Update the Cache of the CloudFront distribution </a:t>
-            </a:r>
-          </a:p>
-        </p:txBody>
-      </p:sp>
-      <p:sp>
-        <p:nvSpPr>
-          <p:cNvPr id="3" name="Rectangle 2">
-            <a:extLst>
-              <a:ext uri="{FF2B5EF4-FFF2-40B4-BE49-F238E27FC236}">
-                <a16:creationId xmlns:a16="http://schemas.microsoft.com/office/drawing/2014/main" id="{A6AE37A1-9329-E66A-748C-E67F9664C20D}"/>
+              <a:t>How to update the Cache of CloudFront Distribution with Lambda Function and Event on S3 Bucket</a:t>
+            </a:r>
+          </a:p>
+        </p:txBody>
+      </p:sp>
+      <p:sp>
+        <p:nvSpPr>
+          <p:cNvPr id="5" name="Rectangle 4">
+            <a:extLst>
+              <a:ext uri="{FF2B5EF4-FFF2-40B4-BE49-F238E27FC236}">
+                <a16:creationId xmlns:a16="http://schemas.microsoft.com/office/drawing/2014/main" id="{90A2BB5E-5F62-3F95-1353-5AA51A4FD941}"/>
               </a:ext>
             </a:extLst>
           </p:cNvPr>
@@ -5485,8 +12073,8 @@
         </p:nvSpPr>
         <p:spPr>
           <a:xfrm>
-            <a:off x="3453752" y="198089"/>
-            <a:ext cx="4613747" cy="751564"/>
+            <a:off x="2679192" y="3136392"/>
+            <a:ext cx="6839712" cy="886968"/>
           </a:xfrm>
           <a:prstGeom prst="rect">
             <a:avLst/>
@@ -5523,12 +12111,77 @@
           </a:p>
         </p:txBody>
       </p:sp>
-      <p:sp>
-        <p:nvSpPr>
-          <p:cNvPr id="7" name="Rectangle 6">
-            <a:extLst>
-              <a:ext uri="{FF2B5EF4-FFF2-40B4-BE49-F238E27FC236}">
-                <a16:creationId xmlns:a16="http://schemas.microsoft.com/office/drawing/2014/main" id="{C2B2A8F1-8D21-214D-E9FF-F7781E10252B}"/>
+    </p:spTree>
+    <p:extLst>
+      <p:ext uri="{BB962C8B-B14F-4D97-AF65-F5344CB8AC3E}">
+        <p14:creationId xmlns:p14="http://schemas.microsoft.com/office/powerpoint/2010/main" val="3857724557"/>
+      </p:ext>
+    </p:extLst>
+  </p:cSld>
+  <p:clrMapOvr>
+    <a:masterClrMapping/>
+  </p:clrMapOvr>
+</p:sld>
+</file>
+
+<file path=ppt/slides/slide9.xml><?xml version="1.0" encoding="utf-8"?>
+<p:sld xmlns:a="http://schemas.openxmlformats.org/drawingml/2006/main" xmlns:r="http://schemas.openxmlformats.org/officeDocument/2006/relationships" xmlns:p="http://schemas.openxmlformats.org/presentationml/2006/main">
+  <p:cSld>
+    <p:spTree>
+      <p:nvGrpSpPr>
+        <p:cNvPr id="1" name=""/>
+        <p:cNvGrpSpPr/>
+        <p:nvPr/>
+      </p:nvGrpSpPr>
+      <p:grpSpPr>
+        <a:xfrm>
+          <a:off x="0" y="0"/>
+          <a:ext cx="0" cy="0"/>
+          <a:chOff x="0" y="0"/>
+          <a:chExt cx="0" cy="0"/>
+        </a:xfrm>
+      </p:grpSpPr>
+      <p:sp>
+        <p:nvSpPr>
+          <p:cNvPr id="2" name="TextBox 1">
+            <a:extLst>
+              <a:ext uri="{FF2B5EF4-FFF2-40B4-BE49-F238E27FC236}">
+                <a16:creationId xmlns:a16="http://schemas.microsoft.com/office/drawing/2014/main" id="{2C265965-136C-12A1-055A-8C1D00DA0493}"/>
+              </a:ext>
+            </a:extLst>
+          </p:cNvPr>
+          <p:cNvSpPr txBox="1"/>
+          <p:nvPr/>
+        </p:nvSpPr>
+        <p:spPr>
+          <a:xfrm>
+            <a:off x="4027332" y="303322"/>
+            <a:ext cx="4613748" cy="646331"/>
+          </a:xfrm>
+          <a:prstGeom prst="rect">
+            <a:avLst/>
+          </a:prstGeom>
+          <a:noFill/>
+        </p:spPr>
+        <p:txBody>
+          <a:bodyPr wrap="square" rtlCol="0">
+            <a:spAutoFit/>
+          </a:bodyPr>
+          <a:lstStyle/>
+          <a:p>
+            <a:r>
+              <a:rPr lang="en-IN" dirty="0"/>
+              <a:t>Update the Cache of the CloudFront distribution </a:t>
+            </a:r>
+          </a:p>
+        </p:txBody>
+      </p:sp>
+      <p:sp>
+        <p:nvSpPr>
+          <p:cNvPr id="3" name="Rectangle 2">
+            <a:extLst>
+              <a:ext uri="{FF2B5EF4-FFF2-40B4-BE49-F238E27FC236}">
+                <a16:creationId xmlns:a16="http://schemas.microsoft.com/office/drawing/2014/main" id="{A6AE37A1-9329-E66A-748C-E67F9664C20D}"/>
               </a:ext>
             </a:extLst>
           </p:cNvPr>
@@ -5537,8 +12190,60 @@
         </p:nvSpPr>
         <p:spPr>
           <a:xfrm>
-            <a:off x="786384" y="1627632"/>
-            <a:ext cx="10113264" cy="4416552"/>
+            <a:off x="3453752" y="198089"/>
+            <a:ext cx="4613748" cy="751564"/>
+          </a:xfrm>
+          <a:prstGeom prst="rect">
+            <a:avLst/>
+          </a:prstGeom>
+          <a:solidFill>
+            <a:schemeClr val="accent4">
+              <a:alpha val="50000"/>
+            </a:schemeClr>
+          </a:solidFill>
+          <a:ln>
+            <a:noFill/>
+          </a:ln>
+        </p:spPr>
+        <p:style>
+          <a:lnRef idx="0">
+            <a:scrgbClr r="0" g="0" b="0"/>
+          </a:lnRef>
+          <a:fillRef idx="0">
+            <a:scrgbClr r="0" g="0" b="0"/>
+          </a:fillRef>
+          <a:effectRef idx="0">
+            <a:scrgbClr r="0" g="0" b="0"/>
+          </a:effectRef>
+          <a:fontRef idx="minor">
+            <a:schemeClr val="lt1"/>
+          </a:fontRef>
+        </p:style>
+        <p:txBody>
+          <a:bodyPr rtlCol="0" anchor="ctr"/>
+          <a:lstStyle/>
+          <a:p>
+            <a:pPr algn="ctr"/>
+            <a:endParaRPr lang="en-IN" dirty="0"/>
+          </a:p>
+        </p:txBody>
+      </p:sp>
+      <p:sp>
+        <p:nvSpPr>
+          <p:cNvPr id="7" name="Rectangle 6">
+            <a:extLst>
+              <a:ext uri="{FF2B5EF4-FFF2-40B4-BE49-F238E27FC236}">
+                <a16:creationId xmlns:a16="http://schemas.microsoft.com/office/drawing/2014/main" id="{C2B2A8F1-8D21-214D-E9FF-F7781E10252B}"/>
+              </a:ext>
+            </a:extLst>
+          </p:cNvPr>
+          <p:cNvSpPr/>
+          <p:nvPr/>
+        </p:nvSpPr>
+        <p:spPr>
+          <a:xfrm>
+            <a:off x="740664" y="2377441"/>
+            <a:ext cx="10113264" cy="3712464"/>
           </a:xfrm>
           <a:prstGeom prst="rect">
             <a:avLst/>
@@ -5591,7 +12296,7 @@
         </p:nvSpPr>
         <p:spPr>
           <a:xfrm>
-            <a:off x="1078992" y="2347589"/>
+            <a:off x="1033272" y="2603621"/>
             <a:ext cx="9528048" cy="3226204"/>
           </a:xfrm>
           <a:prstGeom prst="rect">
@@ -5910,42 +12615,12 @@
           </a:p>
         </p:txBody>
       </p:sp>
-    </p:spTree>
-    <p:extLst>
-      <p:ext uri="{BB962C8B-B14F-4D97-AF65-F5344CB8AC3E}">
-        <p14:creationId xmlns:p14="http://schemas.microsoft.com/office/powerpoint/2010/main" val="214932322"/>
-      </p:ext>
-    </p:extLst>
-  </p:cSld>
-  <p:clrMapOvr>
-    <a:masterClrMapping/>
-  </p:clrMapOvr>
-</p:sld>
-</file>
-
-<file path=ppt/slides/slide8.xml><?xml version="1.0" encoding="utf-8"?>
-<p:sld xmlns:a="http://schemas.openxmlformats.org/drawingml/2006/main" xmlns:r="http://schemas.openxmlformats.org/officeDocument/2006/relationships" xmlns:p="http://schemas.openxmlformats.org/presentationml/2006/main">
-  <p:cSld>
-    <p:spTree>
-      <p:nvGrpSpPr>
-        <p:cNvPr id="1" name=""/>
-        <p:cNvGrpSpPr/>
-        <p:nvPr/>
-      </p:nvGrpSpPr>
-      <p:grpSpPr>
-        <a:xfrm>
-          <a:off x="0" y="0"/>
-          <a:ext cx="0" cy="0"/>
-          <a:chOff x="0" y="0"/>
-          <a:chExt cx="0" cy="0"/>
-        </a:xfrm>
-      </p:grpSpPr>
-      <p:sp>
-        <p:nvSpPr>
-          <p:cNvPr id="2" name="TextBox 1">
-            <a:extLst>
-              <a:ext uri="{FF2B5EF4-FFF2-40B4-BE49-F238E27FC236}">
-                <a16:creationId xmlns:a16="http://schemas.microsoft.com/office/drawing/2014/main" id="{2C265965-136C-12A1-055A-8C1D00DA0493}"/>
+      <p:sp>
+        <p:nvSpPr>
+          <p:cNvPr id="5" name="TextBox 4">
+            <a:extLst>
+              <a:ext uri="{FF2B5EF4-FFF2-40B4-BE49-F238E27FC236}">
+                <a16:creationId xmlns:a16="http://schemas.microsoft.com/office/drawing/2014/main" id="{517AB2A8-72A0-57C6-B065-D5C4BA6BA3C8}"/>
               </a:ext>
             </a:extLst>
           </p:cNvPr>
@@ -5954,8 +12629,8 @@
         </p:nvSpPr>
         <p:spPr>
           <a:xfrm>
-            <a:off x="4027332" y="303322"/>
-            <a:ext cx="4613748" cy="646331"/>
+            <a:off x="740664" y="1413200"/>
+            <a:ext cx="10113264" cy="400110"/>
           </a:xfrm>
           <a:prstGeom prst="rect">
             <a:avLst/>
@@ -5963,159 +12638,14 @@
           <a:noFill/>
         </p:spPr>
         <p:txBody>
-          <a:bodyPr wrap="square" rtlCol="0">
-            <a:spAutoFit/>
-          </a:bodyPr>
-          <a:lstStyle/>
-          <a:p>
-            <a:r>
-              <a:rPr lang="en-IN" dirty="0"/>
-              <a:t>Update the Cache of the CloudFront distribution </a:t>
-            </a:r>
-          </a:p>
-        </p:txBody>
-      </p:sp>
-      <p:sp>
-        <p:nvSpPr>
-          <p:cNvPr id="3" name="Rectangle 2">
-            <a:extLst>
-              <a:ext uri="{FF2B5EF4-FFF2-40B4-BE49-F238E27FC236}">
-                <a16:creationId xmlns:a16="http://schemas.microsoft.com/office/drawing/2014/main" id="{A6AE37A1-9329-E66A-748C-E67F9664C20D}"/>
-              </a:ext>
-            </a:extLst>
-          </p:cNvPr>
-          <p:cNvSpPr/>
-          <p:nvPr/>
-        </p:nvSpPr>
-        <p:spPr>
-          <a:xfrm>
-            <a:off x="3453752" y="198089"/>
-            <a:ext cx="4613747" cy="751564"/>
-          </a:xfrm>
-          <a:prstGeom prst="rect">
-            <a:avLst/>
-          </a:prstGeom>
-          <a:solidFill>
-            <a:schemeClr val="accent4">
-              <a:alpha val="50000"/>
-            </a:schemeClr>
-          </a:solidFill>
-          <a:ln>
-            <a:noFill/>
-          </a:ln>
-        </p:spPr>
-        <p:style>
-          <a:lnRef idx="0">
-            <a:scrgbClr r="0" g="0" b="0"/>
-          </a:lnRef>
-          <a:fillRef idx="0">
-            <a:scrgbClr r="0" g="0" b="0"/>
-          </a:fillRef>
-          <a:effectRef idx="0">
-            <a:scrgbClr r="0" g="0" b="0"/>
-          </a:effectRef>
-          <a:fontRef idx="minor">
-            <a:schemeClr val="lt1"/>
-          </a:fontRef>
-        </p:style>
-        <p:txBody>
-          <a:bodyPr rtlCol="0" anchor="ctr"/>
-          <a:lstStyle/>
-          <a:p>
-            <a:pPr algn="ctr"/>
-            <a:endParaRPr lang="en-IN" dirty="0"/>
-          </a:p>
-        </p:txBody>
-      </p:sp>
-      <p:sp>
-        <p:nvSpPr>
-          <p:cNvPr id="7" name="Rectangle 6">
-            <a:extLst>
-              <a:ext uri="{FF2B5EF4-FFF2-40B4-BE49-F238E27FC236}">
-                <a16:creationId xmlns:a16="http://schemas.microsoft.com/office/drawing/2014/main" id="{C2B2A8F1-8D21-214D-E9FF-F7781E10252B}"/>
-              </a:ext>
-            </a:extLst>
-          </p:cNvPr>
-          <p:cNvSpPr/>
-          <p:nvPr/>
-        </p:nvSpPr>
-        <p:spPr>
-          <a:xfrm>
-            <a:off x="786384" y="1527048"/>
-            <a:ext cx="10323576" cy="4517136"/>
-          </a:xfrm>
-          <a:prstGeom prst="rect">
-            <a:avLst/>
-          </a:prstGeom>
-          <a:noFill/>
-          <a:ln w="9525" cap="flat" cmpd="sng" algn="ctr">
-            <a:solidFill>
-              <a:schemeClr val="accent3"/>
-            </a:solidFill>
-            <a:prstDash val="solid"/>
-            <a:round/>
-            <a:headEnd type="none" w="med" len="med"/>
-            <a:tailEnd type="none" w="med" len="med"/>
-          </a:ln>
-        </p:spPr>
-        <p:style>
-          <a:lnRef idx="0">
-            <a:scrgbClr r="0" g="0" b="0"/>
-          </a:lnRef>
-          <a:fillRef idx="0">
-            <a:scrgbClr r="0" g="0" b="0"/>
-          </a:fillRef>
-          <a:effectRef idx="0">
-            <a:scrgbClr r="0" g="0" b="0"/>
-          </a:effectRef>
-          <a:fontRef idx="minor">
-            <a:schemeClr val="accent3"/>
-          </a:fontRef>
-        </p:style>
-        <p:txBody>
-          <a:bodyPr rtlCol="0" anchor="ctr"/>
-          <a:lstStyle/>
-          <a:p>
-            <a:pPr algn="ctr"/>
-            <a:endParaRPr lang="en-IN" dirty="0"/>
-          </a:p>
-        </p:txBody>
-      </p:sp>
-      <p:sp>
-        <p:nvSpPr>
-          <p:cNvPr id="9" name="TextBox 8">
-            <a:extLst>
-              <a:ext uri="{FF2B5EF4-FFF2-40B4-BE49-F238E27FC236}">
-                <a16:creationId xmlns:a16="http://schemas.microsoft.com/office/drawing/2014/main" id="{462B08DF-1487-EE23-6FE4-3E74FC75CC10}"/>
-              </a:ext>
-            </a:extLst>
-          </p:cNvPr>
-          <p:cNvSpPr txBox="1"/>
-          <p:nvPr/>
-        </p:nvSpPr>
-        <p:spPr>
-          <a:xfrm>
-            <a:off x="1082040" y="2185416"/>
-            <a:ext cx="9595104" cy="2949205"/>
-          </a:xfrm>
-          <a:prstGeom prst="rect">
-            <a:avLst/>
-          </a:prstGeom>
-          <a:noFill/>
-        </p:spPr>
-        <p:txBody>
           <a:bodyPr wrap="square">
             <a:spAutoFit/>
           </a:bodyPr>
           <a:lstStyle/>
           <a:p>
-            <a:pPr algn="l">
-              <a:lnSpc>
-                <a:spcPct val="150000"/>
-              </a:lnSpc>
-            </a:pPr>
-            <a:r>
-              <a:rPr lang="en-US" b="1" i="0" dirty="0">
+            <a:pPr algn="l"/>
+            <a:r>
+              <a:rPr lang="en-US" sz="2000" b="1" i="0" dirty="0">
                 <a:solidFill>
                   <a:srgbClr val="0D0D0D"/>
                 </a:solidFill>
@@ -6126,19 +12656,10 @@
                 <a:latin typeface="Segoe UI" panose="020B0502040204020203" pitchFamily="34" charset="0"/>
                 <a:cs typeface="Segoe UI" panose="020B0502040204020203" pitchFamily="34" charset="0"/>
               </a:rPr>
-              <a:t>Step 2: Create a Lambda Function</a:t>
-            </a:r>
-          </a:p>
-          <a:p>
-            <a:pPr marL="342900" indent="-342900" algn="l">
-              <a:lnSpc>
-                <a:spcPct val="150000"/>
-              </a:lnSpc>
-              <a:buFont typeface="+mj-lt"/>
-              <a:buAutoNum type="arabicPeriod"/>
-            </a:pPr>
-            <a:r>
-              <a:rPr lang="en-US" b="1" i="0" dirty="0">
+              <a:t>Final Approach - </a:t>
+            </a:r>
+            <a:r>
+              <a:rPr lang="en-US" i="0" dirty="0">
                 <a:solidFill>
                   <a:srgbClr val="0D0D0D"/>
                 </a:solidFill>
@@ -6149,258 +12670,7 @@
                 <a:latin typeface="Segoe UI" panose="020B0502040204020203" pitchFamily="34" charset="0"/>
                 <a:cs typeface="Segoe UI" panose="020B0502040204020203" pitchFamily="34" charset="0"/>
               </a:rPr>
-              <a:t>Navigate</a:t>
-            </a:r>
-            <a:r>
-              <a:rPr lang="en-US" b="0" i="0" dirty="0">
-                <a:solidFill>
-                  <a:srgbClr val="0D0D0D"/>
-                </a:solidFill>
-                <a:effectLst/>
-                <a:highlight>
-                  <a:srgbClr val="FFFFFF"/>
-                </a:highlight>
-                <a:latin typeface="Segoe UI" panose="020B0502040204020203" pitchFamily="34" charset="0"/>
-                <a:cs typeface="Segoe UI" panose="020B0502040204020203" pitchFamily="34" charset="0"/>
-              </a:rPr>
-              <a:t> to the AWS Lambda console and click the </a:t>
-            </a:r>
-            <a:r>
-              <a:rPr lang="en-US" b="1" i="0" dirty="0">
-                <a:solidFill>
-                  <a:srgbClr val="0D0D0D"/>
-                </a:solidFill>
-                <a:effectLst/>
-                <a:highlight>
-                  <a:srgbClr val="FFFFFF"/>
-                </a:highlight>
-                <a:latin typeface="Segoe UI" panose="020B0502040204020203" pitchFamily="34" charset="0"/>
-                <a:cs typeface="Segoe UI" panose="020B0502040204020203" pitchFamily="34" charset="0"/>
-              </a:rPr>
-              <a:t>Create function</a:t>
-            </a:r>
-            <a:r>
-              <a:rPr lang="en-US" b="0" i="0" dirty="0">
-                <a:solidFill>
-                  <a:srgbClr val="0D0D0D"/>
-                </a:solidFill>
-                <a:effectLst/>
-                <a:highlight>
-                  <a:srgbClr val="FFFFFF"/>
-                </a:highlight>
-                <a:latin typeface="Segoe UI" panose="020B0502040204020203" pitchFamily="34" charset="0"/>
-                <a:cs typeface="Segoe UI" panose="020B0502040204020203" pitchFamily="34" charset="0"/>
-              </a:rPr>
-              <a:t>.</a:t>
-            </a:r>
-          </a:p>
-          <a:p>
-            <a:pPr marL="342900" indent="-342900" algn="l">
-              <a:lnSpc>
-                <a:spcPct val="150000"/>
-              </a:lnSpc>
-              <a:buFont typeface="+mj-lt"/>
-              <a:buAutoNum type="arabicPeriod"/>
-            </a:pPr>
-            <a:r>
-              <a:rPr lang="en-US" b="0" i="0" dirty="0">
-                <a:solidFill>
-                  <a:srgbClr val="0D0D0D"/>
-                </a:solidFill>
-                <a:effectLst/>
-                <a:highlight>
-                  <a:srgbClr val="FFFFFF"/>
-                </a:highlight>
-                <a:latin typeface="Segoe UI" panose="020B0502040204020203" pitchFamily="34" charset="0"/>
-                <a:cs typeface="Segoe UI" panose="020B0502040204020203" pitchFamily="34" charset="0"/>
-              </a:rPr>
-              <a:t>Choose the </a:t>
-            </a:r>
-            <a:r>
-              <a:rPr lang="en-US" b="1" i="0" dirty="0">
-                <a:solidFill>
-                  <a:srgbClr val="0D0D0D"/>
-                </a:solidFill>
-                <a:effectLst/>
-                <a:highlight>
-                  <a:srgbClr val="FFFFFF"/>
-                </a:highlight>
-                <a:latin typeface="Segoe UI" panose="020B0502040204020203" pitchFamily="34" charset="0"/>
-                <a:cs typeface="Segoe UI" panose="020B0502040204020203" pitchFamily="34" charset="0"/>
-              </a:rPr>
-              <a:t>Author from scratch</a:t>
-            </a:r>
-            <a:r>
-              <a:rPr lang="en-US" b="0" i="0" dirty="0">
-                <a:solidFill>
-                  <a:srgbClr val="0D0D0D"/>
-                </a:solidFill>
-                <a:effectLst/>
-                <a:highlight>
-                  <a:srgbClr val="FFFFFF"/>
-                </a:highlight>
-                <a:latin typeface="Segoe UI" panose="020B0502040204020203" pitchFamily="34" charset="0"/>
-                <a:cs typeface="Segoe UI" panose="020B0502040204020203" pitchFamily="34" charset="0"/>
-              </a:rPr>
-              <a:t>. Enter a </a:t>
-            </a:r>
-            <a:r>
-              <a:rPr lang="en-US" b="1" i="0" dirty="0">
-                <a:solidFill>
-                  <a:srgbClr val="0D0D0D"/>
-                </a:solidFill>
-                <a:effectLst/>
-                <a:highlight>
-                  <a:srgbClr val="FFFFFF"/>
-                </a:highlight>
-                <a:latin typeface="Segoe UI" panose="020B0502040204020203" pitchFamily="34" charset="0"/>
-                <a:cs typeface="Segoe UI" panose="020B0502040204020203" pitchFamily="34" charset="0"/>
-              </a:rPr>
-              <a:t>function name</a:t>
-            </a:r>
-            <a:r>
-              <a:rPr lang="en-US" b="0" i="0" dirty="0">
-                <a:solidFill>
-                  <a:srgbClr val="0D0D0D"/>
-                </a:solidFill>
-                <a:effectLst/>
-                <a:highlight>
-                  <a:srgbClr val="FFFFFF"/>
-                </a:highlight>
-                <a:latin typeface="Segoe UI" panose="020B0502040204020203" pitchFamily="34" charset="0"/>
-                <a:cs typeface="Segoe UI" panose="020B0502040204020203" pitchFamily="34" charset="0"/>
-              </a:rPr>
-              <a:t>, and select </a:t>
-            </a:r>
-            <a:r>
-              <a:rPr lang="en-US" b="1" i="0" dirty="0">
-                <a:solidFill>
-                  <a:srgbClr val="0D0D0D"/>
-                </a:solidFill>
-                <a:effectLst/>
-                <a:highlight>
-                  <a:srgbClr val="FFFFFF"/>
-                </a:highlight>
-                <a:latin typeface="Segoe UI" panose="020B0502040204020203" pitchFamily="34" charset="0"/>
-                <a:cs typeface="Segoe UI" panose="020B0502040204020203" pitchFamily="34" charset="0"/>
-              </a:rPr>
-              <a:t>Python 3.8</a:t>
-            </a:r>
-            <a:r>
-              <a:rPr lang="en-US" b="0" i="0" dirty="0">
-                <a:solidFill>
-                  <a:srgbClr val="0D0D0D"/>
-                </a:solidFill>
-                <a:effectLst/>
-                <a:highlight>
-                  <a:srgbClr val="FFFFFF"/>
-                </a:highlight>
-                <a:latin typeface="Segoe UI" panose="020B0502040204020203" pitchFamily="34" charset="0"/>
-                <a:cs typeface="Segoe UI" panose="020B0502040204020203" pitchFamily="34" charset="0"/>
-              </a:rPr>
-              <a:t> as the runtime.</a:t>
-            </a:r>
-          </a:p>
-          <a:p>
-            <a:pPr marL="342900" indent="-342900" algn="l">
-              <a:lnSpc>
-                <a:spcPct val="150000"/>
-              </a:lnSpc>
-              <a:buFont typeface="+mj-lt"/>
-              <a:buAutoNum type="arabicPeriod"/>
-            </a:pPr>
-            <a:r>
-              <a:rPr lang="en-US" b="0" i="0" dirty="0">
-                <a:solidFill>
-                  <a:srgbClr val="0D0D0D"/>
-                </a:solidFill>
-                <a:effectLst/>
-                <a:highlight>
-                  <a:srgbClr val="FFFFFF"/>
-                </a:highlight>
-                <a:latin typeface="Segoe UI" panose="020B0502040204020203" pitchFamily="34" charset="0"/>
-                <a:cs typeface="Segoe UI" panose="020B0502040204020203" pitchFamily="34" charset="0"/>
-              </a:rPr>
-              <a:t>Under </a:t>
-            </a:r>
-            <a:r>
-              <a:rPr lang="en-US" b="1" i="0" dirty="0">
-                <a:solidFill>
-                  <a:srgbClr val="0D0D0D"/>
-                </a:solidFill>
-                <a:effectLst/>
-                <a:highlight>
-                  <a:srgbClr val="FFFFFF"/>
-                </a:highlight>
-                <a:latin typeface="Segoe UI" panose="020B0502040204020203" pitchFamily="34" charset="0"/>
-                <a:cs typeface="Segoe UI" panose="020B0502040204020203" pitchFamily="34" charset="0"/>
-              </a:rPr>
-              <a:t>Permissions</a:t>
-            </a:r>
-            <a:r>
-              <a:rPr lang="en-US" b="0" i="0" dirty="0">
-                <a:solidFill>
-                  <a:srgbClr val="0D0D0D"/>
-                </a:solidFill>
-                <a:effectLst/>
-                <a:highlight>
-                  <a:srgbClr val="FFFFFF"/>
-                </a:highlight>
-                <a:latin typeface="Segoe UI" panose="020B0502040204020203" pitchFamily="34" charset="0"/>
-                <a:cs typeface="Segoe UI" panose="020B0502040204020203" pitchFamily="34" charset="0"/>
-              </a:rPr>
-              <a:t>, choose or create an execution role that has at least the basic Lambda permissions plus permissions to read from S3 and invalidate CloudFront distributions.</a:t>
-            </a:r>
-          </a:p>
-          <a:p>
-            <a:pPr marL="342900" indent="-342900" algn="l">
-              <a:lnSpc>
-                <a:spcPct val="150000"/>
-              </a:lnSpc>
-              <a:buFont typeface="+mj-lt"/>
-              <a:buAutoNum type="arabicPeriod"/>
-            </a:pPr>
-            <a:r>
-              <a:rPr lang="en-US" b="0" i="0" dirty="0">
-                <a:solidFill>
-                  <a:srgbClr val="0D0D0D"/>
-                </a:solidFill>
-                <a:effectLst/>
-                <a:highlight>
-                  <a:srgbClr val="FFFFFF"/>
-                </a:highlight>
-                <a:latin typeface="Segoe UI" panose="020B0502040204020203" pitchFamily="34" charset="0"/>
-                <a:cs typeface="Segoe UI" panose="020B0502040204020203" pitchFamily="34" charset="0"/>
-              </a:rPr>
-              <a:t>Click the </a:t>
-            </a:r>
-            <a:r>
-              <a:rPr lang="en-US" b="1" i="0" dirty="0">
-                <a:solidFill>
-                  <a:srgbClr val="0D0D0D"/>
-                </a:solidFill>
-                <a:effectLst/>
-                <a:highlight>
-                  <a:srgbClr val="FFFFFF"/>
-                </a:highlight>
-                <a:latin typeface="Segoe UI" panose="020B0502040204020203" pitchFamily="34" charset="0"/>
-                <a:cs typeface="Segoe UI" panose="020B0502040204020203" pitchFamily="34" charset="0"/>
-              </a:rPr>
-              <a:t>Create function</a:t>
-            </a:r>
-            <a:r>
-              <a:rPr lang="en-US" b="0" i="0" dirty="0">
-                <a:solidFill>
-                  <a:srgbClr val="0D0D0D"/>
-                </a:solidFill>
-                <a:effectLst/>
-                <a:highlight>
-                  <a:srgbClr val="FFFFFF"/>
-                </a:highlight>
-                <a:latin typeface="Segoe UI" panose="020B0502040204020203" pitchFamily="34" charset="0"/>
-                <a:cs typeface="Segoe UI" panose="020B0502040204020203" pitchFamily="34" charset="0"/>
-              </a:rPr>
-              <a:t>.</a:t>
+              <a:t>AWS Lambda with S3 Event Notifications and CloudFront Cache Invalidation</a:t>
             </a:r>
           </a:p>
         </p:txBody>
@@ -6408,303 +12678,7 @@
     </p:spTree>
     <p:extLst>
       <p:ext uri="{BB962C8B-B14F-4D97-AF65-F5344CB8AC3E}">
-        <p14:creationId xmlns:p14="http://schemas.microsoft.com/office/powerpoint/2010/main" val="841529581"/>
-      </p:ext>
-    </p:extLst>
-  </p:cSld>
-  <p:clrMapOvr>
-    <a:masterClrMapping/>
-  </p:clrMapOvr>
-</p:sld>
-</file>
-
-<file path=ppt/slides/slide9.xml><?xml version="1.0" encoding="utf-8"?>
-<p:sld xmlns:a="http://schemas.openxmlformats.org/drawingml/2006/main" xmlns:r="http://schemas.openxmlformats.org/officeDocument/2006/relationships" xmlns:p="http://schemas.openxmlformats.org/presentationml/2006/main">
-  <p:cSld>
-    <p:spTree>
-      <p:nvGrpSpPr>
-        <p:cNvPr id="1" name=""/>
-        <p:cNvGrpSpPr/>
-        <p:nvPr/>
-      </p:nvGrpSpPr>
-      <p:grpSpPr>
-        <a:xfrm>
-          <a:off x="0" y="0"/>
-          <a:ext cx="0" cy="0"/>
-          <a:chOff x="0" y="0"/>
-          <a:chExt cx="0" cy="0"/>
-        </a:xfrm>
-      </p:grpSpPr>
-      <p:sp>
-        <p:nvSpPr>
-          <p:cNvPr id="2" name="TextBox 1">
-            <a:extLst>
-              <a:ext uri="{FF2B5EF4-FFF2-40B4-BE49-F238E27FC236}">
-                <a16:creationId xmlns:a16="http://schemas.microsoft.com/office/drawing/2014/main" id="{2C265965-136C-12A1-055A-8C1D00DA0493}"/>
-              </a:ext>
-            </a:extLst>
-          </p:cNvPr>
-          <p:cNvSpPr txBox="1"/>
-          <p:nvPr/>
-        </p:nvSpPr>
-        <p:spPr>
-          <a:xfrm>
-            <a:off x="4027332" y="303322"/>
-            <a:ext cx="4613748" cy="646331"/>
-          </a:xfrm>
-          <a:prstGeom prst="rect">
-            <a:avLst/>
-          </a:prstGeom>
-          <a:noFill/>
-        </p:spPr>
-        <p:txBody>
-          <a:bodyPr wrap="square" rtlCol="0">
-            <a:spAutoFit/>
-          </a:bodyPr>
-          <a:lstStyle/>
-          <a:p>
-            <a:r>
-              <a:rPr lang="en-IN" dirty="0"/>
-              <a:t>Update the Cache of the CloudFront distribution </a:t>
-            </a:r>
-          </a:p>
-        </p:txBody>
-      </p:sp>
-      <p:sp>
-        <p:nvSpPr>
-          <p:cNvPr id="3" name="Rectangle 2">
-            <a:extLst>
-              <a:ext uri="{FF2B5EF4-FFF2-40B4-BE49-F238E27FC236}">
-                <a16:creationId xmlns:a16="http://schemas.microsoft.com/office/drawing/2014/main" id="{A6AE37A1-9329-E66A-748C-E67F9664C20D}"/>
-              </a:ext>
-            </a:extLst>
-          </p:cNvPr>
-          <p:cNvSpPr/>
-          <p:nvPr/>
-        </p:nvSpPr>
-        <p:spPr>
-          <a:xfrm>
-            <a:off x="3453752" y="198089"/>
-            <a:ext cx="4613747" cy="751564"/>
-          </a:xfrm>
-          <a:prstGeom prst="rect">
-            <a:avLst/>
-          </a:prstGeom>
-          <a:solidFill>
-            <a:schemeClr val="accent4">
-              <a:alpha val="50000"/>
-            </a:schemeClr>
-          </a:solidFill>
-          <a:ln>
-            <a:noFill/>
-          </a:ln>
-        </p:spPr>
-        <p:style>
-          <a:lnRef idx="0">
-            <a:scrgbClr r="0" g="0" b="0"/>
-          </a:lnRef>
-          <a:fillRef idx="0">
-            <a:scrgbClr r="0" g="0" b="0"/>
-          </a:fillRef>
-          <a:effectRef idx="0">
-            <a:scrgbClr r="0" g="0" b="0"/>
-          </a:effectRef>
-          <a:fontRef idx="minor">
-            <a:schemeClr val="lt1"/>
-          </a:fontRef>
-        </p:style>
-        <p:txBody>
-          <a:bodyPr rtlCol="0" anchor="ctr"/>
-          <a:lstStyle/>
-          <a:p>
-            <a:pPr algn="ctr"/>
-            <a:endParaRPr lang="en-IN" dirty="0"/>
-          </a:p>
-        </p:txBody>
-      </p:sp>
-      <p:sp>
-        <p:nvSpPr>
-          <p:cNvPr id="7" name="Rectangle 6">
-            <a:extLst>
-              <a:ext uri="{FF2B5EF4-FFF2-40B4-BE49-F238E27FC236}">
-                <a16:creationId xmlns:a16="http://schemas.microsoft.com/office/drawing/2014/main" id="{C2B2A8F1-8D21-214D-E9FF-F7781E10252B}"/>
-              </a:ext>
-            </a:extLst>
-          </p:cNvPr>
-          <p:cNvSpPr/>
-          <p:nvPr/>
-        </p:nvSpPr>
-        <p:spPr>
-          <a:xfrm>
-            <a:off x="786384" y="1527048"/>
-            <a:ext cx="10323576" cy="4517136"/>
-          </a:xfrm>
-          <a:prstGeom prst="rect">
-            <a:avLst/>
-          </a:prstGeom>
-          <a:noFill/>
-          <a:ln w="9525" cap="flat" cmpd="sng" algn="ctr">
-            <a:solidFill>
-              <a:schemeClr val="accent3"/>
-            </a:solidFill>
-            <a:prstDash val="solid"/>
-            <a:round/>
-            <a:headEnd type="none" w="med" len="med"/>
-            <a:tailEnd type="none" w="med" len="med"/>
-          </a:ln>
-        </p:spPr>
-        <p:style>
-          <a:lnRef idx="0">
-            <a:scrgbClr r="0" g="0" b="0"/>
-          </a:lnRef>
-          <a:fillRef idx="0">
-            <a:scrgbClr r="0" g="0" b="0"/>
-          </a:fillRef>
-          <a:effectRef idx="0">
-            <a:scrgbClr r="0" g="0" b="0"/>
-          </a:effectRef>
-          <a:fontRef idx="minor">
-            <a:schemeClr val="accent3"/>
-          </a:fontRef>
-        </p:style>
-        <p:txBody>
-          <a:bodyPr rtlCol="0" anchor="ctr"/>
-          <a:lstStyle/>
-          <a:p>
-            <a:pPr algn="ctr"/>
-            <a:endParaRPr lang="en-IN" dirty="0"/>
-          </a:p>
-        </p:txBody>
-      </p:sp>
-      <p:sp>
-        <p:nvSpPr>
-          <p:cNvPr id="5" name="TextBox 4">
-            <a:extLst>
-              <a:ext uri="{FF2B5EF4-FFF2-40B4-BE49-F238E27FC236}">
-                <a16:creationId xmlns:a16="http://schemas.microsoft.com/office/drawing/2014/main" id="{7E5E88B9-8C5A-928D-A8F5-6924CAA63974}"/>
-              </a:ext>
-            </a:extLst>
-          </p:cNvPr>
-          <p:cNvSpPr txBox="1"/>
-          <p:nvPr/>
-        </p:nvSpPr>
-        <p:spPr>
-          <a:xfrm>
-            <a:off x="1106424" y="1891187"/>
-            <a:ext cx="9683496" cy="3788858"/>
-          </a:xfrm>
-          <a:prstGeom prst="rect">
-            <a:avLst/>
-          </a:prstGeom>
-          <a:noFill/>
-        </p:spPr>
-        <p:txBody>
-          <a:bodyPr wrap="square">
-            <a:spAutoFit/>
-          </a:bodyPr>
-          <a:lstStyle>
-            <a:defPPr>
-              <a:defRPr lang="en-US"/>
-            </a:defPPr>
-            <a:lvl1pPr>
-              <a:lnSpc>
-                <a:spcPct val="150000"/>
-              </a:lnSpc>
-              <a:defRPr b="1" i="0">
-                <a:solidFill>
-                  <a:srgbClr val="0D0D0D"/>
-                </a:solidFill>
-                <a:effectLst/>
-                <a:highlight>
-                  <a:srgbClr val="FFFFFF"/>
-                </a:highlight>
-                <a:latin typeface="Segoe UI" panose="020B0502040204020203" pitchFamily="34" charset="0"/>
-                <a:cs typeface="Segoe UI" panose="020B0502040204020203" pitchFamily="34" charset="0"/>
-              </a:defRPr>
-            </a:lvl1pPr>
-          </a:lstStyle>
-          <a:p>
-            <a:r>
-              <a:rPr lang="en-US" dirty="0"/>
-              <a:t>Step 3: Set S3 Event Notifications</a:t>
-            </a:r>
-          </a:p>
-          <a:p>
-            <a:pPr marL="342900" indent="-342900">
-              <a:buFont typeface="+mj-lt"/>
-              <a:buAutoNum type="arabicPeriod"/>
-            </a:pPr>
-            <a:r>
-              <a:rPr lang="en-US" b="0" dirty="0"/>
-              <a:t>Go to your S3 bucket in the S3 console.</a:t>
-            </a:r>
-          </a:p>
-          <a:p>
-            <a:pPr marL="342900" indent="-342900">
-              <a:buFont typeface="+mj-lt"/>
-              <a:buAutoNum type="arabicPeriod"/>
-            </a:pPr>
-            <a:r>
-              <a:rPr lang="en-US" b="0" dirty="0"/>
-              <a:t>Click on Properties &gt; Event notifications.</a:t>
-            </a:r>
-          </a:p>
-          <a:p>
-            <a:pPr marL="342900" indent="-342900">
-              <a:buFont typeface="+mj-lt"/>
-              <a:buAutoNum type="arabicPeriod"/>
-            </a:pPr>
-            <a:r>
-              <a:rPr lang="en-US" b="0" dirty="0"/>
-              <a:t>Click Create event notification.</a:t>
-            </a:r>
-          </a:p>
-          <a:p>
-            <a:pPr marL="342900" indent="-342900">
-              <a:buFont typeface="+mj-lt"/>
-              <a:buAutoNum type="arabicPeriod"/>
-            </a:pPr>
-            <a:r>
-              <a:rPr lang="en-US" b="0" dirty="0"/>
-              <a:t>Name your event, and select All object create events and All object delete events under the “Events”.</a:t>
-            </a:r>
-          </a:p>
-          <a:p>
-            <a:pPr marL="342900" indent="-342900">
-              <a:buFont typeface="+mj-lt"/>
-              <a:buAutoNum type="arabicPeriod"/>
-            </a:pPr>
-            <a:r>
-              <a:rPr lang="en-US" b="0" dirty="0"/>
-              <a:t>Under “Destination”, select the Lambda function.</a:t>
-            </a:r>
-          </a:p>
-          <a:p>
-            <a:pPr marL="342900" indent="-342900">
-              <a:buFont typeface="+mj-lt"/>
-              <a:buAutoNum type="arabicPeriod"/>
-            </a:pPr>
-            <a:r>
-              <a:rPr lang="en-US" b="0" dirty="0"/>
-              <a:t>Choose the Lambda function you created in Step 2.</a:t>
-            </a:r>
-          </a:p>
-          <a:p>
-            <a:pPr marL="342900" indent="-342900">
-              <a:buFont typeface="+mj-lt"/>
-              <a:buAutoNum type="arabicPeriod"/>
-            </a:pPr>
-            <a:r>
-              <a:rPr lang="en-US" b="0" dirty="0"/>
-              <a:t>Click Save changes.</a:t>
-            </a:r>
-          </a:p>
-        </p:txBody>
-      </p:sp>
-    </p:spTree>
-    <p:extLst>
-      <p:ext uri="{BB962C8B-B14F-4D97-AF65-F5344CB8AC3E}">
-        <p14:creationId xmlns:p14="http://schemas.microsoft.com/office/powerpoint/2010/main" val="1795457676"/>
+        <p14:creationId xmlns:p14="http://schemas.microsoft.com/office/powerpoint/2010/main" val="214932322"/>
       </p:ext>
     </p:extLst>
   </p:cSld>
